--- a/09. Intro-to-Azure/Intro-to-Azure.pptx
+++ b/09. Intro-to-Azure/Intro-to-Azure.pptx
@@ -5,22 +5,34 @@
     <p:sldMasterId id="2147483705" r:id="rId1"/>
   </p:sldMasterIdLst>
   <p:notesMasterIdLst>
-    <p:notesMasterId r:id="rId7"/>
+    <p:notesMasterId r:id="rId19"/>
   </p:notesMasterIdLst>
   <p:handoutMasterIdLst>
-    <p:handoutMasterId r:id="rId8"/>
+    <p:handoutMasterId r:id="rId20"/>
   </p:handoutMasterIdLst>
   <p:sldIdLst>
     <p:sldId id="570" r:id="rId2"/>
     <p:sldId id="572" r:id="rId3"/>
-    <p:sldId id="573" r:id="rId4"/>
-    <p:sldId id="571" r:id="rId5"/>
-    <p:sldId id="333" r:id="rId6"/>
+    <p:sldId id="574" r:id="rId4"/>
+    <p:sldId id="575" r:id="rId5"/>
+    <p:sldId id="584" r:id="rId6"/>
+    <p:sldId id="585" r:id="rId7"/>
+    <p:sldId id="586" r:id="rId8"/>
+    <p:sldId id="576" r:id="rId9"/>
+    <p:sldId id="579" r:id="rId10"/>
+    <p:sldId id="580" r:id="rId11"/>
+    <p:sldId id="581" r:id="rId12"/>
+    <p:sldId id="583" r:id="rId13"/>
+    <p:sldId id="582" r:id="rId14"/>
+    <p:sldId id="578" r:id="rId15"/>
+    <p:sldId id="577" r:id="rId16"/>
+    <p:sldId id="571" r:id="rId17"/>
+    <p:sldId id="333" r:id="rId18"/>
   </p:sldIdLst>
   <p:sldSz cx="9144000" cy="6858000" type="screen4x3"/>
   <p:notesSz cx="6881813" cy="9296400"/>
   <p:custDataLst>
-    <p:tags r:id="rId9"/>
+    <p:tags r:id="rId21"/>
   </p:custDataLst>
   <p:defaultTextStyle>
     <a:defPPr>
@@ -154,7 +166,31 @@
           <p14:sldIdLst>
             <p14:sldId id="570"/>
             <p14:sldId id="572"/>
-            <p14:sldId id="573"/>
+          </p14:sldIdLst>
+        </p14:section>
+        <p14:section name="Introduction" id="{00BEFB06-8954-43B6-88E4-C56578596A15}">
+          <p14:sldIdLst>
+            <p14:sldId id="574"/>
+            <p14:sldId id="575"/>
+            <p14:sldId id="584"/>
+            <p14:sldId id="585"/>
+            <p14:sldId id="586"/>
+          </p14:sldIdLst>
+        </p14:section>
+        <p14:section name="Computing" id="{2A763711-0409-44B1-B92B-1295812A35D7}">
+          <p14:sldIdLst>
+            <p14:sldId id="576"/>
+            <p14:sldId id="579"/>
+            <p14:sldId id="580"/>
+            <p14:sldId id="581"/>
+            <p14:sldId id="583"/>
+          </p14:sldIdLst>
+        </p14:section>
+        <p14:section name="Untitled Section" id="{164B0FBF-03F5-4A62-82DE-D3EE89C6F66C}">
+          <p14:sldIdLst>
+            <p14:sldId id="582"/>
+            <p14:sldId id="578"/>
+            <p14:sldId id="577"/>
           </p14:sldIdLst>
         </p14:section>
         <p14:section name="Questions" id="{8D72C05E-39A0-4D2C-9043-EFF11327E274}">
@@ -12372,7 +12408,485 @@
 </p:sld>
 </file>
 
-<file path=ppt/slides/slide2.xml><?xml version="1.0" encoding="utf-8"?>
+<file path=ppt/slides/slide10.xml><?xml version="1.0" encoding="utf-8"?>
+<p:sld xmlns:a="http://schemas.openxmlformats.org/drawingml/2006/main" xmlns:r="http://schemas.openxmlformats.org/officeDocument/2006/relationships" xmlns:p="http://schemas.openxmlformats.org/presentationml/2006/main">
+  <p:cSld>
+    <p:spTree>
+      <p:nvGrpSpPr>
+        <p:cNvPr id="1" name=""/>
+        <p:cNvGrpSpPr/>
+        <p:nvPr/>
+      </p:nvGrpSpPr>
+      <p:grpSpPr>
+        <a:xfrm>
+          <a:off x="0" y="0"/>
+          <a:ext cx="0" cy="0"/>
+          <a:chOff x="0" y="0"/>
+          <a:chExt cx="0" cy="0"/>
+        </a:xfrm>
+      </p:grpSpPr>
+      <p:sp>
+        <p:nvSpPr>
+          <p:cNvPr id="4" name="Title 3"/>
+          <p:cNvSpPr>
+            <a:spLocks noGrp="1"/>
+          </p:cNvSpPr>
+          <p:nvPr>
+            <p:ph type="title"/>
+          </p:nvPr>
+        </p:nvSpPr>
+        <p:spPr/>
+        <p:txBody>
+          <a:bodyPr/>
+          <a:lstStyle/>
+          <a:p>
+            <a:r>
+              <a:rPr lang="en-US" dirty="0">
+                <a:effectLst/>
+              </a:rPr>
+              <a:t>Web + </a:t>
+            </a:r>
+            <a:r>
+              <a:rPr lang="en-US" dirty="0" smtClean="0">
+                <a:effectLst/>
+              </a:rPr>
+              <a:t>Mobile</a:t>
+            </a:r>
+            <a:endParaRPr lang="en-US" dirty="0"/>
+          </a:p>
+        </p:txBody>
+      </p:sp>
+      <p:sp>
+        <p:nvSpPr>
+          <p:cNvPr id="5" name="Content Placeholder 4"/>
+          <p:cNvSpPr>
+            <a:spLocks noGrp="1"/>
+          </p:cNvSpPr>
+          <p:nvPr>
+            <p:ph idx="1"/>
+          </p:nvPr>
+        </p:nvSpPr>
+        <p:spPr/>
+        <p:txBody>
+          <a:bodyPr/>
+          <a:lstStyle/>
+          <a:p>
+            <a:r>
+              <a:rPr lang="en-US" dirty="0" smtClean="0"/>
+              <a:t>Web and Mobile Services by Microsoft Azure</a:t>
+            </a:r>
+            <a:endParaRPr lang="en-US" dirty="0"/>
+          </a:p>
+        </p:txBody>
+      </p:sp>
+      <p:pic>
+        <p:nvPicPr>
+          <p:cNvPr id="6" name="Picture 5"/>
+          <p:cNvPicPr>
+            <a:picLocks noChangeAspect="1"/>
+          </p:cNvPicPr>
+          <p:nvPr/>
+        </p:nvPicPr>
+        <p:blipFill>
+          <a:blip r:embed="rId2"/>
+          <a:stretch>
+            <a:fillRect/>
+          </a:stretch>
+        </p:blipFill>
+        <p:spPr>
+          <a:xfrm>
+            <a:off x="457200" y="1524000"/>
+            <a:ext cx="2362530" cy="4982270"/>
+          </a:xfrm>
+          <a:prstGeom prst="rect">
+            <a:avLst/>
+          </a:prstGeom>
+        </p:spPr>
+      </p:pic>
+      <p:pic>
+        <p:nvPicPr>
+          <p:cNvPr id="7" name="Picture 6"/>
+          <p:cNvPicPr>
+            <a:picLocks noChangeAspect="1"/>
+          </p:cNvPicPr>
+          <p:nvPr/>
+        </p:nvPicPr>
+        <p:blipFill>
+          <a:blip r:embed="rId3"/>
+          <a:stretch>
+            <a:fillRect/>
+          </a:stretch>
+        </p:blipFill>
+        <p:spPr>
+          <a:xfrm>
+            <a:off x="2895600" y="1524000"/>
+            <a:ext cx="2362530" cy="4982270"/>
+          </a:xfrm>
+          <a:prstGeom prst="rect">
+            <a:avLst/>
+          </a:prstGeom>
+        </p:spPr>
+      </p:pic>
+      <p:pic>
+        <p:nvPicPr>
+          <p:cNvPr id="8" name="Picture 7"/>
+          <p:cNvPicPr>
+            <a:picLocks noChangeAspect="1"/>
+          </p:cNvPicPr>
+          <p:nvPr/>
+        </p:nvPicPr>
+        <p:blipFill>
+          <a:blip r:embed="rId4"/>
+          <a:stretch>
+            <a:fillRect/>
+          </a:stretch>
+        </p:blipFill>
+        <p:spPr>
+          <a:xfrm>
+            <a:off x="5334000" y="1524000"/>
+            <a:ext cx="3437207" cy="4982270"/>
+          </a:xfrm>
+          <a:prstGeom prst="rect">
+            <a:avLst/>
+          </a:prstGeom>
+          <a:ln>
+            <a:noFill/>
+          </a:ln>
+          <a:effectLst>
+            <a:outerShdw blurRad="292100" dist="139700" dir="2700000" algn="tl" rotWithShape="0">
+              <a:srgbClr val="333333">
+                <a:alpha val="65000"/>
+              </a:srgbClr>
+            </a:outerShdw>
+          </a:effectLst>
+        </p:spPr>
+      </p:pic>
+    </p:spTree>
+    <p:extLst>
+      <p:ext uri="{BB962C8B-B14F-4D97-AF65-F5344CB8AC3E}">
+        <p14:creationId xmlns:p14="http://schemas.microsoft.com/office/powerpoint/2010/main" val="647744338"/>
+      </p:ext>
+    </p:extLst>
+  </p:cSld>
+  <p:clrMapOvr>
+    <a:masterClrMapping/>
+  </p:clrMapOvr>
+</p:sld>
+</file>
+
+<file path=ppt/slides/slide11.xml><?xml version="1.0" encoding="utf-8"?>
+<p:sld xmlns:a="http://schemas.openxmlformats.org/drawingml/2006/main" xmlns:r="http://schemas.openxmlformats.org/officeDocument/2006/relationships" xmlns:p="http://schemas.openxmlformats.org/presentationml/2006/main">
+  <p:cSld>
+    <p:spTree>
+      <p:nvGrpSpPr>
+        <p:cNvPr id="1" name=""/>
+        <p:cNvGrpSpPr/>
+        <p:nvPr/>
+      </p:nvGrpSpPr>
+      <p:grpSpPr>
+        <a:xfrm>
+          <a:off x="0" y="0"/>
+          <a:ext cx="0" cy="0"/>
+          <a:chOff x="0" y="0"/>
+          <a:chExt cx="0" cy="0"/>
+        </a:xfrm>
+      </p:grpSpPr>
+      <p:pic>
+        <p:nvPicPr>
+          <p:cNvPr id="4" name="Picture 3"/>
+          <p:cNvPicPr>
+            <a:picLocks noChangeAspect="1"/>
+          </p:cNvPicPr>
+          <p:nvPr/>
+        </p:nvPicPr>
+        <p:blipFill>
+          <a:blip r:embed="rId2"/>
+          <a:stretch>
+            <a:fillRect/>
+          </a:stretch>
+        </p:blipFill>
+        <p:spPr>
+          <a:xfrm>
+            <a:off x="1109370" y="762000"/>
+            <a:ext cx="6925259" cy="2918390"/>
+          </a:xfrm>
+          <a:prstGeom prst="roundRect">
+            <a:avLst>
+              <a:gd name="adj" fmla="val 0"/>
+            </a:avLst>
+          </a:prstGeom>
+          <a:solidFill>
+            <a:srgbClr val="FFFFFF">
+              <a:shade val="85000"/>
+            </a:srgbClr>
+          </a:solidFill>
+          <a:ln>
+            <a:noFill/>
+          </a:ln>
+          <a:effectLst>
+            <a:reflection blurRad="12700" stA="38000" endPos="28000" dist="5000" dir="5400000" sy="-100000" algn="bl" rotWithShape="0"/>
+          </a:effectLst>
+        </p:spPr>
+      </p:pic>
+      <p:sp>
+        <p:nvSpPr>
+          <p:cNvPr id="2" name="Title 1"/>
+          <p:cNvSpPr>
+            <a:spLocks noGrp="1"/>
+          </p:cNvSpPr>
+          <p:nvPr>
+            <p:ph type="ctrTitle"/>
+          </p:nvPr>
+        </p:nvSpPr>
+        <p:spPr>
+          <a:xfrm>
+            <a:off x="609600" y="3505200"/>
+            <a:ext cx="7924800" cy="1371600"/>
+          </a:xfrm>
+        </p:spPr>
+        <p:txBody>
+          <a:bodyPr/>
+          <a:lstStyle/>
+          <a:p>
+            <a:r>
+              <a:rPr lang="en-US" dirty="0"/>
+              <a:t>Demo: </a:t>
+            </a:r>
+            <a:r>
+              <a:rPr lang="en-US" dirty="0" smtClean="0"/>
+              <a:t>Create API App</a:t>
+            </a:r>
+            <a:endParaRPr lang="en-US" dirty="0"/>
+          </a:p>
+        </p:txBody>
+      </p:sp>
+      <p:sp>
+        <p:nvSpPr>
+          <p:cNvPr id="3" name="Content Placeholder 2"/>
+          <p:cNvSpPr>
+            <a:spLocks noGrp="1"/>
+          </p:cNvSpPr>
+          <p:nvPr>
+            <p:ph type="subTitle" idx="1"/>
+          </p:nvPr>
+        </p:nvSpPr>
+        <p:spPr>
+          <a:xfrm>
+            <a:off x="609600" y="4917279"/>
+            <a:ext cx="7924800" cy="1483520"/>
+          </a:xfrm>
+        </p:spPr>
+        <p:txBody>
+          <a:bodyPr/>
+          <a:lstStyle/>
+          <a:p>
+            <a:pPr marL="514350" indent="-514350">
+              <a:buFont typeface="+mj-lt"/>
+              <a:buAutoNum type="arabicPeriod"/>
+            </a:pPr>
+            <a:r>
+              <a:rPr lang="en-US" dirty="0" err="1" smtClean="0"/>
+              <a:t>asd</a:t>
+            </a:r>
+            <a:endParaRPr lang="en-US" dirty="0"/>
+          </a:p>
+        </p:txBody>
+      </p:sp>
+    </p:spTree>
+    <p:extLst>
+      <p:ext uri="{BB962C8B-B14F-4D97-AF65-F5344CB8AC3E}">
+        <p14:creationId xmlns:p14="http://schemas.microsoft.com/office/powerpoint/2010/main" val="1284075065"/>
+      </p:ext>
+    </p:extLst>
+  </p:cSld>
+  <p:clrMapOvr>
+    <a:masterClrMapping/>
+  </p:clrMapOvr>
+</p:sld>
+</file>
+
+<file path=ppt/slides/slide12.xml><?xml version="1.0" encoding="utf-8"?>
+<p:sld xmlns:a="http://schemas.openxmlformats.org/drawingml/2006/main" xmlns:r="http://schemas.openxmlformats.org/officeDocument/2006/relationships" xmlns:p="http://schemas.openxmlformats.org/presentationml/2006/main">
+  <p:cSld>
+    <p:spTree>
+      <p:nvGrpSpPr>
+        <p:cNvPr id="1" name=""/>
+        <p:cNvGrpSpPr/>
+        <p:nvPr/>
+      </p:nvGrpSpPr>
+      <p:grpSpPr>
+        <a:xfrm>
+          <a:off x="0" y="0"/>
+          <a:ext cx="0" cy="0"/>
+          <a:chOff x="0" y="0"/>
+          <a:chExt cx="0" cy="0"/>
+        </a:xfrm>
+      </p:grpSpPr>
+      <p:sp>
+        <p:nvSpPr>
+          <p:cNvPr id="2" name="Title 1"/>
+          <p:cNvSpPr>
+            <a:spLocks noGrp="1"/>
+          </p:cNvSpPr>
+          <p:nvPr>
+            <p:ph type="ctrTitle"/>
+          </p:nvPr>
+        </p:nvSpPr>
+        <p:spPr>
+          <a:xfrm>
+            <a:off x="609600" y="3505200"/>
+            <a:ext cx="7924800" cy="1371600"/>
+          </a:xfrm>
+        </p:spPr>
+        <p:txBody>
+          <a:bodyPr/>
+          <a:lstStyle/>
+          <a:p>
+            <a:r>
+              <a:rPr lang="en-US" dirty="0"/>
+              <a:t>Demo: </a:t>
+            </a:r>
+            <a:r>
+              <a:rPr lang="en-US" dirty="0" smtClean="0"/>
+              <a:t>Deploy ASP.NET Web API in the Cloud</a:t>
+            </a:r>
+            <a:endParaRPr lang="en-US" dirty="0"/>
+          </a:p>
+        </p:txBody>
+      </p:sp>
+      <p:sp>
+        <p:nvSpPr>
+          <p:cNvPr id="3" name="Content Placeholder 2"/>
+          <p:cNvSpPr>
+            <a:spLocks noGrp="1"/>
+          </p:cNvSpPr>
+          <p:nvPr>
+            <p:ph type="subTitle" idx="1"/>
+          </p:nvPr>
+        </p:nvSpPr>
+        <p:spPr>
+          <a:xfrm>
+            <a:off x="609600" y="4917279"/>
+            <a:ext cx="7924800" cy="1483520"/>
+          </a:xfrm>
+        </p:spPr>
+        <p:txBody>
+          <a:bodyPr/>
+          <a:lstStyle/>
+          <a:p>
+            <a:pPr marL="514350" indent="-514350">
+              <a:buFont typeface="+mj-lt"/>
+              <a:buAutoNum type="arabicPeriod"/>
+            </a:pPr>
+            <a:r>
+              <a:rPr lang="en-US" dirty="0" err="1" smtClean="0"/>
+              <a:t>asd</a:t>
+            </a:r>
+            <a:endParaRPr lang="en-US" dirty="0"/>
+          </a:p>
+        </p:txBody>
+      </p:sp>
+    </p:spTree>
+    <p:extLst>
+      <p:ext uri="{BB962C8B-B14F-4D97-AF65-F5344CB8AC3E}">
+        <p14:creationId xmlns:p14="http://schemas.microsoft.com/office/powerpoint/2010/main" val="248371082"/>
+      </p:ext>
+    </p:extLst>
+  </p:cSld>
+  <p:clrMapOvr>
+    <a:masterClrMapping/>
+  </p:clrMapOvr>
+</p:sld>
+</file>
+
+<file path=ppt/slides/slide13.xml><?xml version="1.0" encoding="utf-8"?>
+<p:sld xmlns:a="http://schemas.openxmlformats.org/drawingml/2006/main" xmlns:r="http://schemas.openxmlformats.org/officeDocument/2006/relationships" xmlns:p="http://schemas.openxmlformats.org/presentationml/2006/main">
+  <p:cSld>
+    <p:spTree>
+      <p:nvGrpSpPr>
+        <p:cNvPr id="1" name=""/>
+        <p:cNvGrpSpPr/>
+        <p:nvPr/>
+      </p:nvGrpSpPr>
+      <p:grpSpPr>
+        <a:xfrm>
+          <a:off x="0" y="0"/>
+          <a:ext cx="0" cy="0"/>
+          <a:chOff x="0" y="0"/>
+          <a:chExt cx="0" cy="0"/>
+        </a:xfrm>
+      </p:grpSpPr>
+      <p:sp>
+        <p:nvSpPr>
+          <p:cNvPr id="4" name="Title 3"/>
+          <p:cNvSpPr>
+            <a:spLocks noGrp="1"/>
+          </p:cNvSpPr>
+          <p:nvPr>
+            <p:ph type="title"/>
+          </p:nvPr>
+        </p:nvSpPr>
+        <p:spPr/>
+        <p:txBody>
+          <a:bodyPr/>
+          <a:lstStyle/>
+          <a:p>
+            <a:r>
+              <a:rPr lang="en-US" dirty="0" smtClean="0"/>
+              <a:t>Storage</a:t>
+            </a:r>
+            <a:endParaRPr lang="en-US" dirty="0"/>
+          </a:p>
+        </p:txBody>
+      </p:sp>
+      <p:sp>
+        <p:nvSpPr>
+          <p:cNvPr id="5" name="Content Placeholder 4"/>
+          <p:cNvSpPr>
+            <a:spLocks noGrp="1"/>
+          </p:cNvSpPr>
+          <p:nvPr>
+            <p:ph idx="1"/>
+          </p:nvPr>
+        </p:nvSpPr>
+        <p:spPr/>
+        <p:txBody>
+          <a:bodyPr/>
+          <a:lstStyle/>
+          <a:p>
+            <a:r>
+              <a:rPr lang="en-US" dirty="0">
+                <a:hlinkClick r:id="rId2"/>
+              </a:rPr>
+              <a:t>https</a:t>
+            </a:r>
+            <a:r>
+              <a:rPr lang="en-US" dirty="0" smtClean="0">
+                <a:hlinkClick r:id="rId2"/>
+              </a:rPr>
+              <a:t>://youtube.com/watch?v=FWGtgpzjAPM</a:t>
+            </a:r>
+            <a:endParaRPr lang="en-US" dirty="0" smtClean="0"/>
+          </a:p>
+          <a:p>
+            <a:endParaRPr lang="en-US" dirty="0"/>
+          </a:p>
+        </p:txBody>
+      </p:sp>
+    </p:spTree>
+    <p:extLst>
+      <p:ext uri="{BB962C8B-B14F-4D97-AF65-F5344CB8AC3E}">
+        <p14:creationId xmlns:p14="http://schemas.microsoft.com/office/powerpoint/2010/main" val="1729711975"/>
+      </p:ext>
+    </p:extLst>
+  </p:cSld>
+  <p:clrMapOvr>
+    <a:masterClrMapping/>
+  </p:clrMapOvr>
+</p:sld>
+</file>
+
+<file path=ppt/slides/slide14.xml><?xml version="1.0" encoding="utf-8"?>
 <p:sld xmlns:a="http://schemas.openxmlformats.org/drawingml/2006/main" xmlns:r="http://schemas.openxmlformats.org/officeDocument/2006/relationships" xmlns:p="http://schemas.openxmlformats.org/presentationml/2006/main">
   <p:cSld>
     <p:spTree>
@@ -12406,7 +12920,7 @@
           <a:p>
             <a:r>
               <a:rPr lang="en-US" dirty="0" smtClean="0"/>
-              <a:t>Table of Contents</a:t>
+              <a:t>More Videos</a:t>
             </a:r>
             <a:endParaRPr lang="en-US" dirty="0"/>
           </a:p>
@@ -12429,85 +12943,98 @@
           <a:p>
             <a:r>
               <a:rPr lang="en-US" dirty="0" smtClean="0"/>
-              <a:t>What </a:t>
-            </a:r>
+              <a:t>Machine Learning</a:t>
+            </a:r>
+          </a:p>
+          <a:p>
+            <a:pPr lvl="1"/>
+            <a:r>
+              <a:rPr lang="en-US" dirty="0">
+                <a:hlinkClick r:id="rId2"/>
+              </a:rPr>
+              <a:t>https</a:t>
+            </a:r>
+            <a:r>
+              <a:rPr lang="en-US" dirty="0" smtClean="0">
+                <a:hlinkClick r:id="rId2"/>
+              </a:rPr>
+              <a:t>://youtube.com/watch?v=SJtNJepz-pM</a:t>
+            </a:r>
+            <a:endParaRPr lang="en-US" dirty="0" smtClean="0"/>
+          </a:p>
+          <a:p>
             <a:r>
               <a:rPr lang="en-US" dirty="0"/>
-              <a:t>is Microsoft </a:t>
+              <a:t>Microsoft Advanced </a:t>
             </a:r>
             <a:r>
               <a:rPr lang="en-US" dirty="0" smtClean="0"/>
-              <a:t>Azure?</a:t>
-            </a:r>
-            <a:endParaRPr lang="en-US" dirty="0"/>
+              <a:t>Threat Analytics</a:t>
+            </a:r>
+          </a:p>
+          <a:p>
+            <a:pPr lvl="1"/>
+            <a:r>
+              <a:rPr lang="en-US" dirty="0">
+                <a:hlinkClick r:id="rId3"/>
+              </a:rPr>
+              <a:t>https</a:t>
+            </a:r>
+            <a:r>
+              <a:rPr lang="en-US" dirty="0" smtClean="0">
+                <a:hlinkClick r:id="rId3"/>
+              </a:rPr>
+              <a:t>://youtube.com/watch?v</a:t>
+            </a:r>
+            <a:r>
+              <a:rPr lang="en-US" dirty="0">
+                <a:hlinkClick r:id="rId3"/>
+              </a:rPr>
+              <a:t>=-</a:t>
+            </a:r>
+            <a:r>
+              <a:rPr lang="en-US" dirty="0" smtClean="0">
+                <a:hlinkClick r:id="rId3"/>
+              </a:rPr>
+              <a:t>MGg_07MkgY</a:t>
+            </a:r>
+            <a:endParaRPr lang="en-US" dirty="0" smtClean="0"/>
           </a:p>
           <a:p>
             <a:r>
               <a:rPr lang="en-US" dirty="0" smtClean="0"/>
-              <a:t>The </a:t>
-            </a:r>
-            <a:r>
-              <a:rPr lang="en-US" dirty="0"/>
-              <a:t>Components of Azure</a:t>
-            </a:r>
-          </a:p>
-          <a:p>
-            <a:r>
-              <a:rPr lang="en-US" dirty="0" smtClean="0"/>
-              <a:t>Management </a:t>
-            </a:r>
-            <a:r>
-              <a:rPr lang="en-US" dirty="0"/>
-              <a:t>Portal</a:t>
-            </a:r>
-          </a:p>
-          <a:p>
-            <a:r>
-              <a:rPr lang="en-US" dirty="0" smtClean="0"/>
-              <a:t>Compute</a:t>
-            </a:r>
-            <a:endParaRPr lang="en-US" dirty="0"/>
-          </a:p>
-          <a:p>
-            <a:r>
-              <a:rPr lang="en-US" dirty="0" smtClean="0"/>
-              <a:t>Data </a:t>
-            </a:r>
-            <a:r>
-              <a:rPr lang="en-US" dirty="0"/>
-              <a:t>Management</a:t>
-            </a:r>
-          </a:p>
-          <a:p>
-            <a:r>
-              <a:rPr lang="en-US" dirty="0" smtClean="0"/>
-              <a:t>Networking</a:t>
-            </a:r>
-            <a:endParaRPr lang="en-US" dirty="0"/>
-          </a:p>
-          <a:p>
-            <a:r>
-              <a:rPr lang="en-US" dirty="0" smtClean="0"/>
-              <a:t>Developer </a:t>
-            </a:r>
-            <a:r>
-              <a:rPr lang="en-US" dirty="0"/>
-              <a:t>Services</a:t>
-            </a:r>
-          </a:p>
-          <a:p>
-            <a:r>
-              <a:rPr lang="en-US" dirty="0" smtClean="0"/>
-              <a:t>Identity </a:t>
-            </a:r>
-            <a:r>
-              <a:rPr lang="en-US" dirty="0"/>
-              <a:t>and </a:t>
-            </a:r>
-            <a:r>
-              <a:rPr lang="en-US" dirty="0" smtClean="0"/>
-              <a:t>Access</a:t>
-            </a:r>
+              <a:t>Internet of Thinks</a:t>
+            </a:r>
+          </a:p>
+          <a:p>
+            <a:pPr lvl="1"/>
+            <a:r>
+              <a:rPr lang="en-US" dirty="0">
+                <a:hlinkClick r:id="rId4"/>
+              </a:rPr>
+              <a:t>https</a:t>
+            </a:r>
+            <a:r>
+              <a:rPr lang="en-US" dirty="0" smtClean="0">
+                <a:hlinkClick r:id="rId4"/>
+              </a:rPr>
+              <a:t>://youtube.com/watch?v=L8xjSjxaaVA</a:t>
+            </a:r>
+            <a:endParaRPr lang="en-US" dirty="0">
+              <a:hlinkClick r:id="rId4"/>
+            </a:endParaRPr>
+          </a:p>
+          <a:p>
+            <a:pPr lvl="1"/>
+            <a:r>
+              <a:rPr lang="en-US" dirty="0" smtClean="0">
+                <a:hlinkClick r:id="rId4"/>
+              </a:rPr>
+              <a:t>https://youtube.com/watch?v=Z7GzCjT77Po</a:t>
+            </a:r>
+            <a:endParaRPr lang="en-US" dirty="0" smtClean="0"/>
+          </a:p>
+          <a:p>
             <a:endParaRPr lang="en-US" dirty="0"/>
           </a:p>
         </p:txBody>
@@ -12535,7 +13062,7 @@
               <a:pPr>
                 <a:defRPr/>
               </a:pPr>
-              <a:t>2</a:t>
+              <a:t>14</a:t>
             </a:fld>
             <a:endParaRPr lang="en-US" dirty="0"/>
           </a:p>
@@ -12544,7 +13071,7 @@
     </p:spTree>
     <p:extLst>
       <p:ext uri="{BB962C8B-B14F-4D97-AF65-F5344CB8AC3E}">
-        <p14:creationId xmlns:p14="http://schemas.microsoft.com/office/powerpoint/2010/main" val="3021460776"/>
+        <p14:creationId xmlns:p14="http://schemas.microsoft.com/office/powerpoint/2010/main" val="598912816"/>
       </p:ext>
     </p:extLst>
   </p:cSld>
@@ -12554,7 +13081,7 @@
 </p:sld>
 </file>
 
-<file path=ppt/slides/slide3.xml><?xml version="1.0" encoding="utf-8"?>
+<file path=ppt/slides/slide15.xml><?xml version="1.0" encoding="utf-8"?>
 <p:sld xmlns:a="http://schemas.openxmlformats.org/drawingml/2006/main" xmlns:r="http://schemas.openxmlformats.org/officeDocument/2006/relationships" xmlns:p="http://schemas.openxmlformats.org/presentationml/2006/main">
   <p:cSld>
     <p:spTree>
@@ -12588,7 +13115,7 @@
           <a:p>
             <a:r>
               <a:rPr lang="en-US" dirty="0" smtClean="0"/>
-              <a:t>Table of Contents (2)</a:t>
+              <a:t>Popular Cloud Architectures</a:t>
             </a:r>
             <a:endParaRPr lang="en-US" dirty="0"/>
           </a:p>
@@ -12604,66 +13131,30 @@
             <p:ph idx="1"/>
           </p:nvPr>
         </p:nvSpPr>
-        <p:spPr/>
+        <p:spPr>
+          <a:xfrm>
+            <a:off x="228600" y="762000"/>
+            <a:ext cx="8686800" cy="5791200"/>
+          </a:xfrm>
+        </p:spPr>
         <p:txBody>
           <a:bodyPr/>
           <a:lstStyle/>
           <a:p>
             <a:r>
-              <a:rPr lang="en-US" dirty="0"/>
-              <a:t>Mobile</a:t>
-            </a:r>
-          </a:p>
-          <a:p>
-            <a:r>
-              <a:rPr lang="en-US" dirty="0" smtClean="0"/>
-              <a:t>Back-up</a:t>
-            </a:r>
-            <a:endParaRPr lang="en-US" dirty="0"/>
-          </a:p>
-          <a:p>
-            <a:r>
-              <a:rPr lang="en-US" dirty="0" smtClean="0"/>
-              <a:t>Messaging </a:t>
-            </a:r>
-            <a:r>
-              <a:rPr lang="en-US" dirty="0"/>
-              <a:t>and Integration</a:t>
-            </a:r>
-          </a:p>
-          <a:p>
-            <a:r>
-              <a:rPr lang="en-US" dirty="0" smtClean="0"/>
-              <a:t>Compute </a:t>
-            </a:r>
-            <a:r>
-              <a:rPr lang="en-US" dirty="0"/>
-              <a:t>Assistance</a:t>
-            </a:r>
-          </a:p>
-          <a:p>
-            <a:r>
-              <a:rPr lang="en-US" dirty="0" smtClean="0"/>
-              <a:t>Performance</a:t>
-            </a:r>
-            <a:endParaRPr lang="en-US" dirty="0"/>
-          </a:p>
-          <a:p>
-            <a:r>
-              <a:rPr lang="en-US" dirty="0" smtClean="0"/>
-              <a:t>Big </a:t>
-            </a:r>
-            <a:r>
-              <a:rPr lang="en-US" dirty="0"/>
-              <a:t>Data and Big Compute</a:t>
-            </a:r>
-          </a:p>
-          <a:p>
-            <a:r>
-              <a:rPr lang="en-US" dirty="0" smtClean="0"/>
-              <a:t>Media</a:t>
-            </a:r>
-            <a:endParaRPr lang="en-US" dirty="0"/>
+              <a:rPr lang="en-US" sz="2800" dirty="0"/>
+              <a:t>A Web Role is an Azure VM that is pre-configured as a web </a:t>
+            </a:r>
+            <a:r>
+              <a:rPr lang="en-US" sz="2800" dirty="0" smtClean="0"/>
+              <a:t>server (running ASP.NET MVC for example)</a:t>
+            </a:r>
+          </a:p>
+          <a:p>
+            <a:r>
+              <a:rPr lang="en-US" sz="2800" dirty="0"/>
+              <a:t>Worker Roles run alongside your Web Roles and are responsible for performing computing functions to support your application</a:t>
+            </a:r>
           </a:p>
         </p:txBody>
       </p:sp>
@@ -12690,16 +13181,40 @@
               <a:pPr>
                 <a:defRPr/>
               </a:pPr>
-              <a:t>3</a:t>
+              <a:t>15</a:t>
             </a:fld>
             <a:endParaRPr lang="en-US" dirty="0"/>
           </a:p>
         </p:txBody>
       </p:sp>
+      <p:pic>
+        <p:nvPicPr>
+          <p:cNvPr id="5" name="Picture 4"/>
+          <p:cNvPicPr>
+            <a:picLocks noChangeAspect="1"/>
+          </p:cNvPicPr>
+          <p:nvPr/>
+        </p:nvPicPr>
+        <p:blipFill>
+          <a:blip r:embed="rId2"/>
+          <a:stretch>
+            <a:fillRect/>
+          </a:stretch>
+        </p:blipFill>
+        <p:spPr>
+          <a:xfrm>
+            <a:off x="1567668" y="3305175"/>
+            <a:ext cx="6008664" cy="3248025"/>
+          </a:xfrm>
+          <a:prstGeom prst="rect">
+            <a:avLst/>
+          </a:prstGeom>
+        </p:spPr>
+      </p:pic>
     </p:spTree>
     <p:extLst>
       <p:ext uri="{BB962C8B-B14F-4D97-AF65-F5344CB8AC3E}">
-        <p14:creationId xmlns:p14="http://schemas.microsoft.com/office/powerpoint/2010/main" val="3460078208"/>
+        <p14:creationId xmlns:p14="http://schemas.microsoft.com/office/powerpoint/2010/main" val="1634875434"/>
       </p:ext>
     </p:extLst>
   </p:cSld>
@@ -12709,7 +13224,7 @@
 </p:sld>
 </file>
 
-<file path=ppt/slides/slide4.xml><?xml version="1.0" encoding="utf-8"?>
+<file path=ppt/slides/slide16.xml><?xml version="1.0" encoding="utf-8"?>
 <p:sld xmlns:a="http://schemas.openxmlformats.org/drawingml/2006/main" xmlns:r="http://schemas.openxmlformats.org/officeDocument/2006/relationships" xmlns:p="http://schemas.openxmlformats.org/presentationml/2006/main">
   <p:cSld>
     <p:spTree>
@@ -12942,7 +13457,7 @@
 </p:sld>
 </file>
 
-<file path=ppt/slides/slide5.xml><?xml version="1.0" encoding="utf-8"?>
+<file path=ppt/slides/slide17.xml><?xml version="1.0" encoding="utf-8"?>
 <p:sld xmlns:a="http://schemas.openxmlformats.org/drawingml/2006/main" xmlns:r="http://schemas.openxmlformats.org/officeDocument/2006/relationships" xmlns:p="http://schemas.openxmlformats.org/presentationml/2006/main">
   <p:cSld>
     <p:spTree>
@@ -13193,7 +13708,7 @@
               <a:pPr>
                 <a:defRPr/>
               </a:pPr>
-              <a:t>5</a:t>
+              <a:t>17</a:t>
             </a:fld>
             <a:endParaRPr lang="en-US" dirty="0"/>
           </a:p>
@@ -13428,6 +13943,1345 @@
       </p:par>
     </p:tnLst>
   </p:timing>
+</p:sld>
+</file>
+
+<file path=ppt/slides/slide2.xml><?xml version="1.0" encoding="utf-8"?>
+<p:sld xmlns:a="http://schemas.openxmlformats.org/drawingml/2006/main" xmlns:r="http://schemas.openxmlformats.org/officeDocument/2006/relationships" xmlns:p="http://schemas.openxmlformats.org/presentationml/2006/main">
+  <p:cSld>
+    <p:spTree>
+      <p:nvGrpSpPr>
+        <p:cNvPr id="1" name=""/>
+        <p:cNvGrpSpPr/>
+        <p:nvPr/>
+      </p:nvGrpSpPr>
+      <p:grpSpPr>
+        <a:xfrm>
+          <a:off x="0" y="0"/>
+          <a:ext cx="0" cy="0"/>
+          <a:chOff x="0" y="0"/>
+          <a:chExt cx="0" cy="0"/>
+        </a:xfrm>
+      </p:grpSpPr>
+      <p:sp>
+        <p:nvSpPr>
+          <p:cNvPr id="2" name="Title 1"/>
+          <p:cNvSpPr>
+            <a:spLocks noGrp="1"/>
+          </p:cNvSpPr>
+          <p:nvPr>
+            <p:ph type="title"/>
+          </p:nvPr>
+        </p:nvSpPr>
+        <p:spPr/>
+        <p:txBody>
+          <a:bodyPr/>
+          <a:lstStyle/>
+          <a:p>
+            <a:r>
+              <a:rPr lang="en-US" dirty="0" smtClean="0"/>
+              <a:t>Table of Contents</a:t>
+            </a:r>
+            <a:endParaRPr lang="en-US" dirty="0"/>
+          </a:p>
+        </p:txBody>
+      </p:sp>
+      <p:sp>
+        <p:nvSpPr>
+          <p:cNvPr id="3" name="Content Placeholder 2"/>
+          <p:cNvSpPr>
+            <a:spLocks noGrp="1"/>
+          </p:cNvSpPr>
+          <p:nvPr>
+            <p:ph idx="1"/>
+          </p:nvPr>
+        </p:nvSpPr>
+        <p:spPr/>
+        <p:txBody>
+          <a:bodyPr/>
+          <a:lstStyle/>
+          <a:p>
+            <a:r>
+              <a:rPr lang="en-US" dirty="0" smtClean="0"/>
+              <a:t>What </a:t>
+            </a:r>
+            <a:r>
+              <a:rPr lang="en-US" dirty="0"/>
+              <a:t>is Microsoft </a:t>
+            </a:r>
+            <a:r>
+              <a:rPr lang="en-US" dirty="0" smtClean="0"/>
+              <a:t>Azure?</a:t>
+            </a:r>
+            <a:endParaRPr lang="en-US" dirty="0"/>
+          </a:p>
+          <a:p>
+            <a:r>
+              <a:rPr lang="en-US" dirty="0" smtClean="0"/>
+              <a:t>Compute Services</a:t>
+            </a:r>
+            <a:endParaRPr lang="en-US" dirty="0"/>
+          </a:p>
+          <a:p>
+            <a:r>
+              <a:rPr lang="en-US" dirty="0" smtClean="0"/>
+              <a:t>Web + Mobile Services</a:t>
+            </a:r>
+            <a:endParaRPr lang="en-US" dirty="0"/>
+          </a:p>
+          <a:p>
+            <a:r>
+              <a:rPr lang="en-US" dirty="0" smtClean="0"/>
+              <a:t>Data + Storage Services</a:t>
+            </a:r>
+            <a:endParaRPr lang="en-US" dirty="0"/>
+          </a:p>
+          <a:p>
+            <a:r>
+              <a:rPr lang="en-US" dirty="0" smtClean="0"/>
+              <a:t>Internet of Things, Big Data and Machine Learning</a:t>
+            </a:r>
+            <a:endParaRPr lang="en-US" dirty="0"/>
+          </a:p>
+          <a:p>
+            <a:r>
+              <a:rPr lang="en-US" dirty="0" smtClean="0"/>
+              <a:t>Networking, Mobile, Back-up</a:t>
+            </a:r>
+            <a:endParaRPr lang="en-US" dirty="0"/>
+          </a:p>
+          <a:p>
+            <a:r>
+              <a:rPr lang="en-US" dirty="0"/>
+              <a:t>Messaging and Integration</a:t>
+            </a:r>
+          </a:p>
+          <a:p>
+            <a:r>
+              <a:rPr lang="en-US" dirty="0"/>
+              <a:t>Compute Assistance</a:t>
+            </a:r>
+          </a:p>
+          <a:p>
+            <a:r>
+              <a:rPr lang="en-US" dirty="0"/>
+              <a:t>Performance</a:t>
+            </a:r>
+          </a:p>
+          <a:p>
+            <a:r>
+              <a:rPr lang="en-US" dirty="0"/>
+              <a:t>Big Data and Big Compute</a:t>
+            </a:r>
+          </a:p>
+          <a:p>
+            <a:r>
+              <a:rPr lang="en-US" dirty="0"/>
+              <a:t>Media</a:t>
+            </a:r>
+          </a:p>
+          <a:p>
+            <a:endParaRPr lang="en-US" dirty="0"/>
+          </a:p>
+        </p:txBody>
+      </p:sp>
+      <p:sp>
+        <p:nvSpPr>
+          <p:cNvPr id="4" name="Slide Number Placeholder 3"/>
+          <p:cNvSpPr>
+            <a:spLocks noGrp="1"/>
+          </p:cNvSpPr>
+          <p:nvPr>
+            <p:ph type="sldNum" sz="quarter" idx="10"/>
+          </p:nvPr>
+        </p:nvSpPr>
+        <p:spPr/>
+        <p:txBody>
+          <a:bodyPr/>
+          <a:lstStyle/>
+          <a:p>
+            <a:pPr>
+              <a:defRPr/>
+            </a:pPr>
+            <a:fld id="{58452FF4-89E3-4D1B-9927-2DBDC00E58D7}" type="slidenum">
+              <a:rPr lang="en-US" smtClean="0"/>
+              <a:pPr>
+                <a:defRPr/>
+              </a:pPr>
+              <a:t>2</a:t>
+            </a:fld>
+            <a:endParaRPr lang="en-US" dirty="0"/>
+          </a:p>
+        </p:txBody>
+      </p:sp>
+    </p:spTree>
+    <p:extLst>
+      <p:ext uri="{BB962C8B-B14F-4D97-AF65-F5344CB8AC3E}">
+        <p14:creationId xmlns:p14="http://schemas.microsoft.com/office/powerpoint/2010/main" val="3021460776"/>
+      </p:ext>
+    </p:extLst>
+  </p:cSld>
+  <p:clrMapOvr>
+    <a:masterClrMapping/>
+  </p:clrMapOvr>
+</p:sld>
+</file>
+
+<file path=ppt/slides/slide3.xml><?xml version="1.0" encoding="utf-8"?>
+<p:sld xmlns:a="http://schemas.openxmlformats.org/drawingml/2006/main" xmlns:r="http://schemas.openxmlformats.org/officeDocument/2006/relationships" xmlns:p="http://schemas.openxmlformats.org/presentationml/2006/main">
+  <p:cSld>
+    <p:spTree>
+      <p:nvGrpSpPr>
+        <p:cNvPr id="1" name=""/>
+        <p:cNvGrpSpPr/>
+        <p:nvPr/>
+      </p:nvGrpSpPr>
+      <p:grpSpPr>
+        <a:xfrm>
+          <a:off x="0" y="0"/>
+          <a:ext cx="0" cy="0"/>
+          <a:chOff x="0" y="0"/>
+          <a:chExt cx="0" cy="0"/>
+        </a:xfrm>
+      </p:grpSpPr>
+      <p:sp>
+        <p:nvSpPr>
+          <p:cNvPr id="2" name="Title 1"/>
+          <p:cNvSpPr>
+            <a:spLocks noGrp="1"/>
+          </p:cNvSpPr>
+          <p:nvPr>
+            <p:ph type="title"/>
+          </p:nvPr>
+        </p:nvSpPr>
+        <p:spPr/>
+        <p:txBody>
+          <a:bodyPr/>
+          <a:lstStyle/>
+          <a:p>
+            <a:r>
+              <a:rPr lang="en-US" dirty="0" smtClean="0"/>
+              <a:t>Cloud Computing</a:t>
+            </a:r>
+            <a:endParaRPr lang="en-US" dirty="0"/>
+          </a:p>
+        </p:txBody>
+      </p:sp>
+      <p:sp>
+        <p:nvSpPr>
+          <p:cNvPr id="3" name="Content Placeholder 2"/>
+          <p:cNvSpPr>
+            <a:spLocks noGrp="1"/>
+          </p:cNvSpPr>
+          <p:nvPr>
+            <p:ph idx="1"/>
+          </p:nvPr>
+        </p:nvSpPr>
+        <p:spPr>
+          <a:xfrm>
+            <a:off x="228600" y="685800"/>
+            <a:ext cx="8686800" cy="5791200"/>
+          </a:xfrm>
+        </p:spPr>
+        <p:txBody>
+          <a:bodyPr/>
+          <a:lstStyle/>
+          <a:p>
+            <a:pPr>
+              <a:lnSpc>
+                <a:spcPct val="100000"/>
+              </a:lnSpc>
+              <a:spcBef>
+                <a:spcPts val="0"/>
+              </a:spcBef>
+              <a:spcAft>
+                <a:spcPts val="0"/>
+              </a:spcAft>
+            </a:pPr>
+            <a:r>
+              <a:rPr lang="en-US" sz="2800" dirty="0" smtClean="0"/>
+              <a:t>A virtualized computing platform that provides </a:t>
+            </a:r>
+            <a:r>
+              <a:rPr lang="en-US" sz="2800" u="sng" dirty="0" smtClean="0"/>
+              <a:t>infinite resources</a:t>
+            </a:r>
+            <a:r>
+              <a:rPr lang="en-US" sz="2800" dirty="0" smtClean="0"/>
+              <a:t> for running your applications</a:t>
+            </a:r>
+          </a:p>
+          <a:p>
+            <a:pPr lvl="1">
+              <a:lnSpc>
+                <a:spcPct val="100000"/>
+              </a:lnSpc>
+              <a:spcBef>
+                <a:spcPts val="0"/>
+              </a:spcBef>
+              <a:spcAft>
+                <a:spcPts val="0"/>
+              </a:spcAft>
+            </a:pPr>
+            <a:r>
+              <a:rPr lang="en-US" sz="2800" dirty="0"/>
+              <a:t>L</a:t>
+            </a:r>
+            <a:r>
+              <a:rPr lang="en-US" sz="2800" dirty="0" smtClean="0"/>
+              <a:t>everages economies of scale to </a:t>
+            </a:r>
+            <a:r>
+              <a:rPr lang="en-US" sz="2800" u="sng" dirty="0" smtClean="0"/>
+              <a:t>save you money</a:t>
+            </a:r>
+            <a:r>
+              <a:rPr lang="en-US" sz="2800" dirty="0" smtClean="0"/>
+              <a:t> (pay for what you use)</a:t>
+            </a:r>
+            <a:endParaRPr lang="en-US" sz="2800" dirty="0"/>
+          </a:p>
+        </p:txBody>
+      </p:sp>
+      <p:sp>
+        <p:nvSpPr>
+          <p:cNvPr id="4" name="Slide Number Placeholder 3"/>
+          <p:cNvSpPr>
+            <a:spLocks noGrp="1"/>
+          </p:cNvSpPr>
+          <p:nvPr>
+            <p:ph type="sldNum" sz="quarter" idx="10"/>
+          </p:nvPr>
+        </p:nvSpPr>
+        <p:spPr/>
+        <p:txBody>
+          <a:bodyPr/>
+          <a:lstStyle/>
+          <a:p>
+            <a:pPr>
+              <a:defRPr/>
+            </a:pPr>
+            <a:fld id="{58452FF4-89E3-4D1B-9927-2DBDC00E58D7}" type="slidenum">
+              <a:rPr lang="en-US" smtClean="0"/>
+              <a:pPr>
+                <a:defRPr/>
+              </a:pPr>
+              <a:t>3</a:t>
+            </a:fld>
+            <a:endParaRPr lang="en-US" dirty="0"/>
+          </a:p>
+        </p:txBody>
+      </p:sp>
+      <p:pic>
+        <p:nvPicPr>
+          <p:cNvPr id="1026" name="Picture 2" descr="An Overview of Azure Services vs. On Premises"/>
+          <p:cNvPicPr>
+            <a:picLocks noChangeAspect="1" noChangeArrowheads="1"/>
+          </p:cNvPicPr>
+          <p:nvPr/>
+        </p:nvPicPr>
+        <p:blipFill>
+          <a:blip r:embed="rId2">
+            <a:extLst>
+              <a:ext uri="{28A0092B-C50C-407E-A947-70E740481C1C}">
+                <a14:useLocalDpi xmlns:a14="http://schemas.microsoft.com/office/drawing/2010/main" val="0"/>
+              </a:ext>
+            </a:extLst>
+          </a:blip>
+          <a:srcRect/>
+          <a:stretch>
+            <a:fillRect/>
+          </a:stretch>
+        </p:blipFill>
+        <p:spPr bwMode="auto">
+          <a:xfrm>
+            <a:off x="1219200" y="2514600"/>
+            <a:ext cx="6705600" cy="4149372"/>
+          </a:xfrm>
+          <a:prstGeom prst="rect">
+            <a:avLst/>
+          </a:prstGeom>
+          <a:noFill/>
+          <a:extLst>
+            <a:ext uri="{909E8E84-426E-40DD-AFC4-6F175D3DCCD1}">
+              <a14:hiddenFill xmlns:a14="http://schemas.microsoft.com/office/drawing/2010/main">
+                <a:solidFill>
+                  <a:srgbClr val="FFFFFF"/>
+                </a:solidFill>
+              </a14:hiddenFill>
+            </a:ext>
+          </a:extLst>
+        </p:spPr>
+      </p:pic>
+    </p:spTree>
+    <p:extLst>
+      <p:ext uri="{BB962C8B-B14F-4D97-AF65-F5344CB8AC3E}">
+        <p14:creationId xmlns:p14="http://schemas.microsoft.com/office/powerpoint/2010/main" val="1666091758"/>
+      </p:ext>
+    </p:extLst>
+  </p:cSld>
+  <p:clrMapOvr>
+    <a:masterClrMapping/>
+  </p:clrMapOvr>
+</p:sld>
+</file>
+
+<file path=ppt/slides/slide4.xml><?xml version="1.0" encoding="utf-8"?>
+<p:sld xmlns:a="http://schemas.openxmlformats.org/drawingml/2006/main" xmlns:r="http://schemas.openxmlformats.org/officeDocument/2006/relationships" xmlns:p="http://schemas.openxmlformats.org/presentationml/2006/main">
+  <p:cSld>
+    <p:spTree>
+      <p:nvGrpSpPr>
+        <p:cNvPr id="1" name=""/>
+        <p:cNvGrpSpPr/>
+        <p:nvPr/>
+      </p:nvGrpSpPr>
+      <p:grpSpPr>
+        <a:xfrm>
+          <a:off x="0" y="0"/>
+          <a:ext cx="0" cy="0"/>
+          <a:chOff x="0" y="0"/>
+          <a:chExt cx="0" cy="0"/>
+        </a:xfrm>
+      </p:grpSpPr>
+      <p:sp>
+        <p:nvSpPr>
+          <p:cNvPr id="2" name="Title 1"/>
+          <p:cNvSpPr>
+            <a:spLocks noGrp="1"/>
+          </p:cNvSpPr>
+          <p:nvPr>
+            <p:ph type="title"/>
+          </p:nvPr>
+        </p:nvSpPr>
+        <p:spPr/>
+        <p:txBody>
+          <a:bodyPr/>
+          <a:lstStyle/>
+          <a:p>
+            <a:r>
+              <a:rPr lang="en-US" dirty="0" smtClean="0"/>
+              <a:t>What is Microsoft Azure?</a:t>
+            </a:r>
+            <a:endParaRPr lang="en-US" dirty="0"/>
+          </a:p>
+        </p:txBody>
+      </p:sp>
+      <p:sp>
+        <p:nvSpPr>
+          <p:cNvPr id="3" name="Content Placeholder 2"/>
+          <p:cNvSpPr>
+            <a:spLocks noGrp="1"/>
+          </p:cNvSpPr>
+          <p:nvPr>
+            <p:ph idx="1"/>
+          </p:nvPr>
+        </p:nvSpPr>
+        <p:spPr>
+          <a:xfrm>
+            <a:off x="228600" y="838200"/>
+            <a:ext cx="8686800" cy="5791200"/>
+          </a:xfrm>
+        </p:spPr>
+        <p:txBody>
+          <a:bodyPr/>
+          <a:lstStyle/>
+          <a:p>
+            <a:pPr>
+              <a:spcBef>
+                <a:spcPts val="300"/>
+              </a:spcBef>
+              <a:spcAft>
+                <a:spcPts val="0"/>
+              </a:spcAft>
+            </a:pPr>
+            <a:r>
+              <a:rPr lang="en-US" dirty="0" smtClean="0"/>
+              <a:t>Microsoft Azure is </a:t>
+            </a:r>
+            <a:r>
+              <a:rPr lang="en-US" dirty="0"/>
+              <a:t>a cloud computing platform and infrastructure created by Microsoft</a:t>
+            </a:r>
+            <a:endParaRPr lang="en-US" dirty="0" smtClean="0"/>
+          </a:p>
+          <a:p>
+            <a:pPr lvl="1">
+              <a:spcBef>
+                <a:spcPts val="300"/>
+              </a:spcBef>
+              <a:spcAft>
+                <a:spcPts val="0"/>
+              </a:spcAft>
+            </a:pPr>
+            <a:r>
+              <a:rPr lang="en-US" dirty="0" smtClean="0"/>
+              <a:t>It is provided in Microsoft datacenters located around the world (US, Europe, Asia, Australia)</a:t>
+            </a:r>
+          </a:p>
+          <a:p>
+            <a:pPr lvl="1">
+              <a:spcBef>
+                <a:spcPts val="300"/>
+              </a:spcBef>
+              <a:spcAft>
+                <a:spcPts val="0"/>
+              </a:spcAft>
+            </a:pPr>
+            <a:r>
+              <a:rPr lang="en-US" dirty="0">
+                <a:hlinkClick r:id="rId2"/>
+              </a:rPr>
+              <a:t>https</a:t>
+            </a:r>
+            <a:r>
+              <a:rPr lang="en-US" dirty="0" smtClean="0">
+                <a:hlinkClick r:id="rId2"/>
+              </a:rPr>
+              <a:t>://youtube.com/watch?v=0uRR72b_qvc</a:t>
+            </a:r>
+            <a:endParaRPr lang="en-US" dirty="0" smtClean="0"/>
+          </a:p>
+          <a:p>
+            <a:pPr>
+              <a:spcBef>
+                <a:spcPts val="300"/>
+              </a:spcBef>
+              <a:spcAft>
+                <a:spcPts val="0"/>
+              </a:spcAft>
+            </a:pPr>
+            <a:r>
+              <a:rPr lang="en-US" dirty="0" smtClean="0"/>
+              <a:t>It provides a range of services that developers and operations people can use, including:</a:t>
+            </a:r>
+          </a:p>
+          <a:p>
+            <a:pPr lvl="1">
+              <a:spcBef>
+                <a:spcPts val="300"/>
+              </a:spcBef>
+              <a:spcAft>
+                <a:spcPts val="0"/>
+              </a:spcAft>
+            </a:pPr>
+            <a:r>
+              <a:rPr lang="en-US" dirty="0" smtClean="0"/>
+              <a:t>Running and connecting applications</a:t>
+            </a:r>
+          </a:p>
+          <a:p>
+            <a:pPr lvl="1">
+              <a:spcBef>
+                <a:spcPts val="300"/>
+              </a:spcBef>
+              <a:spcAft>
+                <a:spcPts val="0"/>
+              </a:spcAft>
+            </a:pPr>
+            <a:r>
+              <a:rPr lang="en-US" dirty="0" smtClean="0"/>
+              <a:t>Storing, managing and analyzing data</a:t>
+            </a:r>
+          </a:p>
+          <a:p>
+            <a:pPr lvl="1">
+              <a:spcBef>
+                <a:spcPts val="300"/>
+              </a:spcBef>
+              <a:spcAft>
+                <a:spcPts val="0"/>
+              </a:spcAft>
+            </a:pPr>
+            <a:r>
+              <a:rPr lang="en-US" dirty="0" smtClean="0"/>
+              <a:t>Networking, media (CDN), </a:t>
+            </a:r>
+            <a:r>
+              <a:rPr lang="en-US" dirty="0" err="1" smtClean="0"/>
+              <a:t>IoT</a:t>
+            </a:r>
+            <a:r>
+              <a:rPr lang="en-US" dirty="0" smtClean="0"/>
+              <a:t>, security</a:t>
+            </a:r>
+          </a:p>
+          <a:p>
+            <a:pPr lvl="1">
+              <a:spcBef>
+                <a:spcPts val="300"/>
+              </a:spcBef>
+              <a:spcAft>
+                <a:spcPts val="0"/>
+              </a:spcAft>
+            </a:pPr>
+            <a:r>
+              <a:rPr lang="en-US" dirty="0" smtClean="0"/>
+              <a:t>Many more</a:t>
+            </a:r>
+            <a:endParaRPr lang="en-US" dirty="0"/>
+          </a:p>
+        </p:txBody>
+      </p:sp>
+      <p:sp>
+        <p:nvSpPr>
+          <p:cNvPr id="4" name="Slide Number Placeholder 3"/>
+          <p:cNvSpPr>
+            <a:spLocks noGrp="1"/>
+          </p:cNvSpPr>
+          <p:nvPr>
+            <p:ph type="sldNum" sz="quarter" idx="10"/>
+          </p:nvPr>
+        </p:nvSpPr>
+        <p:spPr/>
+        <p:txBody>
+          <a:bodyPr/>
+          <a:lstStyle/>
+          <a:p>
+            <a:pPr>
+              <a:defRPr/>
+            </a:pPr>
+            <a:fld id="{58452FF4-89E3-4D1B-9927-2DBDC00E58D7}" type="slidenum">
+              <a:rPr lang="en-US" smtClean="0"/>
+              <a:pPr>
+                <a:defRPr/>
+              </a:pPr>
+              <a:t>4</a:t>
+            </a:fld>
+            <a:endParaRPr lang="en-US" dirty="0"/>
+          </a:p>
+        </p:txBody>
+      </p:sp>
+    </p:spTree>
+    <p:extLst>
+      <p:ext uri="{BB962C8B-B14F-4D97-AF65-F5344CB8AC3E}">
+        <p14:creationId xmlns:p14="http://schemas.microsoft.com/office/powerpoint/2010/main" val="3404923528"/>
+      </p:ext>
+    </p:extLst>
+  </p:cSld>
+  <p:clrMapOvr>
+    <a:masterClrMapping/>
+  </p:clrMapOvr>
+</p:sld>
+</file>
+
+<file path=ppt/slides/slide5.xml><?xml version="1.0" encoding="utf-8"?>
+<p:sld xmlns:a="http://schemas.openxmlformats.org/drawingml/2006/main" xmlns:r="http://schemas.openxmlformats.org/officeDocument/2006/relationships" xmlns:p="http://schemas.openxmlformats.org/presentationml/2006/main">
+  <p:cSld>
+    <p:spTree>
+      <p:nvGrpSpPr>
+        <p:cNvPr id="1" name=""/>
+        <p:cNvGrpSpPr/>
+        <p:nvPr/>
+      </p:nvGrpSpPr>
+      <p:grpSpPr>
+        <a:xfrm>
+          <a:off x="0" y="0"/>
+          <a:ext cx="0" cy="0"/>
+          <a:chOff x="0" y="0"/>
+          <a:chExt cx="0" cy="0"/>
+        </a:xfrm>
+      </p:grpSpPr>
+      <p:sp>
+        <p:nvSpPr>
+          <p:cNvPr id="4" name="Slide Number Placeholder 3"/>
+          <p:cNvSpPr>
+            <a:spLocks noGrp="1"/>
+          </p:cNvSpPr>
+          <p:nvPr>
+            <p:ph type="sldNum" sz="quarter" idx="10"/>
+          </p:nvPr>
+        </p:nvSpPr>
+        <p:spPr/>
+        <p:txBody>
+          <a:bodyPr/>
+          <a:lstStyle/>
+          <a:p>
+            <a:pPr>
+              <a:defRPr/>
+            </a:pPr>
+            <a:fld id="{58452FF4-89E3-4D1B-9927-2DBDC00E58D7}" type="slidenum">
+              <a:rPr lang="en-US" smtClean="0"/>
+              <a:pPr>
+                <a:defRPr/>
+              </a:pPr>
+              <a:t>5</a:t>
+            </a:fld>
+            <a:endParaRPr lang="en-US" dirty="0"/>
+          </a:p>
+        </p:txBody>
+      </p:sp>
+      <p:pic>
+        <p:nvPicPr>
+          <p:cNvPr id="5" name="Picture 4"/>
+          <p:cNvPicPr>
+            <a:picLocks noChangeAspect="1"/>
+          </p:cNvPicPr>
+          <p:nvPr/>
+        </p:nvPicPr>
+        <p:blipFill>
+          <a:blip r:embed="rId2"/>
+          <a:stretch>
+            <a:fillRect/>
+          </a:stretch>
+        </p:blipFill>
+        <p:spPr>
+          <a:xfrm>
+            <a:off x="2057400" y="114675"/>
+            <a:ext cx="5758494" cy="6621405"/>
+          </a:xfrm>
+          <a:prstGeom prst="rect">
+            <a:avLst/>
+          </a:prstGeom>
+        </p:spPr>
+      </p:pic>
+    </p:spTree>
+    <p:extLst>
+      <p:ext uri="{BB962C8B-B14F-4D97-AF65-F5344CB8AC3E}">
+        <p14:creationId xmlns:p14="http://schemas.microsoft.com/office/powerpoint/2010/main" val="1444671116"/>
+      </p:ext>
+    </p:extLst>
+  </p:cSld>
+  <p:clrMapOvr>
+    <a:masterClrMapping/>
+  </p:clrMapOvr>
+</p:sld>
+</file>
+
+<file path=ppt/slides/slide6.xml><?xml version="1.0" encoding="utf-8"?>
+<p:sld xmlns:a="http://schemas.openxmlformats.org/drawingml/2006/main" xmlns:r="http://schemas.openxmlformats.org/officeDocument/2006/relationships" xmlns:p="http://schemas.openxmlformats.org/presentationml/2006/main">
+  <p:cSld>
+    <p:spTree>
+      <p:nvGrpSpPr>
+        <p:cNvPr id="1" name=""/>
+        <p:cNvGrpSpPr/>
+        <p:nvPr/>
+      </p:nvGrpSpPr>
+      <p:grpSpPr>
+        <a:xfrm>
+          <a:off x="0" y="0"/>
+          <a:ext cx="0" cy="0"/>
+          <a:chOff x="0" y="0"/>
+          <a:chExt cx="0" cy="0"/>
+        </a:xfrm>
+      </p:grpSpPr>
+      <p:sp>
+        <p:nvSpPr>
+          <p:cNvPr id="4" name="Slide Number Placeholder 3"/>
+          <p:cNvSpPr>
+            <a:spLocks noGrp="1"/>
+          </p:cNvSpPr>
+          <p:nvPr>
+            <p:ph type="sldNum" sz="quarter" idx="10"/>
+          </p:nvPr>
+        </p:nvSpPr>
+        <p:spPr/>
+        <p:txBody>
+          <a:bodyPr/>
+          <a:lstStyle/>
+          <a:p>
+            <a:pPr>
+              <a:defRPr/>
+            </a:pPr>
+            <a:fld id="{58452FF4-89E3-4D1B-9927-2DBDC00E58D7}" type="slidenum">
+              <a:rPr lang="en-US" smtClean="0"/>
+              <a:pPr>
+                <a:defRPr/>
+              </a:pPr>
+              <a:t>6</a:t>
+            </a:fld>
+            <a:endParaRPr lang="en-US" dirty="0"/>
+          </a:p>
+        </p:txBody>
+      </p:sp>
+      <p:pic>
+        <p:nvPicPr>
+          <p:cNvPr id="6" name="Picture 5"/>
+          <p:cNvPicPr>
+            <a:picLocks noChangeAspect="1"/>
+          </p:cNvPicPr>
+          <p:nvPr/>
+        </p:nvPicPr>
+        <p:blipFill>
+          <a:blip r:embed="rId2"/>
+          <a:stretch>
+            <a:fillRect/>
+          </a:stretch>
+        </p:blipFill>
+        <p:spPr>
+          <a:xfrm>
+            <a:off x="2514600" y="64795"/>
+            <a:ext cx="5029200" cy="6717005"/>
+          </a:xfrm>
+          <a:prstGeom prst="rect">
+            <a:avLst/>
+          </a:prstGeom>
+        </p:spPr>
+      </p:pic>
+    </p:spTree>
+    <p:extLst>
+      <p:ext uri="{BB962C8B-B14F-4D97-AF65-F5344CB8AC3E}">
+        <p14:creationId xmlns:p14="http://schemas.microsoft.com/office/powerpoint/2010/main" val="2182941206"/>
+      </p:ext>
+    </p:extLst>
+  </p:cSld>
+  <p:clrMapOvr>
+    <a:masterClrMapping/>
+  </p:clrMapOvr>
+</p:sld>
+</file>
+
+<file path=ppt/slides/slide7.xml><?xml version="1.0" encoding="utf-8"?>
+<p:sld xmlns:a="http://schemas.openxmlformats.org/drawingml/2006/main" xmlns:r="http://schemas.openxmlformats.org/officeDocument/2006/relationships" xmlns:p="http://schemas.openxmlformats.org/presentationml/2006/main">
+  <p:cSld>
+    <p:spTree>
+      <p:nvGrpSpPr>
+        <p:cNvPr id="1" name=""/>
+        <p:cNvGrpSpPr/>
+        <p:nvPr/>
+      </p:nvGrpSpPr>
+      <p:grpSpPr>
+        <a:xfrm>
+          <a:off x="0" y="0"/>
+          <a:ext cx="0" cy="0"/>
+          <a:chOff x="0" y="0"/>
+          <a:chExt cx="0" cy="0"/>
+        </a:xfrm>
+      </p:grpSpPr>
+      <p:sp>
+        <p:nvSpPr>
+          <p:cNvPr id="4" name="Slide Number Placeholder 3"/>
+          <p:cNvSpPr>
+            <a:spLocks noGrp="1"/>
+          </p:cNvSpPr>
+          <p:nvPr>
+            <p:ph type="sldNum" sz="quarter" idx="10"/>
+          </p:nvPr>
+        </p:nvSpPr>
+        <p:spPr/>
+        <p:txBody>
+          <a:bodyPr/>
+          <a:lstStyle/>
+          <a:p>
+            <a:pPr>
+              <a:defRPr/>
+            </a:pPr>
+            <a:fld id="{58452FF4-89E3-4D1B-9927-2DBDC00E58D7}" type="slidenum">
+              <a:rPr lang="en-US" smtClean="0"/>
+              <a:pPr>
+                <a:defRPr/>
+              </a:pPr>
+              <a:t>7</a:t>
+            </a:fld>
+            <a:endParaRPr lang="en-US" dirty="0"/>
+          </a:p>
+        </p:txBody>
+      </p:sp>
+      <p:pic>
+        <p:nvPicPr>
+          <p:cNvPr id="2" name="Picture 1"/>
+          <p:cNvPicPr>
+            <a:picLocks noChangeAspect="1"/>
+          </p:cNvPicPr>
+          <p:nvPr/>
+        </p:nvPicPr>
+        <p:blipFill>
+          <a:blip r:embed="rId2"/>
+          <a:stretch>
+            <a:fillRect/>
+          </a:stretch>
+        </p:blipFill>
+        <p:spPr>
+          <a:xfrm>
+            <a:off x="2133600" y="116568"/>
+            <a:ext cx="5486400" cy="6649992"/>
+          </a:xfrm>
+          <a:prstGeom prst="rect">
+            <a:avLst/>
+          </a:prstGeom>
+        </p:spPr>
+      </p:pic>
+    </p:spTree>
+    <p:extLst>
+      <p:ext uri="{BB962C8B-B14F-4D97-AF65-F5344CB8AC3E}">
+        <p14:creationId xmlns:p14="http://schemas.microsoft.com/office/powerpoint/2010/main" val="2650596656"/>
+      </p:ext>
+    </p:extLst>
+  </p:cSld>
+  <p:clrMapOvr>
+    <a:masterClrMapping/>
+  </p:clrMapOvr>
+</p:sld>
+</file>
+
+<file path=ppt/slides/slide8.xml><?xml version="1.0" encoding="utf-8"?>
+<p:sld xmlns:a="http://schemas.openxmlformats.org/drawingml/2006/main" xmlns:r="http://schemas.openxmlformats.org/officeDocument/2006/relationships" xmlns:p="http://schemas.openxmlformats.org/presentationml/2006/main">
+  <p:cSld>
+    <p:spTree>
+      <p:nvGrpSpPr>
+        <p:cNvPr id="1" name=""/>
+        <p:cNvGrpSpPr/>
+        <p:nvPr/>
+      </p:nvGrpSpPr>
+      <p:grpSpPr>
+        <a:xfrm>
+          <a:off x="0" y="0"/>
+          <a:ext cx="0" cy="0"/>
+          <a:chOff x="0" y="0"/>
+          <a:chExt cx="0" cy="0"/>
+        </a:xfrm>
+      </p:grpSpPr>
+      <p:sp>
+        <p:nvSpPr>
+          <p:cNvPr id="2" name="Title 1"/>
+          <p:cNvSpPr>
+            <a:spLocks noGrp="1"/>
+          </p:cNvSpPr>
+          <p:nvPr>
+            <p:ph type="title"/>
+          </p:nvPr>
+        </p:nvSpPr>
+        <p:spPr/>
+        <p:txBody>
+          <a:bodyPr/>
+          <a:lstStyle/>
+          <a:p>
+            <a:r>
+              <a:rPr lang="en-US" dirty="0" smtClean="0"/>
+              <a:t>Computing</a:t>
+            </a:r>
+            <a:endParaRPr lang="en-US" dirty="0"/>
+          </a:p>
+        </p:txBody>
+      </p:sp>
+      <p:sp>
+        <p:nvSpPr>
+          <p:cNvPr id="3" name="Content Placeholder 2"/>
+          <p:cNvSpPr>
+            <a:spLocks noGrp="1"/>
+          </p:cNvSpPr>
+          <p:nvPr>
+            <p:ph idx="1"/>
+          </p:nvPr>
+        </p:nvSpPr>
+        <p:spPr/>
+        <p:txBody>
+          <a:bodyPr/>
+          <a:lstStyle/>
+          <a:p>
+            <a:pPr>
+              <a:spcAft>
+                <a:spcPts val="300"/>
+              </a:spcAft>
+            </a:pPr>
+            <a:r>
+              <a:rPr lang="en-US" dirty="0" smtClean="0"/>
+              <a:t>Computing cloud solutions provided by Azure:</a:t>
+            </a:r>
+          </a:p>
+          <a:p>
+            <a:pPr>
+              <a:spcAft>
+                <a:spcPts val="300"/>
+              </a:spcAft>
+            </a:pPr>
+            <a:endParaRPr lang="en-US" dirty="0"/>
+          </a:p>
+          <a:p>
+            <a:pPr>
+              <a:spcAft>
+                <a:spcPts val="300"/>
+              </a:spcAft>
+            </a:pPr>
+            <a:endParaRPr lang="en-US" dirty="0" smtClean="0"/>
+          </a:p>
+          <a:p>
+            <a:pPr>
+              <a:spcAft>
+                <a:spcPts val="300"/>
+              </a:spcAft>
+            </a:pPr>
+            <a:endParaRPr lang="en-US" dirty="0"/>
+          </a:p>
+          <a:p>
+            <a:pPr>
+              <a:spcAft>
+                <a:spcPts val="300"/>
+              </a:spcAft>
+            </a:pPr>
+            <a:endParaRPr lang="en-US" dirty="0" smtClean="0"/>
+          </a:p>
+          <a:p>
+            <a:pPr>
+              <a:spcAft>
+                <a:spcPts val="300"/>
+              </a:spcAft>
+            </a:pPr>
+            <a:endParaRPr lang="en-US" dirty="0"/>
+          </a:p>
+          <a:p>
+            <a:pPr>
+              <a:spcAft>
+                <a:spcPts val="300"/>
+              </a:spcAft>
+            </a:pPr>
+            <a:endParaRPr lang="en-US" dirty="0" smtClean="0"/>
+          </a:p>
+          <a:p>
+            <a:pPr>
+              <a:spcAft>
+                <a:spcPts val="300"/>
+              </a:spcAft>
+            </a:pPr>
+            <a:endParaRPr lang="en-US" dirty="0"/>
+          </a:p>
+          <a:p>
+            <a:pPr>
+              <a:spcAft>
+                <a:spcPts val="300"/>
+              </a:spcAft>
+            </a:pPr>
+            <a:r>
+              <a:rPr lang="en-US" dirty="0">
+                <a:hlinkClick r:id="rId2"/>
+              </a:rPr>
+              <a:t>https</a:t>
+            </a:r>
+            <a:r>
+              <a:rPr lang="en-US" dirty="0" smtClean="0">
+                <a:hlinkClick r:id="rId2"/>
+              </a:rPr>
+              <a:t>://youtube.com/watch?v=jmEZqBFTNk4</a:t>
+            </a:r>
+            <a:endParaRPr lang="en-US" dirty="0" smtClean="0"/>
+          </a:p>
+          <a:p>
+            <a:pPr>
+              <a:spcAft>
+                <a:spcPts val="300"/>
+              </a:spcAft>
+            </a:pPr>
+            <a:endParaRPr lang="en-US" dirty="0"/>
+          </a:p>
+          <a:p>
+            <a:pPr>
+              <a:spcAft>
+                <a:spcPts val="300"/>
+              </a:spcAft>
+            </a:pPr>
+            <a:endParaRPr lang="en-US" dirty="0" smtClean="0"/>
+          </a:p>
+          <a:p>
+            <a:pPr>
+              <a:spcAft>
+                <a:spcPts val="300"/>
+              </a:spcAft>
+            </a:pPr>
+            <a:endParaRPr lang="en-US" dirty="0"/>
+          </a:p>
+          <a:p>
+            <a:pPr>
+              <a:spcAft>
+                <a:spcPts val="300"/>
+              </a:spcAft>
+            </a:pPr>
+            <a:endParaRPr lang="en-US" dirty="0" smtClean="0"/>
+          </a:p>
+          <a:p>
+            <a:pPr>
+              <a:spcAft>
+                <a:spcPts val="300"/>
+              </a:spcAft>
+            </a:pPr>
+            <a:endParaRPr lang="en-US" dirty="0"/>
+          </a:p>
+          <a:p>
+            <a:pPr>
+              <a:spcAft>
+                <a:spcPts val="300"/>
+              </a:spcAft>
+            </a:pPr>
+            <a:endParaRPr lang="en-US" dirty="0" smtClean="0"/>
+          </a:p>
+          <a:p>
+            <a:pPr>
+              <a:spcAft>
+                <a:spcPts val="300"/>
+              </a:spcAft>
+            </a:pPr>
+            <a:endParaRPr lang="en-US" dirty="0" smtClean="0"/>
+          </a:p>
+        </p:txBody>
+      </p:sp>
+      <p:sp>
+        <p:nvSpPr>
+          <p:cNvPr id="4" name="Slide Number Placeholder 3"/>
+          <p:cNvSpPr>
+            <a:spLocks noGrp="1"/>
+          </p:cNvSpPr>
+          <p:nvPr>
+            <p:ph type="sldNum" sz="quarter" idx="10"/>
+          </p:nvPr>
+        </p:nvSpPr>
+        <p:spPr/>
+        <p:txBody>
+          <a:bodyPr/>
+          <a:lstStyle/>
+          <a:p>
+            <a:pPr>
+              <a:defRPr/>
+            </a:pPr>
+            <a:fld id="{58452FF4-89E3-4D1B-9927-2DBDC00E58D7}" type="slidenum">
+              <a:rPr lang="en-US" smtClean="0"/>
+              <a:pPr>
+                <a:defRPr/>
+              </a:pPr>
+              <a:t>8</a:t>
+            </a:fld>
+            <a:endParaRPr lang="en-US" dirty="0"/>
+          </a:p>
+        </p:txBody>
+      </p:sp>
+      <p:pic>
+        <p:nvPicPr>
+          <p:cNvPr id="6" name="Picture 5"/>
+          <p:cNvPicPr>
+            <a:picLocks noChangeAspect="1"/>
+          </p:cNvPicPr>
+          <p:nvPr/>
+        </p:nvPicPr>
+        <p:blipFill>
+          <a:blip r:embed="rId3"/>
+          <a:stretch>
+            <a:fillRect/>
+          </a:stretch>
+        </p:blipFill>
+        <p:spPr>
+          <a:xfrm>
+            <a:off x="228600" y="1676400"/>
+            <a:ext cx="2524477" cy="4153480"/>
+          </a:xfrm>
+          <a:prstGeom prst="rect">
+            <a:avLst/>
+          </a:prstGeom>
+        </p:spPr>
+      </p:pic>
+      <p:pic>
+        <p:nvPicPr>
+          <p:cNvPr id="7" name="Picture 6"/>
+          <p:cNvPicPr>
+            <a:picLocks noChangeAspect="1"/>
+          </p:cNvPicPr>
+          <p:nvPr/>
+        </p:nvPicPr>
+        <p:blipFill>
+          <a:blip r:embed="rId4"/>
+          <a:stretch>
+            <a:fillRect/>
+          </a:stretch>
+        </p:blipFill>
+        <p:spPr>
+          <a:xfrm>
+            <a:off x="2771423" y="1676400"/>
+            <a:ext cx="2524477" cy="4153480"/>
+          </a:xfrm>
+          <a:prstGeom prst="rect">
+            <a:avLst/>
+          </a:prstGeom>
+        </p:spPr>
+      </p:pic>
+      <p:pic>
+        <p:nvPicPr>
+          <p:cNvPr id="9" name="Picture 8"/>
+          <p:cNvPicPr>
+            <a:picLocks noChangeAspect="1"/>
+          </p:cNvPicPr>
+          <p:nvPr/>
+        </p:nvPicPr>
+        <p:blipFill>
+          <a:blip r:embed="rId5"/>
+          <a:stretch>
+            <a:fillRect/>
+          </a:stretch>
+        </p:blipFill>
+        <p:spPr>
+          <a:xfrm>
+            <a:off x="5354456" y="1676400"/>
+            <a:ext cx="3560943" cy="4158448"/>
+          </a:xfrm>
+          <a:prstGeom prst="rect">
+            <a:avLst/>
+          </a:prstGeom>
+        </p:spPr>
+      </p:pic>
+    </p:spTree>
+    <p:extLst>
+      <p:ext uri="{BB962C8B-B14F-4D97-AF65-F5344CB8AC3E}">
+        <p14:creationId xmlns:p14="http://schemas.microsoft.com/office/powerpoint/2010/main" val="762775429"/>
+      </p:ext>
+    </p:extLst>
+  </p:cSld>
+  <p:clrMapOvr>
+    <a:masterClrMapping/>
+  </p:clrMapOvr>
+</p:sld>
+</file>
+
+<file path=ppt/slides/slide9.xml><?xml version="1.0" encoding="utf-8"?>
+<p:sld xmlns:a="http://schemas.openxmlformats.org/drawingml/2006/main" xmlns:r="http://schemas.openxmlformats.org/officeDocument/2006/relationships" xmlns:p="http://schemas.openxmlformats.org/presentationml/2006/main">
+  <p:cSld>
+    <p:spTree>
+      <p:nvGrpSpPr>
+        <p:cNvPr id="1" name=""/>
+        <p:cNvGrpSpPr/>
+        <p:nvPr/>
+      </p:nvGrpSpPr>
+      <p:grpSpPr>
+        <a:xfrm>
+          <a:off x="0" y="0"/>
+          <a:ext cx="0" cy="0"/>
+          <a:chOff x="0" y="0"/>
+          <a:chExt cx="0" cy="0"/>
+        </a:xfrm>
+      </p:grpSpPr>
+      <p:pic>
+        <p:nvPicPr>
+          <p:cNvPr id="6" name="Picture 5"/>
+          <p:cNvPicPr>
+            <a:picLocks noChangeAspect="1"/>
+          </p:cNvPicPr>
+          <p:nvPr/>
+        </p:nvPicPr>
+        <p:blipFill>
+          <a:blip r:embed="rId2"/>
+          <a:stretch>
+            <a:fillRect/>
+          </a:stretch>
+        </p:blipFill>
+        <p:spPr>
+          <a:xfrm>
+            <a:off x="1809750" y="762000"/>
+            <a:ext cx="5524500" cy="3316134"/>
+          </a:xfrm>
+          <a:prstGeom prst="roundRect">
+            <a:avLst>
+              <a:gd name="adj" fmla="val 552"/>
+            </a:avLst>
+          </a:prstGeom>
+          <a:solidFill>
+            <a:srgbClr val="FFFFFF">
+              <a:shade val="85000"/>
+            </a:srgbClr>
+          </a:solidFill>
+          <a:ln>
+            <a:noFill/>
+          </a:ln>
+          <a:effectLst>
+            <a:reflection blurRad="12700" stA="38000" endPos="28000" dist="5000" dir="5400000" sy="-100000" algn="bl" rotWithShape="0"/>
+          </a:effectLst>
+        </p:spPr>
+      </p:pic>
+      <p:sp>
+        <p:nvSpPr>
+          <p:cNvPr id="2" name="Title 1"/>
+          <p:cNvSpPr>
+            <a:spLocks noGrp="1"/>
+          </p:cNvSpPr>
+          <p:nvPr>
+            <p:ph type="ctrTitle"/>
+          </p:nvPr>
+        </p:nvSpPr>
+        <p:spPr>
+          <a:xfrm>
+            <a:off x="609600" y="4191000"/>
+            <a:ext cx="7924800" cy="685800"/>
+          </a:xfrm>
+        </p:spPr>
+        <p:txBody>
+          <a:bodyPr/>
+          <a:lstStyle/>
+          <a:p>
+            <a:r>
+              <a:rPr lang="en-US" dirty="0"/>
+              <a:t>Demo: </a:t>
+            </a:r>
+            <a:r>
+              <a:rPr lang="en-US" dirty="0" smtClean="0"/>
+              <a:t>Windows Server VM</a:t>
+            </a:r>
+            <a:endParaRPr lang="en-US" dirty="0"/>
+          </a:p>
+        </p:txBody>
+      </p:sp>
+      <p:sp>
+        <p:nvSpPr>
+          <p:cNvPr id="3" name="Content Placeholder 2"/>
+          <p:cNvSpPr>
+            <a:spLocks noGrp="1"/>
+          </p:cNvSpPr>
+          <p:nvPr>
+            <p:ph type="subTitle" idx="1"/>
+          </p:nvPr>
+        </p:nvSpPr>
+        <p:spPr>
+          <a:xfrm>
+            <a:off x="609600" y="4917279"/>
+            <a:ext cx="7924800" cy="1483520"/>
+          </a:xfrm>
+        </p:spPr>
+        <p:txBody>
+          <a:bodyPr/>
+          <a:lstStyle/>
+          <a:p>
+            <a:pPr marL="514350" indent="-514350">
+              <a:buFont typeface="+mj-lt"/>
+              <a:buAutoNum type="arabicPeriod"/>
+            </a:pPr>
+            <a:r>
+              <a:rPr lang="en-US" dirty="0" smtClean="0"/>
+              <a:t>Create </a:t>
+            </a:r>
+            <a:r>
+              <a:rPr lang="en-US" dirty="0"/>
+              <a:t>Windows Server VM</a:t>
+            </a:r>
+          </a:p>
+          <a:p>
+            <a:pPr marL="514350" indent="-514350">
+              <a:buFont typeface="+mj-lt"/>
+              <a:buAutoNum type="arabicPeriod"/>
+            </a:pPr>
+            <a:r>
+              <a:rPr lang="en-US" dirty="0"/>
+              <a:t>Connect using Remote Desktop</a:t>
+            </a:r>
+          </a:p>
+          <a:p>
+            <a:pPr marL="514350" indent="-514350">
+              <a:buFont typeface="+mj-lt"/>
+              <a:buAutoNum type="arabicPeriod"/>
+            </a:pPr>
+            <a:r>
+              <a:rPr lang="en-US" dirty="0"/>
+              <a:t>Manage the Virtual </a:t>
+            </a:r>
+            <a:r>
+              <a:rPr lang="en-US" dirty="0" smtClean="0"/>
+              <a:t>Machine</a:t>
+            </a:r>
+            <a:endParaRPr lang="en-US" dirty="0"/>
+          </a:p>
+        </p:txBody>
+      </p:sp>
+    </p:spTree>
+    <p:extLst>
+      <p:ext uri="{BB962C8B-B14F-4D97-AF65-F5344CB8AC3E}">
+        <p14:creationId xmlns:p14="http://schemas.microsoft.com/office/powerpoint/2010/main" val="1747153973"/>
+      </p:ext>
+    </p:extLst>
+  </p:cSld>
+  <p:clrMapOvr>
+    <a:masterClrMapping/>
+  </p:clrMapOvr>
 </p:sld>
 </file>
 

--- a/09. Intro-to-Azure/Intro-to-Azure.pptx
+++ b/09. Intro-to-Azure/Intro-to-Azure.pptx
@@ -5,34 +5,38 @@
     <p:sldMasterId id="2147483705" r:id="rId1"/>
   </p:sldMasterIdLst>
   <p:notesMasterIdLst>
-    <p:notesMasterId r:id="rId19"/>
+    <p:notesMasterId r:id="rId23"/>
   </p:notesMasterIdLst>
   <p:handoutMasterIdLst>
-    <p:handoutMasterId r:id="rId20"/>
+    <p:handoutMasterId r:id="rId24"/>
   </p:handoutMasterIdLst>
   <p:sldIdLst>
     <p:sldId id="570" r:id="rId2"/>
-    <p:sldId id="572" r:id="rId3"/>
-    <p:sldId id="574" r:id="rId4"/>
-    <p:sldId id="575" r:id="rId5"/>
-    <p:sldId id="584" r:id="rId6"/>
-    <p:sldId id="585" r:id="rId7"/>
-    <p:sldId id="586" r:id="rId8"/>
-    <p:sldId id="576" r:id="rId9"/>
-    <p:sldId id="579" r:id="rId10"/>
-    <p:sldId id="580" r:id="rId11"/>
-    <p:sldId id="581" r:id="rId12"/>
-    <p:sldId id="583" r:id="rId13"/>
-    <p:sldId id="582" r:id="rId14"/>
-    <p:sldId id="578" r:id="rId15"/>
-    <p:sldId id="577" r:id="rId16"/>
-    <p:sldId id="571" r:id="rId17"/>
-    <p:sldId id="333" r:id="rId18"/>
+    <p:sldId id="591" r:id="rId3"/>
+    <p:sldId id="572" r:id="rId4"/>
+    <p:sldId id="587" r:id="rId5"/>
+    <p:sldId id="574" r:id="rId6"/>
+    <p:sldId id="575" r:id="rId7"/>
+    <p:sldId id="588" r:id="rId8"/>
+    <p:sldId id="589" r:id="rId9"/>
+    <p:sldId id="576" r:id="rId10"/>
+    <p:sldId id="590" r:id="rId11"/>
+    <p:sldId id="579" r:id="rId12"/>
+    <p:sldId id="593" r:id="rId13"/>
+    <p:sldId id="580" r:id="rId14"/>
+    <p:sldId id="581" r:id="rId15"/>
+    <p:sldId id="594" r:id="rId16"/>
+    <p:sldId id="582" r:id="rId17"/>
+    <p:sldId id="584" r:id="rId18"/>
+    <p:sldId id="578" r:id="rId19"/>
+    <p:sldId id="577" r:id="rId20"/>
+    <p:sldId id="571" r:id="rId21"/>
+    <p:sldId id="333" r:id="rId22"/>
   </p:sldIdLst>
   <p:sldSz cx="9144000" cy="6858000" type="screen4x3"/>
   <p:notesSz cx="6881813" cy="9296400"/>
   <p:custDataLst>
-    <p:tags r:id="rId21"/>
+    <p:tags r:id="rId25"/>
   </p:custDataLst>
   <p:defaultTextStyle>
     <a:defPPr>
@@ -165,30 +169,38 @@
         <p14:section name="Title and Content" id="{F0578A4B-B5C8-4AF0-97DB-2598DA6B9C6D}">
           <p14:sldIdLst>
             <p14:sldId id="570"/>
+            <p14:sldId id="591"/>
             <p14:sldId id="572"/>
+            <p14:sldId id="587"/>
           </p14:sldIdLst>
         </p14:section>
         <p14:section name="Introduction" id="{00BEFB06-8954-43B6-88E4-C56578596A15}">
           <p14:sldIdLst>
             <p14:sldId id="574"/>
             <p14:sldId id="575"/>
-            <p14:sldId id="584"/>
-            <p14:sldId id="585"/>
-            <p14:sldId id="586"/>
+            <p14:sldId id="588"/>
+            <p14:sldId id="589"/>
           </p14:sldIdLst>
         </p14:section>
         <p14:section name="Computing" id="{2A763711-0409-44B1-B92B-1295812A35D7}">
           <p14:sldIdLst>
             <p14:sldId id="576"/>
+            <p14:sldId id="590"/>
             <p14:sldId id="579"/>
+            <p14:sldId id="593"/>
+          </p14:sldIdLst>
+        </p14:section>
+        <p14:section name="Web + Mobile" id="{224B9521-D9FD-466D-9DB2-6415D0CB99F0}">
+          <p14:sldIdLst>
             <p14:sldId id="580"/>
             <p14:sldId id="581"/>
-            <p14:sldId id="583"/>
+            <p14:sldId id="594"/>
           </p14:sldIdLst>
         </p14:section>
         <p14:section name="Untitled Section" id="{164B0FBF-03F5-4A62-82DE-D3EE89C6F66C}">
           <p14:sldIdLst>
             <p14:sldId id="582"/>
+            <p14:sldId id="584"/>
             <p14:sldId id="578"/>
             <p14:sldId id="577"/>
           </p14:sldIdLst>
@@ -348,7 +360,7 @@
             <a:fld id="{3BF7C7B5-275F-4D1F-9AB4-9255447DBC73}" type="datetimeFigureOut">
               <a:rPr lang="en-US"/>
               <a:pPr/>
-              <a:t>11/9/2015</a:t>
+              <a:t>11/10/2015</a:t>
             </a:fld>
             <a:endParaRPr lang="en-US" dirty="0"/>
           </a:p>
@@ -579,7 +591,7 @@
             <a:fld id="{9B46F231-FB2B-4655-A644-E2477325E686}" type="datetimeFigureOut">
               <a:rPr lang="en-US"/>
               <a:pPr/>
-              <a:t>11/9/2015</a:t>
+              <a:t>11/10/2015</a:t>
             </a:fld>
             <a:endParaRPr lang="en-US" dirty="0"/>
           </a:p>
@@ -12247,7 +12259,6 @@
               <a:rPr lang="en-US" dirty="0"/>
               <a:t>Microsoft's application platform for the public cloud</a:t>
             </a:r>
-            <a:endParaRPr lang="en-US" dirty="0"/>
           </a:p>
         </p:txBody>
       </p:sp>
@@ -12409,6 +12420,782 @@
 </file>
 
 <file path=ppt/slides/slide10.xml><?xml version="1.0" encoding="utf-8"?>
+<p:sld xmlns:a="http://schemas.openxmlformats.org/drawingml/2006/main" xmlns:r="http://schemas.openxmlformats.org/officeDocument/2006/relationships" xmlns:p="http://schemas.openxmlformats.org/presentationml/2006/main">
+  <p:cSld>
+    <p:spTree>
+      <p:nvGrpSpPr>
+        <p:cNvPr id="1" name=""/>
+        <p:cNvGrpSpPr/>
+        <p:nvPr/>
+      </p:nvGrpSpPr>
+      <p:grpSpPr>
+        <a:xfrm>
+          <a:off x="0" y="0"/>
+          <a:ext cx="0" cy="0"/>
+          <a:chOff x="0" y="0"/>
+          <a:chExt cx="0" cy="0"/>
+        </a:xfrm>
+      </p:grpSpPr>
+      <p:sp>
+        <p:nvSpPr>
+          <p:cNvPr id="2" name="Title 1"/>
+          <p:cNvSpPr>
+            <a:spLocks noGrp="1"/>
+          </p:cNvSpPr>
+          <p:nvPr>
+            <p:ph type="title"/>
+          </p:nvPr>
+        </p:nvSpPr>
+        <p:spPr/>
+        <p:txBody>
+          <a:bodyPr/>
+          <a:lstStyle/>
+          <a:p>
+            <a:r>
+              <a:rPr lang="en-US" dirty="0" smtClean="0"/>
+              <a:t>Azure Virtual </a:t>
+            </a:r>
+            <a:r>
+              <a:rPr lang="en-US" dirty="0" smtClean="0"/>
+              <a:t>Machines</a:t>
+            </a:r>
+            <a:endParaRPr lang="en-US" dirty="0"/>
+          </a:p>
+        </p:txBody>
+      </p:sp>
+      <p:sp>
+        <p:nvSpPr>
+          <p:cNvPr id="3" name="Content Placeholder 2"/>
+          <p:cNvSpPr>
+            <a:spLocks noGrp="1"/>
+          </p:cNvSpPr>
+          <p:nvPr>
+            <p:ph idx="1"/>
+          </p:nvPr>
+        </p:nvSpPr>
+        <p:spPr>
+          <a:xfrm>
+            <a:off x="228600" y="914400"/>
+            <a:ext cx="8686800" cy="5791200"/>
+          </a:xfrm>
+        </p:spPr>
+        <p:txBody>
+          <a:bodyPr/>
+          <a:lstStyle/>
+          <a:p>
+            <a:pPr>
+              <a:spcBef>
+                <a:spcPts val="300"/>
+              </a:spcBef>
+              <a:spcAft>
+                <a:spcPts val="300"/>
+              </a:spcAft>
+            </a:pPr>
+            <a:r>
+              <a:rPr lang="en-US" sz="2800" dirty="0"/>
+              <a:t>Infrastructure as a </a:t>
+            </a:r>
+            <a:r>
+              <a:rPr lang="en-US" sz="2800" dirty="0" smtClean="0"/>
+              <a:t>Service</a:t>
+            </a:r>
+          </a:p>
+          <a:p>
+            <a:pPr lvl="1">
+              <a:spcBef>
+                <a:spcPts val="300"/>
+              </a:spcBef>
+              <a:spcAft>
+                <a:spcPts val="300"/>
+              </a:spcAft>
+            </a:pPr>
+            <a:r>
+              <a:rPr lang="en-US" sz="2800" dirty="0" smtClean="0"/>
+              <a:t>Windows and Linux VMs</a:t>
+            </a:r>
+          </a:p>
+          <a:p>
+            <a:pPr>
+              <a:spcBef>
+                <a:spcPts val="300"/>
+              </a:spcBef>
+              <a:spcAft>
+                <a:spcPts val="300"/>
+              </a:spcAft>
+            </a:pPr>
+            <a:r>
+              <a:rPr lang="en-US" sz="2800" dirty="0"/>
+              <a:t>Virtual Machine </a:t>
+            </a:r>
+            <a:r>
+              <a:rPr lang="en-US" sz="2800" dirty="0" smtClean="0"/>
+              <a:t>Scenarios</a:t>
+            </a:r>
+          </a:p>
+          <a:p>
+            <a:pPr lvl="1">
+              <a:spcBef>
+                <a:spcPts val="300"/>
+              </a:spcBef>
+              <a:spcAft>
+                <a:spcPts val="300"/>
+              </a:spcAft>
+            </a:pPr>
+            <a:r>
+              <a:rPr lang="en-US" sz="2800" dirty="0" smtClean="0"/>
+              <a:t>Development / Test</a:t>
+            </a:r>
+          </a:p>
+          <a:p>
+            <a:pPr lvl="1">
+              <a:spcBef>
+                <a:spcPts val="300"/>
+              </a:spcBef>
+              <a:spcAft>
+                <a:spcPts val="300"/>
+              </a:spcAft>
+            </a:pPr>
+            <a:r>
+              <a:rPr lang="en-US" sz="2800" dirty="0" smtClean="0"/>
+              <a:t>Move/Run </a:t>
+            </a:r>
+            <a:r>
+              <a:rPr lang="en-US" sz="2800" dirty="0"/>
+              <a:t>Applications </a:t>
+            </a:r>
+            <a:r>
+              <a:rPr lang="en-US" sz="2800" dirty="0" smtClean="0"/>
+              <a:t>in</a:t>
+            </a:r>
+            <a:br>
+              <a:rPr lang="en-US" sz="2800" dirty="0" smtClean="0"/>
+            </a:br>
+            <a:r>
+              <a:rPr lang="en-US" sz="2800" dirty="0" smtClean="0"/>
+              <a:t>Azure </a:t>
+            </a:r>
+            <a:r>
+              <a:rPr lang="en-US" sz="2800" dirty="0"/>
+              <a:t>(Lift-and-shift</a:t>
+            </a:r>
+            <a:r>
+              <a:rPr lang="en-US" sz="2800" dirty="0" smtClean="0"/>
+              <a:t>)</a:t>
+            </a:r>
+          </a:p>
+          <a:p>
+            <a:pPr lvl="1">
+              <a:spcBef>
+                <a:spcPts val="300"/>
+              </a:spcBef>
+              <a:spcAft>
+                <a:spcPts val="300"/>
+              </a:spcAft>
+            </a:pPr>
+            <a:r>
+              <a:rPr lang="en-US" sz="2800" dirty="0"/>
+              <a:t>Extend your </a:t>
+            </a:r>
+            <a:r>
+              <a:rPr lang="en-US" sz="2800" dirty="0" smtClean="0"/>
+              <a:t>Datacenter</a:t>
+            </a:r>
+          </a:p>
+          <a:p>
+            <a:pPr>
+              <a:spcBef>
+                <a:spcPts val="300"/>
+              </a:spcBef>
+              <a:spcAft>
+                <a:spcPts val="300"/>
+              </a:spcAft>
+            </a:pPr>
+            <a:r>
+              <a:rPr lang="en-US" sz="2800" dirty="0" smtClean="0">
+                <a:hlinkClick r:id="rId2"/>
+              </a:rPr>
+              <a:t>Commercial video</a:t>
+            </a:r>
+            <a:endParaRPr lang="en-US" sz="2800" dirty="0" smtClean="0"/>
+          </a:p>
+          <a:p>
+            <a:pPr>
+              <a:spcBef>
+                <a:spcPts val="300"/>
+              </a:spcBef>
+              <a:spcAft>
+                <a:spcPts val="300"/>
+              </a:spcAft>
+            </a:pPr>
+            <a:r>
+              <a:rPr lang="en-US" sz="2800" dirty="0" smtClean="0"/>
+              <a:t>Built-in </a:t>
+            </a:r>
+            <a:r>
+              <a:rPr lang="en-US" sz="2800" dirty="0"/>
+              <a:t>Virtual Networking, Load Balancing</a:t>
+            </a:r>
+          </a:p>
+          <a:p>
+            <a:pPr>
+              <a:spcBef>
+                <a:spcPts val="300"/>
+              </a:spcBef>
+              <a:spcAft>
+                <a:spcPts val="300"/>
+              </a:spcAft>
+            </a:pPr>
+            <a:r>
+              <a:rPr lang="en-US" sz="2800" dirty="0"/>
+              <a:t>Scale from </a:t>
+            </a:r>
+            <a:r>
+              <a:rPr lang="en-US" sz="2800" dirty="0">
+                <a:latin typeface="Consolas" panose="020B0609020204030204" pitchFamily="49" charset="0"/>
+                <a:cs typeface="Consolas" panose="020B0609020204030204" pitchFamily="49" charset="0"/>
+              </a:rPr>
+              <a:t>1</a:t>
+            </a:r>
+            <a:r>
+              <a:rPr lang="en-US" sz="2800" dirty="0"/>
+              <a:t> to </a:t>
+            </a:r>
+            <a:r>
+              <a:rPr lang="en-US" sz="2800" dirty="0">
+                <a:latin typeface="Consolas" panose="020B0609020204030204" pitchFamily="49" charset="0"/>
+                <a:cs typeface="Consolas" panose="020B0609020204030204" pitchFamily="49" charset="0"/>
+              </a:rPr>
+              <a:t>1000</a:t>
+            </a:r>
+            <a:r>
+              <a:rPr lang="en-US" sz="2800" dirty="0"/>
+              <a:t>s of VM </a:t>
+            </a:r>
+            <a:r>
+              <a:rPr lang="en-US" sz="2800" dirty="0" smtClean="0"/>
+              <a:t>Instances</a:t>
+            </a:r>
+          </a:p>
+          <a:p>
+            <a:pPr>
+              <a:spcBef>
+                <a:spcPts val="300"/>
+              </a:spcBef>
+              <a:spcAft>
+                <a:spcPts val="300"/>
+              </a:spcAft>
+            </a:pPr>
+            <a:r>
+              <a:rPr lang="en-US" sz="2800" dirty="0" smtClean="0"/>
+              <a:t>Great choice of configurations and per-minute billing</a:t>
+            </a:r>
+            <a:endParaRPr lang="en-US" sz="2800" dirty="0"/>
+          </a:p>
+        </p:txBody>
+      </p:sp>
+      <p:sp>
+        <p:nvSpPr>
+          <p:cNvPr id="4" name="Slide Number Placeholder 3"/>
+          <p:cNvSpPr>
+            <a:spLocks noGrp="1"/>
+          </p:cNvSpPr>
+          <p:nvPr>
+            <p:ph type="sldNum" sz="quarter" idx="10"/>
+          </p:nvPr>
+        </p:nvSpPr>
+        <p:spPr/>
+        <p:txBody>
+          <a:bodyPr/>
+          <a:lstStyle/>
+          <a:p>
+            <a:pPr>
+              <a:defRPr/>
+            </a:pPr>
+            <a:fld id="{58452FF4-89E3-4D1B-9927-2DBDC00E58D7}" type="slidenum">
+              <a:rPr lang="en-US" smtClean="0"/>
+              <a:pPr>
+                <a:defRPr/>
+              </a:pPr>
+              <a:t>10</a:t>
+            </a:fld>
+            <a:endParaRPr lang="en-US" dirty="0"/>
+          </a:p>
+        </p:txBody>
+      </p:sp>
+      <p:pic>
+        <p:nvPicPr>
+          <p:cNvPr id="5" name="Picture 4"/>
+          <p:cNvPicPr>
+            <a:picLocks noChangeAspect="1"/>
+          </p:cNvPicPr>
+          <p:nvPr/>
+        </p:nvPicPr>
+        <p:blipFill>
+          <a:blip r:embed="rId3"/>
+          <a:stretch>
+            <a:fillRect/>
+          </a:stretch>
+        </p:blipFill>
+        <p:spPr>
+          <a:xfrm>
+            <a:off x="5326227" y="838200"/>
+            <a:ext cx="3520593" cy="4048154"/>
+          </a:xfrm>
+          <a:prstGeom prst="rect">
+            <a:avLst/>
+          </a:prstGeom>
+          <a:ln>
+            <a:noFill/>
+          </a:ln>
+          <a:effectLst>
+            <a:outerShdw blurRad="292100" dist="139700" dir="2700000" algn="tl" rotWithShape="0">
+              <a:srgbClr val="333333">
+                <a:alpha val="65000"/>
+              </a:srgbClr>
+            </a:outerShdw>
+          </a:effectLst>
+        </p:spPr>
+      </p:pic>
+      <p:pic>
+        <p:nvPicPr>
+          <p:cNvPr id="6" name="Picture 5"/>
+          <p:cNvPicPr>
+            <a:picLocks noChangeAspect="1"/>
+          </p:cNvPicPr>
+          <p:nvPr/>
+        </p:nvPicPr>
+        <p:blipFill>
+          <a:blip r:embed="rId3"/>
+          <a:stretch>
+            <a:fillRect/>
+          </a:stretch>
+        </p:blipFill>
+        <p:spPr>
+          <a:xfrm>
+            <a:off x="5257647" y="838200"/>
+            <a:ext cx="3581553" cy="4118249"/>
+          </a:xfrm>
+          <a:prstGeom prst="rect">
+            <a:avLst/>
+          </a:prstGeom>
+          <a:ln>
+            <a:noFill/>
+          </a:ln>
+          <a:effectLst>
+            <a:outerShdw blurRad="292100" dist="139700" dir="2700000" algn="tl" rotWithShape="0">
+              <a:srgbClr val="333333">
+                <a:alpha val="65000"/>
+              </a:srgbClr>
+            </a:outerShdw>
+          </a:effectLst>
+        </p:spPr>
+      </p:pic>
+    </p:spTree>
+    <p:extLst>
+      <p:ext uri="{BB962C8B-B14F-4D97-AF65-F5344CB8AC3E}">
+        <p14:creationId xmlns:p14="http://schemas.microsoft.com/office/powerpoint/2010/main" val="745593713"/>
+      </p:ext>
+    </p:extLst>
+  </p:cSld>
+  <p:clrMapOvr>
+    <a:masterClrMapping/>
+  </p:clrMapOvr>
+</p:sld>
+</file>
+
+<file path=ppt/slides/slide11.xml><?xml version="1.0" encoding="utf-8"?>
+<p:sld xmlns:a="http://schemas.openxmlformats.org/drawingml/2006/main" xmlns:r="http://schemas.openxmlformats.org/officeDocument/2006/relationships" xmlns:p="http://schemas.openxmlformats.org/presentationml/2006/main">
+  <p:cSld>
+    <p:spTree>
+      <p:nvGrpSpPr>
+        <p:cNvPr id="1" name=""/>
+        <p:cNvGrpSpPr/>
+        <p:nvPr/>
+      </p:nvGrpSpPr>
+      <p:grpSpPr>
+        <a:xfrm>
+          <a:off x="0" y="0"/>
+          <a:ext cx="0" cy="0"/>
+          <a:chOff x="0" y="0"/>
+          <a:chExt cx="0" cy="0"/>
+        </a:xfrm>
+      </p:grpSpPr>
+      <p:pic>
+        <p:nvPicPr>
+          <p:cNvPr id="6" name="Picture 5"/>
+          <p:cNvPicPr>
+            <a:picLocks noChangeAspect="1"/>
+          </p:cNvPicPr>
+          <p:nvPr/>
+        </p:nvPicPr>
+        <p:blipFill>
+          <a:blip r:embed="rId2"/>
+          <a:stretch>
+            <a:fillRect/>
+          </a:stretch>
+        </p:blipFill>
+        <p:spPr>
+          <a:xfrm>
+            <a:off x="1809750" y="646266"/>
+            <a:ext cx="5524500" cy="3316134"/>
+          </a:xfrm>
+          <a:prstGeom prst="roundRect">
+            <a:avLst>
+              <a:gd name="adj" fmla="val 552"/>
+            </a:avLst>
+          </a:prstGeom>
+          <a:solidFill>
+            <a:srgbClr val="FFFFFF">
+              <a:shade val="85000"/>
+            </a:srgbClr>
+          </a:solidFill>
+          <a:ln>
+            <a:noFill/>
+          </a:ln>
+          <a:effectLst>
+            <a:reflection blurRad="12700" stA="38000" endPos="28000" dist="5000" dir="5400000" sy="-100000" algn="bl" rotWithShape="0"/>
+          </a:effectLst>
+        </p:spPr>
+      </p:pic>
+      <p:sp>
+        <p:nvSpPr>
+          <p:cNvPr id="2" name="Title 1"/>
+          <p:cNvSpPr>
+            <a:spLocks noGrp="1"/>
+          </p:cNvSpPr>
+          <p:nvPr>
+            <p:ph type="ctrTitle"/>
+          </p:nvPr>
+        </p:nvSpPr>
+        <p:spPr>
+          <a:xfrm>
+            <a:off x="152400" y="4038600"/>
+            <a:ext cx="8839200" cy="685800"/>
+          </a:xfrm>
+        </p:spPr>
+        <p:txBody>
+          <a:bodyPr/>
+          <a:lstStyle/>
+          <a:p>
+            <a:r>
+              <a:rPr lang="en-US" sz="4400" dirty="0"/>
+              <a:t>Demo: </a:t>
+            </a:r>
+            <a:r>
+              <a:rPr lang="en-US" sz="4400" dirty="0" smtClean="0"/>
+              <a:t>Windows Server and Ubuntu</a:t>
+            </a:r>
+            <a:endParaRPr lang="en-US" sz="4400" dirty="0"/>
+          </a:p>
+        </p:txBody>
+      </p:sp>
+      <p:sp>
+        <p:nvSpPr>
+          <p:cNvPr id="3" name="Content Placeholder 2"/>
+          <p:cNvSpPr>
+            <a:spLocks noGrp="1"/>
+          </p:cNvSpPr>
+          <p:nvPr>
+            <p:ph type="subTitle" idx="1"/>
+          </p:nvPr>
+        </p:nvSpPr>
+        <p:spPr>
+          <a:xfrm>
+            <a:off x="609600" y="4724401"/>
+            <a:ext cx="7924800" cy="1828800"/>
+          </a:xfrm>
+        </p:spPr>
+        <p:txBody>
+          <a:bodyPr/>
+          <a:lstStyle/>
+          <a:p>
+            <a:pPr marL="514350" indent="-514350">
+              <a:spcBef>
+                <a:spcPts val="300"/>
+              </a:spcBef>
+              <a:buFont typeface="+mj-lt"/>
+              <a:buAutoNum type="arabicPeriod"/>
+            </a:pPr>
+            <a:r>
+              <a:rPr lang="en-US" dirty="0" smtClean="0"/>
+              <a:t>Create </a:t>
+            </a:r>
+            <a:r>
+              <a:rPr lang="en-US" dirty="0"/>
+              <a:t>Windows </a:t>
+            </a:r>
+            <a:r>
+              <a:rPr lang="en-US" dirty="0" smtClean="0"/>
+              <a:t>Server </a:t>
+            </a:r>
+            <a:r>
+              <a:rPr lang="en-US" dirty="0" smtClean="0"/>
+              <a:t>(and Ubuntu</a:t>
+            </a:r>
+            <a:r>
+              <a:rPr lang="en-US" dirty="0" smtClean="0"/>
+              <a:t>) </a:t>
+            </a:r>
+            <a:r>
+              <a:rPr lang="en-US" dirty="0"/>
+              <a:t>VM</a:t>
+            </a:r>
+          </a:p>
+          <a:p>
+            <a:pPr marL="514350" indent="-514350">
+              <a:spcBef>
+                <a:spcPts val="300"/>
+              </a:spcBef>
+              <a:buFont typeface="+mj-lt"/>
+              <a:buAutoNum type="arabicPeriod"/>
+            </a:pPr>
+            <a:r>
+              <a:rPr lang="en-US" dirty="0"/>
+              <a:t>Connect using Remote </a:t>
+            </a:r>
+            <a:r>
+              <a:rPr lang="en-US" dirty="0" smtClean="0"/>
+              <a:t>Desktop / SSH</a:t>
+            </a:r>
+            <a:endParaRPr lang="en-US" dirty="0"/>
+          </a:p>
+          <a:p>
+            <a:pPr marL="514350" indent="-514350">
+              <a:spcBef>
+                <a:spcPts val="300"/>
+              </a:spcBef>
+              <a:buFont typeface="+mj-lt"/>
+              <a:buAutoNum type="arabicPeriod"/>
+            </a:pPr>
+            <a:r>
+              <a:rPr lang="en-US" dirty="0"/>
+              <a:t>Manage the Virtual </a:t>
+            </a:r>
+            <a:r>
+              <a:rPr lang="en-US" dirty="0" smtClean="0"/>
+              <a:t>Machines</a:t>
+            </a:r>
+            <a:endParaRPr lang="bg-BG" dirty="0" smtClean="0"/>
+          </a:p>
+          <a:p>
+            <a:pPr marL="514350" indent="-514350">
+              <a:spcBef>
+                <a:spcPts val="300"/>
+              </a:spcBef>
+              <a:buFont typeface="+mj-lt"/>
+              <a:buAutoNum type="arabicPeriod"/>
+            </a:pPr>
+            <a:r>
+              <a:rPr lang="en-US" dirty="0" smtClean="0"/>
+              <a:t>Upgrade Resources (CPU and RAM)</a:t>
+            </a:r>
+            <a:endParaRPr lang="en-US" dirty="0"/>
+          </a:p>
+        </p:txBody>
+      </p:sp>
+    </p:spTree>
+    <p:extLst>
+      <p:ext uri="{BB962C8B-B14F-4D97-AF65-F5344CB8AC3E}">
+        <p14:creationId xmlns:p14="http://schemas.microsoft.com/office/powerpoint/2010/main" val="1747153973"/>
+      </p:ext>
+    </p:extLst>
+  </p:cSld>
+  <p:clrMapOvr>
+    <a:masterClrMapping/>
+  </p:clrMapOvr>
+</p:sld>
+</file>
+
+<file path=ppt/slides/slide12.xml><?xml version="1.0" encoding="utf-8"?>
+<p:sld xmlns:a="http://schemas.openxmlformats.org/drawingml/2006/main" xmlns:r="http://schemas.openxmlformats.org/officeDocument/2006/relationships" xmlns:p="http://schemas.openxmlformats.org/presentationml/2006/main">
+  <p:cSld>
+    <p:spTree>
+      <p:nvGrpSpPr>
+        <p:cNvPr id="1" name=""/>
+        <p:cNvGrpSpPr/>
+        <p:nvPr/>
+      </p:nvGrpSpPr>
+      <p:grpSpPr>
+        <a:xfrm>
+          <a:off x="0" y="0"/>
+          <a:ext cx="0" cy="0"/>
+          <a:chOff x="0" y="0"/>
+          <a:chExt cx="0" cy="0"/>
+        </a:xfrm>
+      </p:grpSpPr>
+      <p:pic>
+        <p:nvPicPr>
+          <p:cNvPr id="4" name="Picture 3"/>
+          <p:cNvPicPr>
+            <a:picLocks noChangeAspect="1"/>
+          </p:cNvPicPr>
+          <p:nvPr/>
+        </p:nvPicPr>
+        <p:blipFill>
+          <a:blip r:embed="rId2"/>
+          <a:stretch>
+            <a:fillRect/>
+          </a:stretch>
+        </p:blipFill>
+        <p:spPr>
+          <a:xfrm>
+            <a:off x="1675714" y="656221"/>
+            <a:ext cx="5792572" cy="3229979"/>
+          </a:xfrm>
+          <a:prstGeom prst="roundRect">
+            <a:avLst>
+              <a:gd name="adj" fmla="val 0"/>
+            </a:avLst>
+          </a:prstGeom>
+          <a:solidFill>
+            <a:srgbClr val="FFFFFF">
+              <a:shade val="85000"/>
+            </a:srgbClr>
+          </a:solidFill>
+          <a:ln>
+            <a:noFill/>
+          </a:ln>
+          <a:effectLst>
+            <a:reflection blurRad="12700" stA="38000" endPos="28000" dist="5000" dir="5400000" sy="-100000" algn="bl" rotWithShape="0"/>
+          </a:effectLst>
+        </p:spPr>
+      </p:pic>
+      <p:sp>
+        <p:nvSpPr>
+          <p:cNvPr id="2" name="Title 1"/>
+          <p:cNvSpPr>
+            <a:spLocks noGrp="1"/>
+          </p:cNvSpPr>
+          <p:nvPr>
+            <p:ph type="ctrTitle"/>
+          </p:nvPr>
+        </p:nvSpPr>
+        <p:spPr>
+          <a:xfrm>
+            <a:off x="152400" y="4037248"/>
+            <a:ext cx="8839200" cy="685800"/>
+          </a:xfrm>
+        </p:spPr>
+        <p:txBody>
+          <a:bodyPr/>
+          <a:lstStyle/>
+          <a:p>
+            <a:r>
+              <a:rPr lang="en-US" sz="4800" dirty="0"/>
+              <a:t>Demo: </a:t>
+            </a:r>
+            <a:r>
+              <a:rPr lang="en-US" sz="4800" dirty="0" smtClean="0"/>
+              <a:t>RemoteApp</a:t>
+            </a:r>
+            <a:endParaRPr lang="en-US" sz="4800" dirty="0"/>
+          </a:p>
+        </p:txBody>
+      </p:sp>
+      <p:sp>
+        <p:nvSpPr>
+          <p:cNvPr id="3" name="Content Placeholder 2"/>
+          <p:cNvSpPr>
+            <a:spLocks noGrp="1"/>
+          </p:cNvSpPr>
+          <p:nvPr>
+            <p:ph type="subTitle" idx="1"/>
+          </p:nvPr>
+        </p:nvSpPr>
+        <p:spPr>
+          <a:xfrm>
+            <a:off x="609600" y="4724400"/>
+            <a:ext cx="7924800" cy="1904999"/>
+          </a:xfrm>
+        </p:spPr>
+        <p:txBody>
+          <a:bodyPr/>
+          <a:lstStyle/>
+          <a:p>
+            <a:pPr marL="514350" indent="-514350">
+              <a:spcBef>
+                <a:spcPts val="300"/>
+              </a:spcBef>
+              <a:buFont typeface="+mj-lt"/>
+              <a:buAutoNum type="arabicPeriod"/>
+            </a:pPr>
+            <a:r>
+              <a:rPr lang="en-US" dirty="0">
+                <a:hlinkClick r:id="rId3"/>
+              </a:rPr>
+              <a:t>https://youtube.com/watch?v=DSuCqmWlr0s</a:t>
+            </a:r>
+            <a:endParaRPr lang="en-US" dirty="0"/>
+          </a:p>
+          <a:p>
+            <a:pPr marL="514350" indent="-514350">
+              <a:spcBef>
+                <a:spcPts val="300"/>
+              </a:spcBef>
+              <a:buFont typeface="+mj-lt"/>
+              <a:buAutoNum type="arabicPeriod"/>
+            </a:pPr>
+            <a:r>
+              <a:rPr lang="en-US" dirty="0" smtClean="0"/>
+              <a:t>Create RemoteApp from Office Template</a:t>
+            </a:r>
+          </a:p>
+          <a:p>
+            <a:pPr marL="514350" indent="-514350">
+              <a:spcBef>
+                <a:spcPts val="300"/>
+              </a:spcBef>
+              <a:buFont typeface="+mj-lt"/>
+              <a:buAutoNum type="arabicPeriod"/>
+            </a:pPr>
+            <a:r>
+              <a:rPr lang="en-US" dirty="0"/>
+              <a:t>Install </a:t>
+            </a:r>
+            <a:r>
+              <a:rPr lang="en-US" dirty="0">
+                <a:hlinkClick r:id="rId4"/>
+              </a:rPr>
+              <a:t>Azure </a:t>
+            </a:r>
+            <a:r>
+              <a:rPr lang="en-US" dirty="0" smtClean="0">
+                <a:hlinkClick r:id="rId4"/>
+              </a:rPr>
+              <a:t>RemoteApp Client</a:t>
+            </a:r>
+            <a:endParaRPr lang="en-US" dirty="0" smtClean="0"/>
+          </a:p>
+          <a:p>
+            <a:pPr marL="514350" indent="-514350">
+              <a:spcBef>
+                <a:spcPts val="300"/>
+              </a:spcBef>
+              <a:buFont typeface="+mj-lt"/>
+              <a:buAutoNum type="arabicPeriod"/>
+            </a:pPr>
+            <a:r>
+              <a:rPr lang="en-US" dirty="0" smtClean="0"/>
+              <a:t>Connect and Use the Remote Applications</a:t>
+            </a:r>
+            <a:endParaRPr lang="en-US" dirty="0"/>
+          </a:p>
+        </p:txBody>
+      </p:sp>
+    </p:spTree>
+    <p:extLst>
+      <p:ext uri="{BB962C8B-B14F-4D97-AF65-F5344CB8AC3E}">
+        <p14:creationId xmlns:p14="http://schemas.microsoft.com/office/powerpoint/2010/main" val="3808077678"/>
+      </p:ext>
+    </p:extLst>
+  </p:cSld>
+  <p:clrMapOvr>
+    <a:masterClrMapping/>
+  </p:clrMapOvr>
+</p:sld>
+</file>
+
+<file path=ppt/slides/slide13.xml><?xml version="1.0" encoding="utf-8"?>
 <p:sld xmlns:a="http://schemas.openxmlformats.org/drawingml/2006/main" xmlns:r="http://schemas.openxmlformats.org/officeDocument/2006/relationships" xmlns:p="http://schemas.openxmlformats.org/presentationml/2006/main">
   <p:cSld>
     <p:spTree>
@@ -12574,7 +13361,7 @@
 </p:sld>
 </file>
 
-<file path=ppt/slides/slide11.xml><?xml version="1.0" encoding="utf-8"?>
+<file path=ppt/slides/slide14.xml><?xml version="1.0" encoding="utf-8"?>
 <p:sld xmlns:a="http://schemas.openxmlformats.org/drawingml/2006/main" xmlns:r="http://schemas.openxmlformats.org/officeDocument/2006/relationships" xmlns:p="http://schemas.openxmlformats.org/presentationml/2006/main">
   <p:cSld>
     <p:spTree>
@@ -12640,8 +13427,8 @@
         </p:nvSpPr>
         <p:spPr>
           <a:xfrm>
-            <a:off x="609600" y="3505200"/>
-            <a:ext cx="7924800" cy="1371600"/>
+            <a:off x="152400" y="3680390"/>
+            <a:ext cx="8839200" cy="1044010"/>
           </a:xfrm>
         </p:spPr>
         <p:txBody>
@@ -12649,14 +13436,18 @@
           <a:lstStyle/>
           <a:p>
             <a:r>
-              <a:rPr lang="en-US" dirty="0"/>
+              <a:rPr lang="en-US" sz="3600" dirty="0"/>
               <a:t>Demo: </a:t>
             </a:r>
             <a:r>
-              <a:rPr lang="en-US" dirty="0" smtClean="0"/>
-              <a:t>Create API App</a:t>
-            </a:r>
-            <a:endParaRPr lang="en-US" dirty="0"/>
+              <a:rPr lang="en-US" sz="3600" dirty="0" smtClean="0"/>
+              <a:t>ASP.NET Web API and MVC </a:t>
+            </a:r>
+            <a:r>
+              <a:rPr lang="en-US" sz="3600" dirty="0" smtClean="0"/>
+              <a:t>in Azure</a:t>
+            </a:r>
+            <a:endParaRPr lang="en-US" sz="3600" dirty="0"/>
           </a:p>
         </p:txBody>
       </p:sp>
@@ -12672,8 +13463,8 @@
         </p:nvSpPr>
         <p:spPr>
           <a:xfrm>
-            <a:off x="609600" y="4917279"/>
-            <a:ext cx="7924800" cy="1483520"/>
+            <a:off x="457200" y="4572000"/>
+            <a:ext cx="8229600" cy="1981200"/>
           </a:xfrm>
         </p:spPr>
         <p:txBody>
@@ -12681,12 +13472,63 @@
           <a:lstStyle/>
           <a:p>
             <a:pPr marL="514350" indent="-514350">
+              <a:spcBef>
+                <a:spcPts val="300"/>
+              </a:spcBef>
               <a:buFont typeface="+mj-lt"/>
               <a:buAutoNum type="arabicPeriod"/>
             </a:pPr>
             <a:r>
+              <a:rPr lang="en-US" dirty="0" smtClean="0"/>
+              <a:t>Create simple ASP.NET </a:t>
+            </a:r>
+            <a:r>
               <a:rPr lang="en-US" dirty="0" err="1" smtClean="0"/>
-              <a:t>asd</a:t>
+              <a:t>WebAPI</a:t>
+            </a:r>
+            <a:r>
+              <a:rPr lang="en-US" dirty="0" smtClean="0"/>
+              <a:t> / MVC application</a:t>
+            </a:r>
+          </a:p>
+          <a:p>
+            <a:pPr marL="514350" indent="-514350">
+              <a:spcBef>
+                <a:spcPts val="300"/>
+              </a:spcBef>
+              <a:buFont typeface="+mj-lt"/>
+              <a:buAutoNum type="arabicPeriod"/>
+            </a:pPr>
+            <a:r>
+              <a:rPr lang="en-US" dirty="0" smtClean="0"/>
+              <a:t>Attach Azure Publish Profile</a:t>
+            </a:r>
+            <a:endParaRPr lang="en-US" dirty="0" smtClean="0"/>
+          </a:p>
+          <a:p>
+            <a:pPr marL="514350" indent="-514350">
+              <a:spcBef>
+                <a:spcPts val="300"/>
+              </a:spcBef>
+              <a:buFont typeface="+mj-lt"/>
+              <a:buAutoNum type="arabicPeriod"/>
+            </a:pPr>
+            <a:r>
+              <a:rPr lang="en-US" dirty="0" smtClean="0"/>
+              <a:t>Deploy the Application</a:t>
+            </a:r>
+          </a:p>
+          <a:p>
+            <a:pPr marL="514350" indent="-514350">
+              <a:spcBef>
+                <a:spcPts val="300"/>
+              </a:spcBef>
+              <a:buFont typeface="+mj-lt"/>
+              <a:buAutoNum type="arabicPeriod"/>
+            </a:pPr>
+            <a:r>
+              <a:rPr lang="en-US" dirty="0" smtClean="0"/>
+              <a:t>Login/Register</a:t>
             </a:r>
             <a:endParaRPr lang="en-US" dirty="0"/>
           </a:p>
@@ -12696,382 +13538,6 @@
     <p:extLst>
       <p:ext uri="{BB962C8B-B14F-4D97-AF65-F5344CB8AC3E}">
         <p14:creationId xmlns:p14="http://schemas.microsoft.com/office/powerpoint/2010/main" val="1284075065"/>
-      </p:ext>
-    </p:extLst>
-  </p:cSld>
-  <p:clrMapOvr>
-    <a:masterClrMapping/>
-  </p:clrMapOvr>
-</p:sld>
-</file>
-
-<file path=ppt/slides/slide12.xml><?xml version="1.0" encoding="utf-8"?>
-<p:sld xmlns:a="http://schemas.openxmlformats.org/drawingml/2006/main" xmlns:r="http://schemas.openxmlformats.org/officeDocument/2006/relationships" xmlns:p="http://schemas.openxmlformats.org/presentationml/2006/main">
-  <p:cSld>
-    <p:spTree>
-      <p:nvGrpSpPr>
-        <p:cNvPr id="1" name=""/>
-        <p:cNvGrpSpPr/>
-        <p:nvPr/>
-      </p:nvGrpSpPr>
-      <p:grpSpPr>
-        <a:xfrm>
-          <a:off x="0" y="0"/>
-          <a:ext cx="0" cy="0"/>
-          <a:chOff x="0" y="0"/>
-          <a:chExt cx="0" cy="0"/>
-        </a:xfrm>
-      </p:grpSpPr>
-      <p:sp>
-        <p:nvSpPr>
-          <p:cNvPr id="2" name="Title 1"/>
-          <p:cNvSpPr>
-            <a:spLocks noGrp="1"/>
-          </p:cNvSpPr>
-          <p:nvPr>
-            <p:ph type="ctrTitle"/>
-          </p:nvPr>
-        </p:nvSpPr>
-        <p:spPr>
-          <a:xfrm>
-            <a:off x="609600" y="3505200"/>
-            <a:ext cx="7924800" cy="1371600"/>
-          </a:xfrm>
-        </p:spPr>
-        <p:txBody>
-          <a:bodyPr/>
-          <a:lstStyle/>
-          <a:p>
-            <a:r>
-              <a:rPr lang="en-US" dirty="0"/>
-              <a:t>Demo: </a:t>
-            </a:r>
-            <a:r>
-              <a:rPr lang="en-US" dirty="0" smtClean="0"/>
-              <a:t>Deploy ASP.NET Web API in the Cloud</a:t>
-            </a:r>
-            <a:endParaRPr lang="en-US" dirty="0"/>
-          </a:p>
-        </p:txBody>
-      </p:sp>
-      <p:sp>
-        <p:nvSpPr>
-          <p:cNvPr id="3" name="Content Placeholder 2"/>
-          <p:cNvSpPr>
-            <a:spLocks noGrp="1"/>
-          </p:cNvSpPr>
-          <p:nvPr>
-            <p:ph type="subTitle" idx="1"/>
-          </p:nvPr>
-        </p:nvSpPr>
-        <p:spPr>
-          <a:xfrm>
-            <a:off x="609600" y="4917279"/>
-            <a:ext cx="7924800" cy="1483520"/>
-          </a:xfrm>
-        </p:spPr>
-        <p:txBody>
-          <a:bodyPr/>
-          <a:lstStyle/>
-          <a:p>
-            <a:pPr marL="514350" indent="-514350">
-              <a:buFont typeface="+mj-lt"/>
-              <a:buAutoNum type="arabicPeriod"/>
-            </a:pPr>
-            <a:r>
-              <a:rPr lang="en-US" dirty="0" err="1" smtClean="0"/>
-              <a:t>asd</a:t>
-            </a:r>
-            <a:endParaRPr lang="en-US" dirty="0"/>
-          </a:p>
-        </p:txBody>
-      </p:sp>
-    </p:spTree>
-    <p:extLst>
-      <p:ext uri="{BB962C8B-B14F-4D97-AF65-F5344CB8AC3E}">
-        <p14:creationId xmlns:p14="http://schemas.microsoft.com/office/powerpoint/2010/main" val="248371082"/>
-      </p:ext>
-    </p:extLst>
-  </p:cSld>
-  <p:clrMapOvr>
-    <a:masterClrMapping/>
-  </p:clrMapOvr>
-</p:sld>
-</file>
-
-<file path=ppt/slides/slide13.xml><?xml version="1.0" encoding="utf-8"?>
-<p:sld xmlns:a="http://schemas.openxmlformats.org/drawingml/2006/main" xmlns:r="http://schemas.openxmlformats.org/officeDocument/2006/relationships" xmlns:p="http://schemas.openxmlformats.org/presentationml/2006/main">
-  <p:cSld>
-    <p:spTree>
-      <p:nvGrpSpPr>
-        <p:cNvPr id="1" name=""/>
-        <p:cNvGrpSpPr/>
-        <p:nvPr/>
-      </p:nvGrpSpPr>
-      <p:grpSpPr>
-        <a:xfrm>
-          <a:off x="0" y="0"/>
-          <a:ext cx="0" cy="0"/>
-          <a:chOff x="0" y="0"/>
-          <a:chExt cx="0" cy="0"/>
-        </a:xfrm>
-      </p:grpSpPr>
-      <p:sp>
-        <p:nvSpPr>
-          <p:cNvPr id="4" name="Title 3"/>
-          <p:cNvSpPr>
-            <a:spLocks noGrp="1"/>
-          </p:cNvSpPr>
-          <p:nvPr>
-            <p:ph type="title"/>
-          </p:nvPr>
-        </p:nvSpPr>
-        <p:spPr/>
-        <p:txBody>
-          <a:bodyPr/>
-          <a:lstStyle/>
-          <a:p>
-            <a:r>
-              <a:rPr lang="en-US" dirty="0" smtClean="0"/>
-              <a:t>Storage</a:t>
-            </a:r>
-            <a:endParaRPr lang="en-US" dirty="0"/>
-          </a:p>
-        </p:txBody>
-      </p:sp>
-      <p:sp>
-        <p:nvSpPr>
-          <p:cNvPr id="5" name="Content Placeholder 4"/>
-          <p:cNvSpPr>
-            <a:spLocks noGrp="1"/>
-          </p:cNvSpPr>
-          <p:nvPr>
-            <p:ph idx="1"/>
-          </p:nvPr>
-        </p:nvSpPr>
-        <p:spPr/>
-        <p:txBody>
-          <a:bodyPr/>
-          <a:lstStyle/>
-          <a:p>
-            <a:r>
-              <a:rPr lang="en-US" dirty="0">
-                <a:hlinkClick r:id="rId2"/>
-              </a:rPr>
-              <a:t>https</a:t>
-            </a:r>
-            <a:r>
-              <a:rPr lang="en-US" dirty="0" smtClean="0">
-                <a:hlinkClick r:id="rId2"/>
-              </a:rPr>
-              <a:t>://youtube.com/watch?v=FWGtgpzjAPM</a:t>
-            </a:r>
-            <a:endParaRPr lang="en-US" dirty="0" smtClean="0"/>
-          </a:p>
-          <a:p>
-            <a:endParaRPr lang="en-US" dirty="0"/>
-          </a:p>
-        </p:txBody>
-      </p:sp>
-    </p:spTree>
-    <p:extLst>
-      <p:ext uri="{BB962C8B-B14F-4D97-AF65-F5344CB8AC3E}">
-        <p14:creationId xmlns:p14="http://schemas.microsoft.com/office/powerpoint/2010/main" val="1729711975"/>
-      </p:ext>
-    </p:extLst>
-  </p:cSld>
-  <p:clrMapOvr>
-    <a:masterClrMapping/>
-  </p:clrMapOvr>
-</p:sld>
-</file>
-
-<file path=ppt/slides/slide14.xml><?xml version="1.0" encoding="utf-8"?>
-<p:sld xmlns:a="http://schemas.openxmlformats.org/drawingml/2006/main" xmlns:r="http://schemas.openxmlformats.org/officeDocument/2006/relationships" xmlns:p="http://schemas.openxmlformats.org/presentationml/2006/main">
-  <p:cSld>
-    <p:spTree>
-      <p:nvGrpSpPr>
-        <p:cNvPr id="1" name=""/>
-        <p:cNvGrpSpPr/>
-        <p:nvPr/>
-      </p:nvGrpSpPr>
-      <p:grpSpPr>
-        <a:xfrm>
-          <a:off x="0" y="0"/>
-          <a:ext cx="0" cy="0"/>
-          <a:chOff x="0" y="0"/>
-          <a:chExt cx="0" cy="0"/>
-        </a:xfrm>
-      </p:grpSpPr>
-      <p:sp>
-        <p:nvSpPr>
-          <p:cNvPr id="2" name="Title 1"/>
-          <p:cNvSpPr>
-            <a:spLocks noGrp="1"/>
-          </p:cNvSpPr>
-          <p:nvPr>
-            <p:ph type="title"/>
-          </p:nvPr>
-        </p:nvSpPr>
-        <p:spPr/>
-        <p:txBody>
-          <a:bodyPr/>
-          <a:lstStyle/>
-          <a:p>
-            <a:r>
-              <a:rPr lang="en-US" dirty="0" smtClean="0"/>
-              <a:t>More Videos</a:t>
-            </a:r>
-            <a:endParaRPr lang="en-US" dirty="0"/>
-          </a:p>
-        </p:txBody>
-      </p:sp>
-      <p:sp>
-        <p:nvSpPr>
-          <p:cNvPr id="3" name="Content Placeholder 2"/>
-          <p:cNvSpPr>
-            <a:spLocks noGrp="1"/>
-          </p:cNvSpPr>
-          <p:nvPr>
-            <p:ph idx="1"/>
-          </p:nvPr>
-        </p:nvSpPr>
-        <p:spPr/>
-        <p:txBody>
-          <a:bodyPr/>
-          <a:lstStyle/>
-          <a:p>
-            <a:r>
-              <a:rPr lang="en-US" dirty="0" smtClean="0"/>
-              <a:t>Machine Learning</a:t>
-            </a:r>
-          </a:p>
-          <a:p>
-            <a:pPr lvl="1"/>
-            <a:r>
-              <a:rPr lang="en-US" dirty="0">
-                <a:hlinkClick r:id="rId2"/>
-              </a:rPr>
-              <a:t>https</a:t>
-            </a:r>
-            <a:r>
-              <a:rPr lang="en-US" dirty="0" smtClean="0">
-                <a:hlinkClick r:id="rId2"/>
-              </a:rPr>
-              <a:t>://youtube.com/watch?v=SJtNJepz-pM</a:t>
-            </a:r>
-            <a:endParaRPr lang="en-US" dirty="0" smtClean="0"/>
-          </a:p>
-          <a:p>
-            <a:r>
-              <a:rPr lang="en-US" dirty="0"/>
-              <a:t>Microsoft Advanced </a:t>
-            </a:r>
-            <a:r>
-              <a:rPr lang="en-US" dirty="0" smtClean="0"/>
-              <a:t>Threat Analytics</a:t>
-            </a:r>
-          </a:p>
-          <a:p>
-            <a:pPr lvl="1"/>
-            <a:r>
-              <a:rPr lang="en-US" dirty="0">
-                <a:hlinkClick r:id="rId3"/>
-              </a:rPr>
-              <a:t>https</a:t>
-            </a:r>
-            <a:r>
-              <a:rPr lang="en-US" dirty="0" smtClean="0">
-                <a:hlinkClick r:id="rId3"/>
-              </a:rPr>
-              <a:t>://youtube.com/watch?v</a:t>
-            </a:r>
-            <a:r>
-              <a:rPr lang="en-US" dirty="0">
-                <a:hlinkClick r:id="rId3"/>
-              </a:rPr>
-              <a:t>=-</a:t>
-            </a:r>
-            <a:r>
-              <a:rPr lang="en-US" dirty="0" smtClean="0">
-                <a:hlinkClick r:id="rId3"/>
-              </a:rPr>
-              <a:t>MGg_07MkgY</a:t>
-            </a:r>
-            <a:endParaRPr lang="en-US" dirty="0" smtClean="0"/>
-          </a:p>
-          <a:p>
-            <a:r>
-              <a:rPr lang="en-US" dirty="0" smtClean="0"/>
-              <a:t>Internet of Thinks</a:t>
-            </a:r>
-          </a:p>
-          <a:p>
-            <a:pPr lvl="1"/>
-            <a:r>
-              <a:rPr lang="en-US" dirty="0">
-                <a:hlinkClick r:id="rId4"/>
-              </a:rPr>
-              <a:t>https</a:t>
-            </a:r>
-            <a:r>
-              <a:rPr lang="en-US" dirty="0" smtClean="0">
-                <a:hlinkClick r:id="rId4"/>
-              </a:rPr>
-              <a:t>://youtube.com/watch?v=L8xjSjxaaVA</a:t>
-            </a:r>
-            <a:endParaRPr lang="en-US" dirty="0">
-              <a:hlinkClick r:id="rId4"/>
-            </a:endParaRPr>
-          </a:p>
-          <a:p>
-            <a:pPr lvl="1"/>
-            <a:r>
-              <a:rPr lang="en-US" dirty="0" smtClean="0">
-                <a:hlinkClick r:id="rId4"/>
-              </a:rPr>
-              <a:t>https://youtube.com/watch?v=Z7GzCjT77Po</a:t>
-            </a:r>
-            <a:endParaRPr lang="en-US" dirty="0" smtClean="0"/>
-          </a:p>
-          <a:p>
-            <a:endParaRPr lang="en-US" dirty="0"/>
-          </a:p>
-        </p:txBody>
-      </p:sp>
-      <p:sp>
-        <p:nvSpPr>
-          <p:cNvPr id="4" name="Slide Number Placeholder 3"/>
-          <p:cNvSpPr>
-            <a:spLocks noGrp="1"/>
-          </p:cNvSpPr>
-          <p:nvPr>
-            <p:ph type="sldNum" sz="quarter" idx="10"/>
-          </p:nvPr>
-        </p:nvSpPr>
-        <p:spPr/>
-        <p:txBody>
-          <a:bodyPr/>
-          <a:lstStyle/>
-          <a:p>
-            <a:pPr>
-              <a:defRPr/>
-            </a:pPr>
-            <a:fld id="{58452FF4-89E3-4D1B-9927-2DBDC00E58D7}" type="slidenum">
-              <a:rPr lang="en-US" smtClean="0"/>
-              <a:pPr>
-                <a:defRPr/>
-              </a:pPr>
-              <a:t>14</a:t>
-            </a:fld>
-            <a:endParaRPr lang="en-US" dirty="0"/>
-          </a:p>
-        </p:txBody>
-      </p:sp>
-    </p:spTree>
-    <p:extLst>
-      <p:ext uri="{BB962C8B-B14F-4D97-AF65-F5344CB8AC3E}">
-        <p14:creationId xmlns:p14="http://schemas.microsoft.com/office/powerpoint/2010/main" val="598912816"/>
       </p:ext>
     </p:extLst>
   </p:cSld>
@@ -13105,6 +13571,859 @@
             <a:spLocks noGrp="1"/>
           </p:cNvSpPr>
           <p:nvPr>
+            <p:ph type="ctrTitle"/>
+          </p:nvPr>
+        </p:nvSpPr>
+        <p:spPr>
+          <a:xfrm>
+            <a:off x="152400" y="3581400"/>
+            <a:ext cx="8839200" cy="1044010"/>
+          </a:xfrm>
+        </p:spPr>
+        <p:txBody>
+          <a:bodyPr/>
+          <a:lstStyle/>
+          <a:p>
+            <a:r>
+              <a:rPr lang="en-US" sz="4400" dirty="0"/>
+              <a:t>Demo: </a:t>
+            </a:r>
+            <a:r>
+              <a:rPr lang="en-US" sz="4400" dirty="0" smtClean="0"/>
+              <a:t>Continuous Deployment</a:t>
+            </a:r>
+            <a:endParaRPr lang="en-US" sz="4400" dirty="0"/>
+          </a:p>
+        </p:txBody>
+      </p:sp>
+      <p:sp>
+        <p:nvSpPr>
+          <p:cNvPr id="3" name="Content Placeholder 2"/>
+          <p:cNvSpPr>
+            <a:spLocks noGrp="1"/>
+          </p:cNvSpPr>
+          <p:nvPr>
+            <p:ph type="subTitle" idx="1"/>
+          </p:nvPr>
+        </p:nvSpPr>
+        <p:spPr>
+          <a:xfrm>
+            <a:off x="457200" y="4419600"/>
+            <a:ext cx="8229600" cy="2133600"/>
+          </a:xfrm>
+        </p:spPr>
+        <p:txBody>
+          <a:bodyPr/>
+          <a:lstStyle/>
+          <a:p>
+            <a:pPr marL="514350" indent="-514350">
+              <a:spcBef>
+                <a:spcPts val="0"/>
+              </a:spcBef>
+              <a:buFont typeface="+mj-lt"/>
+              <a:buAutoNum type="arabicPeriod"/>
+            </a:pPr>
+            <a:r>
+              <a:rPr lang="en-US" dirty="0">
+                <a:hlinkClick r:id="rId2"/>
+              </a:rPr>
+              <a:t>https</a:t>
+            </a:r>
+            <a:r>
+              <a:rPr lang="en-US" dirty="0" smtClean="0">
+                <a:hlinkClick r:id="rId2"/>
+              </a:rPr>
+              <a:t>://youtube.com/watch?v=3WDe3l1M-3U</a:t>
+            </a:r>
+            <a:endParaRPr lang="en-US" dirty="0" smtClean="0"/>
+          </a:p>
+          <a:p>
+            <a:pPr marL="514350" indent="-514350">
+              <a:spcBef>
+                <a:spcPts val="0"/>
+              </a:spcBef>
+              <a:buFont typeface="+mj-lt"/>
+              <a:buAutoNum type="arabicPeriod"/>
+            </a:pPr>
+            <a:r>
+              <a:rPr lang="en-US" dirty="0" smtClean="0"/>
+              <a:t>Create a new web app</a:t>
+            </a:r>
+          </a:p>
+          <a:p>
+            <a:pPr marL="514350" indent="-514350">
+              <a:spcBef>
+                <a:spcPts val="0"/>
+              </a:spcBef>
+              <a:buFont typeface="+mj-lt"/>
+              <a:buAutoNum type="arabicPeriod"/>
+            </a:pPr>
+            <a:r>
+              <a:rPr lang="en-US" dirty="0" smtClean="0"/>
+              <a:t>Attach Continuous Deployment</a:t>
+            </a:r>
+          </a:p>
+          <a:p>
+            <a:pPr marL="514350" indent="-514350">
+              <a:spcBef>
+                <a:spcPts val="0"/>
+              </a:spcBef>
+              <a:buFont typeface="+mj-lt"/>
+              <a:buAutoNum type="arabicPeriod"/>
+            </a:pPr>
+            <a:r>
+              <a:rPr lang="en-US" dirty="0" smtClean="0"/>
+              <a:t>Create a new SQL Server Database</a:t>
+            </a:r>
+          </a:p>
+          <a:p>
+            <a:pPr marL="514350" indent="-514350">
+              <a:spcBef>
+                <a:spcPts val="0"/>
+              </a:spcBef>
+              <a:buFont typeface="+mj-lt"/>
+              <a:buAutoNum type="arabicPeriod"/>
+            </a:pPr>
+            <a:r>
+              <a:rPr lang="en-US" dirty="0"/>
+              <a:t>Update </a:t>
+            </a:r>
+            <a:r>
+              <a:rPr lang="en-US" dirty="0" err="1" smtClean="0"/>
+              <a:t>DefaultConnection</a:t>
+            </a:r>
+            <a:r>
+              <a:rPr lang="en-US" dirty="0" smtClean="0"/>
+              <a:t> Connection String</a:t>
+            </a:r>
+            <a:endParaRPr lang="en-US" dirty="0"/>
+          </a:p>
+        </p:txBody>
+      </p:sp>
+      <p:pic>
+        <p:nvPicPr>
+          <p:cNvPr id="5" name="Picture 4"/>
+          <p:cNvPicPr>
+            <a:picLocks noChangeAspect="1"/>
+          </p:cNvPicPr>
+          <p:nvPr/>
+        </p:nvPicPr>
+        <p:blipFill>
+          <a:blip r:embed="rId3"/>
+          <a:stretch>
+            <a:fillRect/>
+          </a:stretch>
+        </p:blipFill>
+        <p:spPr>
+          <a:xfrm>
+            <a:off x="6096000" y="609600"/>
+            <a:ext cx="2296202" cy="3124200"/>
+          </a:xfrm>
+          <a:prstGeom prst="rect">
+            <a:avLst/>
+          </a:prstGeom>
+          <a:ln>
+            <a:noFill/>
+          </a:ln>
+          <a:effectLst>
+            <a:outerShdw blurRad="292100" dist="139700" dir="2700000" algn="tl" rotWithShape="0">
+              <a:srgbClr val="333333">
+                <a:alpha val="65000"/>
+              </a:srgbClr>
+            </a:outerShdw>
+          </a:effectLst>
+        </p:spPr>
+      </p:pic>
+      <p:pic>
+        <p:nvPicPr>
+          <p:cNvPr id="6" name="Picture 5"/>
+          <p:cNvPicPr>
+            <a:picLocks noChangeAspect="1"/>
+          </p:cNvPicPr>
+          <p:nvPr/>
+        </p:nvPicPr>
+        <p:blipFill>
+          <a:blip r:embed="rId4"/>
+          <a:stretch>
+            <a:fillRect/>
+          </a:stretch>
+        </p:blipFill>
+        <p:spPr>
+          <a:xfrm>
+            <a:off x="771361" y="1619024"/>
+            <a:ext cx="5096586" cy="704948"/>
+          </a:xfrm>
+          <a:prstGeom prst="rect">
+            <a:avLst/>
+          </a:prstGeom>
+          <a:ln>
+            <a:noFill/>
+          </a:ln>
+          <a:effectLst>
+            <a:outerShdw blurRad="292100" dist="139700" dir="2700000" algn="tl" rotWithShape="0">
+              <a:srgbClr val="333333">
+                <a:alpha val="65000"/>
+              </a:srgbClr>
+            </a:outerShdw>
+          </a:effectLst>
+        </p:spPr>
+      </p:pic>
+      <p:pic>
+        <p:nvPicPr>
+          <p:cNvPr id="7" name="Picture 6"/>
+          <p:cNvPicPr>
+            <a:picLocks noChangeAspect="1"/>
+          </p:cNvPicPr>
+          <p:nvPr/>
+        </p:nvPicPr>
+        <p:blipFill>
+          <a:blip r:embed="rId5"/>
+          <a:stretch>
+            <a:fillRect/>
+          </a:stretch>
+        </p:blipFill>
+        <p:spPr>
+          <a:xfrm>
+            <a:off x="827704" y="2380700"/>
+            <a:ext cx="4994666" cy="1353100"/>
+          </a:xfrm>
+          <a:prstGeom prst="rect">
+            <a:avLst/>
+          </a:prstGeom>
+          <a:ln>
+            <a:noFill/>
+          </a:ln>
+          <a:effectLst>
+            <a:outerShdw blurRad="292100" dist="139700" dir="2700000" algn="tl" rotWithShape="0">
+              <a:srgbClr val="333333">
+                <a:alpha val="65000"/>
+              </a:srgbClr>
+            </a:outerShdw>
+          </a:effectLst>
+        </p:spPr>
+      </p:pic>
+      <p:pic>
+        <p:nvPicPr>
+          <p:cNvPr id="9" name="Picture 8"/>
+          <p:cNvPicPr>
+            <a:picLocks noChangeAspect="1"/>
+          </p:cNvPicPr>
+          <p:nvPr/>
+        </p:nvPicPr>
+        <p:blipFill>
+          <a:blip r:embed="rId6"/>
+          <a:stretch>
+            <a:fillRect/>
+          </a:stretch>
+        </p:blipFill>
+        <p:spPr>
+          <a:xfrm>
+            <a:off x="990306" y="644300"/>
+            <a:ext cx="4658696" cy="891008"/>
+          </a:xfrm>
+          <a:prstGeom prst="rect">
+            <a:avLst/>
+          </a:prstGeom>
+          <a:ln>
+            <a:noFill/>
+          </a:ln>
+          <a:effectLst>
+            <a:outerShdw blurRad="292100" dist="139700" dir="2700000" algn="tl" rotWithShape="0">
+              <a:srgbClr val="333333">
+                <a:alpha val="65000"/>
+              </a:srgbClr>
+            </a:outerShdw>
+          </a:effectLst>
+        </p:spPr>
+      </p:pic>
+    </p:spTree>
+    <p:extLst>
+      <p:ext uri="{BB962C8B-B14F-4D97-AF65-F5344CB8AC3E}">
+        <p14:creationId xmlns:p14="http://schemas.microsoft.com/office/powerpoint/2010/main" val="4083446078"/>
+      </p:ext>
+    </p:extLst>
+  </p:cSld>
+  <p:clrMapOvr>
+    <a:masterClrMapping/>
+  </p:clrMapOvr>
+</p:sld>
+</file>
+
+<file path=ppt/slides/slide16.xml><?xml version="1.0" encoding="utf-8"?>
+<p:sld xmlns:a="http://schemas.openxmlformats.org/drawingml/2006/main" xmlns:r="http://schemas.openxmlformats.org/officeDocument/2006/relationships" xmlns:p="http://schemas.openxmlformats.org/presentationml/2006/main">
+  <p:cSld>
+    <p:spTree>
+      <p:nvGrpSpPr>
+        <p:cNvPr id="1" name=""/>
+        <p:cNvGrpSpPr/>
+        <p:nvPr/>
+      </p:nvGrpSpPr>
+      <p:grpSpPr>
+        <a:xfrm>
+          <a:off x="0" y="0"/>
+          <a:ext cx="0" cy="0"/>
+          <a:chOff x="0" y="0"/>
+          <a:chExt cx="0" cy="0"/>
+        </a:xfrm>
+      </p:grpSpPr>
+      <p:sp>
+        <p:nvSpPr>
+          <p:cNvPr id="4" name="Title 3"/>
+          <p:cNvSpPr>
+            <a:spLocks noGrp="1"/>
+          </p:cNvSpPr>
+          <p:nvPr>
+            <p:ph type="title"/>
+          </p:nvPr>
+        </p:nvSpPr>
+        <p:spPr/>
+        <p:txBody>
+          <a:bodyPr/>
+          <a:lstStyle/>
+          <a:p>
+            <a:r>
+              <a:rPr lang="en-US" dirty="0" smtClean="0"/>
+              <a:t>Storage</a:t>
+            </a:r>
+            <a:endParaRPr lang="en-US" dirty="0"/>
+          </a:p>
+        </p:txBody>
+      </p:sp>
+      <p:sp>
+        <p:nvSpPr>
+          <p:cNvPr id="5" name="Content Placeholder 4"/>
+          <p:cNvSpPr>
+            <a:spLocks noGrp="1"/>
+          </p:cNvSpPr>
+          <p:nvPr>
+            <p:ph idx="1"/>
+          </p:nvPr>
+        </p:nvSpPr>
+        <p:spPr/>
+        <p:txBody>
+          <a:bodyPr/>
+          <a:lstStyle/>
+          <a:p>
+            <a:r>
+              <a:rPr lang="en-US" dirty="0">
+                <a:hlinkClick r:id="rId2"/>
+              </a:rPr>
+              <a:t>https</a:t>
+            </a:r>
+            <a:r>
+              <a:rPr lang="en-US" dirty="0" smtClean="0">
+                <a:hlinkClick r:id="rId2"/>
+              </a:rPr>
+              <a:t>://</a:t>
+            </a:r>
+            <a:r>
+              <a:rPr lang="en-US" dirty="0" smtClean="0">
+                <a:hlinkClick r:id="rId2"/>
+              </a:rPr>
+              <a:t>youtube.com/watch?v=FWGtgpzjAPM</a:t>
+            </a:r>
+            <a:endParaRPr lang="en-US" dirty="0" smtClean="0"/>
+          </a:p>
+          <a:p>
+            <a:r>
+              <a:rPr lang="en-US" dirty="0" smtClean="0"/>
+              <a:t>App Service</a:t>
+            </a:r>
+          </a:p>
+          <a:p>
+            <a:pPr lvl="1"/>
+            <a:r>
+              <a:rPr lang="en-US" dirty="0">
+                <a:hlinkClick r:id="rId3"/>
+              </a:rPr>
+              <a:t>https</a:t>
+            </a:r>
+            <a:r>
+              <a:rPr lang="en-US" dirty="0" smtClean="0">
+                <a:hlinkClick r:id="rId3"/>
+              </a:rPr>
+              <a:t>://youtube.com/watch?v=sUlppU0GBKw</a:t>
+            </a:r>
+            <a:endParaRPr lang="en-US" dirty="0" smtClean="0"/>
+          </a:p>
+          <a:p>
+            <a:pPr lvl="1"/>
+            <a:endParaRPr lang="en-US" dirty="0" smtClean="0"/>
+          </a:p>
+          <a:p>
+            <a:endParaRPr lang="en-US" dirty="0"/>
+          </a:p>
+        </p:txBody>
+      </p:sp>
+    </p:spTree>
+    <p:extLst>
+      <p:ext uri="{BB962C8B-B14F-4D97-AF65-F5344CB8AC3E}">
+        <p14:creationId xmlns:p14="http://schemas.microsoft.com/office/powerpoint/2010/main" val="1729711975"/>
+      </p:ext>
+    </p:extLst>
+  </p:cSld>
+  <p:clrMapOvr>
+    <a:masterClrMapping/>
+  </p:clrMapOvr>
+</p:sld>
+</file>
+
+<file path=ppt/slides/slide17.xml><?xml version="1.0" encoding="utf-8"?>
+<p:sld xmlns:a="http://schemas.openxmlformats.org/drawingml/2006/main" xmlns:r="http://schemas.openxmlformats.org/officeDocument/2006/relationships" xmlns:p="http://schemas.openxmlformats.org/presentationml/2006/main">
+  <p:cSld>
+    <p:spTree>
+      <p:nvGrpSpPr>
+        <p:cNvPr id="1" name=""/>
+        <p:cNvGrpSpPr/>
+        <p:nvPr/>
+      </p:nvGrpSpPr>
+      <p:grpSpPr>
+        <a:xfrm>
+          <a:off x="0" y="0"/>
+          <a:ext cx="0" cy="0"/>
+          <a:chOff x="0" y="0"/>
+          <a:chExt cx="0" cy="0"/>
+        </a:xfrm>
+      </p:grpSpPr>
+      <p:sp>
+        <p:nvSpPr>
+          <p:cNvPr id="4" name="Slide Number Placeholder 3"/>
+          <p:cNvSpPr>
+            <a:spLocks noGrp="1"/>
+          </p:cNvSpPr>
+          <p:nvPr>
+            <p:ph type="sldNum" sz="quarter" idx="10"/>
+          </p:nvPr>
+        </p:nvSpPr>
+        <p:spPr/>
+        <p:txBody>
+          <a:bodyPr/>
+          <a:lstStyle/>
+          <a:p>
+            <a:pPr>
+              <a:defRPr/>
+            </a:pPr>
+            <a:fld id="{58452FF4-89E3-4D1B-9927-2DBDC00E58D7}" type="slidenum">
+              <a:rPr lang="en-US" smtClean="0"/>
+              <a:pPr>
+                <a:defRPr/>
+              </a:pPr>
+              <a:t>17</a:t>
+            </a:fld>
+            <a:endParaRPr lang="en-US" dirty="0"/>
+          </a:p>
+        </p:txBody>
+      </p:sp>
+      <p:pic>
+        <p:nvPicPr>
+          <p:cNvPr id="6" name="Picture 5"/>
+          <p:cNvPicPr>
+            <a:picLocks noChangeAspect="1"/>
+          </p:cNvPicPr>
+          <p:nvPr/>
+        </p:nvPicPr>
+        <p:blipFill>
+          <a:blip r:embed="rId2"/>
+          <a:stretch>
+            <a:fillRect/>
+          </a:stretch>
+        </p:blipFill>
+        <p:spPr>
+          <a:xfrm>
+            <a:off x="990600" y="1219200"/>
+            <a:ext cx="3194966" cy="4267200"/>
+          </a:xfrm>
+          <a:prstGeom prst="rect">
+            <a:avLst/>
+          </a:prstGeom>
+        </p:spPr>
+      </p:pic>
+      <p:pic>
+        <p:nvPicPr>
+          <p:cNvPr id="7" name="Picture 6"/>
+          <p:cNvPicPr>
+            <a:picLocks noChangeAspect="1"/>
+          </p:cNvPicPr>
+          <p:nvPr/>
+        </p:nvPicPr>
+        <p:blipFill>
+          <a:blip r:embed="rId3"/>
+          <a:stretch>
+            <a:fillRect/>
+          </a:stretch>
+        </p:blipFill>
+        <p:spPr>
+          <a:xfrm>
+            <a:off x="4953000" y="1303020"/>
+            <a:ext cx="3382234" cy="4099560"/>
+          </a:xfrm>
+          <a:prstGeom prst="rect">
+            <a:avLst/>
+          </a:prstGeom>
+        </p:spPr>
+      </p:pic>
+    </p:spTree>
+    <p:extLst>
+      <p:ext uri="{BB962C8B-B14F-4D97-AF65-F5344CB8AC3E}">
+        <p14:creationId xmlns:p14="http://schemas.microsoft.com/office/powerpoint/2010/main" val="1444671116"/>
+      </p:ext>
+    </p:extLst>
+  </p:cSld>
+  <p:clrMapOvr>
+    <a:masterClrMapping/>
+  </p:clrMapOvr>
+</p:sld>
+</file>
+
+<file path=ppt/slides/slide18.xml><?xml version="1.0" encoding="utf-8"?>
+<p:sld xmlns:a="http://schemas.openxmlformats.org/drawingml/2006/main" xmlns:r="http://schemas.openxmlformats.org/officeDocument/2006/relationships" xmlns:p="http://schemas.openxmlformats.org/presentationml/2006/main">
+  <p:cSld>
+    <p:spTree>
+      <p:nvGrpSpPr>
+        <p:cNvPr id="1" name=""/>
+        <p:cNvGrpSpPr/>
+        <p:nvPr/>
+      </p:nvGrpSpPr>
+      <p:grpSpPr>
+        <a:xfrm>
+          <a:off x="0" y="0"/>
+          <a:ext cx="0" cy="0"/>
+          <a:chOff x="0" y="0"/>
+          <a:chExt cx="0" cy="0"/>
+        </a:xfrm>
+      </p:grpSpPr>
+      <p:sp>
+        <p:nvSpPr>
+          <p:cNvPr id="2" name="Title 1"/>
+          <p:cNvSpPr>
+            <a:spLocks noGrp="1"/>
+          </p:cNvSpPr>
+          <p:nvPr>
+            <p:ph type="title"/>
+          </p:nvPr>
+        </p:nvSpPr>
+        <p:spPr/>
+        <p:txBody>
+          <a:bodyPr/>
+          <a:lstStyle/>
+          <a:p>
+            <a:r>
+              <a:rPr lang="en-US" dirty="0" smtClean="0"/>
+              <a:t>More Videos</a:t>
+            </a:r>
+            <a:endParaRPr lang="en-US" dirty="0"/>
+          </a:p>
+        </p:txBody>
+      </p:sp>
+      <p:sp>
+        <p:nvSpPr>
+          <p:cNvPr id="3" name="Content Placeholder 2"/>
+          <p:cNvSpPr>
+            <a:spLocks noGrp="1"/>
+          </p:cNvSpPr>
+          <p:nvPr>
+            <p:ph idx="1"/>
+          </p:nvPr>
+        </p:nvSpPr>
+        <p:spPr>
+          <a:xfrm>
+            <a:off x="228600" y="838200"/>
+            <a:ext cx="8686800" cy="5791200"/>
+          </a:xfrm>
+        </p:spPr>
+        <p:txBody>
+          <a:bodyPr/>
+          <a:lstStyle/>
+          <a:p>
+            <a:pPr>
+              <a:spcBef>
+                <a:spcPts val="300"/>
+              </a:spcBef>
+              <a:spcAft>
+                <a:spcPts val="300"/>
+              </a:spcAft>
+            </a:pPr>
+            <a:r>
+              <a:rPr lang="en-US" dirty="0" smtClean="0"/>
+              <a:t>Machine Learning</a:t>
+            </a:r>
+          </a:p>
+          <a:p>
+            <a:pPr lvl="1">
+              <a:spcBef>
+                <a:spcPts val="300"/>
+              </a:spcBef>
+              <a:spcAft>
+                <a:spcPts val="300"/>
+              </a:spcAft>
+            </a:pPr>
+            <a:r>
+              <a:rPr lang="en-US" dirty="0">
+                <a:hlinkClick r:id="rId2"/>
+              </a:rPr>
+              <a:t>https</a:t>
+            </a:r>
+            <a:r>
+              <a:rPr lang="en-US" dirty="0" smtClean="0">
+                <a:hlinkClick r:id="rId2"/>
+              </a:rPr>
+              <a:t>://</a:t>
+            </a:r>
+            <a:r>
+              <a:rPr lang="en-US" dirty="0" smtClean="0">
+                <a:hlinkClick r:id="rId2"/>
+              </a:rPr>
+              <a:t>youtube.com/watch?v=SJtNJepz-pM</a:t>
+            </a:r>
+            <a:endParaRPr lang="en-US" dirty="0" smtClean="0"/>
+          </a:p>
+          <a:p>
+            <a:pPr lvl="1">
+              <a:spcBef>
+                <a:spcPts val="300"/>
+              </a:spcBef>
+              <a:spcAft>
+                <a:spcPts val="300"/>
+              </a:spcAft>
+            </a:pPr>
+            <a:r>
+              <a:rPr lang="en-US" dirty="0">
+                <a:hlinkClick r:id="rId3"/>
+              </a:rPr>
+              <a:t>https</a:t>
+            </a:r>
+            <a:r>
+              <a:rPr lang="en-US" dirty="0" smtClean="0">
+                <a:hlinkClick r:id="rId3"/>
+              </a:rPr>
+              <a:t>://youtube.com/watch?v=l6dsLyueF0Q</a:t>
+            </a:r>
+            <a:endParaRPr lang="en-US" dirty="0" smtClean="0"/>
+          </a:p>
+          <a:p>
+            <a:pPr>
+              <a:spcBef>
+                <a:spcPts val="300"/>
+              </a:spcBef>
+              <a:spcAft>
+                <a:spcPts val="300"/>
+              </a:spcAft>
+            </a:pPr>
+            <a:r>
+              <a:rPr lang="en-US" dirty="0" smtClean="0"/>
+              <a:t>Microsoft </a:t>
+            </a:r>
+            <a:r>
+              <a:rPr lang="en-US" dirty="0"/>
+              <a:t>Advanced </a:t>
+            </a:r>
+            <a:r>
+              <a:rPr lang="en-US" dirty="0" smtClean="0"/>
+              <a:t>Threat Analytics</a:t>
+            </a:r>
+          </a:p>
+          <a:p>
+            <a:pPr lvl="1">
+              <a:spcBef>
+                <a:spcPts val="300"/>
+              </a:spcBef>
+              <a:spcAft>
+                <a:spcPts val="300"/>
+              </a:spcAft>
+            </a:pPr>
+            <a:r>
+              <a:rPr lang="en-US" dirty="0">
+                <a:hlinkClick r:id="rId4"/>
+              </a:rPr>
+              <a:t>https</a:t>
+            </a:r>
+            <a:r>
+              <a:rPr lang="en-US" dirty="0" smtClean="0">
+                <a:hlinkClick r:id="rId4"/>
+              </a:rPr>
+              <a:t>://youtube.com/watch?v</a:t>
+            </a:r>
+            <a:r>
+              <a:rPr lang="en-US" dirty="0">
+                <a:hlinkClick r:id="rId4"/>
+              </a:rPr>
+              <a:t>=-</a:t>
+            </a:r>
+            <a:r>
+              <a:rPr lang="en-US" dirty="0" smtClean="0">
+                <a:hlinkClick r:id="rId4"/>
+              </a:rPr>
+              <a:t>MGg_07MkgY</a:t>
+            </a:r>
+            <a:endParaRPr lang="en-US" dirty="0" smtClean="0"/>
+          </a:p>
+          <a:p>
+            <a:pPr>
+              <a:spcBef>
+                <a:spcPts val="300"/>
+              </a:spcBef>
+              <a:spcAft>
+                <a:spcPts val="300"/>
+              </a:spcAft>
+            </a:pPr>
+            <a:r>
+              <a:rPr lang="en-US" dirty="0" smtClean="0"/>
+              <a:t>Internet of Thinks</a:t>
+            </a:r>
+          </a:p>
+          <a:p>
+            <a:pPr lvl="1">
+              <a:spcBef>
+                <a:spcPts val="300"/>
+              </a:spcBef>
+              <a:spcAft>
+                <a:spcPts val="300"/>
+              </a:spcAft>
+            </a:pPr>
+            <a:r>
+              <a:rPr lang="en-US" dirty="0">
+                <a:hlinkClick r:id="rId5"/>
+              </a:rPr>
+              <a:t>https</a:t>
+            </a:r>
+            <a:r>
+              <a:rPr lang="en-US" dirty="0" smtClean="0">
+                <a:hlinkClick r:id="rId5"/>
+              </a:rPr>
+              <a:t>://youtube.com/watch?v=L8xjSjxaaVA</a:t>
+            </a:r>
+            <a:endParaRPr lang="en-US" dirty="0">
+              <a:hlinkClick r:id="rId5"/>
+            </a:endParaRPr>
+          </a:p>
+          <a:p>
+            <a:pPr lvl="1">
+              <a:spcBef>
+                <a:spcPts val="300"/>
+              </a:spcBef>
+              <a:spcAft>
+                <a:spcPts val="300"/>
+              </a:spcAft>
+            </a:pPr>
+            <a:r>
+              <a:rPr lang="en-US" dirty="0" smtClean="0">
+                <a:hlinkClick r:id="rId6"/>
+              </a:rPr>
+              <a:t>https://youtube.com/watch?v=Z7GzCjT77Po</a:t>
+            </a:r>
+            <a:endParaRPr lang="en-US" dirty="0" smtClean="0"/>
+          </a:p>
+          <a:p>
+            <a:pPr>
+              <a:spcBef>
+                <a:spcPts val="300"/>
+              </a:spcBef>
+              <a:spcAft>
+                <a:spcPts val="300"/>
+              </a:spcAft>
+            </a:pPr>
+            <a:r>
+              <a:rPr lang="en-US" dirty="0" smtClean="0"/>
+              <a:t>Azure Support</a:t>
+            </a:r>
+          </a:p>
+          <a:p>
+            <a:pPr lvl="1">
+              <a:spcBef>
+                <a:spcPts val="300"/>
+              </a:spcBef>
+              <a:spcAft>
+                <a:spcPts val="300"/>
+              </a:spcAft>
+            </a:pPr>
+            <a:r>
+              <a:rPr lang="en-US" dirty="0">
+                <a:hlinkClick r:id="rId7"/>
+              </a:rPr>
+              <a:t>https</a:t>
+            </a:r>
+            <a:r>
+              <a:rPr lang="en-US" dirty="0" smtClean="0">
+                <a:hlinkClick r:id="rId7"/>
+              </a:rPr>
+              <a:t>://</a:t>
+            </a:r>
+            <a:r>
+              <a:rPr lang="en-US" dirty="0" smtClean="0">
+                <a:hlinkClick r:id="rId7"/>
+              </a:rPr>
+              <a:t>youtube.com/watch?v=epfmTG9ix1g</a:t>
+            </a:r>
+            <a:endParaRPr lang="en-US" dirty="0"/>
+          </a:p>
+        </p:txBody>
+      </p:sp>
+      <p:sp>
+        <p:nvSpPr>
+          <p:cNvPr id="4" name="Slide Number Placeholder 3"/>
+          <p:cNvSpPr>
+            <a:spLocks noGrp="1"/>
+          </p:cNvSpPr>
+          <p:nvPr>
+            <p:ph type="sldNum" sz="quarter" idx="10"/>
+          </p:nvPr>
+        </p:nvSpPr>
+        <p:spPr/>
+        <p:txBody>
+          <a:bodyPr/>
+          <a:lstStyle/>
+          <a:p>
+            <a:pPr>
+              <a:defRPr/>
+            </a:pPr>
+            <a:fld id="{58452FF4-89E3-4D1B-9927-2DBDC00E58D7}" type="slidenum">
+              <a:rPr lang="en-US" smtClean="0"/>
+              <a:pPr>
+                <a:defRPr/>
+              </a:pPr>
+              <a:t>18</a:t>
+            </a:fld>
+            <a:endParaRPr lang="en-US" dirty="0"/>
+          </a:p>
+        </p:txBody>
+      </p:sp>
+    </p:spTree>
+    <p:extLst>
+      <p:ext uri="{BB962C8B-B14F-4D97-AF65-F5344CB8AC3E}">
+        <p14:creationId xmlns:p14="http://schemas.microsoft.com/office/powerpoint/2010/main" val="598912816"/>
+      </p:ext>
+    </p:extLst>
+  </p:cSld>
+  <p:clrMapOvr>
+    <a:masterClrMapping/>
+  </p:clrMapOvr>
+</p:sld>
+</file>
+
+<file path=ppt/slides/slide19.xml><?xml version="1.0" encoding="utf-8"?>
+<p:sld xmlns:a="http://schemas.openxmlformats.org/drawingml/2006/main" xmlns:r="http://schemas.openxmlformats.org/officeDocument/2006/relationships" xmlns:p="http://schemas.openxmlformats.org/presentationml/2006/main">
+  <p:cSld>
+    <p:spTree>
+      <p:nvGrpSpPr>
+        <p:cNvPr id="1" name=""/>
+        <p:cNvGrpSpPr/>
+        <p:nvPr/>
+      </p:nvGrpSpPr>
+      <p:grpSpPr>
+        <a:xfrm>
+          <a:off x="0" y="0"/>
+          <a:ext cx="0" cy="0"/>
+          <a:chOff x="0" y="0"/>
+          <a:chExt cx="0" cy="0"/>
+        </a:xfrm>
+      </p:grpSpPr>
+      <p:sp>
+        <p:nvSpPr>
+          <p:cNvPr id="2" name="Title 1"/>
+          <p:cNvSpPr>
+            <a:spLocks noGrp="1"/>
+          </p:cNvSpPr>
+          <p:nvPr>
             <p:ph type="title"/>
           </p:nvPr>
         </p:nvSpPr>
@@ -13181,7 +14500,7 @@
               <a:pPr>
                 <a:defRPr/>
               </a:pPr>
-              <a:t>15</a:t>
+              <a:t>19</a:t>
             </a:fld>
             <a:endParaRPr lang="en-US" dirty="0"/>
           </a:p>
@@ -13224,7 +14543,107 @@
 </p:sld>
 </file>
 
-<file path=ppt/slides/slide16.xml><?xml version="1.0" encoding="utf-8"?>
+<file path=ppt/slides/slide2.xml><?xml version="1.0" encoding="utf-8"?>
+<p:sld xmlns:a="http://schemas.openxmlformats.org/drawingml/2006/main" xmlns:r="http://schemas.openxmlformats.org/officeDocument/2006/relationships" xmlns:p="http://schemas.openxmlformats.org/presentationml/2006/main">
+  <p:cSld>
+    <p:spTree>
+      <p:nvGrpSpPr>
+        <p:cNvPr id="1" name=""/>
+        <p:cNvGrpSpPr/>
+        <p:nvPr/>
+      </p:nvGrpSpPr>
+      <p:grpSpPr>
+        <a:xfrm>
+          <a:off x="0" y="0"/>
+          <a:ext cx="0" cy="0"/>
+          <a:chOff x="0" y="0"/>
+          <a:chExt cx="0" cy="0"/>
+        </a:xfrm>
+      </p:grpSpPr>
+      <p:sp>
+        <p:nvSpPr>
+          <p:cNvPr id="4" name="Slide Number Placeholder 3"/>
+          <p:cNvSpPr>
+            <a:spLocks noGrp="1"/>
+          </p:cNvSpPr>
+          <p:nvPr>
+            <p:ph type="sldNum" sz="quarter" idx="10"/>
+          </p:nvPr>
+        </p:nvSpPr>
+        <p:spPr/>
+        <p:txBody>
+          <a:bodyPr/>
+          <a:lstStyle/>
+          <a:p>
+            <a:pPr>
+              <a:defRPr/>
+            </a:pPr>
+            <a:fld id="{58452FF4-89E3-4D1B-9927-2DBDC00E58D7}" type="slidenum">
+              <a:rPr lang="en-US" smtClean="0"/>
+              <a:pPr>
+                <a:defRPr/>
+              </a:pPr>
+              <a:t>2</a:t>
+            </a:fld>
+            <a:endParaRPr lang="en-US" dirty="0"/>
+          </a:p>
+        </p:txBody>
+      </p:sp>
+      <p:pic>
+        <p:nvPicPr>
+          <p:cNvPr id="1026" name="Picture 2" descr="https://ucminnovativepr.files.wordpress.com/2015/10/product-placement.jpg"/>
+          <p:cNvPicPr>
+            <a:picLocks noChangeAspect="1" noChangeArrowheads="1"/>
+          </p:cNvPicPr>
+          <p:nvPr/>
+        </p:nvPicPr>
+        <p:blipFill>
+          <a:blip r:embed="rId2">
+            <a:extLst>
+              <a:ext uri="{28A0092B-C50C-407E-A947-70E740481C1C}">
+                <a14:useLocalDpi xmlns:a14="http://schemas.microsoft.com/office/drawing/2010/main" val="0"/>
+              </a:ext>
+            </a:extLst>
+          </a:blip>
+          <a:srcRect/>
+          <a:stretch>
+            <a:fillRect/>
+          </a:stretch>
+        </p:blipFill>
+        <p:spPr bwMode="auto">
+          <a:xfrm>
+            <a:off x="609600" y="682752"/>
+            <a:ext cx="7924800" cy="6022848"/>
+          </a:xfrm>
+          <a:prstGeom prst="rect">
+            <a:avLst/>
+          </a:prstGeom>
+          <a:noFill/>
+          <a:extLst>
+            <a:ext uri="{909E8E84-426E-40DD-AFC4-6F175D3DCCD1}">
+              <a14:hiddenFill xmlns:a14="http://schemas.microsoft.com/office/drawing/2010/main">
+                <a:solidFill>
+                  <a:srgbClr val="FFFFFF"/>
+                </a:solidFill>
+              </a14:hiddenFill>
+            </a:ext>
+          </a:extLst>
+        </p:spPr>
+      </p:pic>
+    </p:spTree>
+    <p:extLst>
+      <p:ext uri="{BB962C8B-B14F-4D97-AF65-F5344CB8AC3E}">
+        <p14:creationId xmlns:p14="http://schemas.microsoft.com/office/powerpoint/2010/main" val="1200781657"/>
+      </p:ext>
+    </p:extLst>
+  </p:cSld>
+  <p:clrMapOvr>
+    <a:masterClrMapping/>
+  </p:clrMapOvr>
+</p:sld>
+</file>
+
+<file path=ppt/slides/slide20.xml><?xml version="1.0" encoding="utf-8"?>
 <p:sld xmlns:a="http://schemas.openxmlformats.org/drawingml/2006/main" xmlns:r="http://schemas.openxmlformats.org/officeDocument/2006/relationships" xmlns:p="http://schemas.openxmlformats.org/presentationml/2006/main">
   <p:cSld>
     <p:spTree>
@@ -13253,8 +14672,8 @@
         </p:nvSpPr>
         <p:spPr>
           <a:xfrm>
-            <a:off x="609600" y="3276600"/>
-            <a:ext cx="7924800" cy="1066800"/>
+            <a:off x="609600" y="2895600"/>
+            <a:ext cx="7924800" cy="1524000"/>
           </a:xfrm>
         </p:spPr>
         <p:txBody>
@@ -13262,10 +14681,10 @@
           <a:lstStyle/>
           <a:p>
             <a:r>
-              <a:rPr lang="en-US" sz="7200" dirty="0" smtClean="0"/>
+              <a:rPr lang="en-US" sz="8000" dirty="0" smtClean="0"/>
               <a:t>Questions?</a:t>
             </a:r>
-            <a:endParaRPr lang="en-US" sz="7200" dirty="0"/>
+            <a:endParaRPr lang="en-US" sz="8000" dirty="0"/>
           </a:p>
         </p:txBody>
       </p:sp>
@@ -13457,7 +14876,7 @@
 </p:sld>
 </file>
 
-<file path=ppt/slides/slide17.xml><?xml version="1.0" encoding="utf-8"?>
+<file path=ppt/slides/slide21.xml><?xml version="1.0" encoding="utf-8"?>
 <p:sld xmlns:a="http://schemas.openxmlformats.org/drawingml/2006/main" xmlns:r="http://schemas.openxmlformats.org/officeDocument/2006/relationships" xmlns:p="http://schemas.openxmlformats.org/presentationml/2006/main">
   <p:cSld>
     <p:spTree>
@@ -13708,7 +15127,7 @@
               <a:pPr>
                 <a:defRPr/>
               </a:pPr>
-              <a:t>17</a:t>
+              <a:t>21</a:t>
             </a:fld>
             <a:endParaRPr lang="en-US" dirty="0"/>
           </a:p>
@@ -13946,187 +15365,6 @@
 </p:sld>
 </file>
 
-<file path=ppt/slides/slide2.xml><?xml version="1.0" encoding="utf-8"?>
-<p:sld xmlns:a="http://schemas.openxmlformats.org/drawingml/2006/main" xmlns:r="http://schemas.openxmlformats.org/officeDocument/2006/relationships" xmlns:p="http://schemas.openxmlformats.org/presentationml/2006/main">
-  <p:cSld>
-    <p:spTree>
-      <p:nvGrpSpPr>
-        <p:cNvPr id="1" name=""/>
-        <p:cNvGrpSpPr/>
-        <p:nvPr/>
-      </p:nvGrpSpPr>
-      <p:grpSpPr>
-        <a:xfrm>
-          <a:off x="0" y="0"/>
-          <a:ext cx="0" cy="0"/>
-          <a:chOff x="0" y="0"/>
-          <a:chExt cx="0" cy="0"/>
-        </a:xfrm>
-      </p:grpSpPr>
-      <p:sp>
-        <p:nvSpPr>
-          <p:cNvPr id="2" name="Title 1"/>
-          <p:cNvSpPr>
-            <a:spLocks noGrp="1"/>
-          </p:cNvSpPr>
-          <p:nvPr>
-            <p:ph type="title"/>
-          </p:nvPr>
-        </p:nvSpPr>
-        <p:spPr/>
-        <p:txBody>
-          <a:bodyPr/>
-          <a:lstStyle/>
-          <a:p>
-            <a:r>
-              <a:rPr lang="en-US" dirty="0" smtClean="0"/>
-              <a:t>Table of Contents</a:t>
-            </a:r>
-            <a:endParaRPr lang="en-US" dirty="0"/>
-          </a:p>
-        </p:txBody>
-      </p:sp>
-      <p:sp>
-        <p:nvSpPr>
-          <p:cNvPr id="3" name="Content Placeholder 2"/>
-          <p:cNvSpPr>
-            <a:spLocks noGrp="1"/>
-          </p:cNvSpPr>
-          <p:nvPr>
-            <p:ph idx="1"/>
-          </p:nvPr>
-        </p:nvSpPr>
-        <p:spPr/>
-        <p:txBody>
-          <a:bodyPr/>
-          <a:lstStyle/>
-          <a:p>
-            <a:r>
-              <a:rPr lang="en-US" dirty="0" smtClean="0"/>
-              <a:t>What </a:t>
-            </a:r>
-            <a:r>
-              <a:rPr lang="en-US" dirty="0"/>
-              <a:t>is Microsoft </a:t>
-            </a:r>
-            <a:r>
-              <a:rPr lang="en-US" dirty="0" smtClean="0"/>
-              <a:t>Azure?</a:t>
-            </a:r>
-            <a:endParaRPr lang="en-US" dirty="0"/>
-          </a:p>
-          <a:p>
-            <a:r>
-              <a:rPr lang="en-US" dirty="0" smtClean="0"/>
-              <a:t>Compute Services</a:t>
-            </a:r>
-            <a:endParaRPr lang="en-US" dirty="0"/>
-          </a:p>
-          <a:p>
-            <a:r>
-              <a:rPr lang="en-US" dirty="0" smtClean="0"/>
-              <a:t>Web + Mobile Services</a:t>
-            </a:r>
-            <a:endParaRPr lang="en-US" dirty="0"/>
-          </a:p>
-          <a:p>
-            <a:r>
-              <a:rPr lang="en-US" dirty="0" smtClean="0"/>
-              <a:t>Data + Storage Services</a:t>
-            </a:r>
-            <a:endParaRPr lang="en-US" dirty="0"/>
-          </a:p>
-          <a:p>
-            <a:r>
-              <a:rPr lang="en-US" dirty="0" smtClean="0"/>
-              <a:t>Internet of Things, Big Data and Machine Learning</a:t>
-            </a:r>
-            <a:endParaRPr lang="en-US" dirty="0"/>
-          </a:p>
-          <a:p>
-            <a:r>
-              <a:rPr lang="en-US" dirty="0" smtClean="0"/>
-              <a:t>Networking, Mobile, Back-up</a:t>
-            </a:r>
-            <a:endParaRPr lang="en-US" dirty="0"/>
-          </a:p>
-          <a:p>
-            <a:r>
-              <a:rPr lang="en-US" dirty="0"/>
-              <a:t>Messaging and Integration</a:t>
-            </a:r>
-          </a:p>
-          <a:p>
-            <a:r>
-              <a:rPr lang="en-US" dirty="0"/>
-              <a:t>Compute Assistance</a:t>
-            </a:r>
-          </a:p>
-          <a:p>
-            <a:r>
-              <a:rPr lang="en-US" dirty="0"/>
-              <a:t>Performance</a:t>
-            </a:r>
-          </a:p>
-          <a:p>
-            <a:r>
-              <a:rPr lang="en-US" dirty="0"/>
-              <a:t>Big Data and Big Compute</a:t>
-            </a:r>
-          </a:p>
-          <a:p>
-            <a:r>
-              <a:rPr lang="en-US" dirty="0"/>
-              <a:t>Media</a:t>
-            </a:r>
-          </a:p>
-          <a:p>
-            <a:endParaRPr lang="en-US" dirty="0"/>
-          </a:p>
-        </p:txBody>
-      </p:sp>
-      <p:sp>
-        <p:nvSpPr>
-          <p:cNvPr id="4" name="Slide Number Placeholder 3"/>
-          <p:cNvSpPr>
-            <a:spLocks noGrp="1"/>
-          </p:cNvSpPr>
-          <p:nvPr>
-            <p:ph type="sldNum" sz="quarter" idx="10"/>
-          </p:nvPr>
-        </p:nvSpPr>
-        <p:spPr/>
-        <p:txBody>
-          <a:bodyPr/>
-          <a:lstStyle/>
-          <a:p>
-            <a:pPr>
-              <a:defRPr/>
-            </a:pPr>
-            <a:fld id="{58452FF4-89E3-4D1B-9927-2DBDC00E58D7}" type="slidenum">
-              <a:rPr lang="en-US" smtClean="0"/>
-              <a:pPr>
-                <a:defRPr/>
-              </a:pPr>
-              <a:t>2</a:t>
-            </a:fld>
-            <a:endParaRPr lang="en-US" dirty="0"/>
-          </a:p>
-        </p:txBody>
-      </p:sp>
-    </p:spTree>
-    <p:extLst>
-      <p:ext uri="{BB962C8B-B14F-4D97-AF65-F5344CB8AC3E}">
-        <p14:creationId xmlns:p14="http://schemas.microsoft.com/office/powerpoint/2010/main" val="3021460776"/>
-      </p:ext>
-    </p:extLst>
-  </p:cSld>
-  <p:clrMapOvr>
-    <a:masterClrMapping/>
-  </p:clrMapOvr>
-</p:sld>
-</file>
-
 <file path=ppt/slides/slide3.xml><?xml version="1.0" encoding="utf-8"?>
 <p:sld xmlns:a="http://schemas.openxmlformats.org/drawingml/2006/main" xmlns:r="http://schemas.openxmlformats.org/officeDocument/2006/relationships" xmlns:p="http://schemas.openxmlformats.org/presentationml/2006/main">
   <p:cSld>
@@ -14161,6 +15399,434 @@
           <a:p>
             <a:r>
               <a:rPr lang="en-US" dirty="0" smtClean="0"/>
+              <a:t>Table of Contents</a:t>
+            </a:r>
+            <a:endParaRPr lang="en-US" dirty="0"/>
+          </a:p>
+        </p:txBody>
+      </p:sp>
+      <p:sp>
+        <p:nvSpPr>
+          <p:cNvPr id="3" name="Content Placeholder 2"/>
+          <p:cNvSpPr>
+            <a:spLocks noGrp="1"/>
+          </p:cNvSpPr>
+          <p:nvPr>
+            <p:ph idx="1"/>
+          </p:nvPr>
+        </p:nvSpPr>
+        <p:spPr>
+          <a:xfrm>
+            <a:off x="228600" y="685800"/>
+            <a:ext cx="8763000" cy="6019800"/>
+          </a:xfrm>
+        </p:spPr>
+        <p:txBody>
+          <a:bodyPr/>
+          <a:lstStyle/>
+          <a:p>
+            <a:pPr>
+              <a:lnSpc>
+                <a:spcPct val="100000"/>
+              </a:lnSpc>
+              <a:spcBef>
+                <a:spcPts val="0"/>
+              </a:spcBef>
+              <a:spcAft>
+                <a:spcPts val="0"/>
+              </a:spcAft>
+            </a:pPr>
+            <a:r>
+              <a:rPr lang="en-US" dirty="0" smtClean="0"/>
+              <a:t>What </a:t>
+            </a:r>
+            <a:r>
+              <a:rPr lang="en-US" dirty="0"/>
+              <a:t>is Microsoft </a:t>
+            </a:r>
+            <a:r>
+              <a:rPr lang="en-US" dirty="0" smtClean="0"/>
+              <a:t>Azure?</a:t>
+            </a:r>
+            <a:endParaRPr lang="en-US" dirty="0"/>
+          </a:p>
+          <a:p>
+            <a:pPr>
+              <a:lnSpc>
+                <a:spcPct val="100000"/>
+              </a:lnSpc>
+              <a:spcBef>
+                <a:spcPts val="0"/>
+              </a:spcBef>
+              <a:spcAft>
+                <a:spcPts val="0"/>
+              </a:spcAft>
+            </a:pPr>
+            <a:r>
+              <a:rPr lang="en-US" dirty="0" smtClean="0"/>
+              <a:t>Compute </a:t>
+            </a:r>
+            <a:r>
+              <a:rPr lang="en-US" dirty="0" smtClean="0"/>
+              <a:t>Services and Virtual Machines</a:t>
+            </a:r>
+            <a:endParaRPr lang="bg-BG" dirty="0" smtClean="0"/>
+          </a:p>
+          <a:p>
+            <a:pPr lvl="1">
+              <a:lnSpc>
+                <a:spcPct val="100000"/>
+              </a:lnSpc>
+              <a:spcBef>
+                <a:spcPts val="0"/>
+              </a:spcBef>
+              <a:spcAft>
+                <a:spcPts val="0"/>
+              </a:spcAft>
+            </a:pPr>
+            <a:r>
+              <a:rPr lang="en-US" dirty="0" smtClean="0"/>
+              <a:t>Demo: Windows Server and Ubuntu</a:t>
+            </a:r>
+          </a:p>
+          <a:p>
+            <a:pPr lvl="1">
+              <a:lnSpc>
+                <a:spcPct val="100000"/>
+              </a:lnSpc>
+              <a:spcBef>
+                <a:spcPts val="0"/>
+              </a:spcBef>
+              <a:spcAft>
+                <a:spcPts val="0"/>
+              </a:spcAft>
+            </a:pPr>
+            <a:r>
+              <a:rPr lang="en-US" dirty="0" smtClean="0"/>
+              <a:t>Demo: RemoteApp</a:t>
+            </a:r>
+            <a:endParaRPr lang="en-US" dirty="0"/>
+          </a:p>
+          <a:p>
+            <a:pPr>
+              <a:lnSpc>
+                <a:spcPct val="100000"/>
+              </a:lnSpc>
+              <a:spcBef>
+                <a:spcPts val="0"/>
+              </a:spcBef>
+              <a:spcAft>
+                <a:spcPts val="0"/>
+              </a:spcAft>
+            </a:pPr>
+            <a:r>
+              <a:rPr lang="en-US" dirty="0" smtClean="0"/>
+              <a:t>Web + Mobile </a:t>
+            </a:r>
+            <a:r>
+              <a:rPr lang="en-US" dirty="0" smtClean="0"/>
+              <a:t>Services</a:t>
+            </a:r>
+          </a:p>
+          <a:p>
+            <a:pPr lvl="1">
+              <a:lnSpc>
+                <a:spcPct val="100000"/>
+              </a:lnSpc>
+              <a:spcBef>
+                <a:spcPts val="0"/>
+              </a:spcBef>
+              <a:spcAft>
+                <a:spcPts val="0"/>
+              </a:spcAft>
+            </a:pPr>
+            <a:r>
+              <a:rPr lang="en-US" dirty="0" smtClean="0"/>
+              <a:t>Demo: Deploying ASP.NET MVC and Web API</a:t>
+            </a:r>
+          </a:p>
+          <a:p>
+            <a:pPr lvl="1">
+              <a:lnSpc>
+                <a:spcPct val="100000"/>
+              </a:lnSpc>
+              <a:spcBef>
+                <a:spcPts val="0"/>
+              </a:spcBef>
+              <a:spcAft>
+                <a:spcPts val="0"/>
+              </a:spcAft>
+            </a:pPr>
+            <a:r>
+              <a:rPr lang="en-US" dirty="0" smtClean="0"/>
+              <a:t>Demo: Continuous Deployment</a:t>
+            </a:r>
+          </a:p>
+          <a:p>
+            <a:pPr>
+              <a:lnSpc>
+                <a:spcPct val="100000"/>
+              </a:lnSpc>
+              <a:spcBef>
+                <a:spcPts val="0"/>
+              </a:spcBef>
+              <a:spcAft>
+                <a:spcPts val="0"/>
+              </a:spcAft>
+            </a:pPr>
+            <a:r>
+              <a:rPr lang="en-US" dirty="0" smtClean="0"/>
+              <a:t>Data + Storage Services</a:t>
+            </a:r>
+          </a:p>
+          <a:p>
+            <a:pPr>
+              <a:lnSpc>
+                <a:spcPct val="100000"/>
+              </a:lnSpc>
+              <a:spcBef>
+                <a:spcPts val="0"/>
+              </a:spcBef>
+              <a:spcAft>
+                <a:spcPts val="0"/>
+              </a:spcAft>
+            </a:pPr>
+            <a:r>
+              <a:rPr lang="en-US" dirty="0" smtClean="0"/>
+              <a:t>Internet </a:t>
+            </a:r>
+            <a:r>
+              <a:rPr lang="en-US" dirty="0" smtClean="0"/>
+              <a:t>of Things, Big </a:t>
+            </a:r>
+            <a:r>
+              <a:rPr lang="en-US" dirty="0" smtClean="0"/>
+              <a:t>Data, Machine </a:t>
+            </a:r>
+            <a:r>
+              <a:rPr lang="en-US" dirty="0" smtClean="0"/>
+              <a:t>Learning</a:t>
+            </a:r>
+            <a:endParaRPr lang="en-US" dirty="0"/>
+          </a:p>
+          <a:p>
+            <a:pPr>
+              <a:lnSpc>
+                <a:spcPct val="100000"/>
+              </a:lnSpc>
+              <a:spcBef>
+                <a:spcPts val="0"/>
+              </a:spcBef>
+              <a:spcAft>
+                <a:spcPts val="0"/>
+              </a:spcAft>
+            </a:pPr>
+            <a:r>
+              <a:rPr lang="en-US" dirty="0" smtClean="0"/>
+              <a:t>Networking, Mobile, Back-up</a:t>
+            </a:r>
+            <a:endParaRPr lang="en-US" dirty="0"/>
+          </a:p>
+          <a:p>
+            <a:pPr>
+              <a:lnSpc>
+                <a:spcPct val="100000"/>
+              </a:lnSpc>
+              <a:spcBef>
+                <a:spcPts val="0"/>
+              </a:spcBef>
+              <a:spcAft>
+                <a:spcPts val="0"/>
+              </a:spcAft>
+            </a:pPr>
+            <a:r>
+              <a:rPr lang="en-US" dirty="0"/>
+              <a:t>Messaging and Integration</a:t>
+            </a:r>
+          </a:p>
+          <a:p>
+            <a:pPr>
+              <a:lnSpc>
+                <a:spcPct val="100000"/>
+              </a:lnSpc>
+              <a:spcBef>
+                <a:spcPts val="0"/>
+              </a:spcBef>
+              <a:spcAft>
+                <a:spcPts val="0"/>
+              </a:spcAft>
+            </a:pPr>
+            <a:r>
+              <a:rPr lang="en-US" dirty="0"/>
+              <a:t>Compute </a:t>
+            </a:r>
+            <a:r>
+              <a:rPr lang="en-US" dirty="0" smtClean="0"/>
+              <a:t>Assistance, Performance, Media</a:t>
+            </a:r>
+            <a:endParaRPr lang="en-US" dirty="0"/>
+          </a:p>
+        </p:txBody>
+      </p:sp>
+      <p:sp>
+        <p:nvSpPr>
+          <p:cNvPr id="4" name="Slide Number Placeholder 3"/>
+          <p:cNvSpPr>
+            <a:spLocks noGrp="1"/>
+          </p:cNvSpPr>
+          <p:nvPr>
+            <p:ph type="sldNum" sz="quarter" idx="10"/>
+          </p:nvPr>
+        </p:nvSpPr>
+        <p:spPr/>
+        <p:txBody>
+          <a:bodyPr/>
+          <a:lstStyle/>
+          <a:p>
+            <a:pPr>
+              <a:defRPr/>
+            </a:pPr>
+            <a:fld id="{58452FF4-89E3-4D1B-9927-2DBDC00E58D7}" type="slidenum">
+              <a:rPr lang="en-US" smtClean="0"/>
+              <a:pPr>
+                <a:defRPr/>
+              </a:pPr>
+              <a:t>3</a:t>
+            </a:fld>
+            <a:endParaRPr lang="en-US" dirty="0"/>
+          </a:p>
+        </p:txBody>
+      </p:sp>
+    </p:spTree>
+    <p:extLst>
+      <p:ext uri="{BB962C8B-B14F-4D97-AF65-F5344CB8AC3E}">
+        <p14:creationId xmlns:p14="http://schemas.microsoft.com/office/powerpoint/2010/main" val="3021460776"/>
+      </p:ext>
+    </p:extLst>
+  </p:cSld>
+  <p:clrMapOvr>
+    <a:masterClrMapping/>
+  </p:clrMapOvr>
+</p:sld>
+</file>
+
+<file path=ppt/slides/slide4.xml><?xml version="1.0" encoding="utf-8"?>
+<p:sld xmlns:a="http://schemas.openxmlformats.org/drawingml/2006/main" xmlns:r="http://schemas.openxmlformats.org/officeDocument/2006/relationships" xmlns:p="http://schemas.openxmlformats.org/presentationml/2006/main">
+  <p:cSld>
+    <p:spTree>
+      <p:nvGrpSpPr>
+        <p:cNvPr id="1" name=""/>
+        <p:cNvGrpSpPr/>
+        <p:nvPr/>
+      </p:nvGrpSpPr>
+      <p:grpSpPr>
+        <a:xfrm>
+          <a:off x="0" y="0"/>
+          <a:ext cx="0" cy="0"/>
+          <a:chOff x="0" y="0"/>
+          <a:chExt cx="0" cy="0"/>
+        </a:xfrm>
+      </p:grpSpPr>
+      <p:sp>
+        <p:nvSpPr>
+          <p:cNvPr id="4" name="Slide Number Placeholder 3"/>
+          <p:cNvSpPr>
+            <a:spLocks noGrp="1"/>
+          </p:cNvSpPr>
+          <p:nvPr>
+            <p:ph type="sldNum" sz="quarter" idx="10"/>
+          </p:nvPr>
+        </p:nvSpPr>
+        <p:spPr/>
+        <p:txBody>
+          <a:bodyPr/>
+          <a:lstStyle/>
+          <a:p>
+            <a:pPr>
+              <a:defRPr/>
+            </a:pPr>
+            <a:fld id="{58452FF4-89E3-4D1B-9927-2DBDC00E58D7}" type="slidenum">
+              <a:rPr lang="en-US" smtClean="0"/>
+              <a:pPr>
+                <a:defRPr/>
+              </a:pPr>
+              <a:t>4</a:t>
+            </a:fld>
+            <a:endParaRPr lang="en-US" dirty="0"/>
+          </a:p>
+        </p:txBody>
+      </p:sp>
+      <p:pic>
+        <p:nvPicPr>
+          <p:cNvPr id="6" name="Picture 5"/>
+          <p:cNvPicPr>
+            <a:picLocks noChangeAspect="1"/>
+          </p:cNvPicPr>
+          <p:nvPr/>
+        </p:nvPicPr>
+        <p:blipFill>
+          <a:blip r:embed="rId2"/>
+          <a:stretch>
+            <a:fillRect/>
+          </a:stretch>
+        </p:blipFill>
+        <p:spPr>
+          <a:xfrm>
+            <a:off x="1524000" y="754380"/>
+            <a:ext cx="6019800" cy="6019800"/>
+          </a:xfrm>
+          <a:prstGeom prst="rect">
+            <a:avLst/>
+          </a:prstGeom>
+        </p:spPr>
+      </p:pic>
+    </p:spTree>
+    <p:extLst>
+      <p:ext uri="{BB962C8B-B14F-4D97-AF65-F5344CB8AC3E}">
+        <p14:creationId xmlns:p14="http://schemas.microsoft.com/office/powerpoint/2010/main" val="298492032"/>
+      </p:ext>
+    </p:extLst>
+  </p:cSld>
+  <p:clrMapOvr>
+    <a:masterClrMapping/>
+  </p:clrMapOvr>
+</p:sld>
+</file>
+
+<file path=ppt/slides/slide5.xml><?xml version="1.0" encoding="utf-8"?>
+<p:sld xmlns:a="http://schemas.openxmlformats.org/drawingml/2006/main" xmlns:r="http://schemas.openxmlformats.org/officeDocument/2006/relationships" xmlns:p="http://schemas.openxmlformats.org/presentationml/2006/main">
+  <p:cSld>
+    <p:spTree>
+      <p:nvGrpSpPr>
+        <p:cNvPr id="1" name=""/>
+        <p:cNvGrpSpPr/>
+        <p:nvPr/>
+      </p:nvGrpSpPr>
+      <p:grpSpPr>
+        <a:xfrm>
+          <a:off x="0" y="0"/>
+          <a:ext cx="0" cy="0"/>
+          <a:chOff x="0" y="0"/>
+          <a:chExt cx="0" cy="0"/>
+        </a:xfrm>
+      </p:grpSpPr>
+      <p:sp>
+        <p:nvSpPr>
+          <p:cNvPr id="2" name="Title 1"/>
+          <p:cNvSpPr>
+            <a:spLocks noGrp="1"/>
+          </p:cNvSpPr>
+          <p:nvPr>
+            <p:ph type="title"/>
+          </p:nvPr>
+        </p:nvSpPr>
+        <p:spPr/>
+        <p:txBody>
+          <a:bodyPr/>
+          <a:lstStyle/>
+          <a:p>
+            <a:r>
+              <a:rPr lang="en-US" dirty="0" smtClean="0"/>
               <a:t>Cloud Computing</a:t>
             </a:r>
             <a:endParaRPr lang="en-US" dirty="0"/>
@@ -14266,7 +15932,7 @@
               <a:pPr>
                 <a:defRPr/>
               </a:pPr>
-              <a:t>3</a:t>
+              <a:t>5</a:t>
             </a:fld>
             <a:endParaRPr lang="en-US" dirty="0"/>
           </a:p>
@@ -14326,7 +15992,7 @@
 </p:sld>
 </file>
 
-<file path=ppt/slides/slide4.xml><?xml version="1.0" encoding="utf-8"?>
+<file path=ppt/slides/slide6.xml><?xml version="1.0" encoding="utf-8"?>
 <p:sld xmlns:a="http://schemas.openxmlformats.org/drawingml/2006/main" xmlns:r="http://schemas.openxmlformats.org/officeDocument/2006/relationships" xmlns:p="http://schemas.openxmlformats.org/presentationml/2006/main">
   <p:cSld>
     <p:spTree>
@@ -14400,9 +16066,12 @@
             </a:r>
             <a:r>
               <a:rPr lang="en-US" dirty="0"/>
-              <a:t>a cloud computing platform and infrastructure created by Microsoft</a:t>
-            </a:r>
-            <a:endParaRPr lang="en-US" dirty="0" smtClean="0"/>
+              <a:t>a cloud computing platform and infrastructure created by </a:t>
+            </a:r>
+            <a:r>
+              <a:rPr lang="en-US" dirty="0" smtClean="0"/>
+              <a:t>Microsoft</a:t>
+            </a:r>
           </a:p>
           <a:p>
             <a:pPr lvl="1">
@@ -14414,9 +16083,48 @@
               </a:spcAft>
             </a:pPr>
             <a:r>
+              <a:rPr lang="en-US" dirty="0" smtClean="0">
+                <a:hlinkClick r:id="rId2"/>
+              </a:rPr>
+              <a:t>Commercia</a:t>
+            </a:r>
+            <a:r>
+              <a:rPr lang="en-US" dirty="0" smtClean="0">
+                <a:hlinkClick r:id="rId2"/>
+              </a:rPr>
+              <a:t>l 1</a:t>
+            </a:r>
+            <a:r>
               <a:rPr lang="en-US" dirty="0" smtClean="0"/>
-              <a:t>It is provided in Microsoft datacenters located around the world (US, Europe, Asia, Australia)</a:t>
-            </a:r>
+              <a:t>, </a:t>
+            </a:r>
+            <a:r>
+              <a:rPr lang="en-US" dirty="0" smtClean="0">
+                <a:hlinkClick r:id="rId3"/>
+              </a:rPr>
+              <a:t>Commercial 2</a:t>
+            </a:r>
+            <a:r>
+              <a:rPr lang="en-US" dirty="0" smtClean="0"/>
+              <a:t>, </a:t>
+            </a:r>
+            <a:r>
+              <a:rPr lang="en-US" dirty="0">
+                <a:hlinkClick r:id="rId4"/>
+              </a:rPr>
+              <a:t>Commercial </a:t>
+            </a:r>
+            <a:r>
+              <a:rPr lang="en-US" dirty="0" smtClean="0">
+                <a:hlinkClick r:id="rId4"/>
+              </a:rPr>
+              <a:t>3</a:t>
+            </a:r>
+            <a:r>
+              <a:rPr lang="en-US" dirty="0" smtClean="0"/>
+              <a:t> </a:t>
+            </a:r>
+            <a:endParaRPr lang="en-US" dirty="0" smtClean="0"/>
           </a:p>
           <a:p>
             <a:pPr lvl="1">
@@ -14428,16 +16136,36 @@
               </a:spcAft>
             </a:pPr>
             <a:r>
-              <a:rPr lang="en-US" dirty="0">
-                <a:hlinkClick r:id="rId2"/>
+              <a:rPr lang="en-US" sz="2800" dirty="0" smtClean="0"/>
+              <a:t>It is provided in Microsoft datacenters located around the world (US, Europe, Asia, Australia)</a:t>
+            </a:r>
+          </a:p>
+          <a:p>
+            <a:pPr lvl="2">
+              <a:spcBef>
+                <a:spcPts val="300"/>
+              </a:spcBef>
+              <a:spcAft>
+                <a:spcPts val="0"/>
+              </a:spcAft>
+            </a:pPr>
+            <a:r>
+              <a:rPr lang="en-US" sz="2600" dirty="0">
+                <a:hlinkClick r:id="rId5"/>
               </a:rPr>
               <a:t>https</a:t>
             </a:r>
             <a:r>
-              <a:rPr lang="en-US" dirty="0" smtClean="0">
-                <a:hlinkClick r:id="rId2"/>
+              <a:rPr lang="en-US" sz="2600" dirty="0" smtClean="0">
+                <a:hlinkClick r:id="rId5"/>
               </a:rPr>
-              <a:t>://youtube.com/watch?v=0uRR72b_qvc</a:t>
+              <a:t>://</a:t>
+            </a:r>
+            <a:r>
+              <a:rPr lang="en-US" sz="2600" dirty="0" smtClean="0">
+                <a:hlinkClick r:id="rId5"/>
+              </a:rPr>
+              <a:t>youtube.com/watch?v=0uRR72b_qvc</a:t>
             </a:r>
             <a:endParaRPr lang="en-US" dirty="0" smtClean="0"/>
           </a:p>
@@ -14465,7 +16193,7 @@
               </a:spcAft>
             </a:pPr>
             <a:r>
-              <a:rPr lang="en-US" dirty="0" smtClean="0"/>
+              <a:rPr lang="en-US" sz="2800" dirty="0" smtClean="0"/>
               <a:t>Running and connecting applications</a:t>
             </a:r>
           </a:p>
@@ -14479,7 +16207,7 @@
               </a:spcAft>
             </a:pPr>
             <a:r>
-              <a:rPr lang="en-US" dirty="0" smtClean="0"/>
+              <a:rPr lang="en-US" sz="2800" dirty="0" smtClean="0"/>
               <a:t>Storing, managing and analyzing data</a:t>
             </a:r>
           </a:p>
@@ -14493,32 +16221,22 @@
               </a:spcAft>
             </a:pPr>
             <a:r>
-              <a:rPr lang="en-US" dirty="0" smtClean="0"/>
+              <a:rPr lang="en-US" sz="2800" dirty="0" smtClean="0"/>
               <a:t>Networking, media (CDN), </a:t>
             </a:r>
             <a:r>
-              <a:rPr lang="en-US" dirty="0" err="1" smtClean="0"/>
+              <a:rPr lang="en-US" sz="2800" dirty="0" err="1" smtClean="0"/>
               <a:t>IoT</a:t>
             </a:r>
             <a:r>
-              <a:rPr lang="en-US" dirty="0" smtClean="0"/>
-              <a:t>, security</a:t>
-            </a:r>
-          </a:p>
-          <a:p>
-            <a:pPr lvl="1">
-              <a:spcBef>
-                <a:spcPts val="300"/>
-              </a:spcBef>
-              <a:spcAft>
-                <a:spcPts val="0"/>
-              </a:spcAft>
-            </a:pPr>
-            <a:r>
-              <a:rPr lang="en-US" dirty="0" smtClean="0"/>
-              <a:t>Many more</a:t>
-            </a:r>
-            <a:endParaRPr lang="en-US" dirty="0"/>
+              <a:rPr lang="en-US" sz="2800" dirty="0" smtClean="0"/>
+              <a:t>, </a:t>
+            </a:r>
+            <a:r>
+              <a:rPr lang="en-US" sz="2800" dirty="0" smtClean="0"/>
+              <a:t>security and more</a:t>
+            </a:r>
+            <a:endParaRPr lang="en-US" sz="2800" dirty="0" smtClean="0"/>
           </a:p>
         </p:txBody>
       </p:sp>
@@ -14545,7 +16263,7 @@
               <a:pPr>
                 <a:defRPr/>
               </a:pPr>
-              <a:t>4</a:t>
+              <a:t>6</a:t>
             </a:fld>
             <a:endParaRPr lang="en-US" dirty="0"/>
           </a:p>
@@ -14555,172 +16273,6 @@
     <p:extLst>
       <p:ext uri="{BB962C8B-B14F-4D97-AF65-F5344CB8AC3E}">
         <p14:creationId xmlns:p14="http://schemas.microsoft.com/office/powerpoint/2010/main" val="3404923528"/>
-      </p:ext>
-    </p:extLst>
-  </p:cSld>
-  <p:clrMapOvr>
-    <a:masterClrMapping/>
-  </p:clrMapOvr>
-</p:sld>
-</file>
-
-<file path=ppt/slides/slide5.xml><?xml version="1.0" encoding="utf-8"?>
-<p:sld xmlns:a="http://schemas.openxmlformats.org/drawingml/2006/main" xmlns:r="http://schemas.openxmlformats.org/officeDocument/2006/relationships" xmlns:p="http://schemas.openxmlformats.org/presentationml/2006/main">
-  <p:cSld>
-    <p:spTree>
-      <p:nvGrpSpPr>
-        <p:cNvPr id="1" name=""/>
-        <p:cNvGrpSpPr/>
-        <p:nvPr/>
-      </p:nvGrpSpPr>
-      <p:grpSpPr>
-        <a:xfrm>
-          <a:off x="0" y="0"/>
-          <a:ext cx="0" cy="0"/>
-          <a:chOff x="0" y="0"/>
-          <a:chExt cx="0" cy="0"/>
-        </a:xfrm>
-      </p:grpSpPr>
-      <p:sp>
-        <p:nvSpPr>
-          <p:cNvPr id="4" name="Slide Number Placeholder 3"/>
-          <p:cNvSpPr>
-            <a:spLocks noGrp="1"/>
-          </p:cNvSpPr>
-          <p:nvPr>
-            <p:ph type="sldNum" sz="quarter" idx="10"/>
-          </p:nvPr>
-        </p:nvSpPr>
-        <p:spPr/>
-        <p:txBody>
-          <a:bodyPr/>
-          <a:lstStyle/>
-          <a:p>
-            <a:pPr>
-              <a:defRPr/>
-            </a:pPr>
-            <a:fld id="{58452FF4-89E3-4D1B-9927-2DBDC00E58D7}" type="slidenum">
-              <a:rPr lang="en-US" smtClean="0"/>
-              <a:pPr>
-                <a:defRPr/>
-              </a:pPr>
-              <a:t>5</a:t>
-            </a:fld>
-            <a:endParaRPr lang="en-US" dirty="0"/>
-          </a:p>
-        </p:txBody>
-      </p:sp>
-      <p:pic>
-        <p:nvPicPr>
-          <p:cNvPr id="5" name="Picture 4"/>
-          <p:cNvPicPr>
-            <a:picLocks noChangeAspect="1"/>
-          </p:cNvPicPr>
-          <p:nvPr/>
-        </p:nvPicPr>
-        <p:blipFill>
-          <a:blip r:embed="rId2"/>
-          <a:stretch>
-            <a:fillRect/>
-          </a:stretch>
-        </p:blipFill>
-        <p:spPr>
-          <a:xfrm>
-            <a:off x="2057400" y="114675"/>
-            <a:ext cx="5758494" cy="6621405"/>
-          </a:xfrm>
-          <a:prstGeom prst="rect">
-            <a:avLst/>
-          </a:prstGeom>
-        </p:spPr>
-      </p:pic>
-    </p:spTree>
-    <p:extLst>
-      <p:ext uri="{BB962C8B-B14F-4D97-AF65-F5344CB8AC3E}">
-        <p14:creationId xmlns:p14="http://schemas.microsoft.com/office/powerpoint/2010/main" val="1444671116"/>
-      </p:ext>
-    </p:extLst>
-  </p:cSld>
-  <p:clrMapOvr>
-    <a:masterClrMapping/>
-  </p:clrMapOvr>
-</p:sld>
-</file>
-
-<file path=ppt/slides/slide6.xml><?xml version="1.0" encoding="utf-8"?>
-<p:sld xmlns:a="http://schemas.openxmlformats.org/drawingml/2006/main" xmlns:r="http://schemas.openxmlformats.org/officeDocument/2006/relationships" xmlns:p="http://schemas.openxmlformats.org/presentationml/2006/main">
-  <p:cSld>
-    <p:spTree>
-      <p:nvGrpSpPr>
-        <p:cNvPr id="1" name=""/>
-        <p:cNvGrpSpPr/>
-        <p:nvPr/>
-      </p:nvGrpSpPr>
-      <p:grpSpPr>
-        <a:xfrm>
-          <a:off x="0" y="0"/>
-          <a:ext cx="0" cy="0"/>
-          <a:chOff x="0" y="0"/>
-          <a:chExt cx="0" cy="0"/>
-        </a:xfrm>
-      </p:grpSpPr>
-      <p:sp>
-        <p:nvSpPr>
-          <p:cNvPr id="4" name="Slide Number Placeholder 3"/>
-          <p:cNvSpPr>
-            <a:spLocks noGrp="1"/>
-          </p:cNvSpPr>
-          <p:nvPr>
-            <p:ph type="sldNum" sz="quarter" idx="10"/>
-          </p:nvPr>
-        </p:nvSpPr>
-        <p:spPr/>
-        <p:txBody>
-          <a:bodyPr/>
-          <a:lstStyle/>
-          <a:p>
-            <a:pPr>
-              <a:defRPr/>
-            </a:pPr>
-            <a:fld id="{58452FF4-89E3-4D1B-9927-2DBDC00E58D7}" type="slidenum">
-              <a:rPr lang="en-US" smtClean="0"/>
-              <a:pPr>
-                <a:defRPr/>
-              </a:pPr>
-              <a:t>6</a:t>
-            </a:fld>
-            <a:endParaRPr lang="en-US" dirty="0"/>
-          </a:p>
-        </p:txBody>
-      </p:sp>
-      <p:pic>
-        <p:nvPicPr>
-          <p:cNvPr id="6" name="Picture 5"/>
-          <p:cNvPicPr>
-            <a:picLocks noChangeAspect="1"/>
-          </p:cNvPicPr>
-          <p:nvPr/>
-        </p:nvPicPr>
-        <p:blipFill>
-          <a:blip r:embed="rId2"/>
-          <a:stretch>
-            <a:fillRect/>
-          </a:stretch>
-        </p:blipFill>
-        <p:spPr>
-          <a:xfrm>
-            <a:off x="2514600" y="64795"/>
-            <a:ext cx="5029200" cy="6717005"/>
-          </a:xfrm>
-          <a:prstGeom prst="rect">
-            <a:avLst/>
-          </a:prstGeom>
-        </p:spPr>
-      </p:pic>
-    </p:spTree>
-    <p:extLst>
-      <p:ext uri="{BB962C8B-B14F-4D97-AF65-F5344CB8AC3E}">
-        <p14:creationId xmlns:p14="http://schemas.microsoft.com/office/powerpoint/2010/main" val="2182941206"/>
       </p:ext>
     </p:extLst>
   </p:cSld>
@@ -14749,6 +16301,98 @@
       </p:grpSpPr>
       <p:sp>
         <p:nvSpPr>
+          <p:cNvPr id="2" name="Title 1"/>
+          <p:cNvSpPr>
+            <a:spLocks noGrp="1"/>
+          </p:cNvSpPr>
+          <p:nvPr>
+            <p:ph type="title"/>
+          </p:nvPr>
+        </p:nvSpPr>
+        <p:spPr/>
+        <p:txBody>
+          <a:bodyPr/>
+          <a:lstStyle/>
+          <a:p>
+            <a:r>
+              <a:rPr lang="en-US" dirty="0"/>
+              <a:t>The Components of Azure</a:t>
+            </a:r>
+          </a:p>
+        </p:txBody>
+      </p:sp>
+      <p:sp>
+        <p:nvSpPr>
+          <p:cNvPr id="3" name="Content Placeholder 2"/>
+          <p:cNvSpPr>
+            <a:spLocks noGrp="1"/>
+          </p:cNvSpPr>
+          <p:nvPr>
+            <p:ph idx="1"/>
+          </p:nvPr>
+        </p:nvSpPr>
+        <p:spPr>
+          <a:xfrm>
+            <a:off x="228600" y="914400"/>
+            <a:ext cx="8839200" cy="5791200"/>
+          </a:xfrm>
+        </p:spPr>
+        <p:txBody>
+          <a:bodyPr/>
+          <a:lstStyle/>
+          <a:p>
+            <a:r>
+              <a:rPr lang="en-US" dirty="0"/>
+              <a:t>Azure has a web interface called the </a:t>
+            </a:r>
+            <a:r>
+              <a:rPr lang="en-US" u="sng" dirty="0"/>
+              <a:t>Management Portal</a:t>
+            </a:r>
+            <a:r>
+              <a:rPr lang="en-US" dirty="0"/>
+              <a:t> that allows </a:t>
+            </a:r>
+            <a:r>
+              <a:rPr lang="en-US" dirty="0" smtClean="0"/>
+              <a:t>you to </a:t>
+            </a:r>
+            <a:r>
+              <a:rPr lang="en-US" dirty="0"/>
+              <a:t>access and administer most, but not all Azure </a:t>
+            </a:r>
+            <a:r>
+              <a:rPr lang="en-US" dirty="0" smtClean="0"/>
+              <a:t>features</a:t>
+            </a:r>
+          </a:p>
+          <a:p>
+            <a:r>
+              <a:rPr lang="en-US" u="sng" dirty="0"/>
+              <a:t>Usage and </a:t>
+            </a:r>
+            <a:r>
+              <a:rPr lang="en-US" u="sng" dirty="0" smtClean="0"/>
+              <a:t>billing</a:t>
+            </a:r>
+            <a:r>
+              <a:rPr lang="en-US" dirty="0" smtClean="0"/>
+              <a:t> track </a:t>
+            </a:r>
+            <a:r>
+              <a:rPr lang="en-US" dirty="0"/>
+              <a:t>your Azure usage and view your </a:t>
+            </a:r>
+            <a:r>
+              <a:rPr lang="en-US" dirty="0" smtClean="0"/>
+              <a:t>bill. Azure charges only what you use</a:t>
+            </a:r>
+            <a:endParaRPr lang="en-US" dirty="0"/>
+          </a:p>
+        </p:txBody>
+      </p:sp>
+      <p:sp>
+        <p:nvSpPr>
           <p:cNvPr id="4" name="Slide Number Placeholder 3"/>
           <p:cNvSpPr>
             <a:spLocks noGrp="1"/>
@@ -14778,32 +16422,90 @@
       </p:sp>
       <p:pic>
         <p:nvPicPr>
-          <p:cNvPr id="2" name="Picture 1"/>
+          <p:cNvPr id="1026" name="Picture 2" descr="https://acom.azurecomcdn.net/80C57D/cdn/cvt-723d9d328f8a3f4ce56c88131b75c456919654f29b1c6fb8d07592917e6a588e/images/page/account/portal.png"/>
           <p:cNvPicPr>
-            <a:picLocks noChangeAspect="1"/>
+            <a:picLocks noChangeAspect="1" noChangeArrowheads="1"/>
           </p:cNvPicPr>
           <p:nvPr/>
         </p:nvPicPr>
         <p:blipFill>
-          <a:blip r:embed="rId2"/>
+          <a:blip r:embed="rId2">
+            <a:extLst>
+              <a:ext uri="{28A0092B-C50C-407E-A947-70E740481C1C}">
+                <a14:useLocalDpi xmlns:a14="http://schemas.microsoft.com/office/drawing/2010/main" val="0"/>
+              </a:ext>
+            </a:extLst>
+          </a:blip>
+          <a:srcRect/>
           <a:stretch>
             <a:fillRect/>
           </a:stretch>
         </p:blipFill>
-        <p:spPr>
+        <p:spPr bwMode="auto">
           <a:xfrm>
-            <a:off x="2133600" y="116568"/>
-            <a:ext cx="5486400" cy="6649992"/>
+            <a:off x="762000" y="3810000"/>
+            <a:ext cx="3686175" cy="2687663"/>
           </a:xfrm>
           <a:prstGeom prst="rect">
             <a:avLst/>
           </a:prstGeom>
+          <a:noFill/>
+          <a:extLst>
+            <a:ext uri="{909E8E84-426E-40DD-AFC4-6F175D3DCCD1}">
+              <a14:hiddenFill xmlns:a14="http://schemas.microsoft.com/office/drawing/2010/main">
+                <a:solidFill>
+                  <a:srgbClr val="FFFFFF"/>
+                </a:solidFill>
+              </a14:hiddenFill>
+            </a:ext>
+          </a:extLst>
+        </p:spPr>
+      </p:pic>
+      <p:pic>
+        <p:nvPicPr>
+          <p:cNvPr id="1028" name="Picture 4" descr="https://acom.azurecomcdn.net/80C57D/cdn/cvt-6d0a749fb2ddcac0dcc164fdd4a5fc69a9ed5a9361147feadc6f94cafc759a63/images/page/account/billing.png"/>
+          <p:cNvPicPr>
+            <a:picLocks noChangeAspect="1" noChangeArrowheads="1"/>
+          </p:cNvPicPr>
+          <p:nvPr/>
+        </p:nvPicPr>
+        <p:blipFill>
+          <a:blip r:embed="rId3">
+            <a:extLst>
+              <a:ext uri="{28A0092B-C50C-407E-A947-70E740481C1C}">
+                <a14:useLocalDpi xmlns:a14="http://schemas.microsoft.com/office/drawing/2010/main" val="0"/>
+              </a:ext>
+            </a:extLst>
+          </a:blip>
+          <a:srcRect/>
+          <a:stretch>
+            <a:fillRect/>
+          </a:stretch>
+        </p:blipFill>
+        <p:spPr bwMode="auto">
+          <a:xfrm>
+            <a:off x="4572000" y="3810000"/>
+            <a:ext cx="3672583" cy="2687663"/>
+          </a:xfrm>
+          <a:prstGeom prst="rect">
+            <a:avLst/>
+          </a:prstGeom>
+          <a:noFill/>
+          <a:extLst>
+            <a:ext uri="{909E8E84-426E-40DD-AFC4-6F175D3DCCD1}">
+              <a14:hiddenFill xmlns:a14="http://schemas.microsoft.com/office/drawing/2010/main">
+                <a:solidFill>
+                  <a:srgbClr val="FFFFFF"/>
+                </a:solidFill>
+              </a14:hiddenFill>
+            </a:ext>
+          </a:extLst>
         </p:spPr>
       </p:pic>
     </p:spTree>
     <p:extLst>
       <p:ext uri="{BB962C8B-B14F-4D97-AF65-F5344CB8AC3E}">
-        <p14:creationId xmlns:p14="http://schemas.microsoft.com/office/powerpoint/2010/main" val="2650596656"/>
+        <p14:creationId xmlns:p14="http://schemas.microsoft.com/office/powerpoint/2010/main" val="372207225"/>
       </p:ext>
     </p:extLst>
   </p:cSld>
@@ -14846,8 +16548,12 @@
           <a:lstStyle/>
           <a:p>
             <a:r>
+              <a:rPr lang="en-US" dirty="0"/>
+              <a:t>The Components of </a:t>
+            </a:r>
+            <a:r>
               <a:rPr lang="en-US" dirty="0" smtClean="0"/>
-              <a:t>Computing</a:t>
+              <a:t>Azure (2)</a:t>
             </a:r>
             <a:endParaRPr lang="en-US" dirty="0"/>
           </a:p>
@@ -14863,152 +16569,228 @@
             <p:ph idx="1"/>
           </p:nvPr>
         </p:nvSpPr>
-        <p:spPr/>
+        <p:spPr>
+          <a:xfrm>
+            <a:off x="228600" y="914400"/>
+            <a:ext cx="8686800" cy="5753100"/>
+          </a:xfrm>
+        </p:spPr>
         <p:txBody>
           <a:bodyPr/>
           <a:lstStyle/>
           <a:p>
             <a:pPr>
+              <a:lnSpc>
+                <a:spcPct val="100000"/>
+              </a:lnSpc>
+              <a:spcBef>
+                <a:spcPts val="0"/>
+              </a:spcBef>
               <a:spcAft>
-                <a:spcPts val="300"/>
+                <a:spcPts val="0"/>
               </a:spcAft>
             </a:pPr>
             <a:r>
               <a:rPr lang="en-US" dirty="0" smtClean="0"/>
-              <a:t>Computing cloud solutions provided by Azure:</a:t>
-            </a:r>
+              <a:t>Virtual Machines</a:t>
+            </a:r>
+            <a:endParaRPr lang="en-US" dirty="0" smtClean="0"/>
           </a:p>
           <a:p>
             <a:pPr>
+              <a:lnSpc>
+                <a:spcPct val="100000"/>
+              </a:lnSpc>
+              <a:spcBef>
+                <a:spcPts val="0"/>
+              </a:spcBef>
               <a:spcAft>
-                <a:spcPts val="300"/>
+                <a:spcPts val="0"/>
               </a:spcAft>
             </a:pPr>
-            <a:endParaRPr lang="en-US" dirty="0"/>
+            <a:r>
+              <a:rPr lang="en-US" dirty="0" smtClean="0"/>
+              <a:t>Web </a:t>
+            </a:r>
+            <a:r>
+              <a:rPr lang="en-US" dirty="0" smtClean="0"/>
+              <a:t>Applications</a:t>
+            </a:r>
+            <a:endParaRPr lang="en-US" dirty="0" smtClean="0"/>
           </a:p>
           <a:p>
             <a:pPr>
+              <a:lnSpc>
+                <a:spcPct val="100000"/>
+              </a:lnSpc>
+              <a:spcBef>
+                <a:spcPts val="0"/>
+              </a:spcBef>
               <a:spcAft>
-                <a:spcPts val="300"/>
+                <a:spcPts val="0"/>
               </a:spcAft>
             </a:pPr>
-            <a:endParaRPr lang="en-US" dirty="0" smtClean="0"/>
+            <a:r>
+              <a:rPr lang="en-US" dirty="0"/>
+              <a:t>Cloud </a:t>
+            </a:r>
+            <a:r>
+              <a:rPr lang="en-US" dirty="0" smtClean="0"/>
+              <a:t>Services</a:t>
+            </a:r>
           </a:p>
           <a:p>
             <a:pPr>
+              <a:lnSpc>
+                <a:spcPct val="100000"/>
+              </a:lnSpc>
+              <a:spcBef>
+                <a:spcPts val="0"/>
+              </a:spcBef>
               <a:spcAft>
-                <a:spcPts val="300"/>
+                <a:spcPts val="0"/>
               </a:spcAft>
             </a:pPr>
-            <a:endParaRPr lang="en-US" dirty="0"/>
+            <a:r>
+              <a:rPr lang="en-US" dirty="0"/>
+              <a:t>Data </a:t>
+            </a:r>
+            <a:r>
+              <a:rPr lang="en-US" dirty="0" smtClean="0"/>
+              <a:t>Management</a:t>
+            </a:r>
           </a:p>
           <a:p>
             <a:pPr>
+              <a:lnSpc>
+                <a:spcPct val="100000"/>
+              </a:lnSpc>
+              <a:spcBef>
+                <a:spcPts val="0"/>
+              </a:spcBef>
               <a:spcAft>
-                <a:spcPts val="300"/>
+                <a:spcPts val="0"/>
               </a:spcAft>
             </a:pPr>
-            <a:endParaRPr lang="en-US" dirty="0" smtClean="0"/>
+            <a:r>
+              <a:rPr lang="en-US" dirty="0" smtClean="0"/>
+              <a:t>Networking</a:t>
+            </a:r>
           </a:p>
           <a:p>
             <a:pPr>
+              <a:lnSpc>
+                <a:spcPct val="100000"/>
+              </a:lnSpc>
+              <a:spcBef>
+                <a:spcPts val="0"/>
+              </a:spcBef>
               <a:spcAft>
-                <a:spcPts val="300"/>
+                <a:spcPts val="0"/>
               </a:spcAft>
             </a:pPr>
-            <a:endParaRPr lang="en-US" dirty="0"/>
+            <a:r>
+              <a:rPr lang="en-US" dirty="0"/>
+              <a:t>Developer </a:t>
+            </a:r>
+            <a:r>
+              <a:rPr lang="en-US" dirty="0" smtClean="0"/>
+              <a:t>Services</a:t>
+            </a:r>
           </a:p>
           <a:p>
             <a:pPr>
+              <a:lnSpc>
+                <a:spcPct val="100000"/>
+              </a:lnSpc>
+              <a:spcBef>
+                <a:spcPts val="0"/>
+              </a:spcBef>
               <a:spcAft>
-                <a:spcPts val="300"/>
+                <a:spcPts val="0"/>
               </a:spcAft>
             </a:pPr>
-            <a:endParaRPr lang="en-US" dirty="0" smtClean="0"/>
+            <a:r>
+              <a:rPr lang="en-US" dirty="0"/>
+              <a:t>Identity and </a:t>
+            </a:r>
+            <a:r>
+              <a:rPr lang="en-US" dirty="0" smtClean="0"/>
+              <a:t>Access</a:t>
+            </a:r>
           </a:p>
           <a:p>
             <a:pPr>
+              <a:lnSpc>
+                <a:spcPct val="100000"/>
+              </a:lnSpc>
+              <a:spcBef>
+                <a:spcPts val="0"/>
+              </a:spcBef>
               <a:spcAft>
-                <a:spcPts val="300"/>
+                <a:spcPts val="0"/>
               </a:spcAft>
             </a:pPr>
-            <a:endParaRPr lang="en-US" dirty="0"/>
+            <a:r>
+              <a:rPr lang="en-US" dirty="0" smtClean="0"/>
+              <a:t>Mobile Services</a:t>
+            </a:r>
           </a:p>
           <a:p>
             <a:pPr>
+              <a:lnSpc>
+                <a:spcPct val="100000"/>
+              </a:lnSpc>
+              <a:spcBef>
+                <a:spcPts val="0"/>
+              </a:spcBef>
               <a:spcAft>
-                <a:spcPts val="300"/>
+                <a:spcPts val="0"/>
               </a:spcAft>
             </a:pPr>
             <a:r>
-              <a:rPr lang="en-US" dirty="0">
-                <a:hlinkClick r:id="rId2"/>
-              </a:rPr>
-              <a:t>https</a:t>
-            </a:r>
-            <a:r>
-              <a:rPr lang="en-US" dirty="0" smtClean="0">
-                <a:hlinkClick r:id="rId2"/>
-              </a:rPr>
-              <a:t>://youtube.com/watch?v=jmEZqBFTNk4</a:t>
-            </a:r>
-            <a:endParaRPr lang="en-US" dirty="0" smtClean="0"/>
+              <a:rPr lang="en-US" dirty="0" smtClean="0"/>
+              <a:t>Back-up</a:t>
+            </a:r>
           </a:p>
           <a:p>
             <a:pPr>
+              <a:lnSpc>
+                <a:spcPct val="100000"/>
+              </a:lnSpc>
+              <a:spcBef>
+                <a:spcPts val="0"/>
+              </a:spcBef>
               <a:spcAft>
-                <a:spcPts val="300"/>
+                <a:spcPts val="0"/>
               </a:spcAft>
             </a:pPr>
-            <a:endParaRPr lang="en-US" dirty="0"/>
+            <a:r>
+              <a:rPr lang="en-US" dirty="0"/>
+              <a:t>Azure </a:t>
+            </a:r>
+            <a:r>
+              <a:rPr lang="en-US" dirty="0" smtClean="0"/>
+              <a:t>Marketplace</a:t>
+            </a:r>
           </a:p>
           <a:p>
             <a:pPr>
+              <a:lnSpc>
+                <a:spcPct val="100000"/>
+              </a:lnSpc>
+              <a:spcBef>
+                <a:spcPts val="0"/>
+              </a:spcBef>
               <a:spcAft>
-                <a:spcPts val="300"/>
+                <a:spcPts val="0"/>
               </a:spcAft>
             </a:pPr>
-            <a:endParaRPr lang="en-US" dirty="0" smtClean="0"/>
-          </a:p>
-          <a:p>
-            <a:pPr>
-              <a:spcAft>
-                <a:spcPts val="300"/>
-              </a:spcAft>
-            </a:pPr>
+            <a:r>
+              <a:rPr lang="en-US" dirty="0" smtClean="0"/>
+              <a:t>Integration with VS</a:t>
+            </a:r>
             <a:endParaRPr lang="en-US" dirty="0"/>
-          </a:p>
-          <a:p>
-            <a:pPr>
-              <a:spcAft>
-                <a:spcPts val="300"/>
-              </a:spcAft>
-            </a:pPr>
-            <a:endParaRPr lang="en-US" dirty="0" smtClean="0"/>
-          </a:p>
-          <a:p>
-            <a:pPr>
-              <a:spcAft>
-                <a:spcPts val="300"/>
-              </a:spcAft>
-            </a:pPr>
-            <a:endParaRPr lang="en-US" dirty="0"/>
-          </a:p>
-          <a:p>
-            <a:pPr>
-              <a:spcAft>
-                <a:spcPts val="300"/>
-              </a:spcAft>
-            </a:pPr>
-            <a:endParaRPr lang="en-US" dirty="0" smtClean="0"/>
-          </a:p>
-          <a:p>
-            <a:pPr>
-              <a:spcAft>
-                <a:spcPts val="300"/>
-              </a:spcAft>
-            </a:pPr>
-            <a:endParaRPr lang="en-US" dirty="0" smtClean="0"/>
           </a:p>
         </p:txBody>
       </p:sp>
@@ -15043,80 +16825,49 @@
       </p:sp>
       <p:pic>
         <p:nvPicPr>
-          <p:cNvPr id="6" name="Picture 5"/>
+          <p:cNvPr id="2050" name="Picture 2" descr="Azure components"/>
           <p:cNvPicPr>
-            <a:picLocks noChangeAspect="1"/>
+            <a:picLocks noChangeAspect="1" noChangeArrowheads="1"/>
           </p:cNvPicPr>
           <p:nvPr/>
         </p:nvPicPr>
         <p:blipFill>
-          <a:blip r:embed="rId3"/>
+          <a:blip r:embed="rId2">
+            <a:extLst>
+              <a:ext uri="{28A0092B-C50C-407E-A947-70E740481C1C}">
+                <a14:useLocalDpi xmlns:a14="http://schemas.microsoft.com/office/drawing/2010/main" val="0"/>
+              </a:ext>
+            </a:extLst>
+          </a:blip>
+          <a:srcRect/>
           <a:stretch>
             <a:fillRect/>
           </a:stretch>
         </p:blipFill>
-        <p:spPr>
+        <p:spPr bwMode="auto">
           <a:xfrm>
-            <a:off x="228600" y="1676400"/>
-            <a:ext cx="2524477" cy="4153480"/>
+            <a:off x="4236396" y="914400"/>
+            <a:ext cx="4679004" cy="5638800"/>
           </a:xfrm>
           <a:prstGeom prst="rect">
             <a:avLst/>
           </a:prstGeom>
-        </p:spPr>
-      </p:pic>
-      <p:pic>
-        <p:nvPicPr>
-          <p:cNvPr id="7" name="Picture 6"/>
-          <p:cNvPicPr>
-            <a:picLocks noChangeAspect="1"/>
-          </p:cNvPicPr>
-          <p:nvPr/>
-        </p:nvPicPr>
-        <p:blipFill>
-          <a:blip r:embed="rId4"/>
-          <a:stretch>
-            <a:fillRect/>
-          </a:stretch>
-        </p:blipFill>
-        <p:spPr>
-          <a:xfrm>
-            <a:off x="2771423" y="1676400"/>
-            <a:ext cx="2524477" cy="4153480"/>
-          </a:xfrm>
-          <a:prstGeom prst="rect">
-            <a:avLst/>
-          </a:prstGeom>
-        </p:spPr>
-      </p:pic>
-      <p:pic>
-        <p:nvPicPr>
-          <p:cNvPr id="9" name="Picture 8"/>
-          <p:cNvPicPr>
-            <a:picLocks noChangeAspect="1"/>
-          </p:cNvPicPr>
-          <p:nvPr/>
-        </p:nvPicPr>
-        <p:blipFill>
-          <a:blip r:embed="rId5"/>
-          <a:stretch>
-            <a:fillRect/>
-          </a:stretch>
-        </p:blipFill>
-        <p:spPr>
-          <a:xfrm>
-            <a:off x="5354456" y="1676400"/>
-            <a:ext cx="3560943" cy="4158448"/>
-          </a:xfrm>
-          <a:prstGeom prst="rect">
-            <a:avLst/>
-          </a:prstGeom>
+          <a:noFill/>
+          <a:extLst>
+            <a:ext uri="{909E8E84-426E-40DD-AFC4-6F175D3DCCD1}">
+              <a14:hiddenFill xmlns:a14="http://schemas.microsoft.com/office/drawing/2010/main">
+                <a:solidFill>
+                  <a:srgbClr val="FFFFFF"/>
+                </a:solidFill>
+              </a14:hiddenFill>
+            </a:ext>
+          </a:extLst>
         </p:spPr>
       </p:pic>
     </p:spTree>
     <p:extLst>
       <p:ext uri="{BB962C8B-B14F-4D97-AF65-F5344CB8AC3E}">
-        <p14:creationId xmlns:p14="http://schemas.microsoft.com/office/powerpoint/2010/main" val="762775429"/>
+        <p14:creationId xmlns:p14="http://schemas.microsoft.com/office/powerpoint/2010/main" val="2328900016"/>
       </p:ext>
     </p:extLst>
   </p:cSld>
@@ -15143,6 +16894,141 @@
           <a:chExt cx="0" cy="0"/>
         </a:xfrm>
       </p:grpSpPr>
+      <p:sp>
+        <p:nvSpPr>
+          <p:cNvPr id="2" name="Title 1"/>
+          <p:cNvSpPr>
+            <a:spLocks noGrp="1"/>
+          </p:cNvSpPr>
+          <p:nvPr>
+            <p:ph type="title"/>
+          </p:nvPr>
+        </p:nvSpPr>
+        <p:spPr/>
+        <p:txBody>
+          <a:bodyPr/>
+          <a:lstStyle/>
+          <a:p>
+            <a:r>
+              <a:rPr lang="en-US" dirty="0" smtClean="0"/>
+              <a:t>Computing</a:t>
+            </a:r>
+            <a:endParaRPr lang="en-US" dirty="0"/>
+          </a:p>
+        </p:txBody>
+      </p:sp>
+      <p:sp>
+        <p:nvSpPr>
+          <p:cNvPr id="3" name="Content Placeholder 2"/>
+          <p:cNvSpPr>
+            <a:spLocks noGrp="1"/>
+          </p:cNvSpPr>
+          <p:nvPr>
+            <p:ph idx="1"/>
+          </p:nvPr>
+        </p:nvSpPr>
+        <p:spPr/>
+        <p:txBody>
+          <a:bodyPr/>
+          <a:lstStyle/>
+          <a:p>
+            <a:pPr>
+              <a:spcAft>
+                <a:spcPts val="300"/>
+              </a:spcAft>
+            </a:pPr>
+            <a:r>
+              <a:rPr lang="en-US" dirty="0" smtClean="0"/>
+              <a:t>Computing cloud solutions provided by Azure:</a:t>
+            </a:r>
+          </a:p>
+          <a:p>
+            <a:pPr>
+              <a:spcAft>
+                <a:spcPts val="300"/>
+              </a:spcAft>
+            </a:pPr>
+            <a:endParaRPr lang="en-US" dirty="0" smtClean="0"/>
+          </a:p>
+          <a:p>
+            <a:pPr>
+              <a:spcAft>
+                <a:spcPts val="300"/>
+              </a:spcAft>
+            </a:pPr>
+            <a:endParaRPr lang="en-US" dirty="0" smtClean="0"/>
+          </a:p>
+          <a:p>
+            <a:pPr>
+              <a:spcAft>
+                <a:spcPts val="300"/>
+              </a:spcAft>
+            </a:pPr>
+            <a:endParaRPr lang="en-US" dirty="0" smtClean="0"/>
+          </a:p>
+          <a:p>
+            <a:pPr>
+              <a:spcAft>
+                <a:spcPts val="300"/>
+              </a:spcAft>
+            </a:pPr>
+            <a:endParaRPr lang="en-US" dirty="0" smtClean="0"/>
+          </a:p>
+          <a:p>
+            <a:pPr>
+              <a:spcAft>
+                <a:spcPts val="300"/>
+              </a:spcAft>
+            </a:pPr>
+            <a:endParaRPr lang="en-US" dirty="0" smtClean="0"/>
+          </a:p>
+          <a:p>
+            <a:pPr>
+              <a:spcAft>
+                <a:spcPts val="300"/>
+              </a:spcAft>
+            </a:pPr>
+            <a:endParaRPr lang="en-US" dirty="0" smtClean="0"/>
+          </a:p>
+          <a:p>
+            <a:pPr>
+              <a:spcAft>
+                <a:spcPts val="300"/>
+              </a:spcAft>
+            </a:pPr>
+            <a:endParaRPr lang="en-US" dirty="0" smtClean="0"/>
+          </a:p>
+        </p:txBody>
+      </p:sp>
+      <p:sp>
+        <p:nvSpPr>
+          <p:cNvPr id="4" name="Slide Number Placeholder 3"/>
+          <p:cNvSpPr>
+            <a:spLocks noGrp="1"/>
+          </p:cNvSpPr>
+          <p:nvPr>
+            <p:ph type="sldNum" sz="quarter" idx="10"/>
+          </p:nvPr>
+        </p:nvSpPr>
+        <p:spPr/>
+        <p:txBody>
+          <a:bodyPr/>
+          <a:lstStyle/>
+          <a:p>
+            <a:pPr>
+              <a:defRPr/>
+            </a:pPr>
+            <a:fld id="{58452FF4-89E3-4D1B-9927-2DBDC00E58D7}" type="slidenum">
+              <a:rPr lang="en-US" smtClean="0"/>
+              <a:pPr>
+                <a:defRPr/>
+              </a:pPr>
+              <a:t>9</a:t>
+            </a:fld>
+            <a:endParaRPr lang="en-US" dirty="0"/>
+          </a:p>
+        </p:txBody>
+      </p:sp>
       <p:pic>
         <p:nvPicPr>
           <p:cNvPr id="6" name="Picture 5"/>
@@ -15159,123 +17045,66 @@
         </p:blipFill>
         <p:spPr>
           <a:xfrm>
-            <a:off x="1809750" y="762000"/>
-            <a:ext cx="5524500" cy="3316134"/>
+            <a:off x="228600" y="1676400"/>
+            <a:ext cx="2524477" cy="4153480"/>
           </a:xfrm>
-          <a:prstGeom prst="roundRect">
-            <a:avLst>
-              <a:gd name="adj" fmla="val 552"/>
-            </a:avLst>
+          <a:prstGeom prst="rect">
+            <a:avLst/>
           </a:prstGeom>
-          <a:solidFill>
-            <a:srgbClr val="FFFFFF">
-              <a:shade val="85000"/>
-            </a:srgbClr>
-          </a:solidFill>
-          <a:ln>
-            <a:noFill/>
-          </a:ln>
-          <a:effectLst>
-            <a:reflection blurRad="12700" stA="38000" endPos="28000" dist="5000" dir="5400000" sy="-100000" algn="bl" rotWithShape="0"/>
-          </a:effectLst>
         </p:spPr>
       </p:pic>
-      <p:sp>
-        <p:nvSpPr>
-          <p:cNvPr id="2" name="Title 1"/>
-          <p:cNvSpPr>
-            <a:spLocks noGrp="1"/>
-          </p:cNvSpPr>
-          <p:nvPr>
-            <p:ph type="ctrTitle"/>
-          </p:nvPr>
-        </p:nvSpPr>
+      <p:pic>
+        <p:nvPicPr>
+          <p:cNvPr id="7" name="Picture 6"/>
+          <p:cNvPicPr>
+            <a:picLocks noChangeAspect="1"/>
+          </p:cNvPicPr>
+          <p:nvPr/>
+        </p:nvPicPr>
+        <p:blipFill>
+          <a:blip r:embed="rId3"/>
+          <a:stretch>
+            <a:fillRect/>
+          </a:stretch>
+        </p:blipFill>
         <p:spPr>
           <a:xfrm>
-            <a:off x="609600" y="4191000"/>
-            <a:ext cx="7924800" cy="685800"/>
+            <a:off x="2771423" y="1676400"/>
+            <a:ext cx="2524477" cy="4153480"/>
           </a:xfrm>
+          <a:prstGeom prst="rect">
+            <a:avLst/>
+          </a:prstGeom>
         </p:spPr>
-        <p:txBody>
-          <a:bodyPr/>
-          <a:lstStyle/>
-          <a:p>
-            <a:r>
-              <a:rPr lang="en-US" dirty="0"/>
-              <a:t>Demo: </a:t>
-            </a:r>
-            <a:r>
-              <a:rPr lang="en-US" dirty="0" smtClean="0"/>
-              <a:t>Windows Server VM</a:t>
-            </a:r>
-            <a:endParaRPr lang="en-US" dirty="0"/>
-          </a:p>
-        </p:txBody>
-      </p:sp>
-      <p:sp>
-        <p:nvSpPr>
-          <p:cNvPr id="3" name="Content Placeholder 2"/>
-          <p:cNvSpPr>
-            <a:spLocks noGrp="1"/>
-          </p:cNvSpPr>
-          <p:nvPr>
-            <p:ph type="subTitle" idx="1"/>
-          </p:nvPr>
-        </p:nvSpPr>
+      </p:pic>
+      <p:pic>
+        <p:nvPicPr>
+          <p:cNvPr id="9" name="Picture 8"/>
+          <p:cNvPicPr>
+            <a:picLocks noChangeAspect="1"/>
+          </p:cNvPicPr>
+          <p:nvPr/>
+        </p:nvPicPr>
+        <p:blipFill>
+          <a:blip r:embed="rId4"/>
+          <a:stretch>
+            <a:fillRect/>
+          </a:stretch>
+        </p:blipFill>
         <p:spPr>
           <a:xfrm>
-            <a:off x="609600" y="4917279"/>
-            <a:ext cx="7924800" cy="1483520"/>
+            <a:off x="5354457" y="1676400"/>
+            <a:ext cx="3556689" cy="4153480"/>
           </a:xfrm>
+          <a:prstGeom prst="rect">
+            <a:avLst/>
+          </a:prstGeom>
         </p:spPr>
-        <p:txBody>
-          <a:bodyPr/>
-          <a:lstStyle/>
-          <a:p>
-            <a:pPr marL="514350" indent="-514350">
-              <a:buFont typeface="+mj-lt"/>
-              <a:buAutoNum type="arabicPeriod"/>
-            </a:pPr>
-            <a:r>
-              <a:rPr lang="en-US" dirty="0" smtClean="0"/>
-              <a:t>Create </a:t>
-            </a:r>
-            <a:r>
-              <a:rPr lang="en-US" dirty="0"/>
-              <a:t>Windows Server VM</a:t>
-            </a:r>
-          </a:p>
-          <a:p>
-            <a:pPr marL="514350" indent="-514350">
-              <a:buFont typeface="+mj-lt"/>
-              <a:buAutoNum type="arabicPeriod"/>
-            </a:pPr>
-            <a:r>
-              <a:rPr lang="en-US" dirty="0"/>
-              <a:t>Connect using Remote Desktop</a:t>
-            </a:r>
-          </a:p>
-          <a:p>
-            <a:pPr marL="514350" indent="-514350">
-              <a:buFont typeface="+mj-lt"/>
-              <a:buAutoNum type="arabicPeriod"/>
-            </a:pPr>
-            <a:r>
-              <a:rPr lang="en-US" dirty="0"/>
-              <a:t>Manage the Virtual </a:t>
-            </a:r>
-            <a:r>
-              <a:rPr lang="en-US" dirty="0" smtClean="0"/>
-              <a:t>Machine</a:t>
-            </a:r>
-            <a:endParaRPr lang="en-US" dirty="0"/>
-          </a:p>
-        </p:txBody>
-      </p:sp>
+      </p:pic>
     </p:spTree>
     <p:extLst>
       <p:ext uri="{BB962C8B-B14F-4D97-AF65-F5344CB8AC3E}">
-        <p14:creationId xmlns:p14="http://schemas.microsoft.com/office/powerpoint/2010/main" val="1747153973"/>
+        <p14:creationId xmlns:p14="http://schemas.microsoft.com/office/powerpoint/2010/main" val="762775429"/>
       </p:ext>
     </p:extLst>
   </p:cSld>

--- a/09. Intro-to-Azure/Intro-to-Azure.pptx
+++ b/09. Intro-to-Azure/Intro-to-Azure.pptx
@@ -5,10 +5,10 @@
     <p:sldMasterId id="2147483705" r:id="rId1"/>
   </p:sldMasterIdLst>
   <p:notesMasterIdLst>
-    <p:notesMasterId r:id="rId23"/>
+    <p:notesMasterId r:id="rId25"/>
   </p:notesMasterIdLst>
   <p:handoutMasterIdLst>
-    <p:handoutMasterId r:id="rId24"/>
+    <p:handoutMasterId r:id="rId26"/>
   </p:handoutMasterIdLst>
   <p:sldIdLst>
     <p:sldId id="570" r:id="rId2"/>
@@ -23,20 +23,22 @@
     <p:sldId id="590" r:id="rId11"/>
     <p:sldId id="579" r:id="rId12"/>
     <p:sldId id="593" r:id="rId13"/>
-    <p:sldId id="580" r:id="rId14"/>
-    <p:sldId id="581" r:id="rId15"/>
-    <p:sldId id="594" r:id="rId16"/>
-    <p:sldId id="582" r:id="rId17"/>
-    <p:sldId id="584" r:id="rId18"/>
-    <p:sldId id="578" r:id="rId19"/>
-    <p:sldId id="577" r:id="rId20"/>
-    <p:sldId id="571" r:id="rId21"/>
-    <p:sldId id="333" r:id="rId22"/>
+    <p:sldId id="596" r:id="rId14"/>
+    <p:sldId id="580" r:id="rId15"/>
+    <p:sldId id="595" r:id="rId16"/>
+    <p:sldId id="581" r:id="rId17"/>
+    <p:sldId id="594" r:id="rId18"/>
+    <p:sldId id="597" r:id="rId19"/>
+    <p:sldId id="578" r:id="rId20"/>
+    <p:sldId id="577" r:id="rId21"/>
+    <p:sldId id="584" r:id="rId22"/>
+    <p:sldId id="571" r:id="rId23"/>
+    <p:sldId id="333" r:id="rId24"/>
   </p:sldIdLst>
   <p:sldSz cx="9144000" cy="6858000" type="screen4x3"/>
   <p:notesSz cx="6881813" cy="9296400"/>
   <p:custDataLst>
-    <p:tags r:id="rId25"/>
+    <p:tags r:id="rId27"/>
   </p:custDataLst>
   <p:defaultTextStyle>
     <a:defPPr>
@@ -190,19 +192,29 @@
             <p14:sldId id="593"/>
           </p14:sldIdLst>
         </p14:section>
+        <p14:section name="Data + Storage" id="{B53EDB20-1118-4A69-B27D-E9A282CF3794}">
+          <p14:sldIdLst>
+            <p14:sldId id="596"/>
+          </p14:sldIdLst>
+        </p14:section>
         <p14:section name="Web + Mobile" id="{224B9521-D9FD-466D-9DB2-6415D0CB99F0}">
           <p14:sldIdLst>
             <p14:sldId id="580"/>
+            <p14:sldId id="595"/>
             <p14:sldId id="581"/>
             <p14:sldId id="594"/>
           </p14:sldIdLst>
         </p14:section>
-        <p14:section name="Untitled Section" id="{164B0FBF-03F5-4A62-82DE-D3EE89C6F66C}">
+        <p14:section name="Data, Analytics and IoT" id="{9588CB3F-833D-4C9E-BFC6-52C07D6A35D8}">
           <p14:sldIdLst>
-            <p14:sldId id="582"/>
-            <p14:sldId id="584"/>
+            <p14:sldId id="597"/>
+          </p14:sldIdLst>
+        </p14:section>
+        <p14:section name="Untitled Section" id="{A91B62CF-D1E6-486B-8B7B-CCD1A93A836D}">
+          <p14:sldIdLst>
             <p14:sldId id="578"/>
             <p14:sldId id="577"/>
+            <p14:sldId id="584"/>
           </p14:sldIdLst>
         </p14:section>
         <p14:section name="Questions" id="{8D72C05E-39A0-4D2C-9043-EFF11327E274}">
@@ -12453,11 +12465,7 @@
           <a:p>
             <a:r>
               <a:rPr lang="en-US" dirty="0" smtClean="0"/>
-              <a:t>Azure Virtual </a:t>
-            </a:r>
-            <a:r>
-              <a:rPr lang="en-US" dirty="0" smtClean="0"/>
-              <a:t>Machines</a:t>
+              <a:t>Azure Virtual Machines</a:t>
             </a:r>
             <a:endParaRPr lang="en-US" dirty="0"/>
           </a:p>
@@ -12926,15 +12934,7 @@
             </a:r>
             <a:r>
               <a:rPr lang="en-US" dirty="0" smtClean="0"/>
-              <a:t>Server </a:t>
-            </a:r>
-            <a:r>
-              <a:rPr lang="en-US" dirty="0" smtClean="0"/>
-              <a:t>(and Ubuntu</a:t>
-            </a:r>
-            <a:r>
-              <a:rPr lang="en-US" dirty="0" smtClean="0"/>
-              <a:t>) </a:t>
+              <a:t>Server (and Ubuntu) </a:t>
             </a:r>
             <a:r>
               <a:rPr lang="en-US" dirty="0"/>
@@ -13196,6 +13196,333 @@
 </file>
 
 <file path=ppt/slides/slide13.xml><?xml version="1.0" encoding="utf-8"?>
+<p:sld xmlns:a="http://schemas.openxmlformats.org/drawingml/2006/main" xmlns:r="http://schemas.openxmlformats.org/officeDocument/2006/relationships" xmlns:p="http://schemas.openxmlformats.org/presentationml/2006/main">
+  <p:cSld>
+    <p:spTree>
+      <p:nvGrpSpPr>
+        <p:cNvPr id="1" name=""/>
+        <p:cNvGrpSpPr/>
+        <p:nvPr/>
+      </p:nvGrpSpPr>
+      <p:grpSpPr>
+        <a:xfrm>
+          <a:off x="0" y="0"/>
+          <a:ext cx="0" cy="0"/>
+          <a:chOff x="0" y="0"/>
+          <a:chExt cx="0" cy="0"/>
+        </a:xfrm>
+      </p:grpSpPr>
+      <p:sp>
+        <p:nvSpPr>
+          <p:cNvPr id="2" name="Title 1"/>
+          <p:cNvSpPr>
+            <a:spLocks noGrp="1"/>
+          </p:cNvSpPr>
+          <p:nvPr>
+            <p:ph type="title"/>
+          </p:nvPr>
+        </p:nvSpPr>
+        <p:spPr/>
+        <p:txBody>
+          <a:bodyPr/>
+          <a:lstStyle/>
+          <a:p>
+            <a:r>
+              <a:rPr lang="en-US" dirty="0" smtClean="0"/>
+              <a:t>Data + Storage</a:t>
+            </a:r>
+            <a:endParaRPr lang="en-US" dirty="0"/>
+          </a:p>
+        </p:txBody>
+      </p:sp>
+      <p:sp>
+        <p:nvSpPr>
+          <p:cNvPr id="3" name="Content Placeholder 2"/>
+          <p:cNvSpPr>
+            <a:spLocks noGrp="1"/>
+          </p:cNvSpPr>
+          <p:nvPr>
+            <p:ph idx="1"/>
+          </p:nvPr>
+        </p:nvSpPr>
+        <p:spPr/>
+        <p:txBody>
+          <a:bodyPr/>
+          <a:lstStyle/>
+          <a:p>
+            <a:pPr>
+              <a:spcBef>
+                <a:spcPts val="300"/>
+              </a:spcBef>
+              <a:spcAft>
+                <a:spcPts val="300"/>
+              </a:spcAft>
+            </a:pPr>
+            <a:endParaRPr lang="en-US" dirty="0" smtClean="0"/>
+          </a:p>
+          <a:p>
+            <a:pPr>
+              <a:spcBef>
+                <a:spcPts val="300"/>
+              </a:spcBef>
+              <a:spcAft>
+                <a:spcPts val="300"/>
+              </a:spcAft>
+            </a:pPr>
+            <a:endParaRPr lang="en-US" dirty="0"/>
+          </a:p>
+          <a:p>
+            <a:pPr>
+              <a:spcBef>
+                <a:spcPts val="300"/>
+              </a:spcBef>
+              <a:spcAft>
+                <a:spcPts val="300"/>
+              </a:spcAft>
+            </a:pPr>
+            <a:endParaRPr lang="en-US" dirty="0" smtClean="0"/>
+          </a:p>
+          <a:p>
+            <a:pPr>
+              <a:spcBef>
+                <a:spcPts val="300"/>
+              </a:spcBef>
+              <a:spcAft>
+                <a:spcPts val="300"/>
+              </a:spcAft>
+            </a:pPr>
+            <a:endParaRPr lang="en-US" dirty="0"/>
+          </a:p>
+          <a:p>
+            <a:pPr>
+              <a:spcBef>
+                <a:spcPts val="300"/>
+              </a:spcBef>
+              <a:spcAft>
+                <a:spcPts val="300"/>
+              </a:spcAft>
+            </a:pPr>
+            <a:endParaRPr lang="en-US" dirty="0" smtClean="0"/>
+          </a:p>
+          <a:p>
+            <a:pPr>
+              <a:spcBef>
+                <a:spcPts val="300"/>
+              </a:spcBef>
+              <a:spcAft>
+                <a:spcPts val="300"/>
+              </a:spcAft>
+            </a:pPr>
+            <a:endParaRPr lang="en-US" dirty="0" smtClean="0"/>
+          </a:p>
+          <a:p>
+            <a:pPr>
+              <a:spcBef>
+                <a:spcPts val="300"/>
+              </a:spcBef>
+              <a:spcAft>
+                <a:spcPts val="300"/>
+              </a:spcAft>
+            </a:pPr>
+            <a:endParaRPr lang="en-US" dirty="0"/>
+          </a:p>
+          <a:p>
+            <a:pPr>
+              <a:spcBef>
+                <a:spcPts val="300"/>
+              </a:spcBef>
+              <a:spcAft>
+                <a:spcPts val="300"/>
+              </a:spcAft>
+            </a:pPr>
+            <a:r>
+              <a:rPr lang="en-US" sz="3000" dirty="0">
+                <a:hlinkClick r:id="rId2"/>
+              </a:rPr>
+              <a:t>https</a:t>
+            </a:r>
+            <a:r>
+              <a:rPr lang="en-US" sz="3000" dirty="0" smtClean="0">
+                <a:hlinkClick r:id="rId2"/>
+              </a:rPr>
+              <a:t>://youtube.com/watch?v=kukyVj9rQ1Y</a:t>
+            </a:r>
+            <a:endParaRPr lang="en-US" sz="3000" dirty="0" smtClean="0"/>
+          </a:p>
+          <a:p>
+            <a:pPr>
+              <a:spcBef>
+                <a:spcPts val="300"/>
+              </a:spcBef>
+              <a:spcAft>
+                <a:spcPts val="300"/>
+              </a:spcAft>
+            </a:pPr>
+            <a:r>
+              <a:rPr lang="en-US" sz="3000" dirty="0">
+                <a:hlinkClick r:id="rId3"/>
+              </a:rPr>
+              <a:t>https</a:t>
+            </a:r>
+            <a:r>
+              <a:rPr lang="en-US" sz="3000" dirty="0" smtClean="0">
+                <a:hlinkClick r:id="rId3"/>
+              </a:rPr>
+              <a:t>://youtube.com/watch?v=Nn4_EdyN6FM</a:t>
+            </a:r>
+            <a:endParaRPr lang="en-US" sz="3000" dirty="0" smtClean="0"/>
+          </a:p>
+          <a:p>
+            <a:pPr>
+              <a:spcBef>
+                <a:spcPts val="300"/>
+              </a:spcBef>
+              <a:spcAft>
+                <a:spcPts val="300"/>
+              </a:spcAft>
+            </a:pPr>
+            <a:r>
+              <a:rPr lang="en-US" sz="3000" dirty="0">
+                <a:hlinkClick r:id="rId4"/>
+              </a:rPr>
+              <a:t>https</a:t>
+            </a:r>
+            <a:r>
+              <a:rPr lang="en-US" sz="3000" dirty="0" smtClean="0">
+                <a:hlinkClick r:id="rId4"/>
+              </a:rPr>
+              <a:t>://youtube.com/watch?v=FWGtgpzjAPM</a:t>
+            </a:r>
+            <a:endParaRPr lang="en-US" sz="3000" dirty="0" smtClean="0"/>
+          </a:p>
+          <a:p>
+            <a:pPr>
+              <a:spcBef>
+                <a:spcPts val="300"/>
+              </a:spcBef>
+              <a:spcAft>
+                <a:spcPts val="300"/>
+              </a:spcAft>
+            </a:pPr>
+            <a:endParaRPr lang="en-US" sz="3000" dirty="0"/>
+          </a:p>
+        </p:txBody>
+      </p:sp>
+      <p:sp>
+        <p:nvSpPr>
+          <p:cNvPr id="4" name="Slide Number Placeholder 3"/>
+          <p:cNvSpPr>
+            <a:spLocks noGrp="1"/>
+          </p:cNvSpPr>
+          <p:nvPr>
+            <p:ph type="sldNum" sz="quarter" idx="10"/>
+          </p:nvPr>
+        </p:nvSpPr>
+        <p:spPr/>
+        <p:txBody>
+          <a:bodyPr/>
+          <a:lstStyle/>
+          <a:p>
+            <a:pPr>
+              <a:defRPr/>
+            </a:pPr>
+            <a:fld id="{58452FF4-89E3-4D1B-9927-2DBDC00E58D7}" type="slidenum">
+              <a:rPr lang="en-US" smtClean="0"/>
+              <a:pPr>
+                <a:defRPr/>
+              </a:pPr>
+              <a:t>13</a:t>
+            </a:fld>
+            <a:endParaRPr lang="en-US" dirty="0"/>
+          </a:p>
+        </p:txBody>
+      </p:sp>
+      <p:pic>
+        <p:nvPicPr>
+          <p:cNvPr id="5" name="Picture 4"/>
+          <p:cNvPicPr>
+            <a:picLocks noChangeAspect="1"/>
+          </p:cNvPicPr>
+          <p:nvPr/>
+        </p:nvPicPr>
+        <p:blipFill>
+          <a:blip r:embed="rId5"/>
+          <a:stretch>
+            <a:fillRect/>
+          </a:stretch>
+        </p:blipFill>
+        <p:spPr>
+          <a:xfrm>
+            <a:off x="457200" y="868680"/>
+            <a:ext cx="2524477" cy="4153480"/>
+          </a:xfrm>
+          <a:prstGeom prst="rect">
+            <a:avLst/>
+          </a:prstGeom>
+        </p:spPr>
+      </p:pic>
+      <p:pic>
+        <p:nvPicPr>
+          <p:cNvPr id="6" name="Picture 5"/>
+          <p:cNvPicPr>
+            <a:picLocks noChangeAspect="1"/>
+          </p:cNvPicPr>
+          <p:nvPr/>
+        </p:nvPicPr>
+        <p:blipFill>
+          <a:blip r:embed="rId6"/>
+          <a:stretch>
+            <a:fillRect/>
+          </a:stretch>
+        </p:blipFill>
+        <p:spPr>
+          <a:xfrm>
+            <a:off x="3102833" y="868680"/>
+            <a:ext cx="2524477" cy="4153480"/>
+          </a:xfrm>
+          <a:prstGeom prst="rect">
+            <a:avLst/>
+          </a:prstGeom>
+        </p:spPr>
+      </p:pic>
+      <p:pic>
+        <p:nvPicPr>
+          <p:cNvPr id="7" name="Picture 6"/>
+          <p:cNvPicPr>
+            <a:picLocks noChangeAspect="1"/>
+          </p:cNvPicPr>
+          <p:nvPr/>
+        </p:nvPicPr>
+        <p:blipFill>
+          <a:blip r:embed="rId7"/>
+          <a:stretch>
+            <a:fillRect/>
+          </a:stretch>
+        </p:blipFill>
+        <p:spPr>
+          <a:xfrm>
+            <a:off x="5748466" y="869260"/>
+            <a:ext cx="2862134" cy="4152900"/>
+          </a:xfrm>
+          <a:prstGeom prst="rect">
+            <a:avLst/>
+          </a:prstGeom>
+        </p:spPr>
+      </p:pic>
+    </p:spTree>
+    <p:extLst>
+      <p:ext uri="{BB962C8B-B14F-4D97-AF65-F5344CB8AC3E}">
+        <p14:creationId xmlns:p14="http://schemas.microsoft.com/office/powerpoint/2010/main" val="1478838746"/>
+      </p:ext>
+    </p:extLst>
+  </p:cSld>
+  <p:clrMapOvr>
+    <a:masterClrMapping/>
+  </p:clrMapOvr>
+</p:sld>
+</file>
+
+<file path=ppt/slides/slide14.xml><?xml version="1.0" encoding="utf-8"?>
 <p:sld xmlns:a="http://schemas.openxmlformats.org/drawingml/2006/main" xmlns:r="http://schemas.openxmlformats.org/officeDocument/2006/relationships" xmlns:p="http://schemas.openxmlformats.org/presentationml/2006/main">
   <p:cSld>
     <p:spTree>
@@ -13361,7 +13688,305 @@
 </p:sld>
 </file>
 
-<file path=ppt/slides/slide14.xml><?xml version="1.0" encoding="utf-8"?>
+<file path=ppt/slides/slide15.xml><?xml version="1.0" encoding="utf-8"?>
+<p:sld xmlns:a="http://schemas.openxmlformats.org/drawingml/2006/main" xmlns:r="http://schemas.openxmlformats.org/officeDocument/2006/relationships" xmlns:p="http://schemas.openxmlformats.org/presentationml/2006/main">
+  <p:cSld>
+    <p:spTree>
+      <p:nvGrpSpPr>
+        <p:cNvPr id="1" name=""/>
+        <p:cNvGrpSpPr/>
+        <p:nvPr/>
+      </p:nvGrpSpPr>
+      <p:grpSpPr>
+        <a:xfrm>
+          <a:off x="0" y="0"/>
+          <a:ext cx="0" cy="0"/>
+          <a:chOff x="0" y="0"/>
+          <a:chExt cx="0" cy="0"/>
+        </a:xfrm>
+      </p:grpSpPr>
+      <p:sp>
+        <p:nvSpPr>
+          <p:cNvPr id="2" name="Title 1"/>
+          <p:cNvSpPr>
+            <a:spLocks noGrp="1"/>
+          </p:cNvSpPr>
+          <p:nvPr>
+            <p:ph type="title"/>
+          </p:nvPr>
+        </p:nvSpPr>
+        <p:spPr/>
+        <p:txBody>
+          <a:bodyPr/>
+          <a:lstStyle/>
+          <a:p>
+            <a:r>
+              <a:rPr lang="en-US" dirty="0" smtClean="0"/>
+              <a:t>Web Applications</a:t>
+            </a:r>
+            <a:endParaRPr lang="en-US" dirty="0"/>
+          </a:p>
+        </p:txBody>
+      </p:sp>
+      <p:sp>
+        <p:nvSpPr>
+          <p:cNvPr id="3" name="Content Placeholder 2"/>
+          <p:cNvSpPr>
+            <a:spLocks noGrp="1"/>
+          </p:cNvSpPr>
+          <p:nvPr>
+            <p:ph idx="1"/>
+          </p:nvPr>
+        </p:nvSpPr>
+        <p:spPr>
+          <a:xfrm>
+            <a:off x="228600" y="762000"/>
+            <a:ext cx="8686800" cy="5867400"/>
+          </a:xfrm>
+        </p:spPr>
+        <p:txBody>
+          <a:bodyPr/>
+          <a:lstStyle/>
+          <a:p>
+            <a:pPr>
+              <a:spcBef>
+                <a:spcPts val="0"/>
+              </a:spcBef>
+              <a:spcAft>
+                <a:spcPts val="300"/>
+              </a:spcAft>
+            </a:pPr>
+            <a:r>
+              <a:rPr lang="en-US" sz="3000" dirty="0"/>
+              <a:t>One of the most common </a:t>
+            </a:r>
+            <a:r>
+              <a:rPr lang="en-US" sz="3000" dirty="0" smtClean="0"/>
+              <a:t>things to</a:t>
+            </a:r>
+            <a:br>
+              <a:rPr lang="en-US" sz="3000" dirty="0" smtClean="0"/>
+            </a:br>
+            <a:r>
+              <a:rPr lang="en-US" sz="3000" dirty="0" smtClean="0"/>
+              <a:t>do </a:t>
+            </a:r>
+            <a:r>
+              <a:rPr lang="en-US" sz="3000" dirty="0"/>
+              <a:t>in the cloud is </a:t>
+            </a:r>
+            <a:r>
+              <a:rPr lang="en-US" sz="3000" dirty="0" smtClean="0"/>
+              <a:t>to run web apps</a:t>
+            </a:r>
+          </a:p>
+          <a:p>
+            <a:pPr lvl="1">
+              <a:spcBef>
+                <a:spcPts val="0"/>
+              </a:spcBef>
+              <a:spcAft>
+                <a:spcPts val="300"/>
+              </a:spcAft>
+            </a:pPr>
+            <a:r>
+              <a:rPr lang="en-US" sz="2800" dirty="0" smtClean="0"/>
+              <a:t>VM can do the work </a:t>
+            </a:r>
+            <a:r>
+              <a:rPr lang="en-US" sz="2800" dirty="0"/>
+              <a:t>but </a:t>
+            </a:r>
+            <a:r>
+              <a:rPr lang="en-US" sz="2800" dirty="0" smtClean="0"/>
+              <a:t>it leaves</a:t>
+            </a:r>
+            <a:br>
+              <a:rPr lang="en-US" sz="2800" dirty="0" smtClean="0"/>
+            </a:br>
+            <a:r>
+              <a:rPr lang="en-US" sz="2800" dirty="0" smtClean="0"/>
+              <a:t>you </a:t>
+            </a:r>
+            <a:r>
+              <a:rPr lang="en-US" sz="2800" dirty="0"/>
+              <a:t>with the </a:t>
+            </a:r>
+            <a:r>
+              <a:rPr lang="en-US" sz="2800" dirty="0" smtClean="0"/>
+              <a:t>administering</a:t>
+            </a:r>
+          </a:p>
+          <a:p>
+            <a:pPr>
+              <a:spcBef>
+                <a:spcPts val="0"/>
+              </a:spcBef>
+              <a:spcAft>
+                <a:spcPts val="300"/>
+              </a:spcAft>
+            </a:pPr>
+            <a:r>
+              <a:rPr lang="en-US" sz="3000" dirty="0"/>
+              <a:t>This compute model offers </a:t>
+            </a:r>
+            <a:r>
+              <a:rPr lang="en-US" sz="3000" dirty="0" smtClean="0"/>
+              <a:t>a</a:t>
+            </a:r>
+            <a:br>
+              <a:rPr lang="en-US" sz="3000" dirty="0" smtClean="0"/>
+            </a:br>
+            <a:r>
+              <a:rPr lang="en-US" sz="3000" dirty="0" smtClean="0"/>
+              <a:t>managed </a:t>
+            </a:r>
+            <a:r>
+              <a:rPr lang="en-US" sz="3000" dirty="0"/>
+              <a:t>web </a:t>
+            </a:r>
+            <a:r>
+              <a:rPr lang="en-US" sz="3000" dirty="0" smtClean="0"/>
+              <a:t>environment</a:t>
+            </a:r>
+          </a:p>
+          <a:p>
+            <a:pPr lvl="1">
+              <a:spcBef>
+                <a:spcPts val="0"/>
+              </a:spcBef>
+              <a:spcAft>
+                <a:spcPts val="300"/>
+              </a:spcAft>
+            </a:pPr>
+            <a:r>
+              <a:rPr lang="en-US" sz="2800" dirty="0" smtClean="0"/>
+              <a:t>Easy deploying with Visual Studio</a:t>
+            </a:r>
+            <a:br>
+              <a:rPr lang="en-US" sz="2800" dirty="0" smtClean="0"/>
+            </a:br>
+            <a:r>
+              <a:rPr lang="en-US" sz="2800" dirty="0"/>
+              <a:t>and Continuous Deployment</a:t>
+            </a:r>
+            <a:endParaRPr lang="en-US" sz="2800" dirty="0" smtClean="0"/>
+          </a:p>
+          <a:p>
+            <a:pPr lvl="1">
+              <a:spcBef>
+                <a:spcPts val="0"/>
+              </a:spcBef>
+              <a:spcAft>
+                <a:spcPts val="300"/>
+              </a:spcAft>
+            </a:pPr>
+            <a:r>
+              <a:rPr lang="en-US" sz="2800" dirty="0" smtClean="0"/>
+              <a:t>Management Portal and API</a:t>
+            </a:r>
+          </a:p>
+          <a:p>
+            <a:pPr lvl="1">
+              <a:spcBef>
+                <a:spcPts val="0"/>
+              </a:spcBef>
+              <a:spcAft>
+                <a:spcPts val="300"/>
+              </a:spcAft>
+            </a:pPr>
+            <a:r>
+              <a:rPr lang="en-US" sz="2800" dirty="0" smtClean="0"/>
+              <a:t>Scaling and Load Balancing</a:t>
+            </a:r>
+          </a:p>
+          <a:p>
+            <a:pPr>
+              <a:spcBef>
+                <a:spcPts val="0"/>
+              </a:spcBef>
+              <a:spcAft>
+                <a:spcPts val="300"/>
+              </a:spcAft>
+            </a:pPr>
+            <a:r>
+              <a:rPr lang="en-US" sz="3000" dirty="0" smtClean="0"/>
+              <a:t>Supports </a:t>
+            </a:r>
+            <a:r>
+              <a:rPr lang="en-US" sz="3000" dirty="0"/>
+              <a:t>.NET, PHP, Node.js, Java and Python along with SQL Database and MySQL</a:t>
+            </a:r>
+          </a:p>
+        </p:txBody>
+      </p:sp>
+      <p:sp>
+        <p:nvSpPr>
+          <p:cNvPr id="4" name="Slide Number Placeholder 3"/>
+          <p:cNvSpPr>
+            <a:spLocks noGrp="1"/>
+          </p:cNvSpPr>
+          <p:nvPr>
+            <p:ph type="sldNum" sz="quarter" idx="10"/>
+          </p:nvPr>
+        </p:nvSpPr>
+        <p:spPr/>
+        <p:txBody>
+          <a:bodyPr/>
+          <a:lstStyle/>
+          <a:p>
+            <a:pPr>
+              <a:defRPr/>
+            </a:pPr>
+            <a:fld id="{58452FF4-89E3-4D1B-9927-2DBDC00E58D7}" type="slidenum">
+              <a:rPr lang="en-US" smtClean="0"/>
+              <a:pPr>
+                <a:defRPr/>
+              </a:pPr>
+              <a:t>15</a:t>
+            </a:fld>
+            <a:endParaRPr lang="en-US" dirty="0"/>
+          </a:p>
+        </p:txBody>
+      </p:sp>
+      <p:pic>
+        <p:nvPicPr>
+          <p:cNvPr id="8" name="Picture 7"/>
+          <p:cNvPicPr>
+            <a:picLocks noChangeAspect="1"/>
+          </p:cNvPicPr>
+          <p:nvPr/>
+        </p:nvPicPr>
+        <p:blipFill>
+          <a:blip r:embed="rId2"/>
+          <a:stretch>
+            <a:fillRect/>
+          </a:stretch>
+        </p:blipFill>
+        <p:spPr>
+          <a:xfrm>
+            <a:off x="6524291" y="990600"/>
+            <a:ext cx="2391109" cy="4382112"/>
+          </a:xfrm>
+          <a:prstGeom prst="rect">
+            <a:avLst/>
+          </a:prstGeom>
+        </p:spPr>
+      </p:pic>
+    </p:spTree>
+    <p:extLst>
+      <p:ext uri="{BB962C8B-B14F-4D97-AF65-F5344CB8AC3E}">
+        <p14:creationId xmlns:p14="http://schemas.microsoft.com/office/powerpoint/2010/main" val="2683250439"/>
+      </p:ext>
+    </p:extLst>
+  </p:cSld>
+  <p:clrMapOvr>
+    <a:masterClrMapping/>
+  </p:clrMapOvr>
+</p:sld>
+</file>
+
+<file path=ppt/slides/slide16.xml><?xml version="1.0" encoding="utf-8"?>
 <p:sld xmlns:a="http://schemas.openxmlformats.org/drawingml/2006/main" xmlns:r="http://schemas.openxmlformats.org/officeDocument/2006/relationships" xmlns:p="http://schemas.openxmlformats.org/presentationml/2006/main">
   <p:cSld>
     <p:spTree>
@@ -13441,11 +14066,7 @@
             </a:r>
             <a:r>
               <a:rPr lang="en-US" sz="3600" dirty="0" smtClean="0"/>
-              <a:t>ASP.NET Web API and MVC </a:t>
-            </a:r>
-            <a:r>
-              <a:rPr lang="en-US" sz="3600" dirty="0" smtClean="0"/>
-              <a:t>in Azure</a:t>
+              <a:t>ASP.NET Web API and MVC in Azure</a:t>
             </a:r>
             <a:endParaRPr lang="en-US" sz="3600" dirty="0"/>
           </a:p>
@@ -13503,7 +14124,6 @@
               <a:rPr lang="en-US" dirty="0" smtClean="0"/>
               <a:t>Attach Azure Publish Profile</a:t>
             </a:r>
-            <a:endParaRPr lang="en-US" dirty="0" smtClean="0"/>
           </a:p>
           <a:p>
             <a:pPr marL="514350" indent="-514350">
@@ -13547,7 +14167,7 @@
 </p:sld>
 </file>
 
-<file path=ppt/slides/slide15.xml><?xml version="1.0" encoding="utf-8"?>
+<file path=ppt/slides/slide17.xml><?xml version="1.0" encoding="utf-8"?>
 <p:sld xmlns:a="http://schemas.openxmlformats.org/drawingml/2006/main" xmlns:r="http://schemas.openxmlformats.org/officeDocument/2006/relationships" xmlns:p="http://schemas.openxmlformats.org/presentationml/2006/main">
   <p:cSld>
     <p:spTree>
@@ -13849,7 +14469,7 @@
 </p:sld>
 </file>
 
-<file path=ppt/slides/slide16.xml><?xml version="1.0" encoding="utf-8"?>
+<file path=ppt/slides/slide18.xml><?xml version="1.0" encoding="utf-8"?>
 <p:sld xmlns:a="http://schemas.openxmlformats.org/drawingml/2006/main" xmlns:r="http://schemas.openxmlformats.org/officeDocument/2006/relationships" xmlns:p="http://schemas.openxmlformats.org/presentationml/2006/main">
   <p:cSld>
     <p:spTree>
@@ -13883,7 +14503,11 @@
           <a:p>
             <a:r>
               <a:rPr lang="en-US" dirty="0" smtClean="0"/>
-              <a:t>Storage</a:t>
+              <a:t>Data, Analytics and </a:t>
+            </a:r>
+            <a:r>
+              <a:rPr lang="en-US" dirty="0" err="1" smtClean="0"/>
+              <a:t>IoT</a:t>
             </a:r>
             <a:endParaRPr lang="en-US" dirty="0"/>
           </a:p>
@@ -13905,52 +14529,9 @@
           <a:lstStyle/>
           <a:p>
             <a:r>
-              <a:rPr lang="en-US" dirty="0">
-                <a:hlinkClick r:id="rId2"/>
-              </a:rPr>
-              <a:t>https</a:t>
-            </a:r>
-            <a:r>
-              <a:rPr lang="en-US" dirty="0" smtClean="0">
-                <a:hlinkClick r:id="rId2"/>
-              </a:rPr>
-              <a:t>://</a:t>
-            </a:r>
-            <a:r>
-              <a:rPr lang="en-US" dirty="0" smtClean="0">
-                <a:hlinkClick r:id="rId2"/>
-              </a:rPr>
-              <a:t>youtube.com/watch?v=FWGtgpzjAPM</a:t>
-            </a:r>
-            <a:endParaRPr lang="en-US" dirty="0" smtClean="0"/>
-          </a:p>
-          <a:p>
-            <a:r>
               <a:rPr lang="en-US" dirty="0" smtClean="0"/>
-              <a:t>App Service</a:t>
-            </a:r>
-          </a:p>
-          <a:p>
-            <a:pPr lvl="1"/>
-            <a:r>
-              <a:rPr lang="en-US" dirty="0">
-                <a:hlinkClick r:id="rId3"/>
-              </a:rPr>
-              <a:t>https</a:t>
-            </a:r>
-            <a:r>
-              <a:rPr lang="en-US" dirty="0" smtClean="0">
-                <a:hlinkClick r:id="rId3"/>
-              </a:rPr>
-              <a:t>://youtube.com/watch?v=sUlppU0GBKw</a:t>
-            </a:r>
-            <a:endParaRPr lang="en-US" dirty="0" smtClean="0"/>
-          </a:p>
-          <a:p>
-            <a:pPr lvl="1"/>
-            <a:endParaRPr lang="en-US" dirty="0" smtClean="0"/>
-          </a:p>
-          <a:p>
+              <a:t>TODO</a:t>
+            </a:r>
             <a:endParaRPr lang="en-US" dirty="0"/>
           </a:p>
         </p:txBody>
@@ -13958,439 +14539,7 @@
     </p:spTree>
     <p:extLst>
       <p:ext uri="{BB962C8B-B14F-4D97-AF65-F5344CB8AC3E}">
-        <p14:creationId xmlns:p14="http://schemas.microsoft.com/office/powerpoint/2010/main" val="1729711975"/>
-      </p:ext>
-    </p:extLst>
-  </p:cSld>
-  <p:clrMapOvr>
-    <a:masterClrMapping/>
-  </p:clrMapOvr>
-</p:sld>
-</file>
-
-<file path=ppt/slides/slide17.xml><?xml version="1.0" encoding="utf-8"?>
-<p:sld xmlns:a="http://schemas.openxmlformats.org/drawingml/2006/main" xmlns:r="http://schemas.openxmlformats.org/officeDocument/2006/relationships" xmlns:p="http://schemas.openxmlformats.org/presentationml/2006/main">
-  <p:cSld>
-    <p:spTree>
-      <p:nvGrpSpPr>
-        <p:cNvPr id="1" name=""/>
-        <p:cNvGrpSpPr/>
-        <p:nvPr/>
-      </p:nvGrpSpPr>
-      <p:grpSpPr>
-        <a:xfrm>
-          <a:off x="0" y="0"/>
-          <a:ext cx="0" cy="0"/>
-          <a:chOff x="0" y="0"/>
-          <a:chExt cx="0" cy="0"/>
-        </a:xfrm>
-      </p:grpSpPr>
-      <p:sp>
-        <p:nvSpPr>
-          <p:cNvPr id="4" name="Slide Number Placeholder 3"/>
-          <p:cNvSpPr>
-            <a:spLocks noGrp="1"/>
-          </p:cNvSpPr>
-          <p:nvPr>
-            <p:ph type="sldNum" sz="quarter" idx="10"/>
-          </p:nvPr>
-        </p:nvSpPr>
-        <p:spPr/>
-        <p:txBody>
-          <a:bodyPr/>
-          <a:lstStyle/>
-          <a:p>
-            <a:pPr>
-              <a:defRPr/>
-            </a:pPr>
-            <a:fld id="{58452FF4-89E3-4D1B-9927-2DBDC00E58D7}" type="slidenum">
-              <a:rPr lang="en-US" smtClean="0"/>
-              <a:pPr>
-                <a:defRPr/>
-              </a:pPr>
-              <a:t>17</a:t>
-            </a:fld>
-            <a:endParaRPr lang="en-US" dirty="0"/>
-          </a:p>
-        </p:txBody>
-      </p:sp>
-      <p:pic>
-        <p:nvPicPr>
-          <p:cNvPr id="6" name="Picture 5"/>
-          <p:cNvPicPr>
-            <a:picLocks noChangeAspect="1"/>
-          </p:cNvPicPr>
-          <p:nvPr/>
-        </p:nvPicPr>
-        <p:blipFill>
-          <a:blip r:embed="rId2"/>
-          <a:stretch>
-            <a:fillRect/>
-          </a:stretch>
-        </p:blipFill>
-        <p:spPr>
-          <a:xfrm>
-            <a:off x="990600" y="1219200"/>
-            <a:ext cx="3194966" cy="4267200"/>
-          </a:xfrm>
-          <a:prstGeom prst="rect">
-            <a:avLst/>
-          </a:prstGeom>
-        </p:spPr>
-      </p:pic>
-      <p:pic>
-        <p:nvPicPr>
-          <p:cNvPr id="7" name="Picture 6"/>
-          <p:cNvPicPr>
-            <a:picLocks noChangeAspect="1"/>
-          </p:cNvPicPr>
-          <p:nvPr/>
-        </p:nvPicPr>
-        <p:blipFill>
-          <a:blip r:embed="rId3"/>
-          <a:stretch>
-            <a:fillRect/>
-          </a:stretch>
-        </p:blipFill>
-        <p:spPr>
-          <a:xfrm>
-            <a:off x="4953000" y="1303020"/>
-            <a:ext cx="3382234" cy="4099560"/>
-          </a:xfrm>
-          <a:prstGeom prst="rect">
-            <a:avLst/>
-          </a:prstGeom>
-        </p:spPr>
-      </p:pic>
-    </p:spTree>
-    <p:extLst>
-      <p:ext uri="{BB962C8B-B14F-4D97-AF65-F5344CB8AC3E}">
-        <p14:creationId xmlns:p14="http://schemas.microsoft.com/office/powerpoint/2010/main" val="1444671116"/>
-      </p:ext>
-    </p:extLst>
-  </p:cSld>
-  <p:clrMapOvr>
-    <a:masterClrMapping/>
-  </p:clrMapOvr>
-</p:sld>
-</file>
-
-<file path=ppt/slides/slide18.xml><?xml version="1.0" encoding="utf-8"?>
-<p:sld xmlns:a="http://schemas.openxmlformats.org/drawingml/2006/main" xmlns:r="http://schemas.openxmlformats.org/officeDocument/2006/relationships" xmlns:p="http://schemas.openxmlformats.org/presentationml/2006/main">
-  <p:cSld>
-    <p:spTree>
-      <p:nvGrpSpPr>
-        <p:cNvPr id="1" name=""/>
-        <p:cNvGrpSpPr/>
-        <p:nvPr/>
-      </p:nvGrpSpPr>
-      <p:grpSpPr>
-        <a:xfrm>
-          <a:off x="0" y="0"/>
-          <a:ext cx="0" cy="0"/>
-          <a:chOff x="0" y="0"/>
-          <a:chExt cx="0" cy="0"/>
-        </a:xfrm>
-      </p:grpSpPr>
-      <p:sp>
-        <p:nvSpPr>
-          <p:cNvPr id="2" name="Title 1"/>
-          <p:cNvSpPr>
-            <a:spLocks noGrp="1"/>
-          </p:cNvSpPr>
-          <p:nvPr>
-            <p:ph type="title"/>
-          </p:nvPr>
-        </p:nvSpPr>
-        <p:spPr/>
-        <p:txBody>
-          <a:bodyPr/>
-          <a:lstStyle/>
-          <a:p>
-            <a:r>
-              <a:rPr lang="en-US" dirty="0" smtClean="0"/>
-              <a:t>More Videos</a:t>
-            </a:r>
-            <a:endParaRPr lang="en-US" dirty="0"/>
-          </a:p>
-        </p:txBody>
-      </p:sp>
-      <p:sp>
-        <p:nvSpPr>
-          <p:cNvPr id="3" name="Content Placeholder 2"/>
-          <p:cNvSpPr>
-            <a:spLocks noGrp="1"/>
-          </p:cNvSpPr>
-          <p:nvPr>
-            <p:ph idx="1"/>
-          </p:nvPr>
-        </p:nvSpPr>
-        <p:spPr>
-          <a:xfrm>
-            <a:off x="228600" y="838200"/>
-            <a:ext cx="8686800" cy="5791200"/>
-          </a:xfrm>
-        </p:spPr>
-        <p:txBody>
-          <a:bodyPr/>
-          <a:lstStyle/>
-          <a:p>
-            <a:pPr>
-              <a:spcBef>
-                <a:spcPts val="300"/>
-              </a:spcBef>
-              <a:spcAft>
-                <a:spcPts val="300"/>
-              </a:spcAft>
-            </a:pPr>
-            <a:r>
-              <a:rPr lang="en-US" dirty="0" smtClean="0"/>
-              <a:t>Machine Learning</a:t>
-            </a:r>
-          </a:p>
-          <a:p>
-            <a:pPr lvl="1">
-              <a:spcBef>
-                <a:spcPts val="300"/>
-              </a:spcBef>
-              <a:spcAft>
-                <a:spcPts val="300"/>
-              </a:spcAft>
-            </a:pPr>
-            <a:r>
-              <a:rPr lang="en-US" dirty="0">
-                <a:hlinkClick r:id="rId2"/>
-              </a:rPr>
-              <a:t>https</a:t>
-            </a:r>
-            <a:r>
-              <a:rPr lang="en-US" dirty="0" smtClean="0">
-                <a:hlinkClick r:id="rId2"/>
-              </a:rPr>
-              <a:t>://</a:t>
-            </a:r>
-            <a:r>
-              <a:rPr lang="en-US" dirty="0" smtClean="0">
-                <a:hlinkClick r:id="rId2"/>
-              </a:rPr>
-              <a:t>youtube.com/watch?v=SJtNJepz-pM</a:t>
-            </a:r>
-            <a:endParaRPr lang="en-US" dirty="0" smtClean="0"/>
-          </a:p>
-          <a:p>
-            <a:pPr lvl="1">
-              <a:spcBef>
-                <a:spcPts val="300"/>
-              </a:spcBef>
-              <a:spcAft>
-                <a:spcPts val="300"/>
-              </a:spcAft>
-            </a:pPr>
-            <a:r>
-              <a:rPr lang="en-US" dirty="0">
-                <a:hlinkClick r:id="rId3"/>
-              </a:rPr>
-              <a:t>https</a:t>
-            </a:r>
-            <a:r>
-              <a:rPr lang="en-US" dirty="0" smtClean="0">
-                <a:hlinkClick r:id="rId3"/>
-              </a:rPr>
-              <a:t>://youtube.com/watch?v=l6dsLyueF0Q</a:t>
-            </a:r>
-            <a:endParaRPr lang="en-US" dirty="0" smtClean="0"/>
-          </a:p>
-          <a:p>
-            <a:pPr>
-              <a:spcBef>
-                <a:spcPts val="300"/>
-              </a:spcBef>
-              <a:spcAft>
-                <a:spcPts val="300"/>
-              </a:spcAft>
-            </a:pPr>
-            <a:r>
-              <a:rPr lang="en-US" dirty="0" smtClean="0"/>
-              <a:t>Microsoft </a:t>
-            </a:r>
-            <a:r>
-              <a:rPr lang="en-US" dirty="0"/>
-              <a:t>Advanced </a:t>
-            </a:r>
-            <a:r>
-              <a:rPr lang="en-US" dirty="0" smtClean="0"/>
-              <a:t>Threat Analytics</a:t>
-            </a:r>
-          </a:p>
-          <a:p>
-            <a:pPr lvl="1">
-              <a:spcBef>
-                <a:spcPts val="300"/>
-              </a:spcBef>
-              <a:spcAft>
-                <a:spcPts val="300"/>
-              </a:spcAft>
-            </a:pPr>
-            <a:r>
-              <a:rPr lang="en-US" dirty="0">
-                <a:hlinkClick r:id="rId4"/>
-              </a:rPr>
-              <a:t>https</a:t>
-            </a:r>
-            <a:r>
-              <a:rPr lang="en-US" dirty="0" smtClean="0">
-                <a:hlinkClick r:id="rId4"/>
-              </a:rPr>
-              <a:t>://youtube.com/watch?v</a:t>
-            </a:r>
-            <a:r>
-              <a:rPr lang="en-US" dirty="0">
-                <a:hlinkClick r:id="rId4"/>
-              </a:rPr>
-              <a:t>=-</a:t>
-            </a:r>
-            <a:r>
-              <a:rPr lang="en-US" dirty="0" smtClean="0">
-                <a:hlinkClick r:id="rId4"/>
-              </a:rPr>
-              <a:t>MGg_07MkgY</a:t>
-            </a:r>
-            <a:endParaRPr lang="en-US" dirty="0" smtClean="0"/>
-          </a:p>
-          <a:p>
-            <a:pPr>
-              <a:spcBef>
-                <a:spcPts val="300"/>
-              </a:spcBef>
-              <a:spcAft>
-                <a:spcPts val="300"/>
-              </a:spcAft>
-            </a:pPr>
-            <a:r>
-              <a:rPr lang="en-US" dirty="0" smtClean="0"/>
-              <a:t>Internet of Thinks</a:t>
-            </a:r>
-          </a:p>
-          <a:p>
-            <a:pPr lvl="1">
-              <a:spcBef>
-                <a:spcPts val="300"/>
-              </a:spcBef>
-              <a:spcAft>
-                <a:spcPts val="300"/>
-              </a:spcAft>
-            </a:pPr>
-            <a:r>
-              <a:rPr lang="en-US" dirty="0">
-                <a:hlinkClick r:id="rId5"/>
-              </a:rPr>
-              <a:t>https</a:t>
-            </a:r>
-            <a:r>
-              <a:rPr lang="en-US" dirty="0" smtClean="0">
-                <a:hlinkClick r:id="rId5"/>
-              </a:rPr>
-              <a:t>://youtube.com/watch?v=L8xjSjxaaVA</a:t>
-            </a:r>
-            <a:endParaRPr lang="en-US" dirty="0">
-              <a:hlinkClick r:id="rId5"/>
-            </a:endParaRPr>
-          </a:p>
-          <a:p>
-            <a:pPr lvl="1">
-              <a:spcBef>
-                <a:spcPts val="300"/>
-              </a:spcBef>
-              <a:spcAft>
-                <a:spcPts val="300"/>
-              </a:spcAft>
-            </a:pPr>
-            <a:r>
-              <a:rPr lang="en-US" dirty="0" smtClean="0">
-                <a:hlinkClick r:id="rId6"/>
-              </a:rPr>
-              <a:t>https://youtube.com/watch?v=Z7GzCjT77Po</a:t>
-            </a:r>
-            <a:endParaRPr lang="en-US" dirty="0" smtClean="0"/>
-          </a:p>
-          <a:p>
-            <a:pPr>
-              <a:spcBef>
-                <a:spcPts val="300"/>
-              </a:spcBef>
-              <a:spcAft>
-                <a:spcPts val="300"/>
-              </a:spcAft>
-            </a:pPr>
-            <a:r>
-              <a:rPr lang="en-US" dirty="0" smtClean="0"/>
-              <a:t>Azure Support</a:t>
-            </a:r>
-          </a:p>
-          <a:p>
-            <a:pPr lvl="1">
-              <a:spcBef>
-                <a:spcPts val="300"/>
-              </a:spcBef>
-              <a:spcAft>
-                <a:spcPts val="300"/>
-              </a:spcAft>
-            </a:pPr>
-            <a:r>
-              <a:rPr lang="en-US" dirty="0">
-                <a:hlinkClick r:id="rId7"/>
-              </a:rPr>
-              <a:t>https</a:t>
-            </a:r>
-            <a:r>
-              <a:rPr lang="en-US" dirty="0" smtClean="0">
-                <a:hlinkClick r:id="rId7"/>
-              </a:rPr>
-              <a:t>://</a:t>
-            </a:r>
-            <a:r>
-              <a:rPr lang="en-US" dirty="0" smtClean="0">
-                <a:hlinkClick r:id="rId7"/>
-              </a:rPr>
-              <a:t>youtube.com/watch?v=epfmTG9ix1g</a:t>
-            </a:r>
-            <a:endParaRPr lang="en-US" dirty="0"/>
-          </a:p>
-        </p:txBody>
-      </p:sp>
-      <p:sp>
-        <p:nvSpPr>
-          <p:cNvPr id="4" name="Slide Number Placeholder 3"/>
-          <p:cNvSpPr>
-            <a:spLocks noGrp="1"/>
-          </p:cNvSpPr>
-          <p:nvPr>
-            <p:ph type="sldNum" sz="quarter" idx="10"/>
-          </p:nvPr>
-        </p:nvSpPr>
-        <p:spPr/>
-        <p:txBody>
-          <a:bodyPr/>
-          <a:lstStyle/>
-          <a:p>
-            <a:pPr>
-              <a:defRPr/>
-            </a:pPr>
-            <a:fld id="{58452FF4-89E3-4D1B-9927-2DBDC00E58D7}" type="slidenum">
-              <a:rPr lang="en-US" smtClean="0"/>
-              <a:pPr>
-                <a:defRPr/>
-              </a:pPr>
-              <a:t>18</a:t>
-            </a:fld>
-            <a:endParaRPr lang="en-US" dirty="0"/>
-          </a:p>
-        </p:txBody>
-      </p:sp>
-    </p:spTree>
-    <p:extLst>
-      <p:ext uri="{BB962C8B-B14F-4D97-AF65-F5344CB8AC3E}">
-        <p14:creationId xmlns:p14="http://schemas.microsoft.com/office/powerpoint/2010/main" val="598912816"/>
+        <p14:creationId xmlns:p14="http://schemas.microsoft.com/office/powerpoint/2010/main" val="2601408082"/>
       </p:ext>
     </p:extLst>
   </p:cSld>
@@ -14434,7 +14583,7 @@
           <a:p>
             <a:r>
               <a:rPr lang="en-US" dirty="0" smtClean="0"/>
-              <a:t>Popular Cloud Architectures</a:t>
+              <a:t>More Videos</a:t>
             </a:r>
             <a:endParaRPr lang="en-US" dirty="0"/>
           </a:p>
@@ -14452,7 +14601,7 @@
         </p:nvSpPr>
         <p:spPr>
           <a:xfrm>
-            <a:off x="228600" y="762000"/>
+            <a:off x="228600" y="838200"/>
             <a:ext cx="8686800" cy="5791200"/>
           </a:xfrm>
         </p:spPr>
@@ -14460,20 +14609,293 @@
           <a:bodyPr/>
           <a:lstStyle/>
           <a:p>
-            <a:r>
-              <a:rPr lang="en-US" sz="2800" dirty="0"/>
-              <a:t>A Web Role is an Azure VM that is pre-configured as a web </a:t>
-            </a:r>
-            <a:r>
-              <a:rPr lang="en-US" sz="2800" dirty="0" smtClean="0"/>
-              <a:t>server (running ASP.NET MVC for example)</a:t>
-            </a:r>
-          </a:p>
-          <a:p>
-            <a:r>
-              <a:rPr lang="en-US" sz="2800" dirty="0"/>
-              <a:t>Worker Roles run alongside your Web Roles and are responsible for performing computing functions to support your application</a:t>
-            </a:r>
+            <a:pPr>
+              <a:lnSpc>
+                <a:spcPct val="100000"/>
+              </a:lnSpc>
+              <a:spcBef>
+                <a:spcPts val="0"/>
+              </a:spcBef>
+              <a:spcAft>
+                <a:spcPts val="0"/>
+              </a:spcAft>
+            </a:pPr>
+            <a:r>
+              <a:rPr lang="en-US" dirty="0" smtClean="0"/>
+              <a:t>Machine Learning</a:t>
+            </a:r>
+          </a:p>
+          <a:p>
+            <a:pPr lvl="1">
+              <a:lnSpc>
+                <a:spcPct val="100000"/>
+              </a:lnSpc>
+              <a:spcBef>
+                <a:spcPts val="0"/>
+              </a:spcBef>
+              <a:spcAft>
+                <a:spcPts val="0"/>
+              </a:spcAft>
+            </a:pPr>
+            <a:r>
+              <a:rPr lang="en-US" dirty="0">
+                <a:hlinkClick r:id="rId2"/>
+              </a:rPr>
+              <a:t>https</a:t>
+            </a:r>
+            <a:r>
+              <a:rPr lang="en-US" dirty="0" smtClean="0">
+                <a:hlinkClick r:id="rId2"/>
+              </a:rPr>
+              <a:t>://youtube.com/watch?v=SJtNJepz-pM</a:t>
+            </a:r>
+            <a:endParaRPr lang="en-US" dirty="0" smtClean="0"/>
+          </a:p>
+          <a:p>
+            <a:pPr lvl="1">
+              <a:lnSpc>
+                <a:spcPct val="100000"/>
+              </a:lnSpc>
+              <a:spcBef>
+                <a:spcPts val="0"/>
+              </a:spcBef>
+              <a:spcAft>
+                <a:spcPts val="0"/>
+              </a:spcAft>
+            </a:pPr>
+            <a:r>
+              <a:rPr lang="en-US" dirty="0">
+                <a:hlinkClick r:id="rId3"/>
+              </a:rPr>
+              <a:t>https</a:t>
+            </a:r>
+            <a:r>
+              <a:rPr lang="en-US" dirty="0" smtClean="0">
+                <a:hlinkClick r:id="rId3"/>
+              </a:rPr>
+              <a:t>://youtube.com/watch?v=l6dsLyueF0Q</a:t>
+            </a:r>
+            <a:endParaRPr lang="en-US" dirty="0" smtClean="0"/>
+          </a:p>
+          <a:p>
+            <a:pPr>
+              <a:lnSpc>
+                <a:spcPct val="100000"/>
+              </a:lnSpc>
+              <a:spcBef>
+                <a:spcPts val="0"/>
+              </a:spcBef>
+              <a:spcAft>
+                <a:spcPts val="0"/>
+              </a:spcAft>
+            </a:pPr>
+            <a:r>
+              <a:rPr lang="en-US" dirty="0" smtClean="0"/>
+              <a:t>Microsoft </a:t>
+            </a:r>
+            <a:r>
+              <a:rPr lang="en-US" dirty="0"/>
+              <a:t>Advanced </a:t>
+            </a:r>
+            <a:r>
+              <a:rPr lang="en-US" dirty="0" smtClean="0"/>
+              <a:t>Threat Analytics</a:t>
+            </a:r>
+          </a:p>
+          <a:p>
+            <a:pPr lvl="1">
+              <a:lnSpc>
+                <a:spcPct val="100000"/>
+              </a:lnSpc>
+              <a:spcBef>
+                <a:spcPts val="0"/>
+              </a:spcBef>
+              <a:spcAft>
+                <a:spcPts val="0"/>
+              </a:spcAft>
+            </a:pPr>
+            <a:r>
+              <a:rPr lang="en-US" dirty="0">
+                <a:hlinkClick r:id="rId4"/>
+              </a:rPr>
+              <a:t>https</a:t>
+            </a:r>
+            <a:r>
+              <a:rPr lang="en-US" dirty="0" smtClean="0">
+                <a:hlinkClick r:id="rId4"/>
+              </a:rPr>
+              <a:t>://youtube.com/watch?v</a:t>
+            </a:r>
+            <a:r>
+              <a:rPr lang="en-US" dirty="0">
+                <a:hlinkClick r:id="rId4"/>
+              </a:rPr>
+              <a:t>=-</a:t>
+            </a:r>
+            <a:r>
+              <a:rPr lang="en-US" dirty="0" smtClean="0">
+                <a:hlinkClick r:id="rId4"/>
+              </a:rPr>
+              <a:t>MGg_07MkgY</a:t>
+            </a:r>
+            <a:endParaRPr lang="en-US" dirty="0" smtClean="0"/>
+          </a:p>
+          <a:p>
+            <a:pPr>
+              <a:lnSpc>
+                <a:spcPct val="100000"/>
+              </a:lnSpc>
+              <a:spcBef>
+                <a:spcPts val="0"/>
+              </a:spcBef>
+              <a:spcAft>
+                <a:spcPts val="0"/>
+              </a:spcAft>
+            </a:pPr>
+            <a:r>
+              <a:rPr lang="en-US" dirty="0" smtClean="0"/>
+              <a:t>Internet of Thinks</a:t>
+            </a:r>
+          </a:p>
+          <a:p>
+            <a:pPr lvl="1">
+              <a:lnSpc>
+                <a:spcPct val="100000"/>
+              </a:lnSpc>
+              <a:spcBef>
+                <a:spcPts val="0"/>
+              </a:spcBef>
+              <a:spcAft>
+                <a:spcPts val="0"/>
+              </a:spcAft>
+            </a:pPr>
+            <a:r>
+              <a:rPr lang="en-US" dirty="0">
+                <a:hlinkClick r:id="rId5"/>
+              </a:rPr>
+              <a:t>https</a:t>
+            </a:r>
+            <a:r>
+              <a:rPr lang="en-US" dirty="0" smtClean="0">
+                <a:hlinkClick r:id="rId5"/>
+              </a:rPr>
+              <a:t>://youtube.com/watch?v=L8xjSjxaaVA</a:t>
+            </a:r>
+            <a:endParaRPr lang="en-US" dirty="0">
+              <a:hlinkClick r:id="rId5"/>
+            </a:endParaRPr>
+          </a:p>
+          <a:p>
+            <a:pPr lvl="1">
+              <a:lnSpc>
+                <a:spcPct val="100000"/>
+              </a:lnSpc>
+              <a:spcBef>
+                <a:spcPts val="0"/>
+              </a:spcBef>
+              <a:spcAft>
+                <a:spcPts val="0"/>
+              </a:spcAft>
+            </a:pPr>
+            <a:r>
+              <a:rPr lang="en-US" dirty="0" smtClean="0">
+                <a:hlinkClick r:id="rId6"/>
+              </a:rPr>
+              <a:t>https://youtube.com/watch?v=Z7GzCjT77Po</a:t>
+            </a:r>
+            <a:endParaRPr lang="en-US" dirty="0" smtClean="0"/>
+          </a:p>
+          <a:p>
+            <a:pPr>
+              <a:lnSpc>
+                <a:spcPct val="100000"/>
+              </a:lnSpc>
+              <a:spcBef>
+                <a:spcPts val="0"/>
+              </a:spcBef>
+              <a:spcAft>
+                <a:spcPts val="0"/>
+              </a:spcAft>
+            </a:pPr>
+            <a:r>
+              <a:rPr lang="en-US" dirty="0" smtClean="0"/>
+              <a:t>Azure Support</a:t>
+            </a:r>
+          </a:p>
+          <a:p>
+            <a:pPr lvl="1">
+              <a:lnSpc>
+                <a:spcPct val="100000"/>
+              </a:lnSpc>
+              <a:spcBef>
+                <a:spcPts val="0"/>
+              </a:spcBef>
+              <a:spcAft>
+                <a:spcPts val="0"/>
+              </a:spcAft>
+            </a:pPr>
+            <a:r>
+              <a:rPr lang="en-US" dirty="0">
+                <a:hlinkClick r:id="rId7"/>
+              </a:rPr>
+              <a:t>https</a:t>
+            </a:r>
+            <a:r>
+              <a:rPr lang="en-US" dirty="0" smtClean="0">
+                <a:hlinkClick r:id="rId7"/>
+              </a:rPr>
+              <a:t>://</a:t>
+            </a:r>
+            <a:r>
+              <a:rPr lang="en-US" dirty="0" smtClean="0">
+                <a:hlinkClick r:id="rId7"/>
+              </a:rPr>
+              <a:t>youtube.com/watch?v=epfmTG9ix1g</a:t>
+            </a:r>
+            <a:endParaRPr lang="en-US" dirty="0" smtClean="0"/>
+          </a:p>
+          <a:p>
+            <a:pPr>
+              <a:lnSpc>
+                <a:spcPct val="100000"/>
+              </a:lnSpc>
+              <a:spcBef>
+                <a:spcPts val="0"/>
+              </a:spcBef>
+              <a:spcAft>
+                <a:spcPts val="0"/>
+              </a:spcAft>
+            </a:pPr>
+            <a:r>
+              <a:rPr lang="en-US" dirty="0"/>
+              <a:t>App Service</a:t>
+            </a:r>
+          </a:p>
+          <a:p>
+            <a:pPr lvl="1">
+              <a:lnSpc>
+                <a:spcPct val="100000"/>
+              </a:lnSpc>
+              <a:spcBef>
+                <a:spcPts val="0"/>
+              </a:spcBef>
+              <a:spcAft>
+                <a:spcPts val="0"/>
+              </a:spcAft>
+            </a:pPr>
+            <a:r>
+              <a:rPr lang="en-US" dirty="0">
+                <a:hlinkClick r:id="rId8"/>
+              </a:rPr>
+              <a:t>https://</a:t>
+            </a:r>
+            <a:r>
+              <a:rPr lang="en-US" dirty="0" smtClean="0">
+                <a:hlinkClick r:id="rId8"/>
+              </a:rPr>
+              <a:t>youtube.com/watch?v=sUlppU0GBKw</a:t>
+            </a:r>
+            <a:endParaRPr lang="en-US" dirty="0"/>
           </a:p>
         </p:txBody>
       </p:sp>
@@ -14506,34 +14928,10 @@
           </a:p>
         </p:txBody>
       </p:sp>
-      <p:pic>
-        <p:nvPicPr>
-          <p:cNvPr id="5" name="Picture 4"/>
-          <p:cNvPicPr>
-            <a:picLocks noChangeAspect="1"/>
-          </p:cNvPicPr>
-          <p:nvPr/>
-        </p:nvPicPr>
-        <p:blipFill>
-          <a:blip r:embed="rId2"/>
-          <a:stretch>
-            <a:fillRect/>
-          </a:stretch>
-        </p:blipFill>
-        <p:spPr>
-          <a:xfrm>
-            <a:off x="1567668" y="3305175"/>
-            <a:ext cx="6008664" cy="3248025"/>
-          </a:xfrm>
-          <a:prstGeom prst="rect">
-            <a:avLst/>
-          </a:prstGeom>
-        </p:spPr>
-      </p:pic>
     </p:spTree>
     <p:extLst>
       <p:ext uri="{BB962C8B-B14F-4D97-AF65-F5344CB8AC3E}">
-        <p14:creationId xmlns:p14="http://schemas.microsoft.com/office/powerpoint/2010/main" val="1634875434"/>
+        <p14:creationId xmlns:p14="http://schemas.microsoft.com/office/powerpoint/2010/main" val="598912816"/>
       </p:ext>
     </p:extLst>
   </p:cSld>
@@ -14662,6 +15060,256 @@
       </p:grpSpPr>
       <p:sp>
         <p:nvSpPr>
+          <p:cNvPr id="2" name="Title 1"/>
+          <p:cNvSpPr>
+            <a:spLocks noGrp="1"/>
+          </p:cNvSpPr>
+          <p:nvPr>
+            <p:ph type="title"/>
+          </p:nvPr>
+        </p:nvSpPr>
+        <p:spPr/>
+        <p:txBody>
+          <a:bodyPr/>
+          <a:lstStyle/>
+          <a:p>
+            <a:r>
+              <a:rPr lang="en-US" dirty="0" smtClean="0"/>
+              <a:t>Popular Cloud Architectures</a:t>
+            </a:r>
+            <a:endParaRPr lang="en-US" dirty="0"/>
+          </a:p>
+        </p:txBody>
+      </p:sp>
+      <p:sp>
+        <p:nvSpPr>
+          <p:cNvPr id="3" name="Content Placeholder 2"/>
+          <p:cNvSpPr>
+            <a:spLocks noGrp="1"/>
+          </p:cNvSpPr>
+          <p:nvPr>
+            <p:ph idx="1"/>
+          </p:nvPr>
+        </p:nvSpPr>
+        <p:spPr>
+          <a:xfrm>
+            <a:off x="228600" y="762000"/>
+            <a:ext cx="8686800" cy="5791200"/>
+          </a:xfrm>
+        </p:spPr>
+        <p:txBody>
+          <a:bodyPr/>
+          <a:lstStyle/>
+          <a:p>
+            <a:r>
+              <a:rPr lang="en-US" sz="2800" dirty="0"/>
+              <a:t>A Web Role is an Azure VM that is pre-configured as a web </a:t>
+            </a:r>
+            <a:r>
+              <a:rPr lang="en-US" sz="2800" dirty="0" smtClean="0"/>
+              <a:t>server (running ASP.NET MVC for example)</a:t>
+            </a:r>
+          </a:p>
+          <a:p>
+            <a:r>
+              <a:rPr lang="en-US" sz="2800" dirty="0"/>
+              <a:t>Worker Roles run alongside your Web Roles and are responsible for performing computing functions to support your application</a:t>
+            </a:r>
+          </a:p>
+        </p:txBody>
+      </p:sp>
+      <p:sp>
+        <p:nvSpPr>
+          <p:cNvPr id="4" name="Slide Number Placeholder 3"/>
+          <p:cNvSpPr>
+            <a:spLocks noGrp="1"/>
+          </p:cNvSpPr>
+          <p:nvPr>
+            <p:ph type="sldNum" sz="quarter" idx="10"/>
+          </p:nvPr>
+        </p:nvSpPr>
+        <p:spPr/>
+        <p:txBody>
+          <a:bodyPr/>
+          <a:lstStyle/>
+          <a:p>
+            <a:pPr>
+              <a:defRPr/>
+            </a:pPr>
+            <a:fld id="{58452FF4-89E3-4D1B-9927-2DBDC00E58D7}" type="slidenum">
+              <a:rPr lang="en-US" smtClean="0"/>
+              <a:pPr>
+                <a:defRPr/>
+              </a:pPr>
+              <a:t>20</a:t>
+            </a:fld>
+            <a:endParaRPr lang="en-US" dirty="0"/>
+          </a:p>
+        </p:txBody>
+      </p:sp>
+      <p:pic>
+        <p:nvPicPr>
+          <p:cNvPr id="5" name="Picture 4"/>
+          <p:cNvPicPr>
+            <a:picLocks noChangeAspect="1"/>
+          </p:cNvPicPr>
+          <p:nvPr/>
+        </p:nvPicPr>
+        <p:blipFill>
+          <a:blip r:embed="rId2"/>
+          <a:stretch>
+            <a:fillRect/>
+          </a:stretch>
+        </p:blipFill>
+        <p:spPr>
+          <a:xfrm>
+            <a:off x="1567668" y="3305175"/>
+            <a:ext cx="6008664" cy="3248025"/>
+          </a:xfrm>
+          <a:prstGeom prst="rect">
+            <a:avLst/>
+          </a:prstGeom>
+        </p:spPr>
+      </p:pic>
+    </p:spTree>
+    <p:extLst>
+      <p:ext uri="{BB962C8B-B14F-4D97-AF65-F5344CB8AC3E}">
+        <p14:creationId xmlns:p14="http://schemas.microsoft.com/office/powerpoint/2010/main" val="1634875434"/>
+      </p:ext>
+    </p:extLst>
+  </p:cSld>
+  <p:clrMapOvr>
+    <a:masterClrMapping/>
+  </p:clrMapOvr>
+</p:sld>
+</file>
+
+<file path=ppt/slides/slide21.xml><?xml version="1.0" encoding="utf-8"?>
+<p:sld xmlns:a="http://schemas.openxmlformats.org/drawingml/2006/main" xmlns:r="http://schemas.openxmlformats.org/officeDocument/2006/relationships" xmlns:p="http://schemas.openxmlformats.org/presentationml/2006/main">
+  <p:cSld>
+    <p:spTree>
+      <p:nvGrpSpPr>
+        <p:cNvPr id="1" name=""/>
+        <p:cNvGrpSpPr/>
+        <p:nvPr/>
+      </p:nvGrpSpPr>
+      <p:grpSpPr>
+        <a:xfrm>
+          <a:off x="0" y="0"/>
+          <a:ext cx="0" cy="0"/>
+          <a:chOff x="0" y="0"/>
+          <a:chExt cx="0" cy="0"/>
+        </a:xfrm>
+      </p:grpSpPr>
+      <p:sp>
+        <p:nvSpPr>
+          <p:cNvPr id="4" name="Slide Number Placeholder 3"/>
+          <p:cNvSpPr>
+            <a:spLocks noGrp="1"/>
+          </p:cNvSpPr>
+          <p:nvPr>
+            <p:ph type="sldNum" sz="quarter" idx="10"/>
+          </p:nvPr>
+        </p:nvSpPr>
+        <p:spPr/>
+        <p:txBody>
+          <a:bodyPr/>
+          <a:lstStyle/>
+          <a:p>
+            <a:pPr>
+              <a:defRPr/>
+            </a:pPr>
+            <a:fld id="{58452FF4-89E3-4D1B-9927-2DBDC00E58D7}" type="slidenum">
+              <a:rPr lang="en-US" smtClean="0"/>
+              <a:pPr>
+                <a:defRPr/>
+              </a:pPr>
+              <a:t>21</a:t>
+            </a:fld>
+            <a:endParaRPr lang="en-US" dirty="0"/>
+          </a:p>
+        </p:txBody>
+      </p:sp>
+      <p:pic>
+        <p:nvPicPr>
+          <p:cNvPr id="6" name="Picture 5"/>
+          <p:cNvPicPr>
+            <a:picLocks noChangeAspect="1"/>
+          </p:cNvPicPr>
+          <p:nvPr/>
+        </p:nvPicPr>
+        <p:blipFill>
+          <a:blip r:embed="rId2"/>
+          <a:stretch>
+            <a:fillRect/>
+          </a:stretch>
+        </p:blipFill>
+        <p:spPr>
+          <a:xfrm>
+            <a:off x="381000" y="990600"/>
+            <a:ext cx="3886200" cy="5190413"/>
+          </a:xfrm>
+          <a:prstGeom prst="rect">
+            <a:avLst/>
+          </a:prstGeom>
+        </p:spPr>
+      </p:pic>
+      <p:pic>
+        <p:nvPicPr>
+          <p:cNvPr id="7" name="Picture 6"/>
+          <p:cNvPicPr>
+            <a:picLocks noChangeAspect="1"/>
+          </p:cNvPicPr>
+          <p:nvPr/>
+        </p:nvPicPr>
+        <p:blipFill>
+          <a:blip r:embed="rId3"/>
+          <a:stretch>
+            <a:fillRect/>
+          </a:stretch>
+        </p:blipFill>
+        <p:spPr>
+          <a:xfrm>
+            <a:off x="4515195" y="990599"/>
+            <a:ext cx="4282214" cy="5190413"/>
+          </a:xfrm>
+          <a:prstGeom prst="rect">
+            <a:avLst/>
+          </a:prstGeom>
+        </p:spPr>
+      </p:pic>
+    </p:spTree>
+    <p:extLst>
+      <p:ext uri="{BB962C8B-B14F-4D97-AF65-F5344CB8AC3E}">
+        <p14:creationId xmlns:p14="http://schemas.microsoft.com/office/powerpoint/2010/main" val="1444671116"/>
+      </p:ext>
+    </p:extLst>
+  </p:cSld>
+  <p:clrMapOvr>
+    <a:masterClrMapping/>
+  </p:clrMapOvr>
+</p:sld>
+</file>
+
+<file path=ppt/slides/slide22.xml><?xml version="1.0" encoding="utf-8"?>
+<p:sld xmlns:a="http://schemas.openxmlformats.org/drawingml/2006/main" xmlns:r="http://schemas.openxmlformats.org/officeDocument/2006/relationships" xmlns:p="http://schemas.openxmlformats.org/presentationml/2006/main">
+  <p:cSld>
+    <p:spTree>
+      <p:nvGrpSpPr>
+        <p:cNvPr id="1" name=""/>
+        <p:cNvGrpSpPr/>
+        <p:nvPr/>
+      </p:nvGrpSpPr>
+      <p:grpSpPr>
+        <a:xfrm>
+          <a:off x="0" y="0"/>
+          <a:ext cx="0" cy="0"/>
+          <a:chOff x="0" y="0"/>
+          <a:chExt cx="0" cy="0"/>
+        </a:xfrm>
+      </p:grpSpPr>
+      <p:sp>
+        <p:nvSpPr>
           <p:cNvPr id="4" name="Title 3"/>
           <p:cNvSpPr>
             <a:spLocks noGrp="1"/>
@@ -14876,7 +15524,7 @@
 </p:sld>
 </file>
 
-<file path=ppt/slides/slide21.xml><?xml version="1.0" encoding="utf-8"?>
+<file path=ppt/slides/slide23.xml><?xml version="1.0" encoding="utf-8"?>
 <p:sld xmlns:a="http://schemas.openxmlformats.org/drawingml/2006/main" xmlns:r="http://schemas.openxmlformats.org/officeDocument/2006/relationships" xmlns:p="http://schemas.openxmlformats.org/presentationml/2006/main">
   <p:cSld>
     <p:spTree>
@@ -15127,7 +15775,7 @@
               <a:pPr>
                 <a:defRPr/>
               </a:pPr>
-              <a:t>21</a:t>
+              <a:t>23</a:t>
             </a:fld>
             <a:endParaRPr lang="en-US" dirty="0"/>
           </a:p>
@@ -15464,11 +16112,7 @@
             </a:pPr>
             <a:r>
               <a:rPr lang="en-US" dirty="0" smtClean="0"/>
-              <a:t>Compute </a:t>
-            </a:r>
-            <a:r>
-              <a:rPr lang="en-US" dirty="0" smtClean="0"/>
-              <a:t>Services and Virtual Machines</a:t>
+              <a:t>Compute Services and Virtual Machines</a:t>
             </a:r>
             <a:endParaRPr lang="bg-BG" dirty="0" smtClean="0"/>
           </a:p>
@@ -15520,13 +16164,32 @@
               </a:spcAft>
             </a:pPr>
             <a:r>
+              <a:rPr lang="en-US" dirty="0"/>
+              <a:t>Data </a:t>
+            </a:r>
+            <a:r>
               <a:rPr lang="en-US" dirty="0" smtClean="0"/>
-              <a:t>Web + Mobile </a:t>
-            </a:r>
+              <a:t>and Storage</a:t>
+            </a:r>
+            <a:endParaRPr lang="en-US" dirty="0"/>
+          </a:p>
+          <a:p>
+            <a:pPr>
+              <a:lnSpc>
+                <a:spcPct val="100000"/>
+              </a:lnSpc>
+              <a:spcBef>
+                <a:spcPts val="0"/>
+              </a:spcBef>
+              <a:spcAft>
+                <a:spcPts val="0"/>
+              </a:spcAft>
+            </a:pPr>
             <a:r>
               <a:rPr lang="en-US" dirty="0" smtClean="0"/>
-              <a:t>Services</a:t>
-            </a:r>
+              <a:t>Web and Mobile</a:t>
+            </a:r>
+            <a:endParaRPr lang="en-US" dirty="0" smtClean="0"/>
           </a:p>
           <a:p>
             <a:pPr lvl="1">
@@ -15576,36 +16239,11 @@
             </a:pPr>
             <a:r>
               <a:rPr lang="en-US" dirty="0" smtClean="0"/>
-              <a:t>Data + Storage Services</a:t>
-            </a:r>
-          </a:p>
-          <a:p>
-            <a:pPr>
-              <a:lnSpc>
-                <a:spcPct val="100000"/>
-              </a:lnSpc>
-              <a:spcBef>
-                <a:spcPts val="0"/>
-              </a:spcBef>
-              <a:spcAft>
-                <a:spcPts val="0"/>
-              </a:spcAft>
-            </a:pPr>
+              <a:t>Internet </a:t>
+            </a:r>
             <a:r>
               <a:rPr lang="en-US" dirty="0" smtClean="0"/>
-              <a:t>Internet </a:t>
-            </a:r>
-            <a:r>
-              <a:rPr lang="en-US" dirty="0" smtClean="0"/>
-              <a:t>of Things, Big </a:t>
-            </a:r>
-            <a:r>
-              <a:rPr lang="en-US" dirty="0" smtClean="0"/>
-              <a:t>Data, Machine </a:t>
-            </a:r>
-            <a:r>
-              <a:rPr lang="en-US" dirty="0" smtClean="0"/>
-              <a:t>Learning</a:t>
+              <a:t>of Things, Big Data, Machine Learning</a:t>
             </a:r>
             <a:endParaRPr lang="en-US" dirty="0"/>
           </a:p>
@@ -15846,7 +16484,7 @@
         <p:spPr>
           <a:xfrm>
             <a:off x="228600" y="685800"/>
-            <a:ext cx="8686800" cy="5791200"/>
+            <a:ext cx="8686800" cy="5981700"/>
           </a:xfrm>
         </p:spPr>
         <p:txBody>
@@ -15940,43 +16578,36 @@
       </p:sp>
       <p:pic>
         <p:nvPicPr>
-          <p:cNvPr id="1026" name="Picture 2" descr="An Overview of Azure Services vs. On Premises"/>
+          <p:cNvPr id="6" name="Picture 5"/>
           <p:cNvPicPr>
-            <a:picLocks noChangeAspect="1" noChangeArrowheads="1"/>
+            <a:picLocks noChangeAspect="1"/>
           </p:cNvPicPr>
           <p:nvPr/>
         </p:nvPicPr>
         <p:blipFill>
-          <a:blip r:embed="rId2">
-            <a:extLst>
-              <a:ext uri="{28A0092B-C50C-407E-A947-70E740481C1C}">
-                <a14:useLocalDpi xmlns:a14="http://schemas.microsoft.com/office/drawing/2010/main" val="0"/>
-              </a:ext>
-            </a:extLst>
-          </a:blip>
-          <a:srcRect/>
+          <a:blip r:embed="rId2"/>
           <a:stretch>
             <a:fillRect/>
           </a:stretch>
         </p:blipFill>
-        <p:spPr bwMode="auto">
+        <p:spPr>
           <a:xfrm>
-            <a:off x="1219200" y="2514600"/>
-            <a:ext cx="6705600" cy="4149372"/>
+            <a:off x="1219200" y="2576663"/>
+            <a:ext cx="6705600" cy="4090837"/>
           </a:xfrm>
           <a:prstGeom prst="rect">
             <a:avLst/>
           </a:prstGeom>
-          <a:noFill/>
-          <a:extLst>
-            <a:ext uri="{909E8E84-426E-40DD-AFC4-6F175D3DCCD1}">
-              <a14:hiddenFill xmlns:a14="http://schemas.microsoft.com/office/drawing/2010/main">
-                <a:solidFill>
-                  <a:srgbClr val="FFFFFF"/>
-                </a:solidFill>
-              </a14:hiddenFill>
-            </a:ext>
-          </a:extLst>
+          <a:ln>
+            <a:noFill/>
+          </a:ln>
+          <a:effectLst>
+            <a:outerShdw blurRad="292100" dist="139700" dir="2700000" algn="tl" rotWithShape="0">
+              <a:srgbClr val="333333">
+                <a:alpha val="65000"/>
+              </a:srgbClr>
+            </a:outerShdw>
+          </a:effectLst>
         </p:spPr>
       </p:pic>
     </p:spTree>
@@ -16086,13 +16717,7 @@
               <a:rPr lang="en-US" dirty="0" smtClean="0">
                 <a:hlinkClick r:id="rId2"/>
               </a:rPr>
-              <a:t>Commercia</a:t>
-            </a:r>
-            <a:r>
-              <a:rPr lang="en-US" dirty="0" smtClean="0">
-                <a:hlinkClick r:id="rId2"/>
-              </a:rPr>
-              <a:t>l 1</a:t>
+              <a:t>Commercial 1</a:t>
             </a:r>
             <a:r>
               <a:rPr lang="en-US" dirty="0" smtClean="0"/>
@@ -16124,7 +16749,6 @@
               <a:rPr lang="en-US" dirty="0" smtClean="0"/>
               <a:t> </a:t>
             </a:r>
-            <a:endParaRPr lang="en-US" dirty="0" smtClean="0"/>
           </a:p>
           <a:p>
             <a:pPr lvl="1">
@@ -16159,13 +16783,7 @@
               <a:rPr lang="en-US" sz="2600" dirty="0" smtClean="0">
                 <a:hlinkClick r:id="rId5"/>
               </a:rPr>
-              <a:t>://</a:t>
-            </a:r>
-            <a:r>
-              <a:rPr lang="en-US" sz="2600" dirty="0" smtClean="0">
-                <a:hlinkClick r:id="rId5"/>
-              </a:rPr>
-              <a:t>youtube.com/watch?v=0uRR72b_qvc</a:t>
+              <a:t>://youtube.com/watch?v=0uRR72b_qvc</a:t>
             </a:r>
             <a:endParaRPr lang="en-US" dirty="0" smtClean="0"/>
           </a:p>
@@ -16230,13 +16848,8 @@
             </a:r>
             <a:r>
               <a:rPr lang="en-US" sz="2800" dirty="0" smtClean="0"/>
-              <a:t>, </a:t>
-            </a:r>
-            <a:r>
-              <a:rPr lang="en-US" sz="2800" dirty="0" smtClean="0"/>
-              <a:t>security and more</a:t>
-            </a:r>
-            <a:endParaRPr lang="en-US" sz="2800" dirty="0" smtClean="0"/>
+              <a:t>, security and more</a:t>
+            </a:r>
           </a:p>
         </p:txBody>
       </p:sp>
@@ -16594,7 +17207,6 @@
               <a:rPr lang="en-US" dirty="0" smtClean="0"/>
               <a:t>Virtual Machines</a:t>
             </a:r>
-            <a:endParaRPr lang="en-US" dirty="0" smtClean="0"/>
           </a:p>
           <a:p>
             <a:pPr>
@@ -16610,13 +17222,8 @@
             </a:pPr>
             <a:r>
               <a:rPr lang="en-US" dirty="0" smtClean="0"/>
-              <a:t>Web </a:t>
-            </a:r>
-            <a:r>
-              <a:rPr lang="en-US" dirty="0" smtClean="0"/>
-              <a:t>Applications</a:t>
-            </a:r>
-            <a:endParaRPr lang="en-US" dirty="0" smtClean="0"/>
+              <a:t>Web Applications</a:t>
+            </a:r>
           </a:p>
           <a:p>
             <a:pPr>

--- a/09. Intro-to-Azure/Intro-to-Azure.pptx
+++ b/09. Intro-to-Azure/Intro-to-Azure.pptx
@@ -5,10 +5,10 @@
     <p:sldMasterId id="2147483705" r:id="rId1"/>
   </p:sldMasterIdLst>
   <p:notesMasterIdLst>
-    <p:notesMasterId r:id="rId25"/>
+    <p:notesMasterId r:id="rId32"/>
   </p:notesMasterIdLst>
   <p:handoutMasterIdLst>
-    <p:handoutMasterId r:id="rId26"/>
+    <p:handoutMasterId r:id="rId33"/>
   </p:handoutMasterIdLst>
   <p:sldIdLst>
     <p:sldId id="570" r:id="rId2"/>
@@ -24,21 +24,28 @@
     <p:sldId id="579" r:id="rId12"/>
     <p:sldId id="593" r:id="rId13"/>
     <p:sldId id="596" r:id="rId14"/>
-    <p:sldId id="580" r:id="rId15"/>
-    <p:sldId id="595" r:id="rId16"/>
-    <p:sldId id="581" r:id="rId17"/>
-    <p:sldId id="594" r:id="rId18"/>
-    <p:sldId id="597" r:id="rId19"/>
-    <p:sldId id="578" r:id="rId20"/>
-    <p:sldId id="577" r:id="rId21"/>
-    <p:sldId id="584" r:id="rId22"/>
-    <p:sldId id="571" r:id="rId23"/>
-    <p:sldId id="333" r:id="rId24"/>
+    <p:sldId id="602" r:id="rId15"/>
+    <p:sldId id="601" r:id="rId16"/>
+    <p:sldId id="580" r:id="rId17"/>
+    <p:sldId id="584" r:id="rId18"/>
+    <p:sldId id="595" r:id="rId19"/>
+    <p:sldId id="577" r:id="rId20"/>
+    <p:sldId id="581" r:id="rId21"/>
+    <p:sldId id="594" r:id="rId22"/>
+    <p:sldId id="597" r:id="rId23"/>
+    <p:sldId id="599" r:id="rId24"/>
+    <p:sldId id="598" r:id="rId25"/>
+    <p:sldId id="603" r:id="rId26"/>
+    <p:sldId id="605" r:id="rId27"/>
+    <p:sldId id="600" r:id="rId28"/>
+    <p:sldId id="604" r:id="rId29"/>
+    <p:sldId id="571" r:id="rId30"/>
+    <p:sldId id="333" r:id="rId31"/>
   </p:sldIdLst>
   <p:sldSz cx="9144000" cy="6858000" type="screen4x3"/>
   <p:notesSz cx="6881813" cy="9296400"/>
   <p:custDataLst>
-    <p:tags r:id="rId27"/>
+    <p:tags r:id="rId34"/>
   </p:custDataLst>
   <p:defaultTextStyle>
     <a:defPPr>
@@ -195,12 +202,16 @@
         <p14:section name="Data + Storage" id="{B53EDB20-1118-4A69-B27D-E9A282CF3794}">
           <p14:sldIdLst>
             <p14:sldId id="596"/>
+            <p14:sldId id="602"/>
+            <p14:sldId id="601"/>
           </p14:sldIdLst>
         </p14:section>
         <p14:section name="Web + Mobile" id="{224B9521-D9FD-466D-9DB2-6415D0CB99F0}">
           <p14:sldIdLst>
             <p14:sldId id="580"/>
+            <p14:sldId id="584"/>
             <p14:sldId id="595"/>
+            <p14:sldId id="577"/>
             <p14:sldId id="581"/>
             <p14:sldId id="594"/>
           </p14:sldIdLst>
@@ -208,13 +219,16 @@
         <p14:section name="Data, Analytics and IoT" id="{9588CB3F-833D-4C9E-BFC6-52C07D6A35D8}">
           <p14:sldIdLst>
             <p14:sldId id="597"/>
+            <p14:sldId id="599"/>
           </p14:sldIdLst>
         </p14:section>
-        <p14:section name="Untitled Section" id="{A91B62CF-D1E6-486B-8B7B-CCD1A93A836D}">
+        <p14:section name="Other Services" id="{D3BE24AB-D2F7-4ED2-BB58-210AF03DE5CB}">
           <p14:sldIdLst>
-            <p14:sldId id="578"/>
-            <p14:sldId id="577"/>
-            <p14:sldId id="584"/>
+            <p14:sldId id="598"/>
+            <p14:sldId id="603"/>
+            <p14:sldId id="605"/>
+            <p14:sldId id="600"/>
+            <p14:sldId id="604"/>
           </p14:sldIdLst>
         </p14:section>
         <p14:section name="Questions" id="{8D72C05E-39A0-4D2C-9043-EFF11327E274}">
@@ -372,7 +386,7 @@
             <a:fld id="{3BF7C7B5-275F-4D1F-9AB4-9255447DBC73}" type="datetimeFigureOut">
               <a:rPr lang="en-US"/>
               <a:pPr/>
-              <a:t>11/10/2015</a:t>
+              <a:t>11/11/2015</a:t>
             </a:fld>
             <a:endParaRPr lang="en-US" dirty="0"/>
           </a:p>
@@ -603,7 +617,7 @@
             <a:fld id="{9B46F231-FB2B-4655-A644-E2477325E686}" type="datetimeFigureOut">
               <a:rPr lang="en-US"/>
               <a:pPr/>
-              <a:t>11/10/2015</a:t>
+              <a:t>11/11/2015</a:t>
             </a:fld>
             <a:endParaRPr lang="en-US" dirty="0"/>
           </a:p>
@@ -12241,7 +12255,11 @@
           <a:p>
             <a:r>
               <a:rPr lang="en-US" sz="6000" dirty="0" smtClean="0"/>
-              <a:t>Introduction to Azure</a:t>
+              <a:t>Introduction to </a:t>
+            </a:r>
+            <a:r>
+              <a:rPr lang="en-US" sz="6000" dirty="0" smtClean="0"/>
+              <a:t>Azure</a:t>
             </a:r>
             <a:endParaRPr lang="en-US" sz="6000" dirty="0"/>
           </a:p>
@@ -12269,8 +12287,25 @@
           <a:p>
             <a:r>
               <a:rPr lang="en-US" dirty="0"/>
-              <a:t>Microsoft's application platform for the public cloud</a:t>
-            </a:r>
+              <a:t>Microsoft's </a:t>
+            </a:r>
+            <a:r>
+              <a:rPr lang="en-US" dirty="0" smtClean="0"/>
+              <a:t>Application Platform </a:t>
+            </a:r>
+            <a:r>
+              <a:rPr lang="en-US" dirty="0"/>
+              <a:t>for </a:t>
+            </a:r>
+            <a:r>
+              <a:rPr lang="en-US"/>
+              <a:t>the </a:t>
+            </a:r>
+            <a:r>
+              <a:rPr lang="en-US" smtClean="0"/>
+              <a:t>Public Cloud</a:t>
+            </a:r>
+            <a:endParaRPr lang="en-US" dirty="0"/>
           </a:p>
         </p:txBody>
       </p:sp>
@@ -13258,153 +13293,10 @@
                 <a:spcPts val="300"/>
               </a:spcAft>
             </a:pPr>
-            <a:endParaRPr lang="en-US" dirty="0" smtClean="0"/>
-          </a:p>
-          <a:p>
-            <a:pPr>
-              <a:spcBef>
-                <a:spcPts val="300"/>
-              </a:spcBef>
-              <a:spcAft>
-                <a:spcPts val="300"/>
-              </a:spcAft>
-            </a:pPr>
-            <a:endParaRPr lang="en-US" dirty="0"/>
-          </a:p>
-          <a:p>
-            <a:pPr>
-              <a:spcBef>
-                <a:spcPts val="300"/>
-              </a:spcBef>
-              <a:spcAft>
-                <a:spcPts val="300"/>
-              </a:spcAft>
-            </a:pPr>
-            <a:endParaRPr lang="en-US" dirty="0" smtClean="0"/>
-          </a:p>
-          <a:p>
-            <a:pPr>
-              <a:spcBef>
-                <a:spcPts val="300"/>
-              </a:spcBef>
-              <a:spcAft>
-                <a:spcPts val="300"/>
-              </a:spcAft>
-            </a:pPr>
-            <a:endParaRPr lang="en-US" dirty="0"/>
-          </a:p>
-          <a:p>
-            <a:pPr>
-              <a:spcBef>
-                <a:spcPts val="300"/>
-              </a:spcBef>
-              <a:spcAft>
-                <a:spcPts val="300"/>
-              </a:spcAft>
-            </a:pPr>
-            <a:endParaRPr lang="en-US" dirty="0" smtClean="0"/>
-          </a:p>
-          <a:p>
-            <a:pPr>
-              <a:spcBef>
-                <a:spcPts val="300"/>
-              </a:spcBef>
-              <a:spcAft>
-                <a:spcPts val="300"/>
-              </a:spcAft>
-            </a:pPr>
-            <a:endParaRPr lang="en-US" dirty="0" smtClean="0"/>
-          </a:p>
-          <a:p>
-            <a:pPr>
-              <a:spcBef>
-                <a:spcPts val="300"/>
-              </a:spcBef>
-              <a:spcAft>
-                <a:spcPts val="300"/>
-              </a:spcAft>
-            </a:pPr>
-            <a:endParaRPr lang="en-US" dirty="0"/>
-          </a:p>
-          <a:p>
-            <a:pPr>
-              <a:spcBef>
-                <a:spcPts val="300"/>
-              </a:spcBef>
-              <a:spcAft>
-                <a:spcPts val="300"/>
-              </a:spcAft>
-            </a:pPr>
-            <a:r>
-              <a:rPr lang="en-US" sz="3000" dirty="0">
-                <a:hlinkClick r:id="rId2"/>
-              </a:rPr>
-              <a:t>https</a:t>
-            </a:r>
-            <a:r>
-              <a:rPr lang="en-US" sz="3000" dirty="0" smtClean="0">
-                <a:hlinkClick r:id="rId2"/>
-              </a:rPr>
-              <a:t>://youtube.com/watch?v=kukyVj9rQ1Y</a:t>
-            </a:r>
-            <a:endParaRPr lang="en-US" sz="3000" dirty="0" smtClean="0"/>
-          </a:p>
-          <a:p>
-            <a:pPr>
-              <a:spcBef>
-                <a:spcPts val="300"/>
-              </a:spcBef>
-              <a:spcAft>
-                <a:spcPts val="300"/>
-              </a:spcAft>
-            </a:pPr>
-            <a:r>
-              <a:rPr lang="en-US" sz="3000" dirty="0">
-                <a:hlinkClick r:id="rId3"/>
-              </a:rPr>
-              <a:t>https</a:t>
-            </a:r>
-            <a:r>
-              <a:rPr lang="en-US" sz="3000" dirty="0" smtClean="0">
-                <a:hlinkClick r:id="rId3"/>
-              </a:rPr>
-              <a:t>://youtube.com/watch?v=Nn4_EdyN6FM</a:t>
-            </a:r>
-            <a:endParaRPr lang="en-US" sz="3000" dirty="0" smtClean="0"/>
-          </a:p>
-          <a:p>
-            <a:pPr>
-              <a:spcBef>
-                <a:spcPts val="300"/>
-              </a:spcBef>
-              <a:spcAft>
-                <a:spcPts val="300"/>
-              </a:spcAft>
-            </a:pPr>
-            <a:r>
-              <a:rPr lang="en-US" sz="3000" dirty="0">
-                <a:hlinkClick r:id="rId4"/>
-              </a:rPr>
-              <a:t>https</a:t>
-            </a:r>
-            <a:r>
-              <a:rPr lang="en-US" sz="3000" dirty="0" smtClean="0">
-                <a:hlinkClick r:id="rId4"/>
-              </a:rPr>
-              <a:t>://youtube.com/watch?v=FWGtgpzjAPM</a:t>
-            </a:r>
-            <a:endParaRPr lang="en-US" sz="3000" dirty="0" smtClean="0"/>
-          </a:p>
-          <a:p>
-            <a:pPr>
-              <a:spcBef>
-                <a:spcPts val="300"/>
-              </a:spcBef>
-              <a:spcAft>
-                <a:spcPts val="300"/>
-              </a:spcAft>
-            </a:pPr>
-            <a:endParaRPr lang="en-US" sz="3000" dirty="0"/>
+            <a:r>
+              <a:rPr lang="en-US" sz="3000" dirty="0"/>
+              <a:t>Applications need data, and different kinds of applications need different kinds of data. </a:t>
+            </a:r>
           </a:p>
         </p:txBody>
       </p:sp>
@@ -13446,14 +13338,14 @@
           <p:nvPr/>
         </p:nvPicPr>
         <p:blipFill>
-          <a:blip r:embed="rId5"/>
+          <a:blip r:embed="rId2"/>
           <a:stretch>
             <a:fillRect/>
           </a:stretch>
         </p:blipFill>
         <p:spPr>
           <a:xfrm>
-            <a:off x="457200" y="868680"/>
+            <a:off x="457200" y="2209800"/>
             <a:ext cx="2524477" cy="4153480"/>
           </a:xfrm>
           <a:prstGeom prst="rect">
@@ -13470,14 +13362,14 @@
           <p:nvPr/>
         </p:nvPicPr>
         <p:blipFill>
-          <a:blip r:embed="rId6"/>
+          <a:blip r:embed="rId3"/>
           <a:stretch>
             <a:fillRect/>
           </a:stretch>
         </p:blipFill>
         <p:spPr>
           <a:xfrm>
-            <a:off x="3102833" y="868680"/>
+            <a:off x="3102833" y="2209800"/>
             <a:ext cx="2524477" cy="4153480"/>
           </a:xfrm>
           <a:prstGeom prst="rect">
@@ -13494,14 +13386,14 @@
           <p:nvPr/>
         </p:nvPicPr>
         <p:blipFill>
-          <a:blip r:embed="rId7"/>
+          <a:blip r:embed="rId4"/>
           <a:stretch>
             <a:fillRect/>
           </a:stretch>
         </p:blipFill>
         <p:spPr>
           <a:xfrm>
-            <a:off x="5748466" y="869260"/>
+            <a:off x="5748466" y="2210380"/>
             <a:ext cx="2862134" cy="4152900"/>
           </a:xfrm>
           <a:prstGeom prst="rect">
@@ -13523,6 +13415,453 @@
 </file>
 
 <file path=ppt/slides/slide14.xml><?xml version="1.0" encoding="utf-8"?>
+<p:sld xmlns:a="http://schemas.openxmlformats.org/drawingml/2006/main" xmlns:r="http://schemas.openxmlformats.org/officeDocument/2006/relationships" xmlns:p="http://schemas.openxmlformats.org/presentationml/2006/main">
+  <p:cSld>
+    <p:spTree>
+      <p:nvGrpSpPr>
+        <p:cNvPr id="1" name=""/>
+        <p:cNvGrpSpPr/>
+        <p:nvPr/>
+      </p:nvGrpSpPr>
+      <p:grpSpPr>
+        <a:xfrm>
+          <a:off x="0" y="0"/>
+          <a:ext cx="0" cy="0"/>
+          <a:chOff x="0" y="0"/>
+          <a:chExt cx="0" cy="0"/>
+        </a:xfrm>
+      </p:grpSpPr>
+      <p:sp>
+        <p:nvSpPr>
+          <p:cNvPr id="2" name="Title 1"/>
+          <p:cNvSpPr>
+            <a:spLocks noGrp="1"/>
+          </p:cNvSpPr>
+          <p:nvPr>
+            <p:ph type="title"/>
+          </p:nvPr>
+        </p:nvSpPr>
+        <p:spPr/>
+        <p:txBody>
+          <a:bodyPr/>
+          <a:lstStyle/>
+          <a:p>
+            <a:r>
+              <a:rPr lang="en-US" dirty="0" smtClean="0"/>
+              <a:t>Types of Storage in Azure</a:t>
+            </a:r>
+            <a:endParaRPr lang="en-US" dirty="0"/>
+          </a:p>
+        </p:txBody>
+      </p:sp>
+      <p:sp>
+        <p:nvSpPr>
+          <p:cNvPr id="4" name="Slide Number Placeholder 3"/>
+          <p:cNvSpPr>
+            <a:spLocks noGrp="1"/>
+          </p:cNvSpPr>
+          <p:nvPr>
+            <p:ph type="sldNum" sz="quarter" idx="10"/>
+          </p:nvPr>
+        </p:nvSpPr>
+        <p:spPr/>
+        <p:txBody>
+          <a:bodyPr/>
+          <a:lstStyle/>
+          <a:p>
+            <a:pPr>
+              <a:defRPr/>
+            </a:pPr>
+            <a:fld id="{58452FF4-89E3-4D1B-9927-2DBDC00E58D7}" type="slidenum">
+              <a:rPr lang="en-US" smtClean="0"/>
+              <a:pPr>
+                <a:defRPr/>
+              </a:pPr>
+              <a:t>14</a:t>
+            </a:fld>
+            <a:endParaRPr lang="en-US" dirty="0"/>
+          </a:p>
+        </p:txBody>
+      </p:sp>
+      <p:pic>
+        <p:nvPicPr>
+          <p:cNvPr id="1026" name="Picture 2" descr="Azure Storage SQL Database"/>
+          <p:cNvPicPr>
+            <a:picLocks noChangeAspect="1" noChangeArrowheads="1"/>
+          </p:cNvPicPr>
+          <p:nvPr/>
+        </p:nvPicPr>
+        <p:blipFill rotWithShape="1">
+          <a:blip r:embed="rId2">
+            <a:extLst>
+              <a:ext uri="{28A0092B-C50C-407E-A947-70E740481C1C}">
+                <a14:useLocalDpi xmlns:a14="http://schemas.microsoft.com/office/drawing/2010/main" val="0"/>
+              </a:ext>
+            </a:extLst>
+          </a:blip>
+          <a:srcRect l="13753" t="400" r="775" b="11439"/>
+          <a:stretch/>
+        </p:blipFill>
+        <p:spPr bwMode="auto">
+          <a:xfrm>
+            <a:off x="914400" y="838200"/>
+            <a:ext cx="3053628" cy="2445796"/>
+          </a:xfrm>
+          <a:prstGeom prst="rect">
+            <a:avLst/>
+          </a:prstGeom>
+          <a:ln>
+            <a:noFill/>
+          </a:ln>
+          <a:effectLst>
+            <a:outerShdw blurRad="292100" dist="139700" dir="2700000" algn="tl" rotWithShape="0">
+              <a:srgbClr val="333333">
+                <a:alpha val="65000"/>
+              </a:srgbClr>
+            </a:outerShdw>
+          </a:effectLst>
+          <a:extLst>
+            <a:ext uri="{909E8E84-426E-40DD-AFC4-6F175D3DCCD1}">
+              <a14:hiddenFill xmlns:a14="http://schemas.microsoft.com/office/drawing/2010/main">
+                <a:solidFill>
+                  <a:srgbClr val="FFFFFF"/>
+                </a:solidFill>
+              </a14:hiddenFill>
+            </a:ext>
+          </a:extLst>
+        </p:spPr>
+      </p:pic>
+      <p:pic>
+        <p:nvPicPr>
+          <p:cNvPr id="1028" name="Picture 4" descr="Azure Storage Tables"/>
+          <p:cNvPicPr>
+            <a:picLocks noChangeAspect="1" noChangeArrowheads="1"/>
+          </p:cNvPicPr>
+          <p:nvPr/>
+        </p:nvPicPr>
+        <p:blipFill rotWithShape="1">
+          <a:blip r:embed="rId3">
+            <a:extLst>
+              <a:ext uri="{28A0092B-C50C-407E-A947-70E740481C1C}">
+                <a14:useLocalDpi xmlns:a14="http://schemas.microsoft.com/office/drawing/2010/main" val="0"/>
+              </a:ext>
+            </a:extLst>
+          </a:blip>
+          <a:srcRect l="6240" t="528" r="863" b="11706"/>
+          <a:stretch/>
+        </p:blipFill>
+        <p:spPr bwMode="auto">
+          <a:xfrm>
+            <a:off x="4876800" y="942109"/>
+            <a:ext cx="3402676" cy="2499575"/>
+          </a:xfrm>
+          <a:prstGeom prst="rect">
+            <a:avLst/>
+          </a:prstGeom>
+          <a:ln>
+            <a:noFill/>
+          </a:ln>
+          <a:effectLst>
+            <a:outerShdw blurRad="292100" dist="139700" dir="2700000" algn="tl" rotWithShape="0">
+              <a:srgbClr val="333333">
+                <a:alpha val="65000"/>
+              </a:srgbClr>
+            </a:outerShdw>
+          </a:effectLst>
+          <a:extLst>
+            <a:ext uri="{909E8E84-426E-40DD-AFC4-6F175D3DCCD1}">
+              <a14:hiddenFill xmlns:a14="http://schemas.microsoft.com/office/drawing/2010/main">
+                <a:solidFill>
+                  <a:srgbClr val="FFFFFF"/>
+                </a:solidFill>
+              </a14:hiddenFill>
+            </a:ext>
+          </a:extLst>
+        </p:spPr>
+      </p:pic>
+      <p:pic>
+        <p:nvPicPr>
+          <p:cNvPr id="1030" name="Picture 6" descr="Azure Storage Blobs"/>
+          <p:cNvPicPr>
+            <a:picLocks noChangeAspect="1" noChangeArrowheads="1"/>
+          </p:cNvPicPr>
+          <p:nvPr/>
+        </p:nvPicPr>
+        <p:blipFill rotWithShape="1">
+          <a:blip r:embed="rId4">
+            <a:extLst>
+              <a:ext uri="{28A0092B-C50C-407E-A947-70E740481C1C}">
+                <a14:useLocalDpi xmlns:a14="http://schemas.microsoft.com/office/drawing/2010/main" val="0"/>
+              </a:ext>
+            </a:extLst>
+          </a:blip>
+          <a:srcRect l="14221" t="465" r="1377" b="23468"/>
+          <a:stretch/>
+        </p:blipFill>
+        <p:spPr bwMode="auto">
+          <a:xfrm>
+            <a:off x="4825538" y="3752630"/>
+            <a:ext cx="3505200" cy="2456194"/>
+          </a:xfrm>
+          <a:prstGeom prst="rect">
+            <a:avLst/>
+          </a:prstGeom>
+          <a:ln>
+            <a:noFill/>
+          </a:ln>
+          <a:effectLst>
+            <a:outerShdw blurRad="292100" dist="139700" dir="2700000" algn="tl" rotWithShape="0">
+              <a:srgbClr val="333333">
+                <a:alpha val="65000"/>
+              </a:srgbClr>
+            </a:outerShdw>
+          </a:effectLst>
+          <a:extLst>
+            <a:ext uri="{909E8E84-426E-40DD-AFC4-6F175D3DCCD1}">
+              <a14:hiddenFill xmlns:a14="http://schemas.microsoft.com/office/drawing/2010/main">
+                <a:solidFill>
+                  <a:srgbClr val="FFFFFF"/>
+                </a:solidFill>
+              </a14:hiddenFill>
+            </a:ext>
+          </a:extLst>
+        </p:spPr>
+      </p:pic>
+      <p:pic>
+        <p:nvPicPr>
+          <p:cNvPr id="1032" name="Picture 8" descr="Azure File Service"/>
+          <p:cNvPicPr>
+            <a:picLocks noChangeAspect="1" noChangeArrowheads="1"/>
+          </p:cNvPicPr>
+          <p:nvPr/>
+        </p:nvPicPr>
+        <p:blipFill rotWithShape="1">
+          <a:blip r:embed="rId5">
+            <a:extLst>
+              <a:ext uri="{28A0092B-C50C-407E-A947-70E740481C1C}">
+                <a14:useLocalDpi xmlns:a14="http://schemas.microsoft.com/office/drawing/2010/main" val="0"/>
+              </a:ext>
+            </a:extLst>
+          </a:blip>
+          <a:srcRect l="3811" t="2139" r="3974" b="8030"/>
+          <a:stretch/>
+        </p:blipFill>
+        <p:spPr bwMode="auto">
+          <a:xfrm>
+            <a:off x="914400" y="3341735"/>
+            <a:ext cx="3043843" cy="3277985"/>
+          </a:xfrm>
+          <a:prstGeom prst="rect">
+            <a:avLst/>
+          </a:prstGeom>
+          <a:ln>
+            <a:noFill/>
+          </a:ln>
+          <a:effectLst>
+            <a:outerShdw blurRad="292100" dist="139700" dir="2700000" algn="tl" rotWithShape="0">
+              <a:srgbClr val="333333">
+                <a:alpha val="65000"/>
+              </a:srgbClr>
+            </a:outerShdw>
+          </a:effectLst>
+          <a:extLst>
+            <a:ext uri="{909E8E84-426E-40DD-AFC4-6F175D3DCCD1}">
+              <a14:hiddenFill xmlns:a14="http://schemas.microsoft.com/office/drawing/2010/main">
+                <a:solidFill>
+                  <a:srgbClr val="FFFFFF"/>
+                </a:solidFill>
+              </a14:hiddenFill>
+            </a:ext>
+          </a:extLst>
+        </p:spPr>
+      </p:pic>
+    </p:spTree>
+    <p:extLst>
+      <p:ext uri="{BB962C8B-B14F-4D97-AF65-F5344CB8AC3E}">
+        <p14:creationId xmlns:p14="http://schemas.microsoft.com/office/powerpoint/2010/main" val="3187839539"/>
+      </p:ext>
+    </p:extLst>
+  </p:cSld>
+  <p:clrMapOvr>
+    <a:masterClrMapping/>
+  </p:clrMapOvr>
+</p:sld>
+</file>
+
+<file path=ppt/slides/slide15.xml><?xml version="1.0" encoding="utf-8"?>
+<p:sld xmlns:a="http://schemas.openxmlformats.org/drawingml/2006/main" xmlns:r="http://schemas.openxmlformats.org/officeDocument/2006/relationships" xmlns:p="http://schemas.openxmlformats.org/presentationml/2006/main">
+  <p:cSld>
+    <p:spTree>
+      <p:nvGrpSpPr>
+        <p:cNvPr id="1" name=""/>
+        <p:cNvGrpSpPr/>
+        <p:nvPr/>
+      </p:nvGrpSpPr>
+      <p:grpSpPr>
+        <a:xfrm>
+          <a:off x="0" y="0"/>
+          <a:ext cx="0" cy="0"/>
+          <a:chOff x="0" y="0"/>
+          <a:chExt cx="0" cy="0"/>
+        </a:xfrm>
+      </p:grpSpPr>
+      <p:pic>
+        <p:nvPicPr>
+          <p:cNvPr id="7" name="Picture 6"/>
+          <p:cNvPicPr>
+            <a:picLocks noChangeAspect="1"/>
+          </p:cNvPicPr>
+          <p:nvPr/>
+        </p:nvPicPr>
+        <p:blipFill>
+          <a:blip r:embed="rId2"/>
+          <a:stretch>
+            <a:fillRect/>
+          </a:stretch>
+        </p:blipFill>
+        <p:spPr>
+          <a:xfrm>
+            <a:off x="1893500" y="685800"/>
+            <a:ext cx="5357000" cy="3558933"/>
+          </a:xfrm>
+          <a:prstGeom prst="roundRect">
+            <a:avLst>
+              <a:gd name="adj" fmla="val 0"/>
+            </a:avLst>
+          </a:prstGeom>
+          <a:solidFill>
+            <a:srgbClr val="FFFFFF">
+              <a:shade val="85000"/>
+            </a:srgbClr>
+          </a:solidFill>
+          <a:ln>
+            <a:noFill/>
+          </a:ln>
+          <a:effectLst>
+            <a:reflection blurRad="12700" stA="38000" endPos="28000" dist="5000" dir="5400000" sy="-100000" algn="bl" rotWithShape="0"/>
+          </a:effectLst>
+        </p:spPr>
+      </p:pic>
+      <p:sp>
+        <p:nvSpPr>
+          <p:cNvPr id="5" name="Title 4"/>
+          <p:cNvSpPr>
+            <a:spLocks noGrp="1"/>
+          </p:cNvSpPr>
+          <p:nvPr>
+            <p:ph type="ctrTitle"/>
+          </p:nvPr>
+        </p:nvSpPr>
+        <p:spPr>
+          <a:xfrm>
+            <a:off x="457200" y="4397434"/>
+            <a:ext cx="8229600" cy="685800"/>
+          </a:xfrm>
+        </p:spPr>
+        <p:txBody>
+          <a:bodyPr/>
+          <a:lstStyle/>
+          <a:p>
+            <a:r>
+              <a:rPr lang="en-US" dirty="0" smtClean="0"/>
+              <a:t>Demo: Create SQL Database</a:t>
+            </a:r>
+            <a:endParaRPr lang="en-US" dirty="0"/>
+          </a:p>
+        </p:txBody>
+      </p:sp>
+      <p:sp>
+        <p:nvSpPr>
+          <p:cNvPr id="6" name="Subtitle 5"/>
+          <p:cNvSpPr>
+            <a:spLocks noGrp="1"/>
+          </p:cNvSpPr>
+          <p:nvPr>
+            <p:ph type="subTitle" idx="1"/>
+          </p:nvPr>
+        </p:nvSpPr>
+        <p:spPr>
+          <a:xfrm>
+            <a:off x="609600" y="5123713"/>
+            <a:ext cx="7924800" cy="1407320"/>
+          </a:xfrm>
+        </p:spPr>
+        <p:txBody>
+          <a:bodyPr/>
+          <a:lstStyle/>
+          <a:p>
+            <a:pPr>
+              <a:spcBef>
+                <a:spcPts val="0"/>
+              </a:spcBef>
+              <a:spcAft>
+                <a:spcPts val="0"/>
+              </a:spcAft>
+            </a:pPr>
+            <a:r>
+              <a:rPr lang="en-US" dirty="0">
+                <a:hlinkClick r:id="rId3"/>
+              </a:rPr>
+              <a:t>https://youtube.com/watch?v=kukyVj9rQ1Y</a:t>
+            </a:r>
+            <a:endParaRPr lang="en-US" dirty="0"/>
+          </a:p>
+          <a:p>
+            <a:pPr>
+              <a:spcBef>
+                <a:spcPts val="0"/>
+              </a:spcBef>
+              <a:spcAft>
+                <a:spcPts val="0"/>
+              </a:spcAft>
+            </a:pPr>
+            <a:r>
+              <a:rPr lang="en-US" dirty="0">
+                <a:hlinkClick r:id="rId4"/>
+              </a:rPr>
+              <a:t>https://youtube.com/watch?v=Nn4_EdyN6FM</a:t>
+            </a:r>
+            <a:endParaRPr lang="en-US" dirty="0"/>
+          </a:p>
+          <a:p>
+            <a:pPr>
+              <a:spcBef>
+                <a:spcPts val="0"/>
+              </a:spcBef>
+              <a:spcAft>
+                <a:spcPts val="0"/>
+              </a:spcAft>
+            </a:pPr>
+            <a:r>
+              <a:rPr lang="en-US" dirty="0">
+                <a:hlinkClick r:id="rId5"/>
+              </a:rPr>
+              <a:t>https://</a:t>
+            </a:r>
+            <a:r>
+              <a:rPr lang="en-US" dirty="0" smtClean="0">
+                <a:hlinkClick r:id="rId5"/>
+              </a:rPr>
+              <a:t>youtube.com/watch?v=FWGtgpzjAPM</a:t>
+            </a:r>
+            <a:endParaRPr lang="en-US" dirty="0"/>
+          </a:p>
+        </p:txBody>
+      </p:sp>
+    </p:spTree>
+    <p:extLst>
+      <p:ext uri="{BB962C8B-B14F-4D97-AF65-F5344CB8AC3E}">
+        <p14:creationId xmlns:p14="http://schemas.microsoft.com/office/powerpoint/2010/main" val="4202886207"/>
+      </p:ext>
+    </p:extLst>
+  </p:cSld>
+  <p:clrMapOvr>
+    <a:masterClrMapping/>
+  </p:clrMapOvr>
+</p:sld>
+</file>
+
+<file path=ppt/slides/slide16.xml><?xml version="1.0" encoding="utf-8"?>
 <p:sld xmlns:a="http://schemas.openxmlformats.org/drawingml/2006/main" xmlns:r="http://schemas.openxmlformats.org/officeDocument/2006/relationships" xmlns:p="http://schemas.openxmlformats.org/presentationml/2006/main">
   <p:cSld>
     <p:spTree>
@@ -13688,7 +14027,114 @@
 </p:sld>
 </file>
 
-<file path=ppt/slides/slide15.xml><?xml version="1.0" encoding="utf-8"?>
+<file path=ppt/slides/slide17.xml><?xml version="1.0" encoding="utf-8"?>
+<p:sld xmlns:a="http://schemas.openxmlformats.org/drawingml/2006/main" xmlns:r="http://schemas.openxmlformats.org/officeDocument/2006/relationships" xmlns:p="http://schemas.openxmlformats.org/presentationml/2006/main">
+  <p:cSld>
+    <p:spTree>
+      <p:nvGrpSpPr>
+        <p:cNvPr id="1" name=""/>
+        <p:cNvGrpSpPr/>
+        <p:nvPr/>
+      </p:nvGrpSpPr>
+      <p:grpSpPr>
+        <a:xfrm>
+          <a:off x="0" y="0"/>
+          <a:ext cx="0" cy="0"/>
+          <a:chOff x="0" y="0"/>
+          <a:chExt cx="0" cy="0"/>
+        </a:xfrm>
+      </p:grpSpPr>
+      <p:sp>
+        <p:nvSpPr>
+          <p:cNvPr id="4" name="Slide Number Placeholder 3"/>
+          <p:cNvSpPr>
+            <a:spLocks noGrp="1"/>
+          </p:cNvSpPr>
+          <p:nvPr>
+            <p:ph type="sldNum" sz="quarter" idx="10"/>
+          </p:nvPr>
+        </p:nvSpPr>
+        <p:spPr/>
+        <p:txBody>
+          <a:bodyPr/>
+          <a:lstStyle/>
+          <a:p>
+            <a:pPr>
+              <a:defRPr/>
+            </a:pPr>
+            <a:fld id="{58452FF4-89E3-4D1B-9927-2DBDC00E58D7}" type="slidenum">
+              <a:rPr lang="en-US" smtClean="0"/>
+              <a:pPr>
+                <a:defRPr/>
+              </a:pPr>
+              <a:t>17</a:t>
+            </a:fld>
+            <a:endParaRPr lang="en-US" dirty="0"/>
+          </a:p>
+        </p:txBody>
+      </p:sp>
+      <p:pic>
+        <p:nvPicPr>
+          <p:cNvPr id="6" name="Picture 5"/>
+          <p:cNvPicPr>
+            <a:picLocks noChangeAspect="1"/>
+          </p:cNvPicPr>
+          <p:nvPr/>
+        </p:nvPicPr>
+        <p:blipFill>
+          <a:blip r:embed="rId2"/>
+          <a:stretch>
+            <a:fillRect/>
+          </a:stretch>
+        </p:blipFill>
+        <p:spPr>
+          <a:xfrm>
+            <a:off x="381000" y="990600"/>
+            <a:ext cx="3886200" cy="5190413"/>
+          </a:xfrm>
+          <a:prstGeom prst="rect">
+            <a:avLst/>
+          </a:prstGeom>
+        </p:spPr>
+      </p:pic>
+      <p:pic>
+        <p:nvPicPr>
+          <p:cNvPr id="7" name="Picture 6"/>
+          <p:cNvPicPr>
+            <a:picLocks noChangeAspect="1"/>
+          </p:cNvPicPr>
+          <p:nvPr/>
+        </p:nvPicPr>
+        <p:blipFill>
+          <a:blip r:embed="rId3"/>
+          <a:stretch>
+            <a:fillRect/>
+          </a:stretch>
+        </p:blipFill>
+        <p:spPr>
+          <a:xfrm>
+            <a:off x="4515195" y="990599"/>
+            <a:ext cx="4282214" cy="5190413"/>
+          </a:xfrm>
+          <a:prstGeom prst="rect">
+            <a:avLst/>
+          </a:prstGeom>
+        </p:spPr>
+      </p:pic>
+    </p:spTree>
+    <p:extLst>
+      <p:ext uri="{BB962C8B-B14F-4D97-AF65-F5344CB8AC3E}">
+        <p14:creationId xmlns:p14="http://schemas.microsoft.com/office/powerpoint/2010/main" val="1444671116"/>
+      </p:ext>
+    </p:extLst>
+  </p:cSld>
+  <p:clrMapOvr>
+    <a:masterClrMapping/>
+  </p:clrMapOvr>
+</p:sld>
+</file>
+
+<file path=ppt/slides/slide18.xml><?xml version="1.0" encoding="utf-8"?>
 <p:sld xmlns:a="http://schemas.openxmlformats.org/drawingml/2006/main" xmlns:r="http://schemas.openxmlformats.org/officeDocument/2006/relationships" xmlns:p="http://schemas.openxmlformats.org/presentationml/2006/main">
   <p:cSld>
     <p:spTree>
@@ -13943,7 +14389,7 @@
               <a:pPr>
                 <a:defRPr/>
               </a:pPr>
-              <a:t>15</a:t>
+              <a:t>18</a:t>
             </a:fld>
             <a:endParaRPr lang="en-US" dirty="0"/>
           </a:p>
@@ -13986,7 +14432,308 @@
 </p:sld>
 </file>
 
-<file path=ppt/slides/slide16.xml><?xml version="1.0" encoding="utf-8"?>
+<file path=ppt/slides/slide19.xml><?xml version="1.0" encoding="utf-8"?>
+<p:sld xmlns:a="http://schemas.openxmlformats.org/drawingml/2006/main" xmlns:r="http://schemas.openxmlformats.org/officeDocument/2006/relationships" xmlns:p="http://schemas.openxmlformats.org/presentationml/2006/main">
+  <p:cSld>
+    <p:spTree>
+      <p:nvGrpSpPr>
+        <p:cNvPr id="1" name=""/>
+        <p:cNvGrpSpPr/>
+        <p:nvPr/>
+      </p:nvGrpSpPr>
+      <p:grpSpPr>
+        <a:xfrm>
+          <a:off x="0" y="0"/>
+          <a:ext cx="0" cy="0"/>
+          <a:chOff x="0" y="0"/>
+          <a:chExt cx="0" cy="0"/>
+        </a:xfrm>
+      </p:grpSpPr>
+      <p:sp>
+        <p:nvSpPr>
+          <p:cNvPr id="2" name="Title 1"/>
+          <p:cNvSpPr>
+            <a:spLocks noGrp="1"/>
+          </p:cNvSpPr>
+          <p:nvPr>
+            <p:ph type="title"/>
+          </p:nvPr>
+        </p:nvSpPr>
+        <p:spPr/>
+        <p:txBody>
+          <a:bodyPr/>
+          <a:lstStyle/>
+          <a:p>
+            <a:r>
+              <a:rPr lang="en-US" dirty="0" smtClean="0"/>
+              <a:t>Popular Cloud Architecture</a:t>
+            </a:r>
+            <a:endParaRPr lang="en-US" dirty="0"/>
+          </a:p>
+        </p:txBody>
+      </p:sp>
+      <p:sp>
+        <p:nvSpPr>
+          <p:cNvPr id="3" name="Content Placeholder 2"/>
+          <p:cNvSpPr>
+            <a:spLocks noGrp="1"/>
+          </p:cNvSpPr>
+          <p:nvPr>
+            <p:ph idx="1"/>
+          </p:nvPr>
+        </p:nvSpPr>
+        <p:spPr>
+          <a:xfrm>
+            <a:off x="228600" y="762000"/>
+            <a:ext cx="8686800" cy="5791200"/>
+          </a:xfrm>
+        </p:spPr>
+        <p:txBody>
+          <a:bodyPr/>
+          <a:lstStyle/>
+          <a:p>
+            <a:r>
+              <a:rPr lang="en-US" sz="2800" dirty="0"/>
+              <a:t>A Web Role is an Azure VM that is pre-configured as a web </a:t>
+            </a:r>
+            <a:r>
+              <a:rPr lang="en-US" sz="2800" dirty="0" smtClean="0"/>
+              <a:t>server (running ASP.NET MVC for example)</a:t>
+            </a:r>
+          </a:p>
+          <a:p>
+            <a:r>
+              <a:rPr lang="en-US" sz="2800" dirty="0"/>
+              <a:t>Worker Roles run alongside your Web Roles and are responsible for performing computing functions to support your application</a:t>
+            </a:r>
+          </a:p>
+        </p:txBody>
+      </p:sp>
+      <p:sp>
+        <p:nvSpPr>
+          <p:cNvPr id="4" name="Slide Number Placeholder 3"/>
+          <p:cNvSpPr>
+            <a:spLocks noGrp="1"/>
+          </p:cNvSpPr>
+          <p:nvPr>
+            <p:ph type="sldNum" sz="quarter" idx="10"/>
+          </p:nvPr>
+        </p:nvSpPr>
+        <p:spPr/>
+        <p:txBody>
+          <a:bodyPr/>
+          <a:lstStyle/>
+          <a:p>
+            <a:pPr>
+              <a:defRPr/>
+            </a:pPr>
+            <a:fld id="{58452FF4-89E3-4D1B-9927-2DBDC00E58D7}" type="slidenum">
+              <a:rPr lang="en-US" smtClean="0"/>
+              <a:pPr>
+                <a:defRPr/>
+              </a:pPr>
+              <a:t>19</a:t>
+            </a:fld>
+            <a:endParaRPr lang="en-US" dirty="0"/>
+          </a:p>
+        </p:txBody>
+      </p:sp>
+      <p:pic>
+        <p:nvPicPr>
+          <p:cNvPr id="5" name="Picture 4"/>
+          <p:cNvPicPr>
+            <a:picLocks noChangeAspect="1"/>
+          </p:cNvPicPr>
+          <p:nvPr/>
+        </p:nvPicPr>
+        <p:blipFill>
+          <a:blip r:embed="rId2"/>
+          <a:stretch>
+            <a:fillRect/>
+          </a:stretch>
+        </p:blipFill>
+        <p:spPr>
+          <a:xfrm>
+            <a:off x="4588625" y="2971800"/>
+            <a:ext cx="4088006" cy="2209800"/>
+          </a:xfrm>
+          <a:prstGeom prst="rect">
+            <a:avLst/>
+          </a:prstGeom>
+          <a:ln>
+            <a:noFill/>
+          </a:ln>
+          <a:effectLst>
+            <a:outerShdw blurRad="292100" dist="139700" dir="2700000" algn="tl" rotWithShape="0">
+              <a:srgbClr val="333333">
+                <a:alpha val="65000"/>
+              </a:srgbClr>
+            </a:outerShdw>
+          </a:effectLst>
+        </p:spPr>
+      </p:pic>
+      <p:pic>
+        <p:nvPicPr>
+          <p:cNvPr id="4098" name="Picture 2" descr="Azure Service Bus Relay"/>
+          <p:cNvPicPr>
+            <a:picLocks noChangeAspect="1" noChangeArrowheads="1"/>
+          </p:cNvPicPr>
+          <p:nvPr/>
+        </p:nvPicPr>
+        <p:blipFill rotWithShape="1">
+          <a:blip r:embed="rId3">
+            <a:extLst>
+              <a:ext uri="{28A0092B-C50C-407E-A947-70E740481C1C}">
+                <a14:useLocalDpi xmlns:a14="http://schemas.microsoft.com/office/drawing/2010/main" val="0"/>
+              </a:ext>
+            </a:extLst>
+          </a:blip>
+          <a:srcRect l="6804" t="665" r="433" b="3548"/>
+          <a:stretch/>
+        </p:blipFill>
+        <p:spPr bwMode="auto">
+          <a:xfrm>
+            <a:off x="403398" y="3314700"/>
+            <a:ext cx="4185227" cy="3314700"/>
+          </a:xfrm>
+          <a:prstGeom prst="rect">
+            <a:avLst/>
+          </a:prstGeom>
+          <a:ln>
+            <a:noFill/>
+          </a:ln>
+          <a:effectLst>
+            <a:outerShdw blurRad="292100" dist="139700" dir="2700000" algn="tl" rotWithShape="0">
+              <a:srgbClr val="333333">
+                <a:alpha val="65000"/>
+              </a:srgbClr>
+            </a:outerShdw>
+          </a:effectLst>
+          <a:extLst>
+            <a:ext uri="{909E8E84-426E-40DD-AFC4-6F175D3DCCD1}">
+              <a14:hiddenFill xmlns:a14="http://schemas.microsoft.com/office/drawing/2010/main">
+                <a:solidFill>
+                  <a:srgbClr val="FFFFFF"/>
+                </a:solidFill>
+              </a14:hiddenFill>
+            </a:ext>
+          </a:extLst>
+        </p:spPr>
+      </p:pic>
+    </p:spTree>
+    <p:extLst>
+      <p:ext uri="{BB962C8B-B14F-4D97-AF65-F5344CB8AC3E}">
+        <p14:creationId xmlns:p14="http://schemas.microsoft.com/office/powerpoint/2010/main" val="1634875434"/>
+      </p:ext>
+    </p:extLst>
+  </p:cSld>
+  <p:clrMapOvr>
+    <a:masterClrMapping/>
+  </p:clrMapOvr>
+</p:sld>
+</file>
+
+<file path=ppt/slides/slide2.xml><?xml version="1.0" encoding="utf-8"?>
+<p:sld xmlns:a="http://schemas.openxmlformats.org/drawingml/2006/main" xmlns:r="http://schemas.openxmlformats.org/officeDocument/2006/relationships" xmlns:p="http://schemas.openxmlformats.org/presentationml/2006/main">
+  <p:cSld>
+    <p:spTree>
+      <p:nvGrpSpPr>
+        <p:cNvPr id="1" name=""/>
+        <p:cNvGrpSpPr/>
+        <p:nvPr/>
+      </p:nvGrpSpPr>
+      <p:grpSpPr>
+        <a:xfrm>
+          <a:off x="0" y="0"/>
+          <a:ext cx="0" cy="0"/>
+          <a:chOff x="0" y="0"/>
+          <a:chExt cx="0" cy="0"/>
+        </a:xfrm>
+      </p:grpSpPr>
+      <p:sp>
+        <p:nvSpPr>
+          <p:cNvPr id="4" name="Slide Number Placeholder 3"/>
+          <p:cNvSpPr>
+            <a:spLocks noGrp="1"/>
+          </p:cNvSpPr>
+          <p:nvPr>
+            <p:ph type="sldNum" sz="quarter" idx="10"/>
+          </p:nvPr>
+        </p:nvSpPr>
+        <p:spPr/>
+        <p:txBody>
+          <a:bodyPr/>
+          <a:lstStyle/>
+          <a:p>
+            <a:pPr>
+              <a:defRPr/>
+            </a:pPr>
+            <a:fld id="{58452FF4-89E3-4D1B-9927-2DBDC00E58D7}" type="slidenum">
+              <a:rPr lang="en-US" smtClean="0"/>
+              <a:pPr>
+                <a:defRPr/>
+              </a:pPr>
+              <a:t>2</a:t>
+            </a:fld>
+            <a:endParaRPr lang="en-US" dirty="0"/>
+          </a:p>
+        </p:txBody>
+      </p:sp>
+      <p:pic>
+        <p:nvPicPr>
+          <p:cNvPr id="1026" name="Picture 2" descr="https://ucminnovativepr.files.wordpress.com/2015/10/product-placement.jpg"/>
+          <p:cNvPicPr>
+            <a:picLocks noChangeAspect="1" noChangeArrowheads="1"/>
+          </p:cNvPicPr>
+          <p:nvPr/>
+        </p:nvPicPr>
+        <p:blipFill>
+          <a:blip r:embed="rId2">
+            <a:extLst>
+              <a:ext uri="{28A0092B-C50C-407E-A947-70E740481C1C}">
+                <a14:useLocalDpi xmlns:a14="http://schemas.microsoft.com/office/drawing/2010/main" val="0"/>
+              </a:ext>
+            </a:extLst>
+          </a:blip>
+          <a:srcRect/>
+          <a:stretch>
+            <a:fillRect/>
+          </a:stretch>
+        </p:blipFill>
+        <p:spPr bwMode="auto">
+          <a:xfrm>
+            <a:off x="609600" y="682752"/>
+            <a:ext cx="7924800" cy="6022848"/>
+          </a:xfrm>
+          <a:prstGeom prst="rect">
+            <a:avLst/>
+          </a:prstGeom>
+          <a:noFill/>
+          <a:extLst>
+            <a:ext uri="{909E8E84-426E-40DD-AFC4-6F175D3DCCD1}">
+              <a14:hiddenFill xmlns:a14="http://schemas.microsoft.com/office/drawing/2010/main">
+                <a:solidFill>
+                  <a:srgbClr val="FFFFFF"/>
+                </a:solidFill>
+              </a14:hiddenFill>
+            </a:ext>
+          </a:extLst>
+        </p:spPr>
+      </p:pic>
+    </p:spTree>
+    <p:extLst>
+      <p:ext uri="{BB962C8B-B14F-4D97-AF65-F5344CB8AC3E}">
+        <p14:creationId xmlns:p14="http://schemas.microsoft.com/office/powerpoint/2010/main" val="1200781657"/>
+      </p:ext>
+    </p:extLst>
+  </p:cSld>
+  <p:clrMapOvr>
+    <a:masterClrMapping/>
+  </p:clrMapOvr>
+</p:sld>
+</file>
+
+<file path=ppt/slides/slide20.xml><?xml version="1.0" encoding="utf-8"?>
 <p:sld xmlns:a="http://schemas.openxmlformats.org/drawingml/2006/main" xmlns:r="http://schemas.openxmlformats.org/officeDocument/2006/relationships" xmlns:p="http://schemas.openxmlformats.org/presentationml/2006/main">
   <p:cSld>
     <p:spTree>
@@ -14167,7 +14914,7 @@
 </p:sld>
 </file>
 
-<file path=ppt/slides/slide17.xml><?xml version="1.0" encoding="utf-8"?>
+<file path=ppt/slides/slide21.xml><?xml version="1.0" encoding="utf-8"?>
 <p:sld xmlns:a="http://schemas.openxmlformats.org/drawingml/2006/main" xmlns:r="http://schemas.openxmlformats.org/officeDocument/2006/relationships" xmlns:p="http://schemas.openxmlformats.org/presentationml/2006/main">
   <p:cSld>
     <p:spTree>
@@ -14469,7 +15216,7 @@
 </p:sld>
 </file>
 
-<file path=ppt/slides/slide18.xml><?xml version="1.0" encoding="utf-8"?>
+<file path=ppt/slides/slide22.xml><?xml version="1.0" encoding="utf-8"?>
 <p:sld xmlns:a="http://schemas.openxmlformats.org/drawingml/2006/main" xmlns:r="http://schemas.openxmlformats.org/officeDocument/2006/relationships" xmlns:p="http://schemas.openxmlformats.org/presentationml/2006/main">
   <p:cSld>
     <p:spTree>
@@ -14503,39 +15250,108 @@
           <a:p>
             <a:r>
               <a:rPr lang="en-US" dirty="0" smtClean="0"/>
-              <a:t>Data, Analytics and </a:t>
-            </a:r>
-            <a:r>
-              <a:rPr lang="en-US" dirty="0" err="1" smtClean="0"/>
-              <a:t>IoT</a:t>
+              <a:t>Data, Analytics and IoT</a:t>
             </a:r>
             <a:endParaRPr lang="en-US" dirty="0"/>
           </a:p>
         </p:txBody>
       </p:sp>
-      <p:sp>
-        <p:nvSpPr>
-          <p:cNvPr id="5" name="Content Placeholder 4"/>
-          <p:cNvSpPr>
-            <a:spLocks noGrp="1"/>
-          </p:cNvSpPr>
-          <p:nvPr>
-            <p:ph idx="1"/>
-          </p:nvPr>
-        </p:nvSpPr>
-        <p:spPr/>
-        <p:txBody>
-          <a:bodyPr/>
-          <a:lstStyle/>
-          <a:p>
-            <a:r>
-              <a:rPr lang="en-US" dirty="0" smtClean="0"/>
-              <a:t>TODO</a:t>
-            </a:r>
-            <a:endParaRPr lang="en-US" dirty="0"/>
-          </a:p>
-        </p:txBody>
-      </p:sp>
+      <p:pic>
+        <p:nvPicPr>
+          <p:cNvPr id="6" name="Picture 5"/>
+          <p:cNvPicPr>
+            <a:picLocks noChangeAspect="1"/>
+          </p:cNvPicPr>
+          <p:nvPr/>
+        </p:nvPicPr>
+        <p:blipFill>
+          <a:blip r:embed="rId2"/>
+          <a:stretch>
+            <a:fillRect/>
+          </a:stretch>
+        </p:blipFill>
+        <p:spPr>
+          <a:xfrm>
+            <a:off x="651253" y="1619136"/>
+            <a:ext cx="2524477" cy="4972744"/>
+          </a:xfrm>
+          <a:prstGeom prst="rect">
+            <a:avLst/>
+          </a:prstGeom>
+        </p:spPr>
+      </p:pic>
+      <p:pic>
+        <p:nvPicPr>
+          <p:cNvPr id="7" name="Picture 6"/>
+          <p:cNvPicPr>
+            <a:picLocks noChangeAspect="1"/>
+          </p:cNvPicPr>
+          <p:nvPr/>
+        </p:nvPicPr>
+        <p:blipFill>
+          <a:blip r:embed="rId3"/>
+          <a:stretch>
+            <a:fillRect/>
+          </a:stretch>
+        </p:blipFill>
+        <p:spPr>
+          <a:xfrm>
+            <a:off x="3276600" y="2438400"/>
+            <a:ext cx="2524477" cy="4153480"/>
+          </a:xfrm>
+          <a:prstGeom prst="rect">
+            <a:avLst/>
+          </a:prstGeom>
+        </p:spPr>
+      </p:pic>
+      <p:pic>
+        <p:nvPicPr>
+          <p:cNvPr id="9" name="Picture 8"/>
+          <p:cNvPicPr>
+            <a:picLocks noChangeAspect="1"/>
+          </p:cNvPicPr>
+          <p:nvPr/>
+        </p:nvPicPr>
+        <p:blipFill>
+          <a:blip r:embed="rId4"/>
+          <a:stretch>
+            <a:fillRect/>
+          </a:stretch>
+        </p:blipFill>
+        <p:spPr>
+          <a:xfrm>
+            <a:off x="3274907" y="1031090"/>
+            <a:ext cx="5148746" cy="1360286"/>
+          </a:xfrm>
+          <a:prstGeom prst="rect">
+            <a:avLst/>
+          </a:prstGeom>
+        </p:spPr>
+      </p:pic>
+      <p:pic>
+        <p:nvPicPr>
+          <p:cNvPr id="12" name="Picture 11"/>
+          <p:cNvPicPr>
+            <a:picLocks noChangeAspect="1"/>
+          </p:cNvPicPr>
+          <p:nvPr/>
+        </p:nvPicPr>
+        <p:blipFill>
+          <a:blip r:embed="rId5"/>
+          <a:stretch>
+            <a:fillRect/>
+          </a:stretch>
+        </p:blipFill>
+        <p:spPr>
+          <a:xfrm>
+            <a:off x="5901947" y="2436988"/>
+            <a:ext cx="2521706" cy="4154892"/>
+          </a:xfrm>
+          <a:prstGeom prst="rect">
+            <a:avLst/>
+          </a:prstGeom>
+        </p:spPr>
+      </p:pic>
     </p:spTree>
     <p:extLst>
       <p:ext uri="{BB962C8B-B14F-4D97-AF65-F5344CB8AC3E}">
@@ -14549,7 +15365,250 @@
 </p:sld>
 </file>
 
-<file path=ppt/slides/slide19.xml><?xml version="1.0" encoding="utf-8"?>
+<file path=ppt/slides/slide23.xml><?xml version="1.0" encoding="utf-8"?>
+<p:sld xmlns:a="http://schemas.openxmlformats.org/drawingml/2006/main" xmlns:r="http://schemas.openxmlformats.org/officeDocument/2006/relationships" xmlns:p="http://schemas.openxmlformats.org/presentationml/2006/main">
+  <p:cSld>
+    <p:spTree>
+      <p:nvGrpSpPr>
+        <p:cNvPr id="1" name=""/>
+        <p:cNvGrpSpPr/>
+        <p:nvPr/>
+      </p:nvGrpSpPr>
+      <p:grpSpPr>
+        <a:xfrm>
+          <a:off x="0" y="0"/>
+          <a:ext cx="0" cy="0"/>
+          <a:chOff x="0" y="0"/>
+          <a:chExt cx="0" cy="0"/>
+        </a:xfrm>
+      </p:grpSpPr>
+      <p:sp>
+        <p:nvSpPr>
+          <p:cNvPr id="5" name="Title 4"/>
+          <p:cNvSpPr>
+            <a:spLocks noGrp="1"/>
+          </p:cNvSpPr>
+          <p:nvPr>
+            <p:ph type="ctrTitle"/>
+          </p:nvPr>
+        </p:nvSpPr>
+        <p:spPr>
+          <a:xfrm>
+            <a:off x="228600" y="3581400"/>
+            <a:ext cx="8686800" cy="685800"/>
+          </a:xfrm>
+        </p:spPr>
+        <p:txBody>
+          <a:bodyPr/>
+          <a:lstStyle/>
+          <a:p>
+            <a:r>
+              <a:rPr lang="en-US" sz="4800" dirty="0" smtClean="0"/>
+              <a:t>Demo: Azure Machine Learning</a:t>
+            </a:r>
+            <a:endParaRPr lang="en-US" sz="4800" dirty="0"/>
+          </a:p>
+        </p:txBody>
+      </p:sp>
+      <p:pic>
+        <p:nvPicPr>
+          <p:cNvPr id="7" name="Picture 6"/>
+          <p:cNvPicPr>
+            <a:picLocks noChangeAspect="1"/>
+          </p:cNvPicPr>
+          <p:nvPr/>
+        </p:nvPicPr>
+        <p:blipFill>
+          <a:blip r:embed="rId2"/>
+          <a:stretch>
+            <a:fillRect/>
+          </a:stretch>
+        </p:blipFill>
+        <p:spPr>
+          <a:xfrm>
+            <a:off x="1915224" y="464127"/>
+            <a:ext cx="5313552" cy="3124200"/>
+          </a:xfrm>
+          <a:prstGeom prst="roundRect">
+            <a:avLst>
+              <a:gd name="adj" fmla="val 0"/>
+            </a:avLst>
+          </a:prstGeom>
+          <a:solidFill>
+            <a:srgbClr val="FFFFFF">
+              <a:shade val="85000"/>
+            </a:srgbClr>
+          </a:solidFill>
+          <a:ln>
+            <a:noFill/>
+          </a:ln>
+          <a:effectLst>
+            <a:reflection blurRad="12700" stA="38000" endPos="28000" dist="5000" dir="5400000" sy="-100000" algn="bl" rotWithShape="0"/>
+          </a:effectLst>
+        </p:spPr>
+      </p:pic>
+      <p:sp>
+        <p:nvSpPr>
+          <p:cNvPr id="6" name="Subtitle 5"/>
+          <p:cNvSpPr>
+            <a:spLocks noGrp="1"/>
+          </p:cNvSpPr>
+          <p:nvPr>
+            <p:ph type="subTitle" idx="1"/>
+          </p:nvPr>
+        </p:nvSpPr>
+        <p:spPr>
+          <a:xfrm>
+            <a:off x="457200" y="4267200"/>
+            <a:ext cx="8229600" cy="2362200"/>
+          </a:xfrm>
+        </p:spPr>
+        <p:txBody>
+          <a:bodyPr/>
+          <a:lstStyle/>
+          <a:p>
+            <a:pPr marL="514350" lvl="1" indent="-514350" eaLnBrk="0" hangingPunct="0">
+              <a:spcBef>
+                <a:spcPts val="0"/>
+              </a:spcBef>
+              <a:buClr>
+                <a:schemeClr val="accent5">
+                  <a:lumMod val="40000"/>
+                  <a:lumOff val="60000"/>
+                </a:schemeClr>
+              </a:buClr>
+              <a:buSzPct val="70000"/>
+              <a:buFont typeface="+mj-lt"/>
+              <a:buAutoNum type="arabicPeriod"/>
+            </a:pPr>
+            <a:r>
+              <a:rPr lang="en-US" sz="2800" dirty="0" smtClean="0">
+                <a:hlinkClick r:id="rId3"/>
+              </a:rPr>
+              <a:t>https</a:t>
+            </a:r>
+            <a:r>
+              <a:rPr lang="en-US" sz="2800" dirty="0">
+                <a:hlinkClick r:id="rId3"/>
+              </a:rPr>
+              <a:t>://</a:t>
+            </a:r>
+            <a:r>
+              <a:rPr lang="en-US" sz="2800" dirty="0" smtClean="0">
+                <a:hlinkClick r:id="rId3"/>
+              </a:rPr>
+              <a:t>youtube.com/watch?v=SJtNJepz-pM</a:t>
+            </a:r>
+            <a:endParaRPr lang="en-US" sz="2800" dirty="0" smtClean="0"/>
+          </a:p>
+          <a:p>
+            <a:pPr marL="514350" lvl="1" indent="-514350" eaLnBrk="0" hangingPunct="0">
+              <a:spcBef>
+                <a:spcPts val="0"/>
+              </a:spcBef>
+              <a:buClr>
+                <a:schemeClr val="accent5">
+                  <a:lumMod val="40000"/>
+                  <a:lumOff val="60000"/>
+                </a:schemeClr>
+              </a:buClr>
+              <a:buSzPct val="70000"/>
+              <a:buFont typeface="+mj-lt"/>
+              <a:buAutoNum type="arabicPeriod"/>
+            </a:pPr>
+            <a:r>
+              <a:rPr lang="en-US" sz="2800" dirty="0">
+                <a:hlinkClick r:id="rId4"/>
+              </a:rPr>
+              <a:t>https://youtube.com/watch?v=l6dsLyueF0Q</a:t>
+            </a:r>
+            <a:endParaRPr lang="en-US" sz="2800" dirty="0"/>
+          </a:p>
+          <a:p>
+            <a:pPr marL="514350" lvl="1" indent="-514350" eaLnBrk="0" hangingPunct="0">
+              <a:spcBef>
+                <a:spcPts val="0"/>
+              </a:spcBef>
+              <a:buClr>
+                <a:schemeClr val="accent5">
+                  <a:lumMod val="40000"/>
+                  <a:lumOff val="60000"/>
+                </a:schemeClr>
+              </a:buClr>
+              <a:buSzPct val="70000"/>
+              <a:buFont typeface="+mj-lt"/>
+              <a:buAutoNum type="arabicPeriod"/>
+            </a:pPr>
+            <a:r>
+              <a:rPr lang="en-US" sz="2800" dirty="0" smtClean="0"/>
+              <a:t>Export/Import Forum Categorization Data</a:t>
+            </a:r>
+          </a:p>
+          <a:p>
+            <a:pPr marL="514350" lvl="1" indent="-514350" eaLnBrk="0" hangingPunct="0">
+              <a:spcBef>
+                <a:spcPts val="0"/>
+              </a:spcBef>
+              <a:buClr>
+                <a:schemeClr val="accent5">
+                  <a:lumMod val="40000"/>
+                  <a:lumOff val="60000"/>
+                </a:schemeClr>
+              </a:buClr>
+              <a:buSzPct val="70000"/>
+              <a:buFont typeface="+mj-lt"/>
+              <a:buAutoNum type="arabicPeriod"/>
+            </a:pPr>
+            <a:r>
+              <a:rPr lang="en-US" sz="2800" dirty="0"/>
+              <a:t>Create </a:t>
+            </a:r>
+            <a:r>
+              <a:rPr lang="en-US" sz="2800" dirty="0" smtClean="0"/>
+              <a:t>and run </a:t>
+            </a:r>
+            <a:r>
+              <a:rPr lang="en-US" sz="2800" dirty="0"/>
+              <a:t>new Machine Learning Workspace</a:t>
+            </a:r>
+          </a:p>
+          <a:p>
+            <a:pPr marL="514350" lvl="1" indent="-514350" eaLnBrk="0" hangingPunct="0">
+              <a:spcBef>
+                <a:spcPts val="0"/>
+              </a:spcBef>
+              <a:buClr>
+                <a:schemeClr val="accent5">
+                  <a:lumMod val="40000"/>
+                  <a:lumOff val="60000"/>
+                </a:schemeClr>
+              </a:buClr>
+              <a:buSzPct val="70000"/>
+              <a:buFont typeface="+mj-lt"/>
+              <a:buAutoNum type="arabicPeriod"/>
+            </a:pPr>
+            <a:r>
+              <a:rPr lang="en-US" sz="2800" dirty="0" smtClean="0"/>
+              <a:t>Open Movie Recommendation Model</a:t>
+            </a:r>
+            <a:endParaRPr lang="en-US" sz="2800" dirty="0"/>
+          </a:p>
+        </p:txBody>
+      </p:sp>
+    </p:spTree>
+    <p:extLst>
+      <p:ext uri="{BB962C8B-B14F-4D97-AF65-F5344CB8AC3E}">
+        <p14:creationId xmlns:p14="http://schemas.microsoft.com/office/powerpoint/2010/main" val="2172573779"/>
+      </p:ext>
+    </p:extLst>
+  </p:cSld>
+  <p:clrMapOvr>
+    <a:masterClrMapping/>
+  </p:clrMapOvr>
+</p:sld>
+</file>
+
+<file path=ppt/slides/slide24.xml><?xml version="1.0" encoding="utf-8"?>
 <p:sld xmlns:a="http://schemas.openxmlformats.org/drawingml/2006/main" xmlns:r="http://schemas.openxmlformats.org/officeDocument/2006/relationships" xmlns:p="http://schemas.openxmlformats.org/presentationml/2006/main">
   <p:cSld>
     <p:spTree>
@@ -14583,317 +15642,7 @@
           <a:p>
             <a:r>
               <a:rPr lang="en-US" dirty="0" smtClean="0"/>
-              <a:t>More Videos</a:t>
-            </a:r>
-            <a:endParaRPr lang="en-US" dirty="0"/>
-          </a:p>
-        </p:txBody>
-      </p:sp>
-      <p:sp>
-        <p:nvSpPr>
-          <p:cNvPr id="3" name="Content Placeholder 2"/>
-          <p:cNvSpPr>
-            <a:spLocks noGrp="1"/>
-          </p:cNvSpPr>
-          <p:nvPr>
-            <p:ph idx="1"/>
-          </p:nvPr>
-        </p:nvSpPr>
-        <p:spPr>
-          <a:xfrm>
-            <a:off x="228600" y="838200"/>
-            <a:ext cx="8686800" cy="5791200"/>
-          </a:xfrm>
-        </p:spPr>
-        <p:txBody>
-          <a:bodyPr/>
-          <a:lstStyle/>
-          <a:p>
-            <a:pPr>
-              <a:lnSpc>
-                <a:spcPct val="100000"/>
-              </a:lnSpc>
-              <a:spcBef>
-                <a:spcPts val="0"/>
-              </a:spcBef>
-              <a:spcAft>
-                <a:spcPts val="0"/>
-              </a:spcAft>
-            </a:pPr>
-            <a:r>
-              <a:rPr lang="en-US" dirty="0" smtClean="0"/>
-              <a:t>Machine Learning</a:t>
-            </a:r>
-          </a:p>
-          <a:p>
-            <a:pPr lvl="1">
-              <a:lnSpc>
-                <a:spcPct val="100000"/>
-              </a:lnSpc>
-              <a:spcBef>
-                <a:spcPts val="0"/>
-              </a:spcBef>
-              <a:spcAft>
-                <a:spcPts val="0"/>
-              </a:spcAft>
-            </a:pPr>
-            <a:r>
-              <a:rPr lang="en-US" dirty="0">
-                <a:hlinkClick r:id="rId2"/>
-              </a:rPr>
-              <a:t>https</a:t>
-            </a:r>
-            <a:r>
-              <a:rPr lang="en-US" dirty="0" smtClean="0">
-                <a:hlinkClick r:id="rId2"/>
-              </a:rPr>
-              <a:t>://youtube.com/watch?v=SJtNJepz-pM</a:t>
-            </a:r>
-            <a:endParaRPr lang="en-US" dirty="0" smtClean="0"/>
-          </a:p>
-          <a:p>
-            <a:pPr lvl="1">
-              <a:lnSpc>
-                <a:spcPct val="100000"/>
-              </a:lnSpc>
-              <a:spcBef>
-                <a:spcPts val="0"/>
-              </a:spcBef>
-              <a:spcAft>
-                <a:spcPts val="0"/>
-              </a:spcAft>
-            </a:pPr>
-            <a:r>
-              <a:rPr lang="en-US" dirty="0">
-                <a:hlinkClick r:id="rId3"/>
-              </a:rPr>
-              <a:t>https</a:t>
-            </a:r>
-            <a:r>
-              <a:rPr lang="en-US" dirty="0" smtClean="0">
-                <a:hlinkClick r:id="rId3"/>
-              </a:rPr>
-              <a:t>://youtube.com/watch?v=l6dsLyueF0Q</a:t>
-            </a:r>
-            <a:endParaRPr lang="en-US" dirty="0" smtClean="0"/>
-          </a:p>
-          <a:p>
-            <a:pPr>
-              <a:lnSpc>
-                <a:spcPct val="100000"/>
-              </a:lnSpc>
-              <a:spcBef>
-                <a:spcPts val="0"/>
-              </a:spcBef>
-              <a:spcAft>
-                <a:spcPts val="0"/>
-              </a:spcAft>
-            </a:pPr>
-            <a:r>
-              <a:rPr lang="en-US" dirty="0" smtClean="0"/>
-              <a:t>Microsoft </a:t>
-            </a:r>
-            <a:r>
-              <a:rPr lang="en-US" dirty="0"/>
-              <a:t>Advanced </a:t>
-            </a:r>
-            <a:r>
-              <a:rPr lang="en-US" dirty="0" smtClean="0"/>
-              <a:t>Threat Analytics</a:t>
-            </a:r>
-          </a:p>
-          <a:p>
-            <a:pPr lvl="1">
-              <a:lnSpc>
-                <a:spcPct val="100000"/>
-              </a:lnSpc>
-              <a:spcBef>
-                <a:spcPts val="0"/>
-              </a:spcBef>
-              <a:spcAft>
-                <a:spcPts val="0"/>
-              </a:spcAft>
-            </a:pPr>
-            <a:r>
-              <a:rPr lang="en-US" dirty="0">
-                <a:hlinkClick r:id="rId4"/>
-              </a:rPr>
-              <a:t>https</a:t>
-            </a:r>
-            <a:r>
-              <a:rPr lang="en-US" dirty="0" smtClean="0">
-                <a:hlinkClick r:id="rId4"/>
-              </a:rPr>
-              <a:t>://youtube.com/watch?v</a:t>
-            </a:r>
-            <a:r>
-              <a:rPr lang="en-US" dirty="0">
-                <a:hlinkClick r:id="rId4"/>
-              </a:rPr>
-              <a:t>=-</a:t>
-            </a:r>
-            <a:r>
-              <a:rPr lang="en-US" dirty="0" smtClean="0">
-                <a:hlinkClick r:id="rId4"/>
-              </a:rPr>
-              <a:t>MGg_07MkgY</a:t>
-            </a:r>
-            <a:endParaRPr lang="en-US" dirty="0" smtClean="0"/>
-          </a:p>
-          <a:p>
-            <a:pPr>
-              <a:lnSpc>
-                <a:spcPct val="100000"/>
-              </a:lnSpc>
-              <a:spcBef>
-                <a:spcPts val="0"/>
-              </a:spcBef>
-              <a:spcAft>
-                <a:spcPts val="0"/>
-              </a:spcAft>
-            </a:pPr>
-            <a:r>
-              <a:rPr lang="en-US" dirty="0" smtClean="0"/>
-              <a:t>Internet of Thinks</a:t>
-            </a:r>
-          </a:p>
-          <a:p>
-            <a:pPr lvl="1">
-              <a:lnSpc>
-                <a:spcPct val="100000"/>
-              </a:lnSpc>
-              <a:spcBef>
-                <a:spcPts val="0"/>
-              </a:spcBef>
-              <a:spcAft>
-                <a:spcPts val="0"/>
-              </a:spcAft>
-            </a:pPr>
-            <a:r>
-              <a:rPr lang="en-US" dirty="0">
-                <a:hlinkClick r:id="rId5"/>
-              </a:rPr>
-              <a:t>https</a:t>
-            </a:r>
-            <a:r>
-              <a:rPr lang="en-US" dirty="0" smtClean="0">
-                <a:hlinkClick r:id="rId5"/>
-              </a:rPr>
-              <a:t>://youtube.com/watch?v=L8xjSjxaaVA</a:t>
-            </a:r>
-            <a:endParaRPr lang="en-US" dirty="0">
-              <a:hlinkClick r:id="rId5"/>
-            </a:endParaRPr>
-          </a:p>
-          <a:p>
-            <a:pPr lvl="1">
-              <a:lnSpc>
-                <a:spcPct val="100000"/>
-              </a:lnSpc>
-              <a:spcBef>
-                <a:spcPts val="0"/>
-              </a:spcBef>
-              <a:spcAft>
-                <a:spcPts val="0"/>
-              </a:spcAft>
-            </a:pPr>
-            <a:r>
-              <a:rPr lang="en-US" dirty="0" smtClean="0">
-                <a:hlinkClick r:id="rId6"/>
-              </a:rPr>
-              <a:t>https://youtube.com/watch?v=Z7GzCjT77Po</a:t>
-            </a:r>
-            <a:endParaRPr lang="en-US" dirty="0" smtClean="0"/>
-          </a:p>
-          <a:p>
-            <a:pPr>
-              <a:lnSpc>
-                <a:spcPct val="100000"/>
-              </a:lnSpc>
-              <a:spcBef>
-                <a:spcPts val="0"/>
-              </a:spcBef>
-              <a:spcAft>
-                <a:spcPts val="0"/>
-              </a:spcAft>
-            </a:pPr>
-            <a:r>
-              <a:rPr lang="en-US" dirty="0" smtClean="0"/>
-              <a:t>Azure Support</a:t>
-            </a:r>
-          </a:p>
-          <a:p>
-            <a:pPr lvl="1">
-              <a:lnSpc>
-                <a:spcPct val="100000"/>
-              </a:lnSpc>
-              <a:spcBef>
-                <a:spcPts val="0"/>
-              </a:spcBef>
-              <a:spcAft>
-                <a:spcPts val="0"/>
-              </a:spcAft>
-            </a:pPr>
-            <a:r>
-              <a:rPr lang="en-US" dirty="0">
-                <a:hlinkClick r:id="rId7"/>
-              </a:rPr>
-              <a:t>https</a:t>
-            </a:r>
-            <a:r>
-              <a:rPr lang="en-US" dirty="0" smtClean="0">
-                <a:hlinkClick r:id="rId7"/>
-              </a:rPr>
-              <a:t>://</a:t>
-            </a:r>
-            <a:r>
-              <a:rPr lang="en-US" dirty="0" smtClean="0">
-                <a:hlinkClick r:id="rId7"/>
-              </a:rPr>
-              <a:t>youtube.com/watch?v=epfmTG9ix1g</a:t>
-            </a:r>
-            <a:endParaRPr lang="en-US" dirty="0" smtClean="0"/>
-          </a:p>
-          <a:p>
-            <a:pPr>
-              <a:lnSpc>
-                <a:spcPct val="100000"/>
-              </a:lnSpc>
-              <a:spcBef>
-                <a:spcPts val="0"/>
-              </a:spcBef>
-              <a:spcAft>
-                <a:spcPts val="0"/>
-              </a:spcAft>
-            </a:pPr>
-            <a:r>
-              <a:rPr lang="en-US" dirty="0"/>
-              <a:t>App Service</a:t>
-            </a:r>
-          </a:p>
-          <a:p>
-            <a:pPr lvl="1">
-              <a:lnSpc>
-                <a:spcPct val="100000"/>
-              </a:lnSpc>
-              <a:spcBef>
-                <a:spcPts val="0"/>
-              </a:spcBef>
-              <a:spcAft>
-                <a:spcPts val="0"/>
-              </a:spcAft>
-            </a:pPr>
-            <a:r>
-              <a:rPr lang="en-US" dirty="0">
-                <a:hlinkClick r:id="rId8"/>
-              </a:rPr>
-              <a:t>https://</a:t>
-            </a:r>
-            <a:r>
-              <a:rPr lang="en-US" dirty="0" smtClean="0">
-                <a:hlinkClick r:id="rId8"/>
-              </a:rPr>
-              <a:t>youtube.com/watch?v=sUlppU0GBKw</a:t>
+              <a:t>Other Services</a:t>
             </a:r>
             <a:endParaRPr lang="en-US" dirty="0"/>
           </a:p>
@@ -14922,16 +15671,174 @@
               <a:pPr>
                 <a:defRPr/>
               </a:pPr>
-              <a:t>19</a:t>
+              <a:t>24</a:t>
             </a:fld>
             <a:endParaRPr lang="en-US" dirty="0"/>
           </a:p>
         </p:txBody>
       </p:sp>
+      <p:pic>
+        <p:nvPicPr>
+          <p:cNvPr id="5" name="Picture 4"/>
+          <p:cNvPicPr>
+            <a:picLocks noChangeAspect="1"/>
+          </p:cNvPicPr>
+          <p:nvPr/>
+        </p:nvPicPr>
+        <p:blipFill>
+          <a:blip r:embed="rId2"/>
+          <a:stretch>
+            <a:fillRect/>
+          </a:stretch>
+        </p:blipFill>
+        <p:spPr>
+          <a:xfrm>
+            <a:off x="447323" y="1490748"/>
+            <a:ext cx="2524477" cy="3324689"/>
+          </a:xfrm>
+          <a:prstGeom prst="rect">
+            <a:avLst/>
+          </a:prstGeom>
+        </p:spPr>
+      </p:pic>
+      <p:pic>
+        <p:nvPicPr>
+          <p:cNvPr id="6" name="Picture 5"/>
+          <p:cNvPicPr>
+            <a:picLocks noChangeAspect="1"/>
+          </p:cNvPicPr>
+          <p:nvPr/>
+        </p:nvPicPr>
+        <p:blipFill>
+          <a:blip r:embed="rId3"/>
+          <a:stretch>
+            <a:fillRect/>
+          </a:stretch>
+        </p:blipFill>
+        <p:spPr>
+          <a:xfrm>
+            <a:off x="447323" y="4926964"/>
+            <a:ext cx="2524477" cy="1667108"/>
+          </a:xfrm>
+          <a:prstGeom prst="rect">
+            <a:avLst/>
+          </a:prstGeom>
+        </p:spPr>
+      </p:pic>
+      <p:pic>
+        <p:nvPicPr>
+          <p:cNvPr id="8" name="Picture 7"/>
+          <p:cNvPicPr>
+            <a:picLocks noChangeAspect="1"/>
+          </p:cNvPicPr>
+          <p:nvPr/>
+        </p:nvPicPr>
+        <p:blipFill>
+          <a:blip r:embed="rId4"/>
+          <a:stretch>
+            <a:fillRect/>
+          </a:stretch>
+        </p:blipFill>
+        <p:spPr>
+          <a:xfrm>
+            <a:off x="3124200" y="1490748"/>
+            <a:ext cx="2524477" cy="4153480"/>
+          </a:xfrm>
+          <a:prstGeom prst="rect">
+            <a:avLst/>
+          </a:prstGeom>
+        </p:spPr>
+      </p:pic>
+      <p:sp>
+        <p:nvSpPr>
+          <p:cNvPr id="10" name="Content Placeholder 9"/>
+          <p:cNvSpPr>
+            <a:spLocks noGrp="1"/>
+          </p:cNvSpPr>
+          <p:nvPr>
+            <p:ph idx="1"/>
+          </p:nvPr>
+        </p:nvSpPr>
+        <p:spPr/>
+        <p:txBody>
+          <a:bodyPr/>
+          <a:lstStyle/>
+          <a:p>
+            <a:pPr>
+              <a:lnSpc>
+                <a:spcPct val="100000"/>
+              </a:lnSpc>
+              <a:spcBef>
+                <a:spcPts val="0"/>
+              </a:spcBef>
+              <a:spcAft>
+                <a:spcPts val="0"/>
+              </a:spcAft>
+            </a:pPr>
+            <a:r>
+              <a:rPr lang="en-US" sz="3000" dirty="0">
+                <a:hlinkClick r:id="rId5"/>
+              </a:rPr>
+              <a:t>Advanced Threat </a:t>
+            </a:r>
+            <a:r>
+              <a:rPr lang="en-US" sz="3000" dirty="0" smtClean="0">
+                <a:hlinkClick r:id="rId5"/>
+              </a:rPr>
+              <a:t>Analytics</a:t>
+            </a:r>
+            <a:r>
+              <a:rPr lang="en-US" sz="3000" dirty="0" smtClean="0"/>
+              <a:t>, </a:t>
+            </a:r>
+            <a:r>
+              <a:rPr lang="en-US" sz="3000" dirty="0" smtClean="0">
+                <a:hlinkClick r:id="rId6"/>
+              </a:rPr>
+              <a:t>IoT Video</a:t>
+            </a:r>
+            <a:r>
+              <a:rPr lang="en-US" sz="3000" dirty="0" smtClean="0"/>
+              <a:t>, </a:t>
+            </a:r>
+            <a:r>
+              <a:rPr lang="en-US" sz="3000" dirty="0" smtClean="0">
+                <a:hlinkClick r:id="rId7"/>
+              </a:rPr>
+              <a:t>IoT Video 2</a:t>
+            </a:r>
+            <a:endParaRPr lang="en-US" sz="3000" dirty="0"/>
+          </a:p>
+        </p:txBody>
+      </p:sp>
+      <p:pic>
+        <p:nvPicPr>
+          <p:cNvPr id="9" name="Picture 8"/>
+          <p:cNvPicPr>
+            <a:picLocks noChangeAspect="1"/>
+          </p:cNvPicPr>
+          <p:nvPr/>
+        </p:nvPicPr>
+        <p:blipFill>
+          <a:blip r:embed="rId8"/>
+          <a:stretch>
+            <a:fillRect/>
+          </a:stretch>
+        </p:blipFill>
+        <p:spPr>
+          <a:xfrm>
+            <a:off x="5801077" y="1503217"/>
+            <a:ext cx="2524477" cy="3324689"/>
+          </a:xfrm>
+          <a:prstGeom prst="rect">
+            <a:avLst/>
+          </a:prstGeom>
+        </p:spPr>
+      </p:pic>
     </p:spTree>
     <p:extLst>
       <p:ext uri="{BB962C8B-B14F-4D97-AF65-F5344CB8AC3E}">
-        <p14:creationId xmlns:p14="http://schemas.microsoft.com/office/powerpoint/2010/main" val="598912816"/>
+        <p14:creationId xmlns:p14="http://schemas.microsoft.com/office/powerpoint/2010/main" val="612172773"/>
       </p:ext>
     </p:extLst>
   </p:cSld>
@@ -14941,107 +15848,7 @@
 </p:sld>
 </file>
 
-<file path=ppt/slides/slide2.xml><?xml version="1.0" encoding="utf-8"?>
-<p:sld xmlns:a="http://schemas.openxmlformats.org/drawingml/2006/main" xmlns:r="http://schemas.openxmlformats.org/officeDocument/2006/relationships" xmlns:p="http://schemas.openxmlformats.org/presentationml/2006/main">
-  <p:cSld>
-    <p:spTree>
-      <p:nvGrpSpPr>
-        <p:cNvPr id="1" name=""/>
-        <p:cNvGrpSpPr/>
-        <p:nvPr/>
-      </p:nvGrpSpPr>
-      <p:grpSpPr>
-        <a:xfrm>
-          <a:off x="0" y="0"/>
-          <a:ext cx="0" cy="0"/>
-          <a:chOff x="0" y="0"/>
-          <a:chExt cx="0" cy="0"/>
-        </a:xfrm>
-      </p:grpSpPr>
-      <p:sp>
-        <p:nvSpPr>
-          <p:cNvPr id="4" name="Slide Number Placeholder 3"/>
-          <p:cNvSpPr>
-            <a:spLocks noGrp="1"/>
-          </p:cNvSpPr>
-          <p:nvPr>
-            <p:ph type="sldNum" sz="quarter" idx="10"/>
-          </p:nvPr>
-        </p:nvSpPr>
-        <p:spPr/>
-        <p:txBody>
-          <a:bodyPr/>
-          <a:lstStyle/>
-          <a:p>
-            <a:pPr>
-              <a:defRPr/>
-            </a:pPr>
-            <a:fld id="{58452FF4-89E3-4D1B-9927-2DBDC00E58D7}" type="slidenum">
-              <a:rPr lang="en-US" smtClean="0"/>
-              <a:pPr>
-                <a:defRPr/>
-              </a:pPr>
-              <a:t>2</a:t>
-            </a:fld>
-            <a:endParaRPr lang="en-US" dirty="0"/>
-          </a:p>
-        </p:txBody>
-      </p:sp>
-      <p:pic>
-        <p:nvPicPr>
-          <p:cNvPr id="1026" name="Picture 2" descr="https://ucminnovativepr.files.wordpress.com/2015/10/product-placement.jpg"/>
-          <p:cNvPicPr>
-            <a:picLocks noChangeAspect="1" noChangeArrowheads="1"/>
-          </p:cNvPicPr>
-          <p:nvPr/>
-        </p:nvPicPr>
-        <p:blipFill>
-          <a:blip r:embed="rId2">
-            <a:extLst>
-              <a:ext uri="{28A0092B-C50C-407E-A947-70E740481C1C}">
-                <a14:useLocalDpi xmlns:a14="http://schemas.microsoft.com/office/drawing/2010/main" val="0"/>
-              </a:ext>
-            </a:extLst>
-          </a:blip>
-          <a:srcRect/>
-          <a:stretch>
-            <a:fillRect/>
-          </a:stretch>
-        </p:blipFill>
-        <p:spPr bwMode="auto">
-          <a:xfrm>
-            <a:off x="609600" y="682752"/>
-            <a:ext cx="7924800" cy="6022848"/>
-          </a:xfrm>
-          <a:prstGeom prst="rect">
-            <a:avLst/>
-          </a:prstGeom>
-          <a:noFill/>
-          <a:extLst>
-            <a:ext uri="{909E8E84-426E-40DD-AFC4-6F175D3DCCD1}">
-              <a14:hiddenFill xmlns:a14="http://schemas.microsoft.com/office/drawing/2010/main">
-                <a:solidFill>
-                  <a:srgbClr val="FFFFFF"/>
-                </a:solidFill>
-              </a14:hiddenFill>
-            </a:ext>
-          </a:extLst>
-        </p:spPr>
-      </p:pic>
-    </p:spTree>
-    <p:extLst>
-      <p:ext uri="{BB962C8B-B14F-4D97-AF65-F5344CB8AC3E}">
-        <p14:creationId xmlns:p14="http://schemas.microsoft.com/office/powerpoint/2010/main" val="1200781657"/>
-      </p:ext>
-    </p:extLst>
-  </p:cSld>
-  <p:clrMapOvr>
-    <a:masterClrMapping/>
-  </p:clrMapOvr>
-</p:sld>
-</file>
-
-<file path=ppt/slides/slide20.xml><?xml version="1.0" encoding="utf-8"?>
+<file path=ppt/slides/slide25.xml><?xml version="1.0" encoding="utf-8"?>
 <p:sld xmlns:a="http://schemas.openxmlformats.org/drawingml/2006/main" xmlns:r="http://schemas.openxmlformats.org/officeDocument/2006/relationships" xmlns:p="http://schemas.openxmlformats.org/presentationml/2006/main">
   <p:cSld>
     <p:spTree>
@@ -15074,10 +15881,9 @@
           <a:lstStyle/>
           <a:p>
             <a:r>
-              <a:rPr lang="en-US" dirty="0" smtClean="0"/>
-              <a:t>Popular Cloud Architectures</a:t>
-            </a:r>
-            <a:endParaRPr lang="en-US" dirty="0"/>
+              <a:rPr lang="en-US" dirty="0"/>
+              <a:t>Virtual Network</a:t>
+            </a:r>
           </a:p>
         </p:txBody>
       </p:sp>
@@ -15093,8 +15899,8 @@
         </p:nvSpPr>
         <p:spPr>
           <a:xfrm>
-            <a:off x="228600" y="762000"/>
-            <a:ext cx="8686800" cy="5791200"/>
+            <a:off x="152400" y="838200"/>
+            <a:ext cx="8763000" cy="5867400"/>
           </a:xfrm>
         </p:spPr>
         <p:txBody>
@@ -15102,19 +15908,78 @@
           <a:lstStyle/>
           <a:p>
             <a:r>
-              <a:rPr lang="en-US" sz="2800" dirty="0"/>
-              <a:t>A Web Role is an Azure VM that is pre-configured as a web </a:t>
-            </a:r>
-            <a:r>
-              <a:rPr lang="en-US" sz="2800" dirty="0" smtClean="0"/>
-              <a:t>server (running ASP.NET MVC for example)</a:t>
-            </a:r>
-          </a:p>
-          <a:p>
-            <a:r>
-              <a:rPr lang="en-US" sz="2800" dirty="0"/>
-              <a:t>Worker Roles run alongside your Web Roles and are responsible for performing computing functions to support your application</a:t>
-            </a:r>
+              <a:rPr lang="en-US" dirty="0" smtClean="0"/>
+              <a:t>Features</a:t>
+            </a:r>
+          </a:p>
+          <a:p>
+            <a:pPr lvl="1"/>
+            <a:r>
+              <a:rPr lang="en-US" dirty="0" smtClean="0"/>
+              <a:t>Isolation</a:t>
+            </a:r>
+          </a:p>
+          <a:p>
+            <a:pPr lvl="1"/>
+            <a:r>
+              <a:rPr lang="en-US" dirty="0" smtClean="0"/>
+              <a:t>IP addresses</a:t>
+            </a:r>
+          </a:p>
+          <a:p>
+            <a:pPr lvl="1"/>
+            <a:r>
+              <a:rPr lang="en-US" dirty="0" smtClean="0"/>
+              <a:t>Subnets</a:t>
+            </a:r>
+            <a:endParaRPr lang="en-US" dirty="0"/>
+          </a:p>
+          <a:p>
+            <a:pPr lvl="1"/>
+            <a:r>
+              <a:rPr lang="en-US" dirty="0" smtClean="0"/>
+              <a:t>External and</a:t>
+            </a:r>
+            <a:br>
+              <a:rPr lang="en-US" dirty="0" smtClean="0"/>
+            </a:br>
+            <a:r>
+              <a:rPr lang="en-US" dirty="0" smtClean="0"/>
+              <a:t>Internal</a:t>
+            </a:r>
+            <a:br>
+              <a:rPr lang="en-US" dirty="0" smtClean="0"/>
+            </a:br>
+            <a:r>
+              <a:rPr lang="en-US" dirty="0" smtClean="0"/>
+              <a:t>Load Balancer</a:t>
+            </a:r>
+          </a:p>
+          <a:p>
+            <a:pPr lvl="1"/>
+            <a:r>
+              <a:rPr lang="en-US" dirty="0"/>
+              <a:t>Network </a:t>
+            </a:r>
+            <a:r>
+              <a:rPr lang="en-US" dirty="0" smtClean="0"/>
+              <a:t>Security</a:t>
+            </a:r>
+            <a:br>
+              <a:rPr lang="en-US" dirty="0" smtClean="0"/>
+            </a:br>
+            <a:r>
+              <a:rPr lang="en-US" dirty="0" smtClean="0"/>
+              <a:t>Groups (NSG)</a:t>
+            </a:r>
+          </a:p>
+          <a:p>
+            <a:pPr lvl="2"/>
+            <a:r>
+              <a:rPr lang="en-US" dirty="0" smtClean="0"/>
+              <a:t>Firewall rules</a:t>
+            </a:r>
+            <a:endParaRPr lang="en-US" dirty="0"/>
           </a:p>
         </p:txBody>
       </p:sp>
@@ -15141,7 +16006,7 @@
               <a:pPr>
                 <a:defRPr/>
               </a:pPr>
-              <a:t>20</a:t>
+              <a:t>25</a:t>
             </a:fld>
             <a:endParaRPr lang="en-US" dirty="0"/>
           </a:p>
@@ -15149,32 +16014,56 @@
       </p:sp>
       <p:pic>
         <p:nvPicPr>
-          <p:cNvPr id="5" name="Picture 4"/>
+          <p:cNvPr id="2050" name="Picture 2" descr="VirtualNetwork"/>
           <p:cNvPicPr>
-            <a:picLocks noChangeAspect="1"/>
+            <a:picLocks noChangeAspect="1" noChangeArrowheads="1"/>
           </p:cNvPicPr>
           <p:nvPr/>
         </p:nvPicPr>
-        <p:blipFill>
-          <a:blip r:embed="rId2"/>
-          <a:stretch>
-            <a:fillRect/>
-          </a:stretch>
+        <p:blipFill rotWithShape="1">
+          <a:blip r:embed="rId2">
+            <a:extLst>
+              <a:ext uri="{28A0092B-C50C-407E-A947-70E740481C1C}">
+                <a14:useLocalDpi xmlns:a14="http://schemas.microsoft.com/office/drawing/2010/main" val="0"/>
+              </a:ext>
+            </a:extLst>
+          </a:blip>
+          <a:srcRect l="3961" t="1069" r="989" b="4162"/>
+          <a:stretch/>
         </p:blipFill>
-        <p:spPr>
+        <p:spPr bwMode="auto">
           <a:xfrm>
-            <a:off x="1567668" y="3305175"/>
-            <a:ext cx="6008664" cy="3248025"/>
+            <a:off x="3948545" y="1085321"/>
+            <a:ext cx="4953000" cy="5296958"/>
           </a:xfrm>
           <a:prstGeom prst="rect">
             <a:avLst/>
           </a:prstGeom>
+          <a:ln>
+            <a:noFill/>
+          </a:ln>
+          <a:effectLst>
+            <a:outerShdw blurRad="292100" dist="139700" dir="2700000" algn="tl" rotWithShape="0">
+              <a:srgbClr val="333333">
+                <a:alpha val="65000"/>
+              </a:srgbClr>
+            </a:outerShdw>
+          </a:effectLst>
+          <a:extLst>
+            <a:ext uri="{909E8E84-426E-40DD-AFC4-6F175D3DCCD1}">
+              <a14:hiddenFill xmlns:a14="http://schemas.microsoft.com/office/drawing/2010/main">
+                <a:solidFill>
+                  <a:srgbClr val="FFFFFF"/>
+                </a:solidFill>
+              </a14:hiddenFill>
+            </a:ext>
+          </a:extLst>
         </p:spPr>
       </p:pic>
     </p:spTree>
     <p:extLst>
       <p:ext uri="{BB962C8B-B14F-4D97-AF65-F5344CB8AC3E}">
-        <p14:creationId xmlns:p14="http://schemas.microsoft.com/office/powerpoint/2010/main" val="1634875434"/>
+        <p14:creationId xmlns:p14="http://schemas.microsoft.com/office/powerpoint/2010/main" val="4194610973"/>
       </p:ext>
     </p:extLst>
   </p:cSld>
@@ -15184,7 +16073,7 @@
 </p:sld>
 </file>
 
-<file path=ppt/slides/slide21.xml><?xml version="1.0" encoding="utf-8"?>
+<file path=ppt/slides/slide26.xml><?xml version="1.0" encoding="utf-8"?>
 <p:sld xmlns:a="http://schemas.openxmlformats.org/drawingml/2006/main" xmlns:r="http://schemas.openxmlformats.org/officeDocument/2006/relationships" xmlns:p="http://schemas.openxmlformats.org/presentationml/2006/main">
   <p:cSld>
     <p:spTree>
@@ -15203,6 +16092,148 @@
       </p:grpSpPr>
       <p:sp>
         <p:nvSpPr>
+          <p:cNvPr id="2" name="Title 1"/>
+          <p:cNvSpPr>
+            <a:spLocks noGrp="1"/>
+          </p:cNvSpPr>
+          <p:nvPr>
+            <p:ph type="title"/>
+          </p:nvPr>
+        </p:nvSpPr>
+        <p:spPr/>
+        <p:txBody>
+          <a:bodyPr/>
+          <a:lstStyle/>
+          <a:p>
+            <a:r>
+              <a:rPr lang="en-US" dirty="0"/>
+              <a:t>Content Delivery Network</a:t>
+            </a:r>
+          </a:p>
+        </p:txBody>
+      </p:sp>
+      <p:sp>
+        <p:nvSpPr>
+          <p:cNvPr id="3" name="Content Placeholder 2"/>
+          <p:cNvSpPr>
+            <a:spLocks noGrp="1"/>
+          </p:cNvSpPr>
+          <p:nvPr>
+            <p:ph idx="1"/>
+          </p:nvPr>
+        </p:nvSpPr>
+        <p:spPr>
+          <a:xfrm>
+            <a:off x="228600" y="881148"/>
+            <a:ext cx="8763000" cy="5791200"/>
+          </a:xfrm>
+        </p:spPr>
+        <p:txBody>
+          <a:bodyPr/>
+          <a:lstStyle/>
+          <a:p>
+            <a:r>
+              <a:rPr lang="en-US" dirty="0"/>
+              <a:t>For data that </a:t>
+            </a:r>
+            <a:r>
+              <a:rPr lang="en-US" dirty="0" smtClean="0"/>
+              <a:t>will</a:t>
+            </a:r>
+            <a:br>
+              <a:rPr lang="en-US" dirty="0" smtClean="0"/>
+            </a:br>
+            <a:r>
+              <a:rPr lang="en-US" dirty="0" smtClean="0"/>
+              <a:t>be accessed</a:t>
+            </a:r>
+            <a:br>
+              <a:rPr lang="en-US" dirty="0" smtClean="0"/>
+            </a:br>
+            <a:r>
+              <a:rPr lang="en-US" dirty="0" smtClean="0"/>
+              <a:t>around </a:t>
+            </a:r>
+            <a:r>
+              <a:rPr lang="en-US" dirty="0"/>
+              <a:t>the </a:t>
+            </a:r>
+            <a:r>
+              <a:rPr lang="en-US" dirty="0" smtClean="0"/>
+              <a:t>world</a:t>
+            </a:r>
+          </a:p>
+          <a:p>
+            <a:r>
+              <a:rPr lang="en-US" dirty="0"/>
+              <a:t>Storing a </a:t>
+            </a:r>
+            <a:r>
+              <a:rPr lang="en-US" dirty="0" smtClean="0"/>
+              <a:t>copy in</a:t>
+            </a:r>
+            <a:br>
+              <a:rPr lang="en-US" dirty="0" smtClean="0"/>
+            </a:br>
+            <a:r>
+              <a:rPr lang="en-US" dirty="0" smtClean="0"/>
+              <a:t>multiple Azure</a:t>
+            </a:r>
+            <a:br>
+              <a:rPr lang="en-US" dirty="0" smtClean="0"/>
+            </a:br>
+            <a:r>
+              <a:rPr lang="en-US" dirty="0" smtClean="0"/>
+              <a:t>datacenters</a:t>
+            </a:r>
+          </a:p>
+          <a:p>
+            <a:r>
+              <a:rPr lang="en-US" dirty="0" smtClean="0"/>
+              <a:t>Result </a:t>
+            </a:r>
+            <a:r>
+              <a:rPr lang="en-US" dirty="0"/>
+              <a:t>is </a:t>
+            </a:r>
+            <a:r>
+              <a:rPr lang="en-US" dirty="0" smtClean="0"/>
+              <a:t>faster</a:t>
+            </a:r>
+            <a:br>
+              <a:rPr lang="en-US" dirty="0" smtClean="0"/>
+            </a:br>
+            <a:r>
+              <a:rPr lang="en-US" dirty="0" smtClean="0"/>
+              <a:t>access </a:t>
+            </a:r>
+            <a:r>
+              <a:rPr lang="en-US" dirty="0"/>
+              <a:t>to </a:t>
+            </a:r>
+            <a:r>
+              <a:rPr lang="en-US" dirty="0" smtClean="0"/>
+              <a:t>data</a:t>
+            </a:r>
+          </a:p>
+          <a:p>
+            <a:r>
+              <a:rPr lang="en-US" dirty="0" smtClean="0"/>
+              <a:t>Common usage:</a:t>
+            </a:r>
+            <a:br>
+              <a:rPr lang="en-US" dirty="0" smtClean="0"/>
+            </a:br>
+            <a:r>
+              <a:rPr lang="en-US" dirty="0" smtClean="0"/>
+              <a:t>JS, CSS, Images, Video files in web applications</a:t>
+            </a:r>
+            <a:endParaRPr lang="en-US" dirty="0"/>
+          </a:p>
+        </p:txBody>
+      </p:sp>
+      <p:sp>
+        <p:nvSpPr>
           <p:cNvPr id="4" name="Slide Number Placeholder 3"/>
           <p:cNvSpPr>
             <a:spLocks noGrp="1"/>
@@ -15224,12 +16255,204 @@
               <a:pPr>
                 <a:defRPr/>
               </a:pPr>
-              <a:t>21</a:t>
+              <a:t>26</a:t>
             </a:fld>
             <a:endParaRPr lang="en-US" dirty="0"/>
           </a:p>
         </p:txBody>
       </p:sp>
+      <p:pic>
+        <p:nvPicPr>
+          <p:cNvPr id="5122" name="Picture 2" descr="Azure CDN"/>
+          <p:cNvPicPr>
+            <a:picLocks noChangeAspect="1" noChangeArrowheads="1"/>
+          </p:cNvPicPr>
+          <p:nvPr/>
+        </p:nvPicPr>
+        <p:blipFill rotWithShape="1">
+          <a:blip r:embed="rId2">
+            <a:extLst>
+              <a:ext uri="{28A0092B-C50C-407E-A947-70E740481C1C}">
+                <a14:useLocalDpi xmlns:a14="http://schemas.microsoft.com/office/drawing/2010/main" val="0"/>
+              </a:ext>
+            </a:extLst>
+          </a:blip>
+          <a:srcRect l="8164" t="984" r="680" b="8737"/>
+          <a:stretch/>
+        </p:blipFill>
+        <p:spPr bwMode="auto">
+          <a:xfrm>
+            <a:off x="3839095" y="933796"/>
+            <a:ext cx="5105400" cy="4953000"/>
+          </a:xfrm>
+          <a:prstGeom prst="rect">
+            <a:avLst/>
+          </a:prstGeom>
+          <a:ln>
+            <a:noFill/>
+          </a:ln>
+          <a:effectLst>
+            <a:outerShdw blurRad="292100" dist="139700" dir="2700000" algn="tl" rotWithShape="0">
+              <a:srgbClr val="333333">
+                <a:alpha val="65000"/>
+              </a:srgbClr>
+            </a:outerShdw>
+          </a:effectLst>
+          <a:extLst>
+            <a:ext uri="{909E8E84-426E-40DD-AFC4-6F175D3DCCD1}">
+              <a14:hiddenFill xmlns:a14="http://schemas.microsoft.com/office/drawing/2010/main">
+                <a:solidFill>
+                  <a:srgbClr val="FFFFFF"/>
+                </a:solidFill>
+              </a14:hiddenFill>
+            </a:ext>
+          </a:extLst>
+        </p:spPr>
+      </p:pic>
+    </p:spTree>
+    <p:extLst>
+      <p:ext uri="{BB962C8B-B14F-4D97-AF65-F5344CB8AC3E}">
+        <p14:creationId xmlns:p14="http://schemas.microsoft.com/office/powerpoint/2010/main" val="4134469373"/>
+      </p:ext>
+    </p:extLst>
+  </p:cSld>
+  <p:clrMapOvr>
+    <a:masterClrMapping/>
+  </p:clrMapOvr>
+</p:sld>
+</file>
+
+<file path=ppt/slides/slide27.xml><?xml version="1.0" encoding="utf-8"?>
+<p:sld xmlns:a="http://schemas.openxmlformats.org/drawingml/2006/main" xmlns:r="http://schemas.openxmlformats.org/officeDocument/2006/relationships" xmlns:p="http://schemas.openxmlformats.org/presentationml/2006/main">
+  <p:cSld>
+    <p:spTree>
+      <p:nvGrpSpPr>
+        <p:cNvPr id="1" name=""/>
+        <p:cNvGrpSpPr/>
+        <p:nvPr/>
+      </p:nvGrpSpPr>
+      <p:grpSpPr>
+        <a:xfrm>
+          <a:off x="0" y="0"/>
+          <a:ext cx="0" cy="0"/>
+          <a:chOff x="0" y="0"/>
+          <a:chExt cx="0" cy="0"/>
+        </a:xfrm>
+      </p:grpSpPr>
+      <p:sp>
+        <p:nvSpPr>
+          <p:cNvPr id="2" name="Title 1"/>
+          <p:cNvSpPr>
+            <a:spLocks noGrp="1"/>
+          </p:cNvSpPr>
+          <p:nvPr>
+            <p:ph type="title"/>
+          </p:nvPr>
+        </p:nvSpPr>
+        <p:spPr/>
+        <p:txBody>
+          <a:bodyPr/>
+          <a:lstStyle/>
+          <a:p>
+            <a:r>
+              <a:rPr lang="en-US" dirty="0" smtClean="0"/>
+              <a:t>Other Services (2)</a:t>
+            </a:r>
+            <a:endParaRPr lang="en-US" dirty="0"/>
+          </a:p>
+        </p:txBody>
+      </p:sp>
+      <p:sp>
+        <p:nvSpPr>
+          <p:cNvPr id="3" name="Content Placeholder 2"/>
+          <p:cNvSpPr>
+            <a:spLocks noGrp="1"/>
+          </p:cNvSpPr>
+          <p:nvPr>
+            <p:ph idx="1"/>
+          </p:nvPr>
+        </p:nvSpPr>
+        <p:spPr/>
+        <p:txBody>
+          <a:bodyPr/>
+          <a:lstStyle/>
+          <a:p>
+            <a:r>
+              <a:rPr lang="en-US" dirty="0">
+                <a:hlinkClick r:id="rId2"/>
+              </a:rPr>
+              <a:t>Azure Support Video</a:t>
+            </a:r>
+            <a:r>
+              <a:rPr lang="en-US" dirty="0"/>
+              <a:t>, </a:t>
+            </a:r>
+            <a:r>
+              <a:rPr lang="en-US" dirty="0">
+                <a:hlinkClick r:id="rId3"/>
+              </a:rPr>
+              <a:t>App Service Video</a:t>
+            </a:r>
+            <a:endParaRPr lang="en-US" dirty="0"/>
+          </a:p>
+          <a:p>
+            <a:endParaRPr lang="en-US" dirty="0"/>
+          </a:p>
+        </p:txBody>
+      </p:sp>
+      <p:sp>
+        <p:nvSpPr>
+          <p:cNvPr id="4" name="Slide Number Placeholder 3"/>
+          <p:cNvSpPr>
+            <a:spLocks noGrp="1"/>
+          </p:cNvSpPr>
+          <p:nvPr>
+            <p:ph type="sldNum" sz="quarter" idx="10"/>
+          </p:nvPr>
+        </p:nvSpPr>
+        <p:spPr/>
+        <p:txBody>
+          <a:bodyPr/>
+          <a:lstStyle/>
+          <a:p>
+            <a:pPr>
+              <a:defRPr/>
+            </a:pPr>
+            <a:fld id="{58452FF4-89E3-4D1B-9927-2DBDC00E58D7}" type="slidenum">
+              <a:rPr lang="en-US" smtClean="0"/>
+              <a:pPr>
+                <a:defRPr/>
+              </a:pPr>
+              <a:t>27</a:t>
+            </a:fld>
+            <a:endParaRPr lang="en-US" dirty="0"/>
+          </a:p>
+        </p:txBody>
+      </p:sp>
+      <p:pic>
+        <p:nvPicPr>
+          <p:cNvPr id="5" name="Picture 4"/>
+          <p:cNvPicPr>
+            <a:picLocks noChangeAspect="1"/>
+          </p:cNvPicPr>
+          <p:nvPr/>
+        </p:nvPicPr>
+        <p:blipFill>
+          <a:blip r:embed="rId4"/>
+          <a:stretch>
+            <a:fillRect/>
+          </a:stretch>
+        </p:blipFill>
+        <p:spPr>
+          <a:xfrm>
+            <a:off x="381000" y="3224355"/>
+            <a:ext cx="2524477" cy="3324689"/>
+          </a:xfrm>
+          <a:prstGeom prst="rect">
+            <a:avLst/>
+          </a:prstGeom>
+        </p:spPr>
+      </p:pic>
       <p:pic>
         <p:nvPicPr>
           <p:cNvPr id="6" name="Picture 5"/>
@@ -15239,15 +16462,15 @@
           <p:nvPr/>
         </p:nvPicPr>
         <p:blipFill>
-          <a:blip r:embed="rId2"/>
+          <a:blip r:embed="rId5"/>
           <a:stretch>
             <a:fillRect/>
           </a:stretch>
         </p:blipFill>
         <p:spPr>
           <a:xfrm>
-            <a:off x="381000" y="990600"/>
-            <a:ext cx="3886200" cy="5190413"/>
+            <a:off x="3057877" y="2395564"/>
+            <a:ext cx="2524477" cy="4153480"/>
           </a:xfrm>
           <a:prstGeom prst="rect">
             <a:avLst/>
@@ -15263,15 +16486,15 @@
           <p:nvPr/>
         </p:nvPicPr>
         <p:blipFill>
-          <a:blip r:embed="rId3"/>
+          <a:blip r:embed="rId6"/>
           <a:stretch>
             <a:fillRect/>
           </a:stretch>
         </p:blipFill>
         <p:spPr>
           <a:xfrm>
-            <a:off x="4515195" y="990599"/>
-            <a:ext cx="4282214" cy="5190413"/>
+            <a:off x="5734754" y="1570930"/>
+            <a:ext cx="2524477" cy="4982270"/>
           </a:xfrm>
           <a:prstGeom prst="rect">
             <a:avLst/>
@@ -15281,7 +16504,7 @@
     </p:spTree>
     <p:extLst>
       <p:ext uri="{BB962C8B-B14F-4D97-AF65-F5344CB8AC3E}">
-        <p14:creationId xmlns:p14="http://schemas.microsoft.com/office/powerpoint/2010/main" val="1444671116"/>
+        <p14:creationId xmlns:p14="http://schemas.microsoft.com/office/powerpoint/2010/main" val="770896286"/>
       </p:ext>
     </p:extLst>
   </p:cSld>
@@ -15291,7 +16514,283 @@
 </p:sld>
 </file>
 
-<file path=ppt/slides/slide22.xml><?xml version="1.0" encoding="utf-8"?>
+<file path=ppt/slides/slide28.xml><?xml version="1.0" encoding="utf-8"?>
+<p:sld xmlns:a="http://schemas.openxmlformats.org/drawingml/2006/main" xmlns:r="http://schemas.openxmlformats.org/officeDocument/2006/relationships" xmlns:p="http://schemas.openxmlformats.org/presentationml/2006/main">
+  <p:cSld>
+    <p:spTree>
+      <p:nvGrpSpPr>
+        <p:cNvPr id="1" name=""/>
+        <p:cNvGrpSpPr/>
+        <p:nvPr/>
+      </p:nvGrpSpPr>
+      <p:grpSpPr>
+        <a:xfrm>
+          <a:off x="0" y="0"/>
+          <a:ext cx="0" cy="0"/>
+          <a:chOff x="0" y="0"/>
+          <a:chExt cx="0" cy="0"/>
+        </a:xfrm>
+      </p:grpSpPr>
+      <p:sp>
+        <p:nvSpPr>
+          <p:cNvPr id="2" name="Title 1"/>
+          <p:cNvSpPr>
+            <a:spLocks noGrp="1"/>
+          </p:cNvSpPr>
+          <p:nvPr>
+            <p:ph type="title"/>
+          </p:nvPr>
+        </p:nvSpPr>
+        <p:spPr/>
+        <p:txBody>
+          <a:bodyPr/>
+          <a:lstStyle/>
+          <a:p>
+            <a:r>
+              <a:rPr lang="en-US" dirty="0"/>
+              <a:t>Application Insights</a:t>
+            </a:r>
+          </a:p>
+        </p:txBody>
+      </p:sp>
+      <p:sp>
+        <p:nvSpPr>
+          <p:cNvPr id="3" name="Content Placeholder 2"/>
+          <p:cNvSpPr>
+            <a:spLocks noGrp="1"/>
+          </p:cNvSpPr>
+          <p:nvPr>
+            <p:ph idx="1"/>
+          </p:nvPr>
+        </p:nvSpPr>
+        <p:spPr>
+          <a:xfrm>
+            <a:off x="228600" y="838200"/>
+            <a:ext cx="8686800" cy="5867400"/>
+          </a:xfrm>
+        </p:spPr>
+        <p:txBody>
+          <a:bodyPr/>
+          <a:lstStyle/>
+          <a:p>
+            <a:pPr>
+              <a:spcAft>
+                <a:spcPts val="300"/>
+              </a:spcAft>
+            </a:pPr>
+            <a:r>
+              <a:rPr lang="en-US" dirty="0" smtClean="0"/>
+              <a:t>Tells </a:t>
+            </a:r>
+            <a:r>
+              <a:rPr lang="en-US" dirty="0"/>
+              <a:t>you how </a:t>
+            </a:r>
+            <a:r>
+              <a:rPr lang="en-US" dirty="0" smtClean="0"/>
+              <a:t>app</a:t>
+            </a:r>
+            <a:br>
+              <a:rPr lang="en-US" dirty="0" smtClean="0"/>
+            </a:br>
+            <a:r>
+              <a:rPr lang="en-US" dirty="0" smtClean="0"/>
+              <a:t>is performing and</a:t>
+            </a:r>
+            <a:br>
+              <a:rPr lang="en-US" dirty="0" smtClean="0"/>
+            </a:br>
+            <a:r>
+              <a:rPr lang="en-US" dirty="0" smtClean="0"/>
+              <a:t>what </a:t>
+            </a:r>
+            <a:r>
+              <a:rPr lang="en-US" dirty="0"/>
+              <a:t>users </a:t>
+            </a:r>
+            <a:r>
+              <a:rPr lang="en-US" dirty="0" smtClean="0"/>
+              <a:t>are</a:t>
+            </a:r>
+            <a:br>
+              <a:rPr lang="en-US" dirty="0" smtClean="0"/>
+            </a:br>
+            <a:r>
+              <a:rPr lang="en-US" dirty="0" smtClean="0"/>
+              <a:t>doing </a:t>
+            </a:r>
+            <a:r>
+              <a:rPr lang="en-US" dirty="0"/>
+              <a:t>with </a:t>
+            </a:r>
+            <a:r>
+              <a:rPr lang="en-US" dirty="0" smtClean="0"/>
+              <a:t>it</a:t>
+            </a:r>
+          </a:p>
+          <a:p>
+            <a:pPr lvl="1">
+              <a:spcAft>
+                <a:spcPts val="300"/>
+              </a:spcAft>
+            </a:pPr>
+            <a:r>
+              <a:rPr lang="en-US" dirty="0" smtClean="0"/>
+              <a:t>Count </a:t>
+            </a:r>
+            <a:r>
+              <a:rPr lang="en-US" dirty="0"/>
+              <a:t>of </a:t>
+            </a:r>
+            <a:r>
+              <a:rPr lang="en-US" dirty="0" smtClean="0"/>
+              <a:t>crashes</a:t>
+            </a:r>
+          </a:p>
+          <a:p>
+            <a:pPr lvl="1">
+              <a:spcAft>
+                <a:spcPts val="300"/>
+              </a:spcAft>
+            </a:pPr>
+            <a:r>
+              <a:rPr lang="en-US" dirty="0" smtClean="0"/>
+              <a:t>Slow response</a:t>
+            </a:r>
+          </a:p>
+          <a:p>
+            <a:pPr lvl="1">
+              <a:spcAft>
+                <a:spcPts val="300"/>
+              </a:spcAft>
+            </a:pPr>
+            <a:r>
+              <a:rPr lang="en-US" dirty="0" smtClean="0"/>
+              <a:t>Alerting</a:t>
+            </a:r>
+          </a:p>
+          <a:p>
+            <a:pPr lvl="1">
+              <a:spcAft>
+                <a:spcPts val="300"/>
+              </a:spcAft>
+            </a:pPr>
+            <a:r>
+              <a:rPr lang="en-US" dirty="0" smtClean="0"/>
+              <a:t>Measuring</a:t>
+            </a:r>
+          </a:p>
+          <a:p>
+            <a:pPr>
+              <a:spcAft>
+                <a:spcPts val="300"/>
+              </a:spcAft>
+            </a:pPr>
+            <a:r>
+              <a:rPr lang="en-US" dirty="0" smtClean="0"/>
+              <a:t>Web, Desktop,</a:t>
+            </a:r>
+            <a:br>
+              <a:rPr lang="en-US" dirty="0" smtClean="0"/>
+            </a:br>
+            <a:r>
+              <a:rPr lang="en-US" dirty="0" smtClean="0"/>
+              <a:t>and Mobile apps</a:t>
+            </a:r>
+          </a:p>
+        </p:txBody>
+      </p:sp>
+      <p:sp>
+        <p:nvSpPr>
+          <p:cNvPr id="4" name="Slide Number Placeholder 3"/>
+          <p:cNvSpPr>
+            <a:spLocks noGrp="1"/>
+          </p:cNvSpPr>
+          <p:nvPr>
+            <p:ph type="sldNum" sz="quarter" idx="10"/>
+          </p:nvPr>
+        </p:nvSpPr>
+        <p:spPr/>
+        <p:txBody>
+          <a:bodyPr/>
+          <a:lstStyle/>
+          <a:p>
+            <a:pPr>
+              <a:defRPr/>
+            </a:pPr>
+            <a:fld id="{58452FF4-89E3-4D1B-9927-2DBDC00E58D7}" type="slidenum">
+              <a:rPr lang="en-US" smtClean="0"/>
+              <a:pPr>
+                <a:defRPr/>
+              </a:pPr>
+              <a:t>28</a:t>
+            </a:fld>
+            <a:endParaRPr lang="en-US" dirty="0"/>
+          </a:p>
+        </p:txBody>
+      </p:sp>
+      <p:pic>
+        <p:nvPicPr>
+          <p:cNvPr id="3074" name="Picture 2" descr="Application Insights"/>
+          <p:cNvPicPr>
+            <a:picLocks noChangeAspect="1" noChangeArrowheads="1"/>
+          </p:cNvPicPr>
+          <p:nvPr/>
+        </p:nvPicPr>
+        <p:blipFill rotWithShape="1">
+          <a:blip r:embed="rId2">
+            <a:extLst>
+              <a:ext uri="{28A0092B-C50C-407E-A947-70E740481C1C}">
+                <a14:useLocalDpi xmlns:a14="http://schemas.microsoft.com/office/drawing/2010/main" val="0"/>
+              </a:ext>
+            </a:extLst>
+          </a:blip>
+          <a:srcRect l="8014" t="1465" r="8598" b="1832"/>
+          <a:stretch/>
+        </p:blipFill>
+        <p:spPr bwMode="auto">
+          <a:xfrm>
+            <a:off x="3962400" y="1197723"/>
+            <a:ext cx="4876800" cy="5029201"/>
+          </a:xfrm>
+          <a:prstGeom prst="rect">
+            <a:avLst/>
+          </a:prstGeom>
+          <a:ln>
+            <a:noFill/>
+          </a:ln>
+          <a:effectLst>
+            <a:outerShdw blurRad="292100" dist="139700" dir="2700000" algn="tl" rotWithShape="0">
+              <a:srgbClr val="333333">
+                <a:alpha val="65000"/>
+              </a:srgbClr>
+            </a:outerShdw>
+          </a:effectLst>
+          <a:extLst>
+            <a:ext uri="{909E8E84-426E-40DD-AFC4-6F175D3DCCD1}">
+              <a14:hiddenFill xmlns:a14="http://schemas.microsoft.com/office/drawing/2010/main">
+                <a:solidFill>
+                  <a:srgbClr val="FFFFFF"/>
+                </a:solidFill>
+              </a14:hiddenFill>
+            </a:ext>
+          </a:extLst>
+        </p:spPr>
+      </p:pic>
+    </p:spTree>
+    <p:extLst>
+      <p:ext uri="{BB962C8B-B14F-4D97-AF65-F5344CB8AC3E}">
+        <p14:creationId xmlns:p14="http://schemas.microsoft.com/office/powerpoint/2010/main" val="1952034302"/>
+      </p:ext>
+    </p:extLst>
+  </p:cSld>
+  <p:clrMapOvr>
+    <a:masterClrMapping/>
+  </p:clrMapOvr>
+</p:sld>
+</file>
+
+<file path=ppt/slides/slide29.xml><?xml version="1.0" encoding="utf-8"?>
 <p:sld xmlns:a="http://schemas.openxmlformats.org/drawingml/2006/main" xmlns:r="http://schemas.openxmlformats.org/officeDocument/2006/relationships" xmlns:p="http://schemas.openxmlformats.org/presentationml/2006/main">
   <p:cSld>
     <p:spTree>
@@ -15524,7 +17023,333 @@
 </p:sld>
 </file>
 
-<file path=ppt/slides/slide23.xml><?xml version="1.0" encoding="utf-8"?>
+<file path=ppt/slides/slide3.xml><?xml version="1.0" encoding="utf-8"?>
+<p:sld xmlns:a="http://schemas.openxmlformats.org/drawingml/2006/main" xmlns:r="http://schemas.openxmlformats.org/officeDocument/2006/relationships" xmlns:p="http://schemas.openxmlformats.org/presentationml/2006/main">
+  <p:cSld>
+    <p:spTree>
+      <p:nvGrpSpPr>
+        <p:cNvPr id="1" name=""/>
+        <p:cNvGrpSpPr/>
+        <p:nvPr/>
+      </p:nvGrpSpPr>
+      <p:grpSpPr>
+        <a:xfrm>
+          <a:off x="0" y="0"/>
+          <a:ext cx="0" cy="0"/>
+          <a:chOff x="0" y="0"/>
+          <a:chExt cx="0" cy="0"/>
+        </a:xfrm>
+      </p:grpSpPr>
+      <p:sp>
+        <p:nvSpPr>
+          <p:cNvPr id="2" name="Title 1"/>
+          <p:cNvSpPr>
+            <a:spLocks noGrp="1"/>
+          </p:cNvSpPr>
+          <p:nvPr>
+            <p:ph type="title"/>
+          </p:nvPr>
+        </p:nvSpPr>
+        <p:spPr/>
+        <p:txBody>
+          <a:bodyPr/>
+          <a:lstStyle/>
+          <a:p>
+            <a:r>
+              <a:rPr lang="en-US" dirty="0" smtClean="0"/>
+              <a:t>Table of Contents</a:t>
+            </a:r>
+            <a:endParaRPr lang="en-US" dirty="0"/>
+          </a:p>
+        </p:txBody>
+      </p:sp>
+      <p:sp>
+        <p:nvSpPr>
+          <p:cNvPr id="3" name="Content Placeholder 2"/>
+          <p:cNvSpPr>
+            <a:spLocks noGrp="1"/>
+          </p:cNvSpPr>
+          <p:nvPr>
+            <p:ph idx="1"/>
+          </p:nvPr>
+        </p:nvSpPr>
+        <p:spPr>
+          <a:xfrm>
+            <a:off x="228600" y="685800"/>
+            <a:ext cx="8763000" cy="6019800"/>
+          </a:xfrm>
+        </p:spPr>
+        <p:txBody>
+          <a:bodyPr/>
+          <a:lstStyle/>
+          <a:p>
+            <a:pPr>
+              <a:lnSpc>
+                <a:spcPct val="100000"/>
+              </a:lnSpc>
+              <a:spcBef>
+                <a:spcPts val="0"/>
+              </a:spcBef>
+              <a:spcAft>
+                <a:spcPts val="100"/>
+              </a:spcAft>
+            </a:pPr>
+            <a:r>
+              <a:rPr lang="en-US" dirty="0" smtClean="0"/>
+              <a:t>What </a:t>
+            </a:r>
+            <a:r>
+              <a:rPr lang="en-US" dirty="0"/>
+              <a:t>is Microsoft </a:t>
+            </a:r>
+            <a:r>
+              <a:rPr lang="en-US" dirty="0" smtClean="0"/>
+              <a:t>Azure?</a:t>
+            </a:r>
+            <a:endParaRPr lang="en-US" dirty="0"/>
+          </a:p>
+          <a:p>
+            <a:pPr>
+              <a:lnSpc>
+                <a:spcPct val="100000"/>
+              </a:lnSpc>
+              <a:spcBef>
+                <a:spcPts val="0"/>
+              </a:spcBef>
+              <a:spcAft>
+                <a:spcPts val="100"/>
+              </a:spcAft>
+            </a:pPr>
+            <a:r>
+              <a:rPr lang="en-US" dirty="0" smtClean="0"/>
+              <a:t>Compute Services and Virtual Machines</a:t>
+            </a:r>
+            <a:endParaRPr lang="bg-BG" dirty="0" smtClean="0"/>
+          </a:p>
+          <a:p>
+            <a:pPr lvl="1">
+              <a:lnSpc>
+                <a:spcPct val="100000"/>
+              </a:lnSpc>
+              <a:spcBef>
+                <a:spcPts val="0"/>
+              </a:spcBef>
+              <a:spcAft>
+                <a:spcPts val="100"/>
+              </a:spcAft>
+            </a:pPr>
+            <a:r>
+              <a:rPr lang="en-US" dirty="0" smtClean="0"/>
+              <a:t>Demo: Windows Server and Ubuntu</a:t>
+            </a:r>
+          </a:p>
+          <a:p>
+            <a:pPr lvl="1">
+              <a:lnSpc>
+                <a:spcPct val="100000"/>
+              </a:lnSpc>
+              <a:spcBef>
+                <a:spcPts val="0"/>
+              </a:spcBef>
+              <a:spcAft>
+                <a:spcPts val="100"/>
+              </a:spcAft>
+            </a:pPr>
+            <a:r>
+              <a:rPr lang="en-US" dirty="0" smtClean="0"/>
+              <a:t>Demo: RemoteApp</a:t>
+            </a:r>
+            <a:endParaRPr lang="en-US" dirty="0"/>
+          </a:p>
+          <a:p>
+            <a:pPr>
+              <a:lnSpc>
+                <a:spcPct val="100000"/>
+              </a:lnSpc>
+              <a:spcBef>
+                <a:spcPts val="0"/>
+              </a:spcBef>
+              <a:spcAft>
+                <a:spcPts val="100"/>
+              </a:spcAft>
+            </a:pPr>
+            <a:r>
+              <a:rPr lang="en-US" dirty="0"/>
+              <a:t>Data </a:t>
+            </a:r>
+            <a:r>
+              <a:rPr lang="en-US" dirty="0" smtClean="0"/>
+              <a:t>and Storage</a:t>
+            </a:r>
+            <a:endParaRPr lang="en-US" dirty="0"/>
+          </a:p>
+          <a:p>
+            <a:pPr>
+              <a:lnSpc>
+                <a:spcPct val="100000"/>
+              </a:lnSpc>
+              <a:spcBef>
+                <a:spcPts val="0"/>
+              </a:spcBef>
+              <a:spcAft>
+                <a:spcPts val="100"/>
+              </a:spcAft>
+            </a:pPr>
+            <a:r>
+              <a:rPr lang="en-US" dirty="0" smtClean="0"/>
+              <a:t>Web and Mobile</a:t>
+            </a:r>
+          </a:p>
+          <a:p>
+            <a:pPr lvl="1">
+              <a:lnSpc>
+                <a:spcPct val="100000"/>
+              </a:lnSpc>
+              <a:spcBef>
+                <a:spcPts val="0"/>
+              </a:spcBef>
+              <a:spcAft>
+                <a:spcPts val="100"/>
+              </a:spcAft>
+            </a:pPr>
+            <a:r>
+              <a:rPr lang="en-US" dirty="0" smtClean="0"/>
+              <a:t>Demo: Deploying ASP.NET MVC and Web API</a:t>
+            </a:r>
+          </a:p>
+          <a:p>
+            <a:pPr lvl="1">
+              <a:lnSpc>
+                <a:spcPct val="100000"/>
+              </a:lnSpc>
+              <a:spcBef>
+                <a:spcPts val="0"/>
+              </a:spcBef>
+              <a:spcAft>
+                <a:spcPts val="100"/>
+              </a:spcAft>
+            </a:pPr>
+            <a:r>
+              <a:rPr lang="en-US" dirty="0" smtClean="0"/>
+              <a:t>Demo: Continuous Deployment</a:t>
+            </a:r>
+          </a:p>
+          <a:p>
+            <a:pPr>
+              <a:lnSpc>
+                <a:spcPct val="100000"/>
+              </a:lnSpc>
+              <a:spcBef>
+                <a:spcPts val="0"/>
+              </a:spcBef>
+              <a:spcAft>
+                <a:spcPts val="100"/>
+              </a:spcAft>
+            </a:pPr>
+            <a:r>
+              <a:rPr lang="en-US" dirty="0" smtClean="0"/>
+              <a:t>Internet of Things, Big Data, Machine Learning</a:t>
+            </a:r>
+          </a:p>
+          <a:p>
+            <a:pPr lvl="1">
+              <a:lnSpc>
+                <a:spcPct val="100000"/>
+              </a:lnSpc>
+              <a:spcBef>
+                <a:spcPts val="0"/>
+              </a:spcBef>
+              <a:spcAft>
+                <a:spcPts val="100"/>
+              </a:spcAft>
+            </a:pPr>
+            <a:r>
+              <a:rPr lang="en-US" dirty="0" smtClean="0"/>
+              <a:t>Demo: Azure Machine Learning</a:t>
+            </a:r>
+            <a:endParaRPr lang="en-US" dirty="0"/>
+          </a:p>
+          <a:p>
+            <a:pPr>
+              <a:lnSpc>
+                <a:spcPct val="100000"/>
+              </a:lnSpc>
+              <a:spcBef>
+                <a:spcPts val="0"/>
+              </a:spcBef>
+              <a:spcAft>
+                <a:spcPts val="100"/>
+              </a:spcAft>
+            </a:pPr>
+            <a:r>
+              <a:rPr lang="en-US" dirty="0" smtClean="0"/>
+              <a:t>Other Services (Networking, CDN, etc.)</a:t>
+            </a:r>
+            <a:endParaRPr lang="en-US" dirty="0"/>
+          </a:p>
+          <a:p>
+            <a:pPr>
+              <a:lnSpc>
+                <a:spcPct val="100000"/>
+              </a:lnSpc>
+              <a:spcBef>
+                <a:spcPts val="0"/>
+              </a:spcBef>
+              <a:spcAft>
+                <a:spcPts val="100"/>
+              </a:spcAft>
+            </a:pPr>
+            <a:r>
+              <a:rPr lang="en-US" dirty="0" smtClean="0"/>
+              <a:t>Popular Cloud Architecture</a:t>
+            </a:r>
+            <a:endParaRPr lang="en-US" dirty="0"/>
+          </a:p>
+        </p:txBody>
+      </p:sp>
+      <p:sp>
+        <p:nvSpPr>
+          <p:cNvPr id="4" name="Slide Number Placeholder 3"/>
+          <p:cNvSpPr>
+            <a:spLocks noGrp="1"/>
+          </p:cNvSpPr>
+          <p:nvPr>
+            <p:ph type="sldNum" sz="quarter" idx="10"/>
+          </p:nvPr>
+        </p:nvSpPr>
+        <p:spPr/>
+        <p:txBody>
+          <a:bodyPr/>
+          <a:lstStyle/>
+          <a:p>
+            <a:pPr>
+              <a:defRPr/>
+            </a:pPr>
+            <a:fld id="{58452FF4-89E3-4D1B-9927-2DBDC00E58D7}" type="slidenum">
+              <a:rPr lang="en-US" smtClean="0"/>
+              <a:pPr>
+                <a:defRPr/>
+              </a:pPr>
+              <a:t>3</a:t>
+            </a:fld>
+            <a:endParaRPr lang="en-US" dirty="0"/>
+          </a:p>
+        </p:txBody>
+      </p:sp>
+    </p:spTree>
+    <p:extLst>
+      <p:ext uri="{BB962C8B-B14F-4D97-AF65-F5344CB8AC3E}">
+        <p14:creationId xmlns:p14="http://schemas.microsoft.com/office/powerpoint/2010/main" val="3021460776"/>
+      </p:ext>
+    </p:extLst>
+  </p:cSld>
+  <p:clrMapOvr>
+    <a:masterClrMapping/>
+  </p:clrMapOvr>
+</p:sld>
+</file>
+
+<file path=ppt/slides/slide30.xml><?xml version="1.0" encoding="utf-8"?>
 <p:sld xmlns:a="http://schemas.openxmlformats.org/drawingml/2006/main" xmlns:r="http://schemas.openxmlformats.org/officeDocument/2006/relationships" xmlns:p="http://schemas.openxmlformats.org/presentationml/2006/main">
   <p:cSld>
     <p:spTree>
@@ -15775,7 +17600,7 @@
               <a:pPr>
                 <a:defRPr/>
               </a:pPr>
-              <a:t>23</a:t>
+              <a:t>30</a:t>
             </a:fld>
             <a:endParaRPr lang="en-US" dirty="0"/>
           </a:p>
@@ -16010,341 +17835,6 @@
       </p:par>
     </p:tnLst>
   </p:timing>
-</p:sld>
-</file>
-
-<file path=ppt/slides/slide3.xml><?xml version="1.0" encoding="utf-8"?>
-<p:sld xmlns:a="http://schemas.openxmlformats.org/drawingml/2006/main" xmlns:r="http://schemas.openxmlformats.org/officeDocument/2006/relationships" xmlns:p="http://schemas.openxmlformats.org/presentationml/2006/main">
-  <p:cSld>
-    <p:spTree>
-      <p:nvGrpSpPr>
-        <p:cNvPr id="1" name=""/>
-        <p:cNvGrpSpPr/>
-        <p:nvPr/>
-      </p:nvGrpSpPr>
-      <p:grpSpPr>
-        <a:xfrm>
-          <a:off x="0" y="0"/>
-          <a:ext cx="0" cy="0"/>
-          <a:chOff x="0" y="0"/>
-          <a:chExt cx="0" cy="0"/>
-        </a:xfrm>
-      </p:grpSpPr>
-      <p:sp>
-        <p:nvSpPr>
-          <p:cNvPr id="2" name="Title 1"/>
-          <p:cNvSpPr>
-            <a:spLocks noGrp="1"/>
-          </p:cNvSpPr>
-          <p:nvPr>
-            <p:ph type="title"/>
-          </p:nvPr>
-        </p:nvSpPr>
-        <p:spPr/>
-        <p:txBody>
-          <a:bodyPr/>
-          <a:lstStyle/>
-          <a:p>
-            <a:r>
-              <a:rPr lang="en-US" dirty="0" smtClean="0"/>
-              <a:t>Table of Contents</a:t>
-            </a:r>
-            <a:endParaRPr lang="en-US" dirty="0"/>
-          </a:p>
-        </p:txBody>
-      </p:sp>
-      <p:sp>
-        <p:nvSpPr>
-          <p:cNvPr id="3" name="Content Placeholder 2"/>
-          <p:cNvSpPr>
-            <a:spLocks noGrp="1"/>
-          </p:cNvSpPr>
-          <p:nvPr>
-            <p:ph idx="1"/>
-          </p:nvPr>
-        </p:nvSpPr>
-        <p:spPr>
-          <a:xfrm>
-            <a:off x="228600" y="685800"/>
-            <a:ext cx="8763000" cy="6019800"/>
-          </a:xfrm>
-        </p:spPr>
-        <p:txBody>
-          <a:bodyPr/>
-          <a:lstStyle/>
-          <a:p>
-            <a:pPr>
-              <a:lnSpc>
-                <a:spcPct val="100000"/>
-              </a:lnSpc>
-              <a:spcBef>
-                <a:spcPts val="0"/>
-              </a:spcBef>
-              <a:spcAft>
-                <a:spcPts val="0"/>
-              </a:spcAft>
-            </a:pPr>
-            <a:r>
-              <a:rPr lang="en-US" dirty="0" smtClean="0"/>
-              <a:t>What </a:t>
-            </a:r>
-            <a:r>
-              <a:rPr lang="en-US" dirty="0"/>
-              <a:t>is Microsoft </a:t>
-            </a:r>
-            <a:r>
-              <a:rPr lang="en-US" dirty="0" smtClean="0"/>
-              <a:t>Azure?</a:t>
-            </a:r>
-            <a:endParaRPr lang="en-US" dirty="0"/>
-          </a:p>
-          <a:p>
-            <a:pPr>
-              <a:lnSpc>
-                <a:spcPct val="100000"/>
-              </a:lnSpc>
-              <a:spcBef>
-                <a:spcPts val="0"/>
-              </a:spcBef>
-              <a:spcAft>
-                <a:spcPts val="0"/>
-              </a:spcAft>
-            </a:pPr>
-            <a:r>
-              <a:rPr lang="en-US" dirty="0" smtClean="0"/>
-              <a:t>Compute Services and Virtual Machines</a:t>
-            </a:r>
-            <a:endParaRPr lang="bg-BG" dirty="0" smtClean="0"/>
-          </a:p>
-          <a:p>
-            <a:pPr lvl="1">
-              <a:lnSpc>
-                <a:spcPct val="100000"/>
-              </a:lnSpc>
-              <a:spcBef>
-                <a:spcPts val="0"/>
-              </a:spcBef>
-              <a:spcAft>
-                <a:spcPts val="0"/>
-              </a:spcAft>
-            </a:pPr>
-            <a:r>
-              <a:rPr lang="en-US" dirty="0" smtClean="0"/>
-              <a:t>Demo: Windows Server and Ubuntu</a:t>
-            </a:r>
-          </a:p>
-          <a:p>
-            <a:pPr lvl="1">
-              <a:lnSpc>
-                <a:spcPct val="100000"/>
-              </a:lnSpc>
-              <a:spcBef>
-                <a:spcPts val="0"/>
-              </a:spcBef>
-              <a:spcAft>
-                <a:spcPts val="0"/>
-              </a:spcAft>
-            </a:pPr>
-            <a:r>
-              <a:rPr lang="en-US" dirty="0" smtClean="0"/>
-              <a:t>Demo: RemoteApp</a:t>
-            </a:r>
-            <a:endParaRPr lang="en-US" dirty="0"/>
-          </a:p>
-          <a:p>
-            <a:pPr>
-              <a:lnSpc>
-                <a:spcPct val="100000"/>
-              </a:lnSpc>
-              <a:spcBef>
-                <a:spcPts val="0"/>
-              </a:spcBef>
-              <a:spcAft>
-                <a:spcPts val="0"/>
-              </a:spcAft>
-            </a:pPr>
-            <a:r>
-              <a:rPr lang="en-US" dirty="0"/>
-              <a:t>Data </a:t>
-            </a:r>
-            <a:r>
-              <a:rPr lang="en-US" dirty="0" smtClean="0"/>
-              <a:t>and Storage</a:t>
-            </a:r>
-            <a:endParaRPr lang="en-US" dirty="0"/>
-          </a:p>
-          <a:p>
-            <a:pPr>
-              <a:lnSpc>
-                <a:spcPct val="100000"/>
-              </a:lnSpc>
-              <a:spcBef>
-                <a:spcPts val="0"/>
-              </a:spcBef>
-              <a:spcAft>
-                <a:spcPts val="0"/>
-              </a:spcAft>
-            </a:pPr>
-            <a:r>
-              <a:rPr lang="en-US" dirty="0" smtClean="0"/>
-              <a:t>Web and Mobile</a:t>
-            </a:r>
-            <a:endParaRPr lang="en-US" dirty="0" smtClean="0"/>
-          </a:p>
-          <a:p>
-            <a:pPr lvl="1">
-              <a:lnSpc>
-                <a:spcPct val="100000"/>
-              </a:lnSpc>
-              <a:spcBef>
-                <a:spcPts val="0"/>
-              </a:spcBef>
-              <a:spcAft>
-                <a:spcPts val="0"/>
-              </a:spcAft>
-            </a:pPr>
-            <a:r>
-              <a:rPr lang="en-US" dirty="0" smtClean="0"/>
-              <a:t>Demo: Deploying ASP.NET MVC and Web API</a:t>
-            </a:r>
-          </a:p>
-          <a:p>
-            <a:pPr lvl="1">
-              <a:lnSpc>
-                <a:spcPct val="100000"/>
-              </a:lnSpc>
-              <a:spcBef>
-                <a:spcPts val="0"/>
-              </a:spcBef>
-              <a:spcAft>
-                <a:spcPts val="0"/>
-              </a:spcAft>
-            </a:pPr>
-            <a:r>
-              <a:rPr lang="en-US" dirty="0" smtClean="0"/>
-              <a:t>Demo: Continuous Deployment</a:t>
-            </a:r>
-          </a:p>
-          <a:p>
-            <a:pPr>
-              <a:lnSpc>
-                <a:spcPct val="100000"/>
-              </a:lnSpc>
-              <a:spcBef>
-                <a:spcPts val="0"/>
-              </a:spcBef>
-              <a:spcAft>
-                <a:spcPts val="0"/>
-              </a:spcAft>
-            </a:pPr>
-            <a:r>
-              <a:rPr lang="en-US" dirty="0" smtClean="0"/>
-              <a:t>Internet </a:t>
-            </a:r>
-            <a:r>
-              <a:rPr lang="en-US" dirty="0" smtClean="0"/>
-              <a:t>of Things, Big Data, Machine Learning</a:t>
-            </a:r>
-            <a:endParaRPr lang="en-US" dirty="0"/>
-          </a:p>
-          <a:p>
-            <a:pPr>
-              <a:lnSpc>
-                <a:spcPct val="100000"/>
-              </a:lnSpc>
-              <a:spcBef>
-                <a:spcPts val="0"/>
-              </a:spcBef>
-              <a:spcAft>
-                <a:spcPts val="0"/>
-              </a:spcAft>
-            </a:pPr>
-            <a:r>
-              <a:rPr lang="en-US" dirty="0" smtClean="0"/>
-              <a:t>Networking, Mobile, Back-up</a:t>
-            </a:r>
-            <a:endParaRPr lang="en-US" dirty="0"/>
-          </a:p>
-          <a:p>
-            <a:pPr>
-              <a:lnSpc>
-                <a:spcPct val="100000"/>
-              </a:lnSpc>
-              <a:spcBef>
-                <a:spcPts val="0"/>
-              </a:spcBef>
-              <a:spcAft>
-                <a:spcPts val="0"/>
-              </a:spcAft>
-            </a:pPr>
-            <a:r>
-              <a:rPr lang="en-US" dirty="0"/>
-              <a:t>Messaging and Integration</a:t>
-            </a:r>
-          </a:p>
-          <a:p>
-            <a:pPr>
-              <a:lnSpc>
-                <a:spcPct val="100000"/>
-              </a:lnSpc>
-              <a:spcBef>
-                <a:spcPts val="0"/>
-              </a:spcBef>
-              <a:spcAft>
-                <a:spcPts val="0"/>
-              </a:spcAft>
-            </a:pPr>
-            <a:r>
-              <a:rPr lang="en-US" dirty="0"/>
-              <a:t>Compute </a:t>
-            </a:r>
-            <a:r>
-              <a:rPr lang="en-US" dirty="0" smtClean="0"/>
-              <a:t>Assistance, Performance, Media</a:t>
-            </a:r>
-            <a:endParaRPr lang="en-US" dirty="0"/>
-          </a:p>
-        </p:txBody>
-      </p:sp>
-      <p:sp>
-        <p:nvSpPr>
-          <p:cNvPr id="4" name="Slide Number Placeholder 3"/>
-          <p:cNvSpPr>
-            <a:spLocks noGrp="1"/>
-          </p:cNvSpPr>
-          <p:nvPr>
-            <p:ph type="sldNum" sz="quarter" idx="10"/>
-          </p:nvPr>
-        </p:nvSpPr>
-        <p:spPr/>
-        <p:txBody>
-          <a:bodyPr/>
-          <a:lstStyle/>
-          <a:p>
-            <a:pPr>
-              <a:defRPr/>
-            </a:pPr>
-            <a:fld id="{58452FF4-89E3-4D1B-9927-2DBDC00E58D7}" type="slidenum">
-              <a:rPr lang="en-US" smtClean="0"/>
-              <a:pPr>
-                <a:defRPr/>
-              </a:pPr>
-              <a:t>3</a:t>
-            </a:fld>
-            <a:endParaRPr lang="en-US" dirty="0"/>
-          </a:p>
-        </p:txBody>
-      </p:sp>
-    </p:spTree>
-    <p:extLst>
-      <p:ext uri="{BB962C8B-B14F-4D97-AF65-F5344CB8AC3E}">
-        <p14:creationId xmlns:p14="http://schemas.microsoft.com/office/powerpoint/2010/main" val="3021460776"/>
-      </p:ext>
-    </p:extLst>
-  </p:cSld>
-  <p:clrMapOvr>
-    <a:masterClrMapping/>
-  </p:clrMapOvr>
 </p:sld>
 </file>
 
@@ -16840,15 +18330,7 @@
             </a:pPr>
             <a:r>
               <a:rPr lang="en-US" sz="2800" dirty="0" smtClean="0"/>
-              <a:t>Networking, media (CDN), </a:t>
-            </a:r>
-            <a:r>
-              <a:rPr lang="en-US" sz="2800" dirty="0" err="1" smtClean="0"/>
-              <a:t>IoT</a:t>
-            </a:r>
-            <a:r>
-              <a:rPr lang="en-US" sz="2800" dirty="0" smtClean="0"/>
-              <a:t>, security and more</a:t>
+              <a:t>Networking, media (CDN), IoT, security and more</a:t>
             </a:r>
           </a:p>
         </p:txBody>

--- a/09. Intro-to-Azure/Intro-to-Azure.pptx
+++ b/09. Intro-to-Azure/Intro-to-Azure.pptx
@@ -12255,11 +12255,7 @@
           <a:p>
             <a:r>
               <a:rPr lang="en-US" sz="6000" dirty="0" smtClean="0"/>
-              <a:t>Introduction to </a:t>
-            </a:r>
-            <a:r>
-              <a:rPr lang="en-US" sz="6000" dirty="0" smtClean="0"/>
-              <a:t>Azure</a:t>
+              <a:t>Introduction to Azure</a:t>
             </a:r>
             <a:endParaRPr lang="en-US" sz="6000" dirty="0"/>
           </a:p>
@@ -15382,6 +15378,43 @@
           <a:chExt cx="0" cy="0"/>
         </a:xfrm>
       </p:grpSpPr>
+      <p:pic>
+        <p:nvPicPr>
+          <p:cNvPr id="2" name="Picture 1"/>
+          <p:cNvPicPr>
+            <a:picLocks noChangeAspect="1"/>
+          </p:cNvPicPr>
+          <p:nvPr/>
+        </p:nvPicPr>
+        <p:blipFill>
+          <a:blip r:embed="rId2"/>
+          <a:stretch>
+            <a:fillRect/>
+          </a:stretch>
+        </p:blipFill>
+        <p:spPr>
+          <a:xfrm>
+            <a:off x="1230913" y="729174"/>
+            <a:ext cx="6682173" cy="2821746"/>
+          </a:xfrm>
+          <a:prstGeom prst="roundRect">
+            <a:avLst>
+              <a:gd name="adj" fmla="val 0"/>
+            </a:avLst>
+          </a:prstGeom>
+          <a:solidFill>
+            <a:srgbClr val="FFFFFF">
+              <a:shade val="85000"/>
+            </a:srgbClr>
+          </a:solidFill>
+          <a:ln>
+            <a:noFill/>
+          </a:ln>
+          <a:effectLst>
+            <a:reflection blurRad="12700" stA="38000" endPos="28000" dist="5000" dir="5400000" sy="-100000" algn="bl" rotWithShape="0"/>
+          </a:effectLst>
+        </p:spPr>
+      </p:pic>
       <p:sp>
         <p:nvSpPr>
           <p:cNvPr id="5" name="Title 4"/>
@@ -15410,43 +15443,6 @@
           </a:p>
         </p:txBody>
       </p:sp>
-      <p:pic>
-        <p:nvPicPr>
-          <p:cNvPr id="7" name="Picture 6"/>
-          <p:cNvPicPr>
-            <a:picLocks noChangeAspect="1"/>
-          </p:cNvPicPr>
-          <p:nvPr/>
-        </p:nvPicPr>
-        <p:blipFill>
-          <a:blip r:embed="rId2"/>
-          <a:stretch>
-            <a:fillRect/>
-          </a:stretch>
-        </p:blipFill>
-        <p:spPr>
-          <a:xfrm>
-            <a:off x="1915224" y="464127"/>
-            <a:ext cx="5313552" cy="3124200"/>
-          </a:xfrm>
-          <a:prstGeom prst="roundRect">
-            <a:avLst>
-              <a:gd name="adj" fmla="val 0"/>
-            </a:avLst>
-          </a:prstGeom>
-          <a:solidFill>
-            <a:srgbClr val="FFFFFF">
-              <a:shade val="85000"/>
-            </a:srgbClr>
-          </a:solidFill>
-          <a:ln>
-            <a:noFill/>
-          </a:ln>
-          <a:effectLst>
-            <a:reflection blurRad="12700" stA="38000" endPos="28000" dist="5000" dir="5400000" sy="-100000" algn="bl" rotWithShape="0"/>
-          </a:effectLst>
-        </p:spPr>
-      </p:pic>
       <p:sp>
         <p:nvSpPr>
           <p:cNvPr id="6" name="Subtitle 5"/>
